--- a/silverlight-and-sharepoint/Silverlight and SharePoint.pptx
+++ b/silverlight-and-sharepoint/Silverlight and SharePoint.pptx
@@ -3,17 +3,20 @@
 <p:presentation xmlns:a="http://schemas.openxmlformats.org/drawingml/2006/main" xmlns:r="http://schemas.openxmlformats.org/officeDocument/2006/relationships" xmlns:p="http://schemas.openxmlformats.org/presentationml/2006/main" saveSubsetFonts="1">
   <p:sldMasterIdLst>
     <p:sldMasterId id="2147483648" r:id="rId1"/>
+    <p:sldMasterId id="2147483662" r:id="rId2"/>
   </p:sldMasterIdLst>
+  <p:notesMasterIdLst>
+    <p:notesMasterId r:id="rId23"/>
+  </p:notesMasterIdLst>
   <p:sldIdLst>
-    <p:sldId id="256" r:id="rId2"/>
-    <p:sldId id="272" r:id="rId3"/>
-    <p:sldId id="275" r:id="rId4"/>
+    <p:sldId id="278" r:id="rId3"/>
+    <p:sldId id="272" r:id="rId4"/>
     <p:sldId id="276" r:id="rId5"/>
     <p:sldId id="257" r:id="rId6"/>
     <p:sldId id="258" r:id="rId7"/>
     <p:sldId id="259" r:id="rId8"/>
     <p:sldId id="271" r:id="rId9"/>
-    <p:sldId id="262" r:id="rId10"/>
+    <p:sldId id="283" r:id="rId10"/>
     <p:sldId id="264" r:id="rId11"/>
     <p:sldId id="263" r:id="rId12"/>
     <p:sldId id="260" r:id="rId13"/>
@@ -24,6 +27,8 @@
     <p:sldId id="269" r:id="rId18"/>
     <p:sldId id="277" r:id="rId19"/>
     <p:sldId id="274" r:id="rId20"/>
+    <p:sldId id="282" r:id="rId21"/>
+    <p:sldId id="280" r:id="rId22"/>
   </p:sldIdLst>
   <p:sldSz cx="9144000" cy="6858000" type="screen4x3"/>
   <p:notesSz cx="6858000" cy="9144000"/>
@@ -125,6 +130,441 @@
 </p:presentation>
 </file>
 
+<file path=ppt/notesMasters/notesMaster1.xml><?xml version="1.0" encoding="utf-8"?>
+<p:notesMaster xmlns:a="http://schemas.openxmlformats.org/drawingml/2006/main" xmlns:r="http://schemas.openxmlformats.org/officeDocument/2006/relationships" xmlns:p="http://schemas.openxmlformats.org/presentationml/2006/main">
+  <p:cSld>
+    <p:bg>
+      <p:bgRef idx="1001">
+        <a:schemeClr val="bg1"/>
+      </p:bgRef>
+    </p:bg>
+    <p:spTree>
+      <p:nvGrpSpPr>
+        <p:cNvPr id="1" name=""/>
+        <p:cNvGrpSpPr/>
+        <p:nvPr/>
+      </p:nvGrpSpPr>
+      <p:grpSpPr>
+        <a:xfrm>
+          <a:off x="0" y="0"/>
+          <a:ext cx="0" cy="0"/>
+          <a:chOff x="0" y="0"/>
+          <a:chExt cx="0" cy="0"/>
+        </a:xfrm>
+      </p:grpSpPr>
+      <p:sp>
+        <p:nvSpPr>
+          <p:cNvPr id="2" name="Header Placeholder 1"/>
+          <p:cNvSpPr>
+            <a:spLocks noGrp="1"/>
+          </p:cNvSpPr>
+          <p:nvPr>
+            <p:ph type="hdr" sz="quarter"/>
+          </p:nvPr>
+        </p:nvSpPr>
+        <p:spPr>
+          <a:xfrm>
+            <a:off x="0" y="0"/>
+            <a:ext cx="2971800" cy="457200"/>
+          </a:xfrm>
+          <a:prstGeom prst="rect">
+            <a:avLst/>
+          </a:prstGeom>
+        </p:spPr>
+        <p:txBody>
+          <a:bodyPr vert="horz" lIns="91440" tIns="45720" rIns="91440" bIns="45720" rtlCol="0"/>
+          <a:lstStyle>
+            <a:lvl1pPr algn="l">
+              <a:defRPr sz="1200"/>
+            </a:lvl1pPr>
+          </a:lstStyle>
+          <a:p>
+            <a:endParaRPr lang="en-US"/>
+          </a:p>
+        </p:txBody>
+      </p:sp>
+      <p:sp>
+        <p:nvSpPr>
+          <p:cNvPr id="3" name="Date Placeholder 2"/>
+          <p:cNvSpPr>
+            <a:spLocks noGrp="1"/>
+          </p:cNvSpPr>
+          <p:nvPr>
+            <p:ph type="dt" idx="1"/>
+          </p:nvPr>
+        </p:nvSpPr>
+        <p:spPr>
+          <a:xfrm>
+            <a:off x="3884613" y="0"/>
+            <a:ext cx="2971800" cy="457200"/>
+          </a:xfrm>
+          <a:prstGeom prst="rect">
+            <a:avLst/>
+          </a:prstGeom>
+        </p:spPr>
+        <p:txBody>
+          <a:bodyPr vert="horz" lIns="91440" tIns="45720" rIns="91440" bIns="45720" rtlCol="0"/>
+          <a:lstStyle>
+            <a:lvl1pPr algn="r">
+              <a:defRPr sz="1200"/>
+            </a:lvl1pPr>
+          </a:lstStyle>
+          <a:p>
+            <a:fld id="{74F77673-B90B-44C6-8941-F365249A7361}" type="datetimeFigureOut">
+              <a:rPr lang="en-US" smtClean="0"/>
+              <a:t>5/31/2012</a:t>
+            </a:fld>
+            <a:endParaRPr lang="en-US"/>
+          </a:p>
+        </p:txBody>
+      </p:sp>
+      <p:sp>
+        <p:nvSpPr>
+          <p:cNvPr id="4" name="Slide Image Placeholder 3"/>
+          <p:cNvSpPr>
+            <a:spLocks noGrp="1" noRot="1" noChangeAspect="1"/>
+          </p:cNvSpPr>
+          <p:nvPr>
+            <p:ph type="sldImg" idx="2"/>
+          </p:nvPr>
+        </p:nvSpPr>
+        <p:spPr>
+          <a:xfrm>
+            <a:off x="1143000" y="685800"/>
+            <a:ext cx="4572000" cy="3429000"/>
+          </a:xfrm>
+          <a:prstGeom prst="rect">
+            <a:avLst/>
+          </a:prstGeom>
+          <a:noFill/>
+          <a:ln w="12700">
+            <a:solidFill>
+              <a:prstClr val="black"/>
+            </a:solidFill>
+          </a:ln>
+        </p:spPr>
+        <p:txBody>
+          <a:bodyPr vert="horz" lIns="91440" tIns="45720" rIns="91440" bIns="45720" rtlCol="0" anchor="ctr"/>
+          <a:lstStyle/>
+          <a:p>
+            <a:endParaRPr lang="en-US"/>
+          </a:p>
+        </p:txBody>
+      </p:sp>
+      <p:sp>
+        <p:nvSpPr>
+          <p:cNvPr id="5" name="Notes Placeholder 4"/>
+          <p:cNvSpPr>
+            <a:spLocks noGrp="1"/>
+          </p:cNvSpPr>
+          <p:nvPr>
+            <p:ph type="body" sz="quarter" idx="3"/>
+          </p:nvPr>
+        </p:nvSpPr>
+        <p:spPr>
+          <a:xfrm>
+            <a:off x="685800" y="4343400"/>
+            <a:ext cx="5486400" cy="4114800"/>
+          </a:xfrm>
+          <a:prstGeom prst="rect">
+            <a:avLst/>
+          </a:prstGeom>
+        </p:spPr>
+        <p:txBody>
+          <a:bodyPr vert="horz" lIns="91440" tIns="45720" rIns="91440" bIns="45720" rtlCol="0"/>
+          <a:lstStyle/>
+          <a:p>
+            <a:pPr lvl="0"/>
+            <a:r>
+              <a:rPr lang="en-US" smtClean="0"/>
+              <a:t>Click to edit Master text styles</a:t>
+            </a:r>
+          </a:p>
+          <a:p>
+            <a:pPr lvl="1"/>
+            <a:r>
+              <a:rPr lang="en-US" smtClean="0"/>
+              <a:t>Second level</a:t>
+            </a:r>
+          </a:p>
+          <a:p>
+            <a:pPr lvl="2"/>
+            <a:r>
+              <a:rPr lang="en-US" smtClean="0"/>
+              <a:t>Third level</a:t>
+            </a:r>
+          </a:p>
+          <a:p>
+            <a:pPr lvl="3"/>
+            <a:r>
+              <a:rPr lang="en-US" smtClean="0"/>
+              <a:t>Fourth level</a:t>
+            </a:r>
+          </a:p>
+          <a:p>
+            <a:pPr lvl="4"/>
+            <a:r>
+              <a:rPr lang="en-US" smtClean="0"/>
+              <a:t>Fifth level</a:t>
+            </a:r>
+            <a:endParaRPr lang="en-US"/>
+          </a:p>
+        </p:txBody>
+      </p:sp>
+      <p:sp>
+        <p:nvSpPr>
+          <p:cNvPr id="6" name="Footer Placeholder 5"/>
+          <p:cNvSpPr>
+            <a:spLocks noGrp="1"/>
+          </p:cNvSpPr>
+          <p:nvPr>
+            <p:ph type="ftr" sz="quarter" idx="4"/>
+          </p:nvPr>
+        </p:nvSpPr>
+        <p:spPr>
+          <a:xfrm>
+            <a:off x="0" y="8685213"/>
+            <a:ext cx="2971800" cy="457200"/>
+          </a:xfrm>
+          <a:prstGeom prst="rect">
+            <a:avLst/>
+          </a:prstGeom>
+        </p:spPr>
+        <p:txBody>
+          <a:bodyPr vert="horz" lIns="91440" tIns="45720" rIns="91440" bIns="45720" rtlCol="0" anchor="b"/>
+          <a:lstStyle>
+            <a:lvl1pPr algn="l">
+              <a:defRPr sz="1200"/>
+            </a:lvl1pPr>
+          </a:lstStyle>
+          <a:p>
+            <a:endParaRPr lang="en-US"/>
+          </a:p>
+        </p:txBody>
+      </p:sp>
+      <p:sp>
+        <p:nvSpPr>
+          <p:cNvPr id="7" name="Slide Number Placeholder 6"/>
+          <p:cNvSpPr>
+            <a:spLocks noGrp="1"/>
+          </p:cNvSpPr>
+          <p:nvPr>
+            <p:ph type="sldNum" sz="quarter" idx="5"/>
+          </p:nvPr>
+        </p:nvSpPr>
+        <p:spPr>
+          <a:xfrm>
+            <a:off x="3884613" y="8685213"/>
+            <a:ext cx="2971800" cy="457200"/>
+          </a:xfrm>
+          <a:prstGeom prst="rect">
+            <a:avLst/>
+          </a:prstGeom>
+        </p:spPr>
+        <p:txBody>
+          <a:bodyPr vert="horz" lIns="91440" tIns="45720" rIns="91440" bIns="45720" rtlCol="0" anchor="b"/>
+          <a:lstStyle>
+            <a:lvl1pPr algn="r">
+              <a:defRPr sz="1200"/>
+            </a:lvl1pPr>
+          </a:lstStyle>
+          <a:p>
+            <a:fld id="{FE6B8253-8515-4FBD-BD69-5D26BF773495}" type="slidenum">
+              <a:rPr lang="en-US" smtClean="0"/>
+              <a:t>‹#›</a:t>
+            </a:fld>
+            <a:endParaRPr lang="en-US"/>
+          </a:p>
+        </p:txBody>
+      </p:sp>
+    </p:spTree>
+    <p:extLst>
+      <p:ext uri="{BB962C8B-B14F-4D97-AF65-F5344CB8AC3E}">
+        <p14:creationId xmlns:p14="http://schemas.microsoft.com/office/powerpoint/2010/main" val="1870043745"/>
+      </p:ext>
+    </p:extLst>
+  </p:cSld>
+  <p:clrMap bg1="lt1" tx1="dk1" bg2="lt2" tx2="dk2" accent1="accent1" accent2="accent2" accent3="accent3" accent4="accent4" accent5="accent5" accent6="accent6" hlink="hlink" folHlink="folHlink"/>
+  <p:notesStyle>
+    <a:lvl1pPr marL="0" algn="l" defTabSz="914400" rtl="0" eaLnBrk="1" latinLnBrk="0" hangingPunct="1">
+      <a:defRPr sz="1200" kern="1200">
+        <a:solidFill>
+          <a:schemeClr val="tx1"/>
+        </a:solidFill>
+        <a:latin typeface="+mn-lt"/>
+        <a:ea typeface="+mn-ea"/>
+        <a:cs typeface="+mn-cs"/>
+      </a:defRPr>
+    </a:lvl1pPr>
+    <a:lvl2pPr marL="457200" algn="l" defTabSz="914400" rtl="0" eaLnBrk="1" latinLnBrk="0" hangingPunct="1">
+      <a:defRPr sz="1200" kern="1200">
+        <a:solidFill>
+          <a:schemeClr val="tx1"/>
+        </a:solidFill>
+        <a:latin typeface="+mn-lt"/>
+        <a:ea typeface="+mn-ea"/>
+        <a:cs typeface="+mn-cs"/>
+      </a:defRPr>
+    </a:lvl2pPr>
+    <a:lvl3pPr marL="914400" algn="l" defTabSz="914400" rtl="0" eaLnBrk="1" latinLnBrk="0" hangingPunct="1">
+      <a:defRPr sz="1200" kern="1200">
+        <a:solidFill>
+          <a:schemeClr val="tx1"/>
+        </a:solidFill>
+        <a:latin typeface="+mn-lt"/>
+        <a:ea typeface="+mn-ea"/>
+        <a:cs typeface="+mn-cs"/>
+      </a:defRPr>
+    </a:lvl3pPr>
+    <a:lvl4pPr marL="1371600" algn="l" defTabSz="914400" rtl="0" eaLnBrk="1" latinLnBrk="0" hangingPunct="1">
+      <a:defRPr sz="1200" kern="1200">
+        <a:solidFill>
+          <a:schemeClr val="tx1"/>
+        </a:solidFill>
+        <a:latin typeface="+mn-lt"/>
+        <a:ea typeface="+mn-ea"/>
+        <a:cs typeface="+mn-cs"/>
+      </a:defRPr>
+    </a:lvl4pPr>
+    <a:lvl5pPr marL="1828800" algn="l" defTabSz="914400" rtl="0" eaLnBrk="1" latinLnBrk="0" hangingPunct="1">
+      <a:defRPr sz="1200" kern="1200">
+        <a:solidFill>
+          <a:schemeClr val="tx1"/>
+        </a:solidFill>
+        <a:latin typeface="+mn-lt"/>
+        <a:ea typeface="+mn-ea"/>
+        <a:cs typeface="+mn-cs"/>
+      </a:defRPr>
+    </a:lvl5pPr>
+    <a:lvl6pPr marL="2286000" algn="l" defTabSz="914400" rtl="0" eaLnBrk="1" latinLnBrk="0" hangingPunct="1">
+      <a:defRPr sz="1200" kern="1200">
+        <a:solidFill>
+          <a:schemeClr val="tx1"/>
+        </a:solidFill>
+        <a:latin typeface="+mn-lt"/>
+        <a:ea typeface="+mn-ea"/>
+        <a:cs typeface="+mn-cs"/>
+      </a:defRPr>
+    </a:lvl6pPr>
+    <a:lvl7pPr marL="2743200" algn="l" defTabSz="914400" rtl="0" eaLnBrk="1" latinLnBrk="0" hangingPunct="1">
+      <a:defRPr sz="1200" kern="1200">
+        <a:solidFill>
+          <a:schemeClr val="tx1"/>
+        </a:solidFill>
+        <a:latin typeface="+mn-lt"/>
+        <a:ea typeface="+mn-ea"/>
+        <a:cs typeface="+mn-cs"/>
+      </a:defRPr>
+    </a:lvl7pPr>
+    <a:lvl8pPr marL="3200400" algn="l" defTabSz="914400" rtl="0" eaLnBrk="1" latinLnBrk="0" hangingPunct="1">
+      <a:defRPr sz="1200" kern="1200">
+        <a:solidFill>
+          <a:schemeClr val="tx1"/>
+        </a:solidFill>
+        <a:latin typeface="+mn-lt"/>
+        <a:ea typeface="+mn-ea"/>
+        <a:cs typeface="+mn-cs"/>
+      </a:defRPr>
+    </a:lvl8pPr>
+    <a:lvl9pPr marL="3657600" algn="l" defTabSz="914400" rtl="0" eaLnBrk="1" latinLnBrk="0" hangingPunct="1">
+      <a:defRPr sz="1200" kern="1200">
+        <a:solidFill>
+          <a:schemeClr val="tx1"/>
+        </a:solidFill>
+        <a:latin typeface="+mn-lt"/>
+        <a:ea typeface="+mn-ea"/>
+        <a:cs typeface="+mn-cs"/>
+      </a:defRPr>
+    </a:lvl9pPr>
+  </p:notesStyle>
+</p:notesMaster>
+</file>
+
+<file path=ppt/notesSlides/notesSlide1.xml><?xml version="1.0" encoding="utf-8"?>
+<p:notes xmlns:a="http://schemas.openxmlformats.org/drawingml/2006/main" xmlns:r="http://schemas.openxmlformats.org/officeDocument/2006/relationships" xmlns:p="http://schemas.openxmlformats.org/presentationml/2006/main">
+  <p:cSld>
+    <p:spTree>
+      <p:nvGrpSpPr>
+        <p:cNvPr id="1" name=""/>
+        <p:cNvGrpSpPr/>
+        <p:nvPr/>
+      </p:nvGrpSpPr>
+      <p:grpSpPr>
+        <a:xfrm>
+          <a:off x="0" y="0"/>
+          <a:ext cx="0" cy="0"/>
+          <a:chOff x="0" y="0"/>
+          <a:chExt cx="0" cy="0"/>
+        </a:xfrm>
+      </p:grpSpPr>
+      <p:sp>
+        <p:nvSpPr>
+          <p:cNvPr id="2" name="Slide Image Placeholder 1"/>
+          <p:cNvSpPr>
+            <a:spLocks noGrp="1" noRot="1" noChangeAspect="1"/>
+          </p:cNvSpPr>
+          <p:nvPr>
+            <p:ph type="sldImg"/>
+          </p:nvPr>
+        </p:nvSpPr>
+        <p:spPr/>
+      </p:sp>
+      <p:sp>
+        <p:nvSpPr>
+          <p:cNvPr id="3" name="Notes Placeholder 2"/>
+          <p:cNvSpPr>
+            <a:spLocks noGrp="1"/>
+          </p:cNvSpPr>
+          <p:nvPr>
+            <p:ph type="body" idx="1"/>
+          </p:nvPr>
+        </p:nvSpPr>
+        <p:spPr/>
+        <p:txBody>
+          <a:bodyPr/>
+          <a:lstStyle/>
+          <a:p>
+            <a:endParaRPr lang="en-US" dirty="0"/>
+          </a:p>
+        </p:txBody>
+      </p:sp>
+      <p:sp>
+        <p:nvSpPr>
+          <p:cNvPr id="4" name="Slide Number Placeholder 3"/>
+          <p:cNvSpPr>
+            <a:spLocks noGrp="1"/>
+          </p:cNvSpPr>
+          <p:nvPr>
+            <p:ph type="sldNum" sz="quarter" idx="10"/>
+          </p:nvPr>
+        </p:nvSpPr>
+        <p:spPr/>
+        <p:txBody>
+          <a:bodyPr/>
+          <a:lstStyle/>
+          <a:p>
+            <a:fld id="{8B263312-38AA-4E1E-B2B5-0F8F122B24FE}" type="slidenum">
+              <a:rPr lang="en-US" smtClean="0"/>
+              <a:pPr/>
+              <a:t>20</a:t>
+            </a:fld>
+            <a:endParaRPr lang="en-US" dirty="0"/>
+          </a:p>
+        </p:txBody>
+      </p:sp>
+    </p:spTree>
+    <p:extLst>
+      <p:ext uri="{BB962C8B-B14F-4D97-AF65-F5344CB8AC3E}">
+        <p14:creationId xmlns:p14="http://schemas.microsoft.com/office/powerpoint/2010/main" val="2780809022"/>
+      </p:ext>
+    </p:extLst>
+  </p:cSld>
+  <p:clrMapOvr>
+    <a:masterClrMapping/>
+  </p:clrMapOvr>
+</p:notes>
+</file>
+
 <file path=ppt/slideLayouts/slideLayout1.xml><?xml version="1.0" encoding="utf-8"?>
 <p:sldLayout xmlns:a="http://schemas.openxmlformats.org/drawingml/2006/main" xmlns:r="http://schemas.openxmlformats.org/officeDocument/2006/relationships" xmlns:p="http://schemas.openxmlformats.org/presentationml/2006/main" type="title" preserve="1">
   <p:cSld name="Title Slide">
@@ -306,7 +746,7 @@
           <a:p>
             <a:fld id="{A2ED7707-E2E8-493C-B39F-CCDFED8A6AEA}" type="datetimeFigureOut">
               <a:rPr lang="en-US" smtClean="0"/>
-              <a:t>5/29/2012</a:t>
+              <a:t>5/31/2012</a:t>
             </a:fld>
             <a:endParaRPr lang="en-US"/>
           </a:p>
@@ -476,7 +916,7 @@
           <a:p>
             <a:fld id="{A2ED7707-E2E8-493C-B39F-CCDFED8A6AEA}" type="datetimeFigureOut">
               <a:rPr lang="en-US" smtClean="0"/>
-              <a:t>5/29/2012</a:t>
+              <a:t>5/31/2012</a:t>
             </a:fld>
             <a:endParaRPr lang="en-US"/>
           </a:p>
@@ -656,7 +1096,7 @@
           <a:p>
             <a:fld id="{A2ED7707-E2E8-493C-B39F-CCDFED8A6AEA}" type="datetimeFigureOut">
               <a:rPr lang="en-US" smtClean="0"/>
-              <a:t>5/29/2012</a:t>
+              <a:t>5/31/2012</a:t>
             </a:fld>
             <a:endParaRPr lang="en-US"/>
           </a:p>
@@ -714,6 +1154,4533 @@
   <p:clrMapOvr>
     <a:masterClrMapping/>
   </p:clrMapOvr>
+</p:sldLayout>
+</file>
+
+<file path=ppt/slideLayouts/slideLayout12.xml><?xml version="1.0" encoding="utf-8"?>
+<p:sldLayout xmlns:a="http://schemas.openxmlformats.org/drawingml/2006/main" xmlns:r="http://schemas.openxmlformats.org/officeDocument/2006/relationships" xmlns:p="http://schemas.openxmlformats.org/presentationml/2006/main" userDrawn="1">
+  <p:cSld name="Title Slide WP7 Annimation ">
+    <p:bg>
+      <p:bgPr>
+        <a:solidFill>
+          <a:schemeClr val="bg1"/>
+        </a:solidFill>
+        <a:effectLst/>
+      </p:bgPr>
+    </p:bg>
+    <p:spTree>
+      <p:nvGrpSpPr>
+        <p:cNvPr id="1" name=""/>
+        <p:cNvGrpSpPr/>
+        <p:nvPr/>
+      </p:nvGrpSpPr>
+      <p:grpSpPr>
+        <a:xfrm>
+          <a:off x="0" y="0"/>
+          <a:ext cx="0" cy="0"/>
+          <a:chOff x="0" y="0"/>
+          <a:chExt cx="0" cy="0"/>
+        </a:xfrm>
+      </p:grpSpPr>
+      <p:pic>
+        <p:nvPicPr>
+          <p:cNvPr id="3" name="Picture 2"/>
+          <p:cNvPicPr>
+            <a:picLocks noChangeAspect="1"/>
+          </p:cNvPicPr>
+          <p:nvPr userDrawn="1"/>
+        </p:nvPicPr>
+        <p:blipFill>
+          <a:blip r:embed="rId2">
+            <a:extLst>
+              <a:ext uri="{28A0092B-C50C-407E-A947-70E740481C1C}">
+                <a14:useLocalDpi xmlns:a14="http://schemas.microsoft.com/office/drawing/2010/main" val="0"/>
+              </a:ext>
+            </a:extLst>
+          </a:blip>
+          <a:stretch>
+            <a:fillRect/>
+          </a:stretch>
+        </p:blipFill>
+        <p:spPr>
+          <a:xfrm>
+            <a:off x="5704248" y="304800"/>
+            <a:ext cx="3134952" cy="698873"/>
+          </a:xfrm>
+          <a:prstGeom prst="rect">
+            <a:avLst/>
+          </a:prstGeom>
+        </p:spPr>
+      </p:pic>
+      <p:sp>
+        <p:nvSpPr>
+          <p:cNvPr id="31" name="Rectangle 30"/>
+          <p:cNvSpPr/>
+          <p:nvPr userDrawn="1"/>
+        </p:nvSpPr>
+        <p:spPr bwMode="auto">
+          <a:xfrm>
+            <a:off x="381000" y="2362199"/>
+            <a:ext cx="8380413" cy="2221992"/>
+          </a:xfrm>
+          <a:prstGeom prst="rect">
+            <a:avLst/>
+          </a:prstGeom>
+          <a:solidFill>
+            <a:srgbClr val="C00000"/>
+          </a:solidFill>
+          <a:ln>
+            <a:noFill/>
+            <a:headEnd type="none" w="med" len="med"/>
+            <a:tailEnd type="none" w="med" len="med"/>
+          </a:ln>
+        </p:spPr>
+        <p:style>
+          <a:lnRef idx="2">
+            <a:schemeClr val="accent3">
+              <a:shade val="50000"/>
+            </a:schemeClr>
+          </a:lnRef>
+          <a:fillRef idx="1">
+            <a:schemeClr val="accent3"/>
+          </a:fillRef>
+          <a:effectRef idx="0">
+            <a:schemeClr val="accent3"/>
+          </a:effectRef>
+          <a:fontRef idx="minor">
+            <a:schemeClr val="lt1"/>
+          </a:fontRef>
+        </p:style>
+        <p:txBody>
+          <a:bodyPr vert="horz" wrap="square" lIns="68604" tIns="34302" rIns="68604" bIns="34302" numCol="1" rtlCol="0" anchor="ctr" anchorCtr="0" compatLnSpc="1">
+            <a:prstTxWarp prst="textNoShape">
+              <a:avLst/>
+            </a:prstTxWarp>
+          </a:bodyPr>
+          <a:lstStyle/>
+          <a:p>
+            <a:pPr lvl="0" algn="ctr" defTabSz="685848" fontAlgn="base">
+              <a:spcBef>
+                <a:spcPct val="0"/>
+              </a:spcBef>
+              <a:spcAft>
+                <a:spcPct val="0"/>
+              </a:spcAft>
+            </a:pPr>
+            <a:endParaRPr lang="en-US" dirty="0" smtClean="0">
+              <a:gradFill>
+                <a:gsLst>
+                  <a:gs pos="0">
+                    <a:srgbClr val="FFFFFF"/>
+                  </a:gs>
+                  <a:gs pos="100000">
+                    <a:srgbClr val="FFFFFF"/>
+                  </a:gs>
+                </a:gsLst>
+                <a:lin ang="5400000" scaled="0"/>
+              </a:gradFill>
+            </a:endParaRPr>
+          </a:p>
+        </p:txBody>
+      </p:sp>
+      <p:sp>
+        <p:nvSpPr>
+          <p:cNvPr id="32" name="Subtitle 2"/>
+          <p:cNvSpPr>
+            <a:spLocks noGrp="1"/>
+          </p:cNvSpPr>
+          <p:nvPr>
+            <p:ph type="subTitle" idx="1"/>
+          </p:nvPr>
+        </p:nvSpPr>
+        <p:spPr>
+          <a:xfrm>
+            <a:off x="395200" y="5541926"/>
+            <a:ext cx="7315200" cy="373949"/>
+          </a:xfrm>
+        </p:spPr>
+        <p:txBody>
+          <a:bodyPr vert="horz" wrap="square" lIns="0" tIns="0" rIns="0" bIns="0" rtlCol="0" anchor="ctr" anchorCtr="0">
+            <a:spAutoFit/>
+          </a:bodyPr>
+          <a:lstStyle>
+            <a:lvl1pPr marL="0" indent="0">
+              <a:spcBef>
+                <a:spcPts val="0"/>
+              </a:spcBef>
+              <a:buFontTx/>
+              <a:buNone/>
+              <a:defRPr lang="en-US" sz="2700" b="1" kern="1200" spc="0" baseline="0" dirty="0">
+                <a:solidFill>
+                  <a:srgbClr val="C00000"/>
+                </a:solidFill>
+                <a:latin typeface="Segoe UI Light" pitchFamily="34" charset="0"/>
+                <a:ea typeface="+mn-ea"/>
+                <a:cs typeface="+mn-cs"/>
+              </a:defRPr>
+            </a:lvl1pPr>
+          </a:lstStyle>
+          <a:p>
+            <a:pPr marL="0" lvl="0" indent="0" algn="l" defTabSz="685961" rtl="0" eaLnBrk="1" latinLnBrk="0" hangingPunct="1">
+              <a:lnSpc>
+                <a:spcPct val="90000"/>
+              </a:lnSpc>
+              <a:spcBef>
+                <a:spcPts val="0"/>
+              </a:spcBef>
+              <a:buClr>
+                <a:schemeClr val="tx2"/>
+              </a:buClr>
+              <a:buSzPct val="90000"/>
+              <a:buFontTx/>
+              <a:buNone/>
+            </a:pPr>
+            <a:r>
+              <a:rPr lang="en-US" dirty="0" smtClean="0"/>
+              <a:t>Click to edit Master subtitle style</a:t>
+            </a:r>
+            <a:endParaRPr lang="en-US" dirty="0"/>
+          </a:p>
+        </p:txBody>
+      </p:sp>
+      <p:sp>
+        <p:nvSpPr>
+          <p:cNvPr id="33" name="Text Placeholder 8"/>
+          <p:cNvSpPr>
+            <a:spLocks noGrp="1"/>
+          </p:cNvSpPr>
+          <p:nvPr>
+            <p:ph type="body" sz="quarter" idx="10" hasCustomPrompt="1"/>
+          </p:nvPr>
+        </p:nvSpPr>
+        <p:spPr>
+          <a:xfrm>
+            <a:off x="381023" y="5899841"/>
+            <a:ext cx="7315200" cy="290849"/>
+          </a:xfrm>
+        </p:spPr>
+        <p:txBody>
+          <a:bodyPr anchor="ctr" anchorCtr="0"/>
+          <a:lstStyle>
+            <a:lvl1pPr marL="0" indent="0">
+              <a:spcBef>
+                <a:spcPts val="0"/>
+              </a:spcBef>
+              <a:buFontTx/>
+              <a:buNone/>
+              <a:defRPr sz="2100" spc="0" baseline="0">
+                <a:latin typeface="Segoe UI Light" pitchFamily="34" charset="0"/>
+              </a:defRPr>
+            </a:lvl1pPr>
+          </a:lstStyle>
+          <a:p>
+            <a:r>
+              <a:rPr lang="en-US" dirty="0" smtClean="0"/>
+              <a:t>Click to edit Master subtitle style</a:t>
+            </a:r>
+            <a:endParaRPr lang="en-US" dirty="0"/>
+          </a:p>
+        </p:txBody>
+      </p:sp>
+      <p:sp>
+        <p:nvSpPr>
+          <p:cNvPr id="34" name="Text Placeholder 8"/>
+          <p:cNvSpPr>
+            <a:spLocks noGrp="1"/>
+          </p:cNvSpPr>
+          <p:nvPr>
+            <p:ph type="body" sz="quarter" idx="11" hasCustomPrompt="1"/>
+          </p:nvPr>
+        </p:nvSpPr>
+        <p:spPr>
+          <a:xfrm>
+            <a:off x="381023" y="6169976"/>
+            <a:ext cx="7315200" cy="290849"/>
+          </a:xfrm>
+        </p:spPr>
+        <p:txBody>
+          <a:bodyPr anchor="ctr" anchorCtr="0"/>
+          <a:lstStyle>
+            <a:lvl1pPr marL="0" indent="0">
+              <a:spcBef>
+                <a:spcPts val="0"/>
+              </a:spcBef>
+              <a:buFontTx/>
+              <a:buNone/>
+              <a:defRPr sz="2100" spc="0" baseline="0">
+                <a:latin typeface="Segoe UI Light" pitchFamily="34" charset="0"/>
+              </a:defRPr>
+            </a:lvl1pPr>
+          </a:lstStyle>
+          <a:p>
+            <a:r>
+              <a:rPr lang="en-US" dirty="0" smtClean="0"/>
+              <a:t>Click to edit Master subtitle style</a:t>
+            </a:r>
+            <a:endParaRPr lang="en-US" dirty="0"/>
+          </a:p>
+        </p:txBody>
+      </p:sp>
+      <p:sp>
+        <p:nvSpPr>
+          <p:cNvPr id="35" name="Title 1"/>
+          <p:cNvSpPr>
+            <a:spLocks noGrp="1"/>
+          </p:cNvSpPr>
+          <p:nvPr>
+            <p:ph type="ctrTitle"/>
+          </p:nvPr>
+        </p:nvSpPr>
+        <p:spPr>
+          <a:xfrm>
+            <a:off x="555738" y="2924047"/>
+            <a:ext cx="8046720" cy="1098296"/>
+          </a:xfrm>
+        </p:spPr>
+        <p:txBody>
+          <a:bodyPr anchor="ctr" anchorCtr="0">
+            <a:noAutofit/>
+          </a:bodyPr>
+          <a:lstStyle>
+            <a:lvl1pPr>
+              <a:lnSpc>
+                <a:spcPct val="90000"/>
+              </a:lnSpc>
+              <a:tabLst>
+                <a:tab pos="1504361" algn="l"/>
+              </a:tabLst>
+              <a:defRPr lang="en-US" sz="5400" b="0" kern="1200" cap="none" spc="-150" baseline="0" dirty="0">
+                <a:ln w="3175">
+                  <a:noFill/>
+                </a:ln>
+                <a:gradFill>
+                  <a:gsLst>
+                    <a:gs pos="0">
+                      <a:schemeClr val="bg2"/>
+                    </a:gs>
+                    <a:gs pos="100000">
+                      <a:schemeClr val="bg2"/>
+                    </a:gs>
+                  </a:gsLst>
+                  <a:lin ang="5400000" scaled="0"/>
+                </a:gradFill>
+                <a:effectLst/>
+                <a:latin typeface="Segoe UI Light" pitchFamily="34" charset="0"/>
+                <a:ea typeface="+mn-ea"/>
+                <a:cs typeface="+mn-cs"/>
+              </a:defRPr>
+            </a:lvl1pPr>
+          </a:lstStyle>
+          <a:p>
+            <a:pPr lvl="0" algn="l" defTabSz="685961" rtl="0" eaLnBrk="1" latinLnBrk="0" hangingPunct="1">
+              <a:lnSpc>
+                <a:spcPct val="90000"/>
+              </a:lnSpc>
+              <a:spcBef>
+                <a:spcPct val="0"/>
+              </a:spcBef>
+              <a:buNone/>
+            </a:pPr>
+            <a:r>
+              <a:rPr lang="en-US" dirty="0" smtClean="0"/>
+              <a:t>Click to edit Master title style</a:t>
+            </a:r>
+            <a:endParaRPr lang="en-US" dirty="0"/>
+          </a:p>
+        </p:txBody>
+      </p:sp>
+    </p:spTree>
+    <p:extLst>
+      <p:ext uri="{BB962C8B-B14F-4D97-AF65-F5344CB8AC3E}">
+        <p14:creationId xmlns:p14="http://schemas.microsoft.com/office/powerpoint/2010/main" val="2079735886"/>
+      </p:ext>
+    </p:extLst>
+  </p:cSld>
+  <p:clrMapOvr>
+    <a:masterClrMapping/>
+  </p:clrMapOvr>
+  <p:transition spd="slow">
+    <p:push/>
+  </p:transition>
+  <p:timing>
+    <p:tnLst>
+      <p:par>
+        <p:cTn id="1" dur="indefinite" restart="never" nodeType="tmRoot">
+          <p:childTnLst>
+            <p:seq concurrent="1" nextAc="seek">
+              <p:cTn id="2" dur="indefinite" nodeType="mainSeq">
+                <p:childTnLst>
+                  <p:par>
+                    <p:cTn id="3" fill="hold">
+                      <p:stCondLst>
+                        <p:cond delay="indefinite"/>
+                        <p:cond evt="onBegin" delay="0">
+                          <p:tn val="2"/>
+                        </p:cond>
+                      </p:stCondLst>
+                      <p:childTnLst>
+                        <p:par>
+                          <p:cTn id="4" fill="hold">
+                            <p:stCondLst>
+                              <p:cond delay="0"/>
+                            </p:stCondLst>
+                            <p:childTnLst>
+                              <p:par>
+                                <p:cTn id="5" presetID="1" presetClass="entr" presetSubtype="0" fill="hold" grpId="1" nodeType="withEffect">
+                                  <p:stCondLst>
+                                    <p:cond delay="0"/>
+                                  </p:stCondLst>
+                                  <p:childTnLst>
+                                    <p:set>
+                                      <p:cBhvr>
+                                        <p:cTn id="6" dur="1" fill="hold">
+                                          <p:stCondLst>
+                                            <p:cond delay="0"/>
+                                          </p:stCondLst>
+                                        </p:cTn>
+                                        <p:tgtEl>
+                                          <p:spTgt spid="31"/>
+                                        </p:tgtEl>
+                                        <p:attrNameLst>
+                                          <p:attrName>style.visibility</p:attrName>
+                                        </p:attrNameLst>
+                                      </p:cBhvr>
+                                      <p:to>
+                                        <p:strVal val="visible"/>
+                                      </p:to>
+                                    </p:set>
+                                  </p:childTnLst>
+                                </p:cTn>
+                              </p:par>
+                              <p:par>
+                                <p:cTn id="7" presetID="42" presetClass="path" presetSubtype="0" decel="100000" fill="hold" grpId="2" nodeType="withEffect">
+                                  <p:stCondLst>
+                                    <p:cond delay="0"/>
+                                  </p:stCondLst>
+                                  <p:childTnLst>
+                                    <p:animMotion origin="layout" path="M 2.5553E-6 -4.07407E-6 L 1.03604 -0.00115 " pathEditMode="relative" rAng="0" ptsTypes="AA">
+                                      <p:cBhvr>
+                                        <p:cTn id="8" dur="750" spd="-100000" fill="hold"/>
+                                        <p:tgtEl>
+                                          <p:spTgt spid="31"/>
+                                        </p:tgtEl>
+                                        <p:attrNameLst>
+                                          <p:attrName>ppt_x</p:attrName>
+                                          <p:attrName>ppt_y</p:attrName>
+                                        </p:attrNameLst>
+                                      </p:cBhvr>
+                                      <p:rCtr x="51795" y="-69"/>
+                                    </p:animMotion>
+                                  </p:childTnLst>
+                                </p:cTn>
+                              </p:par>
+                              <p:par>
+                                <p:cTn id="9" presetID="1" presetClass="entr" presetSubtype="0" fill="hold" grpId="0" nodeType="withEffect">
+                                  <p:stCondLst>
+                                    <p:cond delay="300"/>
+                                  </p:stCondLst>
+                                  <p:childTnLst>
+                                    <p:set>
+                                      <p:cBhvr>
+                                        <p:cTn id="10" dur="1" fill="hold">
+                                          <p:stCondLst>
+                                            <p:cond delay="0"/>
+                                          </p:stCondLst>
+                                        </p:cTn>
+                                        <p:tgtEl>
+                                          <p:spTgt spid="35"/>
+                                        </p:tgtEl>
+                                        <p:attrNameLst>
+                                          <p:attrName>style.visibility</p:attrName>
+                                        </p:attrNameLst>
+                                      </p:cBhvr>
+                                      <p:to>
+                                        <p:strVal val="visible"/>
+                                      </p:to>
+                                    </p:set>
+                                  </p:childTnLst>
+                                </p:cTn>
+                              </p:par>
+                              <p:par>
+                                <p:cTn id="11" presetID="42" presetClass="path" presetSubtype="0" decel="100000" fill="hold" grpId="1" nodeType="withEffect">
+                                  <p:stCondLst>
+                                    <p:cond delay="250"/>
+                                  </p:stCondLst>
+                                  <p:childTnLst>
+                                    <p:animMotion origin="layout" path="M -4.44444E-6 0.00463 L 1.02969 0.00347 " pathEditMode="relative" rAng="0" ptsTypes="AA">
+                                      <p:cBhvr>
+                                        <p:cTn id="12" dur="750" spd="-100000" fill="hold"/>
+                                        <p:tgtEl>
+                                          <p:spTgt spid="35"/>
+                                        </p:tgtEl>
+                                        <p:attrNameLst>
+                                          <p:attrName>ppt_x</p:attrName>
+                                          <p:attrName>ppt_y</p:attrName>
+                                        </p:attrNameLst>
+                                      </p:cBhvr>
+                                      <p:rCtr x="51476" y="-69"/>
+                                    </p:animMotion>
+                                  </p:childTnLst>
+                                </p:cTn>
+                              </p:par>
+                              <p:par>
+                                <p:cTn id="13" presetID="1" presetClass="entr" presetSubtype="0" fill="hold" grpId="0" nodeType="withEffect">
+                                  <p:stCondLst>
+                                    <p:cond delay="500"/>
+                                  </p:stCondLst>
+                                  <p:childTnLst>
+                                    <p:set>
+                                      <p:cBhvr>
+                                        <p:cTn id="14" dur="1" fill="hold">
+                                          <p:stCondLst>
+                                            <p:cond delay="0"/>
+                                          </p:stCondLst>
+                                        </p:cTn>
+                                        <p:tgtEl>
+                                          <p:spTgt spid="32">
+                                            <p:txEl>
+                                              <p:pRg st="0" end="0"/>
+                                            </p:txEl>
+                                          </p:spTgt>
+                                        </p:tgtEl>
+                                        <p:attrNameLst>
+                                          <p:attrName>style.visibility</p:attrName>
+                                        </p:attrNameLst>
+                                      </p:cBhvr>
+                                      <p:to>
+                                        <p:strVal val="visible"/>
+                                      </p:to>
+                                    </p:set>
+                                  </p:childTnLst>
+                                </p:cTn>
+                              </p:par>
+                              <p:par>
+                                <p:cTn id="15" presetID="42" presetClass="path" presetSubtype="0" decel="100000" fill="hold" grpId="1" nodeType="withEffect">
+                                  <p:stCondLst>
+                                    <p:cond delay="500"/>
+                                  </p:stCondLst>
+                                  <p:childTnLst>
+                                    <p:animMotion origin="layout" path="M 4.93885E-6 3.7037E-6 L 1.09367 -0.00324 " pathEditMode="relative" rAng="0" ptsTypes="AA">
+                                      <p:cBhvr>
+                                        <p:cTn id="16" dur="750" spd="-100000" fill="hold"/>
+                                        <p:tgtEl>
+                                          <p:spTgt spid="32">
+                                            <p:txEl>
+                                              <p:pRg st="0" end="0"/>
+                                            </p:txEl>
+                                          </p:spTgt>
+                                        </p:tgtEl>
+                                        <p:attrNameLst>
+                                          <p:attrName>ppt_x</p:attrName>
+                                          <p:attrName>ppt_y</p:attrName>
+                                        </p:attrNameLst>
+                                      </p:cBhvr>
+                                      <p:rCtr x="54684" y="-162"/>
+                                    </p:animMotion>
+                                  </p:childTnLst>
+                                </p:cTn>
+                              </p:par>
+                              <p:par>
+                                <p:cTn id="17" presetID="1" presetClass="entr" presetSubtype="0" fill="hold" grpId="0" nodeType="withEffect">
+                                  <p:stCondLst>
+                                    <p:cond delay="750"/>
+                                  </p:stCondLst>
+                                  <p:childTnLst>
+                                    <p:set>
+                                      <p:cBhvr>
+                                        <p:cTn id="18" dur="1" fill="hold">
+                                          <p:stCondLst>
+                                            <p:cond delay="0"/>
+                                          </p:stCondLst>
+                                        </p:cTn>
+                                        <p:tgtEl>
+                                          <p:spTgt spid="33">
+                                            <p:txEl>
+                                              <p:pRg st="0" end="0"/>
+                                            </p:txEl>
+                                          </p:spTgt>
+                                        </p:tgtEl>
+                                        <p:attrNameLst>
+                                          <p:attrName>style.visibility</p:attrName>
+                                        </p:attrNameLst>
+                                      </p:cBhvr>
+                                      <p:to>
+                                        <p:strVal val="visible"/>
+                                      </p:to>
+                                    </p:set>
+                                  </p:childTnLst>
+                                </p:cTn>
+                              </p:par>
+                              <p:par>
+                                <p:cTn id="19" presetID="42" presetClass="path" presetSubtype="0" decel="100000" fill="hold" grpId="1" nodeType="withEffect">
+                                  <p:stCondLst>
+                                    <p:cond delay="750"/>
+                                  </p:stCondLst>
+                                  <p:childTnLst>
+                                    <p:animMotion origin="layout" path="M 1.66797E-6 7.40741E-7 L 1.14754 7.40741E-7 " pathEditMode="relative" rAng="0" ptsTypes="AA">
+                                      <p:cBhvr>
+                                        <p:cTn id="20" dur="750" spd="-100000" fill="hold"/>
+                                        <p:tgtEl>
+                                          <p:spTgt spid="33">
+                                            <p:txEl>
+                                              <p:pRg st="0" end="0"/>
+                                            </p:txEl>
+                                          </p:spTgt>
+                                        </p:tgtEl>
+                                        <p:attrNameLst>
+                                          <p:attrName>ppt_x</p:attrName>
+                                          <p:attrName>ppt_y</p:attrName>
+                                        </p:attrNameLst>
+                                      </p:cBhvr>
+                                      <p:rCtr x="57377" y="0"/>
+                                    </p:animMotion>
+                                  </p:childTnLst>
+                                </p:cTn>
+                              </p:par>
+                              <p:par>
+                                <p:cTn id="21" presetID="1" presetClass="entr" presetSubtype="0" fill="hold" grpId="0" nodeType="withEffect">
+                                  <p:stCondLst>
+                                    <p:cond delay="1000"/>
+                                  </p:stCondLst>
+                                  <p:childTnLst>
+                                    <p:set>
+                                      <p:cBhvr>
+                                        <p:cTn id="22" dur="1" fill="hold">
+                                          <p:stCondLst>
+                                            <p:cond delay="0"/>
+                                          </p:stCondLst>
+                                        </p:cTn>
+                                        <p:tgtEl>
+                                          <p:spTgt spid="34">
+                                            <p:txEl>
+                                              <p:pRg st="0" end="0"/>
+                                            </p:txEl>
+                                          </p:spTgt>
+                                        </p:tgtEl>
+                                        <p:attrNameLst>
+                                          <p:attrName>style.visibility</p:attrName>
+                                        </p:attrNameLst>
+                                      </p:cBhvr>
+                                      <p:to>
+                                        <p:strVal val="visible"/>
+                                      </p:to>
+                                    </p:set>
+                                  </p:childTnLst>
+                                </p:cTn>
+                              </p:par>
+                              <p:par>
+                                <p:cTn id="23" presetID="42" presetClass="path" presetSubtype="0" decel="100000" fill="hold" grpId="1" nodeType="withEffect">
+                                  <p:stCondLst>
+                                    <p:cond delay="1000"/>
+                                  </p:stCondLst>
+                                  <p:childTnLst>
+                                    <p:animMotion origin="layout" path="M 1.66797E-6 7.40741E-7 L 1.14754 7.40741E-7 " pathEditMode="relative" rAng="0" ptsTypes="AA">
+                                      <p:cBhvr>
+                                        <p:cTn id="24" dur="750" spd="-100000" fill="hold"/>
+                                        <p:tgtEl>
+                                          <p:spTgt spid="34">
+                                            <p:txEl>
+                                              <p:pRg st="0" end="0"/>
+                                            </p:txEl>
+                                          </p:spTgt>
+                                        </p:tgtEl>
+                                        <p:attrNameLst>
+                                          <p:attrName>ppt_x</p:attrName>
+                                          <p:attrName>ppt_y</p:attrName>
+                                        </p:attrNameLst>
+                                      </p:cBhvr>
+                                      <p:rCtr x="57377" y="0"/>
+                                    </p:animMotion>
+                                  </p:childTnLst>
+                                </p:cTn>
+                              </p:par>
+                            </p:childTnLst>
+                          </p:cTn>
+                        </p:par>
+                      </p:childTnLst>
+                    </p:cTn>
+                  </p:par>
+                </p:childTnLst>
+              </p:cTn>
+              <p:prevCondLst>
+                <p:cond evt="onPrev" delay="0">
+                  <p:tgtEl>
+                    <p:sldTgt/>
+                  </p:tgtEl>
+                </p:cond>
+              </p:prevCondLst>
+              <p:nextCondLst>
+                <p:cond evt="onNext" delay="0">
+                  <p:tgtEl>
+                    <p:sldTgt/>
+                  </p:tgtEl>
+                </p:cond>
+              </p:nextCondLst>
+            </p:seq>
+          </p:childTnLst>
+        </p:cTn>
+      </p:par>
+    </p:tnLst>
+    <p:bldLst>
+      <p:bldP spid="31" grpId="0" animBg="1"/>
+      <p:bldP spid="31" grpId="1" animBg="1"/>
+      <p:bldP spid="31" grpId="2" animBg="1"/>
+      <p:bldP spid="32" grpId="0" build="p">
+        <p:tmplLst>
+          <p:tmpl lvl="1">
+            <p:tnLst>
+              <p:par>
+                <p:cTn presetID="1" presetClass="entr" presetSubtype="0" fill="hold" nodeType="withEffect">
+                  <p:stCondLst>
+                    <p:cond delay="500"/>
+                  </p:stCondLst>
+                  <p:childTnLst>
+                    <p:set>
+                      <p:cBhvr>
+                        <p:cTn dur="1" fill="hold">
+                          <p:stCondLst>
+                            <p:cond delay="0"/>
+                          </p:stCondLst>
+                        </p:cTn>
+                        <p:tgtEl>
+                          <p:spTgt spid="32"/>
+                        </p:tgtEl>
+                        <p:attrNameLst>
+                          <p:attrName>style.visibility</p:attrName>
+                        </p:attrNameLst>
+                      </p:cBhvr>
+                      <p:to>
+                        <p:strVal val="visible"/>
+                      </p:to>
+                    </p:set>
+                  </p:childTnLst>
+                </p:cTn>
+              </p:par>
+            </p:tnLst>
+          </p:tmpl>
+        </p:tmplLst>
+      </p:bldP>
+      <p:bldP spid="32" grpId="1" build="p">
+        <p:tmplLst>
+          <p:tmpl lvl="1">
+            <p:tnLst>
+              <p:par>
+                <p:cTn presetID="42" presetClass="path" presetSubtype="0" decel="100000" fill="hold" nodeType="withEffect">
+                  <p:stCondLst>
+                    <p:cond delay="500"/>
+                  </p:stCondLst>
+                  <p:childTnLst>
+                    <p:animMotion origin="layout" path="M 4.93885E-6 3.7037E-6 L 1.09367 -0.00324 " pathEditMode="relative" rAng="0" ptsTypes="AA">
+                      <p:cBhvr>
+                        <p:cTn dur="750" spd="-100000" fill="hold"/>
+                        <p:tgtEl>
+                          <p:spTgt spid="32"/>
+                        </p:tgtEl>
+                        <p:attrNameLst>
+                          <p:attrName>ppt_x</p:attrName>
+                          <p:attrName>ppt_y</p:attrName>
+                        </p:attrNameLst>
+                      </p:cBhvr>
+                      <p:rCtr x="54684" y="-162"/>
+                    </p:animMotion>
+                  </p:childTnLst>
+                </p:cTn>
+              </p:par>
+            </p:tnLst>
+          </p:tmpl>
+        </p:tmplLst>
+      </p:bldP>
+      <p:bldP spid="33" grpId="0" build="p">
+        <p:tmplLst>
+          <p:tmpl lvl="1">
+            <p:tnLst>
+              <p:par>
+                <p:cTn presetID="1" presetClass="entr" presetSubtype="0" fill="hold" nodeType="withEffect">
+                  <p:stCondLst>
+                    <p:cond delay="750"/>
+                  </p:stCondLst>
+                  <p:childTnLst>
+                    <p:set>
+                      <p:cBhvr>
+                        <p:cTn dur="1" fill="hold">
+                          <p:stCondLst>
+                            <p:cond delay="0"/>
+                          </p:stCondLst>
+                        </p:cTn>
+                        <p:tgtEl>
+                          <p:spTgt spid="33"/>
+                        </p:tgtEl>
+                        <p:attrNameLst>
+                          <p:attrName>style.visibility</p:attrName>
+                        </p:attrNameLst>
+                      </p:cBhvr>
+                      <p:to>
+                        <p:strVal val="visible"/>
+                      </p:to>
+                    </p:set>
+                  </p:childTnLst>
+                </p:cTn>
+              </p:par>
+            </p:tnLst>
+          </p:tmpl>
+        </p:tmplLst>
+      </p:bldP>
+      <p:bldP spid="33" grpId="1" build="p">
+        <p:tmplLst>
+          <p:tmpl lvl="1">
+            <p:tnLst>
+              <p:par>
+                <p:cTn presetID="42" presetClass="path" presetSubtype="0" decel="100000" fill="hold" nodeType="withEffect">
+                  <p:stCondLst>
+                    <p:cond delay="750"/>
+                  </p:stCondLst>
+                  <p:childTnLst>
+                    <p:animMotion origin="layout" path="M 1.66797E-6 7.40741E-7 L 1.14754 7.40741E-7 " pathEditMode="relative" rAng="0" ptsTypes="AA">
+                      <p:cBhvr>
+                        <p:cTn dur="750" spd="-100000" fill="hold"/>
+                        <p:tgtEl>
+                          <p:spTgt spid="33"/>
+                        </p:tgtEl>
+                        <p:attrNameLst>
+                          <p:attrName>ppt_x</p:attrName>
+                          <p:attrName>ppt_y</p:attrName>
+                        </p:attrNameLst>
+                      </p:cBhvr>
+                      <p:rCtr x="57377" y="0"/>
+                    </p:animMotion>
+                  </p:childTnLst>
+                </p:cTn>
+              </p:par>
+            </p:tnLst>
+          </p:tmpl>
+        </p:tmplLst>
+      </p:bldP>
+      <p:bldP spid="34" grpId="0" build="p">
+        <p:tmplLst>
+          <p:tmpl lvl="1">
+            <p:tnLst>
+              <p:par>
+                <p:cTn presetID="1" presetClass="entr" presetSubtype="0" fill="hold" nodeType="withEffect">
+                  <p:stCondLst>
+                    <p:cond delay="1000"/>
+                  </p:stCondLst>
+                  <p:childTnLst>
+                    <p:set>
+                      <p:cBhvr>
+                        <p:cTn dur="1" fill="hold">
+                          <p:stCondLst>
+                            <p:cond delay="0"/>
+                          </p:stCondLst>
+                        </p:cTn>
+                        <p:tgtEl>
+                          <p:spTgt spid="34"/>
+                        </p:tgtEl>
+                        <p:attrNameLst>
+                          <p:attrName>style.visibility</p:attrName>
+                        </p:attrNameLst>
+                      </p:cBhvr>
+                      <p:to>
+                        <p:strVal val="visible"/>
+                      </p:to>
+                    </p:set>
+                  </p:childTnLst>
+                </p:cTn>
+              </p:par>
+            </p:tnLst>
+          </p:tmpl>
+        </p:tmplLst>
+      </p:bldP>
+      <p:bldP spid="34" grpId="1" build="p">
+        <p:tmplLst>
+          <p:tmpl lvl="1">
+            <p:tnLst>
+              <p:par>
+                <p:cTn presetID="42" presetClass="path" presetSubtype="0" decel="100000" fill="hold" nodeType="withEffect">
+                  <p:stCondLst>
+                    <p:cond delay="1000"/>
+                  </p:stCondLst>
+                  <p:childTnLst>
+                    <p:animMotion origin="layout" path="M 1.66797E-6 7.40741E-7 L 1.14754 7.40741E-7 " pathEditMode="relative" rAng="0" ptsTypes="AA">
+                      <p:cBhvr>
+                        <p:cTn dur="750" spd="-100000" fill="hold"/>
+                        <p:tgtEl>
+                          <p:spTgt spid="34"/>
+                        </p:tgtEl>
+                        <p:attrNameLst>
+                          <p:attrName>ppt_x</p:attrName>
+                          <p:attrName>ppt_y</p:attrName>
+                        </p:attrNameLst>
+                      </p:cBhvr>
+                      <p:rCtr x="57377" y="0"/>
+                    </p:animMotion>
+                  </p:childTnLst>
+                </p:cTn>
+              </p:par>
+            </p:tnLst>
+          </p:tmpl>
+        </p:tmplLst>
+      </p:bldP>
+      <p:bldP spid="35" grpId="0"/>
+      <p:bldP spid="35" grpId="1"/>
+    </p:bldLst>
+  </p:timing>
+</p:sldLayout>
+</file>
+
+<file path=ppt/slideLayouts/slideLayout13.xml><?xml version="1.0" encoding="utf-8"?>
+<p:sldLayout xmlns:a="http://schemas.openxmlformats.org/drawingml/2006/main" xmlns:r="http://schemas.openxmlformats.org/officeDocument/2006/relationships" xmlns:p="http://schemas.openxmlformats.org/presentationml/2006/main" preserve="1" userDrawn="1">
+  <p:cSld name="Title Slide WP7 Annimation ">
+    <p:bg>
+      <p:bgPr>
+        <a:solidFill>
+          <a:schemeClr val="bg1"/>
+        </a:solidFill>
+        <a:effectLst/>
+      </p:bgPr>
+    </p:bg>
+    <p:spTree>
+      <p:nvGrpSpPr>
+        <p:cNvPr id="1" name=""/>
+        <p:cNvGrpSpPr/>
+        <p:nvPr/>
+      </p:nvGrpSpPr>
+      <p:grpSpPr>
+        <a:xfrm>
+          <a:off x="0" y="0"/>
+          <a:ext cx="0" cy="0"/>
+          <a:chOff x="0" y="0"/>
+          <a:chExt cx="0" cy="0"/>
+        </a:xfrm>
+      </p:grpSpPr>
+      <p:pic>
+        <p:nvPicPr>
+          <p:cNvPr id="3" name="Picture 2"/>
+          <p:cNvPicPr>
+            <a:picLocks noChangeAspect="1"/>
+          </p:cNvPicPr>
+          <p:nvPr userDrawn="1"/>
+        </p:nvPicPr>
+        <p:blipFill>
+          <a:blip r:embed="rId2">
+            <a:extLst>
+              <a:ext uri="{28A0092B-C50C-407E-A947-70E740481C1C}">
+                <a14:useLocalDpi xmlns:a14="http://schemas.microsoft.com/office/drawing/2010/main" val="0"/>
+              </a:ext>
+            </a:extLst>
+          </a:blip>
+          <a:stretch>
+            <a:fillRect/>
+          </a:stretch>
+        </p:blipFill>
+        <p:spPr>
+          <a:xfrm>
+            <a:off x="5704248" y="304800"/>
+            <a:ext cx="3134952" cy="698873"/>
+          </a:xfrm>
+          <a:prstGeom prst="rect">
+            <a:avLst/>
+          </a:prstGeom>
+        </p:spPr>
+      </p:pic>
+      <p:sp>
+        <p:nvSpPr>
+          <p:cNvPr id="31" name="Rectangle 30"/>
+          <p:cNvSpPr/>
+          <p:nvPr userDrawn="1"/>
+        </p:nvSpPr>
+        <p:spPr bwMode="auto">
+          <a:xfrm>
+            <a:off x="381000" y="2362199"/>
+            <a:ext cx="8380413" cy="2221992"/>
+          </a:xfrm>
+          <a:prstGeom prst="rect">
+            <a:avLst/>
+          </a:prstGeom>
+          <a:solidFill>
+            <a:srgbClr val="C00000"/>
+          </a:solidFill>
+          <a:ln>
+            <a:noFill/>
+            <a:headEnd type="none" w="med" len="med"/>
+            <a:tailEnd type="none" w="med" len="med"/>
+          </a:ln>
+        </p:spPr>
+        <p:style>
+          <a:lnRef idx="2">
+            <a:schemeClr val="accent3">
+              <a:shade val="50000"/>
+            </a:schemeClr>
+          </a:lnRef>
+          <a:fillRef idx="1">
+            <a:schemeClr val="accent3"/>
+          </a:fillRef>
+          <a:effectRef idx="0">
+            <a:schemeClr val="accent3"/>
+          </a:effectRef>
+          <a:fontRef idx="minor">
+            <a:schemeClr val="lt1"/>
+          </a:fontRef>
+        </p:style>
+        <p:txBody>
+          <a:bodyPr vert="horz" wrap="square" lIns="68604" tIns="34302" rIns="68604" bIns="34302" numCol="1" rtlCol="0" anchor="ctr" anchorCtr="0" compatLnSpc="1">
+            <a:prstTxWarp prst="textNoShape">
+              <a:avLst/>
+            </a:prstTxWarp>
+          </a:bodyPr>
+          <a:lstStyle/>
+          <a:p>
+            <a:pPr algn="ctr" defTabSz="685848" fontAlgn="base">
+              <a:spcBef>
+                <a:spcPct val="0"/>
+              </a:spcBef>
+              <a:spcAft>
+                <a:spcPct val="0"/>
+              </a:spcAft>
+            </a:pPr>
+            <a:endParaRPr lang="en-US" dirty="0" smtClean="0">
+              <a:gradFill>
+                <a:gsLst>
+                  <a:gs pos="0">
+                    <a:srgbClr val="FFFFFF"/>
+                  </a:gs>
+                  <a:gs pos="100000">
+                    <a:srgbClr val="FFFFFF"/>
+                  </a:gs>
+                </a:gsLst>
+                <a:lin ang="5400000" scaled="0"/>
+              </a:gradFill>
+            </a:endParaRPr>
+          </a:p>
+        </p:txBody>
+      </p:sp>
+      <p:sp>
+        <p:nvSpPr>
+          <p:cNvPr id="32" name="Subtitle 2"/>
+          <p:cNvSpPr>
+            <a:spLocks noGrp="1"/>
+          </p:cNvSpPr>
+          <p:nvPr>
+            <p:ph type="subTitle" idx="1"/>
+          </p:nvPr>
+        </p:nvSpPr>
+        <p:spPr>
+          <a:xfrm>
+            <a:off x="395200" y="5541926"/>
+            <a:ext cx="7315200" cy="373949"/>
+          </a:xfrm>
+        </p:spPr>
+        <p:txBody>
+          <a:bodyPr vert="horz" wrap="square" lIns="0" tIns="0" rIns="0" bIns="0" rtlCol="0" anchor="ctr" anchorCtr="0">
+            <a:spAutoFit/>
+          </a:bodyPr>
+          <a:lstStyle>
+            <a:lvl1pPr marL="0" indent="0">
+              <a:spcBef>
+                <a:spcPts val="0"/>
+              </a:spcBef>
+              <a:buFontTx/>
+              <a:buNone/>
+              <a:defRPr lang="en-US" sz="2700" b="1" kern="1200" spc="0" baseline="0" dirty="0">
+                <a:solidFill>
+                  <a:srgbClr val="C00000"/>
+                </a:solidFill>
+                <a:latin typeface="Segoe UI Light" pitchFamily="34" charset="0"/>
+                <a:ea typeface="+mn-ea"/>
+                <a:cs typeface="+mn-cs"/>
+              </a:defRPr>
+            </a:lvl1pPr>
+          </a:lstStyle>
+          <a:p>
+            <a:pPr marL="0" lvl="0" indent="0" algn="l" defTabSz="685961" rtl="0" eaLnBrk="1" latinLnBrk="0" hangingPunct="1">
+              <a:lnSpc>
+                <a:spcPct val="90000"/>
+              </a:lnSpc>
+              <a:spcBef>
+                <a:spcPts val="0"/>
+              </a:spcBef>
+              <a:buClr>
+                <a:schemeClr val="tx2"/>
+              </a:buClr>
+              <a:buSzPct val="90000"/>
+              <a:buFontTx/>
+              <a:buNone/>
+            </a:pPr>
+            <a:r>
+              <a:rPr lang="en-US" dirty="0" smtClean="0"/>
+              <a:t>Click to edit Master subtitle style</a:t>
+            </a:r>
+            <a:endParaRPr lang="en-US" dirty="0"/>
+          </a:p>
+        </p:txBody>
+      </p:sp>
+      <p:sp>
+        <p:nvSpPr>
+          <p:cNvPr id="33" name="Text Placeholder 8"/>
+          <p:cNvSpPr>
+            <a:spLocks noGrp="1"/>
+          </p:cNvSpPr>
+          <p:nvPr>
+            <p:ph type="body" sz="quarter" idx="10" hasCustomPrompt="1"/>
+          </p:nvPr>
+        </p:nvSpPr>
+        <p:spPr>
+          <a:xfrm>
+            <a:off x="381023" y="5899841"/>
+            <a:ext cx="7315200" cy="290849"/>
+          </a:xfrm>
+        </p:spPr>
+        <p:txBody>
+          <a:bodyPr anchor="ctr" anchorCtr="0"/>
+          <a:lstStyle>
+            <a:lvl1pPr marL="0" indent="0">
+              <a:spcBef>
+                <a:spcPts val="0"/>
+              </a:spcBef>
+              <a:buFontTx/>
+              <a:buNone/>
+              <a:defRPr sz="2100" spc="0" baseline="0">
+                <a:latin typeface="Segoe UI Light" pitchFamily="34" charset="0"/>
+              </a:defRPr>
+            </a:lvl1pPr>
+          </a:lstStyle>
+          <a:p>
+            <a:r>
+              <a:rPr lang="en-US" dirty="0" smtClean="0"/>
+              <a:t>Click to edit Master subtitle style</a:t>
+            </a:r>
+            <a:endParaRPr lang="en-US" dirty="0"/>
+          </a:p>
+        </p:txBody>
+      </p:sp>
+      <p:sp>
+        <p:nvSpPr>
+          <p:cNvPr id="34" name="Text Placeholder 8"/>
+          <p:cNvSpPr>
+            <a:spLocks noGrp="1"/>
+          </p:cNvSpPr>
+          <p:nvPr>
+            <p:ph type="body" sz="quarter" idx="11" hasCustomPrompt="1"/>
+          </p:nvPr>
+        </p:nvSpPr>
+        <p:spPr>
+          <a:xfrm>
+            <a:off x="381023" y="6169976"/>
+            <a:ext cx="7315200" cy="290849"/>
+          </a:xfrm>
+        </p:spPr>
+        <p:txBody>
+          <a:bodyPr anchor="ctr" anchorCtr="0"/>
+          <a:lstStyle>
+            <a:lvl1pPr marL="0" indent="0">
+              <a:spcBef>
+                <a:spcPts val="0"/>
+              </a:spcBef>
+              <a:buFontTx/>
+              <a:buNone/>
+              <a:defRPr sz="2100" spc="0" baseline="0">
+                <a:latin typeface="Segoe UI Light" pitchFamily="34" charset="0"/>
+              </a:defRPr>
+            </a:lvl1pPr>
+          </a:lstStyle>
+          <a:p>
+            <a:r>
+              <a:rPr lang="en-US" dirty="0" smtClean="0"/>
+              <a:t>Click to edit Master subtitle style</a:t>
+            </a:r>
+            <a:endParaRPr lang="en-US" dirty="0"/>
+          </a:p>
+        </p:txBody>
+      </p:sp>
+      <p:sp>
+        <p:nvSpPr>
+          <p:cNvPr id="35" name="Title 1"/>
+          <p:cNvSpPr>
+            <a:spLocks noGrp="1"/>
+          </p:cNvSpPr>
+          <p:nvPr>
+            <p:ph type="ctrTitle"/>
+          </p:nvPr>
+        </p:nvSpPr>
+        <p:spPr>
+          <a:xfrm>
+            <a:off x="555738" y="2924047"/>
+            <a:ext cx="8046720" cy="1098296"/>
+          </a:xfrm>
+        </p:spPr>
+        <p:txBody>
+          <a:bodyPr anchor="ctr" anchorCtr="0">
+            <a:noAutofit/>
+          </a:bodyPr>
+          <a:lstStyle>
+            <a:lvl1pPr>
+              <a:lnSpc>
+                <a:spcPct val="90000"/>
+              </a:lnSpc>
+              <a:tabLst>
+                <a:tab pos="1504361" algn="l"/>
+              </a:tabLst>
+              <a:defRPr lang="en-US" sz="5400" b="0" kern="1200" cap="none" spc="-150" baseline="0" dirty="0">
+                <a:ln w="3175">
+                  <a:noFill/>
+                </a:ln>
+                <a:gradFill>
+                  <a:gsLst>
+                    <a:gs pos="0">
+                      <a:schemeClr val="bg2"/>
+                    </a:gs>
+                    <a:gs pos="100000">
+                      <a:schemeClr val="bg2"/>
+                    </a:gs>
+                  </a:gsLst>
+                  <a:lin ang="5400000" scaled="0"/>
+                </a:gradFill>
+                <a:effectLst/>
+                <a:latin typeface="Segoe UI Light" pitchFamily="34" charset="0"/>
+                <a:ea typeface="+mn-ea"/>
+                <a:cs typeface="+mn-cs"/>
+              </a:defRPr>
+            </a:lvl1pPr>
+          </a:lstStyle>
+          <a:p>
+            <a:pPr lvl="0" algn="l" defTabSz="685961" rtl="0" eaLnBrk="1" latinLnBrk="0" hangingPunct="1">
+              <a:lnSpc>
+                <a:spcPct val="90000"/>
+              </a:lnSpc>
+              <a:spcBef>
+                <a:spcPct val="0"/>
+              </a:spcBef>
+              <a:buNone/>
+            </a:pPr>
+            <a:r>
+              <a:rPr lang="en-US" dirty="0" smtClean="0"/>
+              <a:t>Click to edit Master title style</a:t>
+            </a:r>
+            <a:endParaRPr lang="en-US" dirty="0"/>
+          </a:p>
+        </p:txBody>
+      </p:sp>
+    </p:spTree>
+    <p:extLst>
+      <p:ext uri="{BB962C8B-B14F-4D97-AF65-F5344CB8AC3E}">
+        <p14:creationId xmlns:p14="http://schemas.microsoft.com/office/powerpoint/2010/main" val="3203698440"/>
+      </p:ext>
+    </p:extLst>
+  </p:cSld>
+  <p:clrMapOvr>
+    <a:masterClrMapping/>
+  </p:clrMapOvr>
+  <p:transition spd="slow">
+    <p:push/>
+  </p:transition>
+  <p:timing>
+    <p:tnLst>
+      <p:par>
+        <p:cTn id="1" dur="indefinite" restart="never" nodeType="tmRoot">
+          <p:childTnLst>
+            <p:seq concurrent="1" nextAc="seek">
+              <p:cTn id="2" dur="indefinite" nodeType="mainSeq">
+                <p:childTnLst>
+                  <p:par>
+                    <p:cTn id="3" fill="hold">
+                      <p:stCondLst>
+                        <p:cond delay="indefinite"/>
+                        <p:cond evt="onBegin" delay="0">
+                          <p:tn val="2"/>
+                        </p:cond>
+                      </p:stCondLst>
+                      <p:childTnLst>
+                        <p:par>
+                          <p:cTn id="4" fill="hold">
+                            <p:stCondLst>
+                              <p:cond delay="0"/>
+                            </p:stCondLst>
+                            <p:childTnLst>
+                              <p:par>
+                                <p:cTn id="5" presetID="1" presetClass="entr" presetSubtype="0" fill="hold" grpId="1" nodeType="withEffect">
+                                  <p:stCondLst>
+                                    <p:cond delay="0"/>
+                                  </p:stCondLst>
+                                  <p:childTnLst>
+                                    <p:set>
+                                      <p:cBhvr>
+                                        <p:cTn id="6" dur="1" fill="hold">
+                                          <p:stCondLst>
+                                            <p:cond delay="0"/>
+                                          </p:stCondLst>
+                                        </p:cTn>
+                                        <p:tgtEl>
+                                          <p:spTgt spid="31"/>
+                                        </p:tgtEl>
+                                        <p:attrNameLst>
+                                          <p:attrName>style.visibility</p:attrName>
+                                        </p:attrNameLst>
+                                      </p:cBhvr>
+                                      <p:to>
+                                        <p:strVal val="visible"/>
+                                      </p:to>
+                                    </p:set>
+                                  </p:childTnLst>
+                                </p:cTn>
+                              </p:par>
+                              <p:par>
+                                <p:cTn id="7" presetID="42" presetClass="path" presetSubtype="0" decel="100000" fill="hold" grpId="2" nodeType="withEffect">
+                                  <p:stCondLst>
+                                    <p:cond delay="0"/>
+                                  </p:stCondLst>
+                                  <p:childTnLst>
+                                    <p:animMotion origin="layout" path="M 2.5553E-6 -4.07407E-6 L 1.03604 -0.00115 " pathEditMode="relative" rAng="0" ptsTypes="AA">
+                                      <p:cBhvr>
+                                        <p:cTn id="8" dur="750" spd="-100000" fill="hold"/>
+                                        <p:tgtEl>
+                                          <p:spTgt spid="31"/>
+                                        </p:tgtEl>
+                                        <p:attrNameLst>
+                                          <p:attrName>ppt_x</p:attrName>
+                                          <p:attrName>ppt_y</p:attrName>
+                                        </p:attrNameLst>
+                                      </p:cBhvr>
+                                      <p:rCtr x="51795" y="-69"/>
+                                    </p:animMotion>
+                                  </p:childTnLst>
+                                </p:cTn>
+                              </p:par>
+                              <p:par>
+                                <p:cTn id="9" presetID="1" presetClass="entr" presetSubtype="0" fill="hold" grpId="0" nodeType="withEffect">
+                                  <p:stCondLst>
+                                    <p:cond delay="300"/>
+                                  </p:stCondLst>
+                                  <p:childTnLst>
+                                    <p:set>
+                                      <p:cBhvr>
+                                        <p:cTn id="10" dur="1" fill="hold">
+                                          <p:stCondLst>
+                                            <p:cond delay="0"/>
+                                          </p:stCondLst>
+                                        </p:cTn>
+                                        <p:tgtEl>
+                                          <p:spTgt spid="35"/>
+                                        </p:tgtEl>
+                                        <p:attrNameLst>
+                                          <p:attrName>style.visibility</p:attrName>
+                                        </p:attrNameLst>
+                                      </p:cBhvr>
+                                      <p:to>
+                                        <p:strVal val="visible"/>
+                                      </p:to>
+                                    </p:set>
+                                  </p:childTnLst>
+                                </p:cTn>
+                              </p:par>
+                              <p:par>
+                                <p:cTn id="11" presetID="42" presetClass="path" presetSubtype="0" decel="100000" fill="hold" grpId="1" nodeType="withEffect">
+                                  <p:stCondLst>
+                                    <p:cond delay="250"/>
+                                  </p:stCondLst>
+                                  <p:childTnLst>
+                                    <p:animMotion origin="layout" path="M -4.44444E-6 0.00463 L 1.02969 0.00347 " pathEditMode="relative" rAng="0" ptsTypes="AA">
+                                      <p:cBhvr>
+                                        <p:cTn id="12" dur="750" spd="-100000" fill="hold"/>
+                                        <p:tgtEl>
+                                          <p:spTgt spid="35"/>
+                                        </p:tgtEl>
+                                        <p:attrNameLst>
+                                          <p:attrName>ppt_x</p:attrName>
+                                          <p:attrName>ppt_y</p:attrName>
+                                        </p:attrNameLst>
+                                      </p:cBhvr>
+                                      <p:rCtr x="51476" y="-69"/>
+                                    </p:animMotion>
+                                  </p:childTnLst>
+                                </p:cTn>
+                              </p:par>
+                              <p:par>
+                                <p:cTn id="13" presetID="1" presetClass="entr" presetSubtype="0" fill="hold" grpId="0" nodeType="withEffect">
+                                  <p:stCondLst>
+                                    <p:cond delay="500"/>
+                                  </p:stCondLst>
+                                  <p:childTnLst>
+                                    <p:set>
+                                      <p:cBhvr>
+                                        <p:cTn id="14" dur="1" fill="hold">
+                                          <p:stCondLst>
+                                            <p:cond delay="0"/>
+                                          </p:stCondLst>
+                                        </p:cTn>
+                                        <p:tgtEl>
+                                          <p:spTgt spid="32">
+                                            <p:txEl>
+                                              <p:pRg st="0" end="0"/>
+                                            </p:txEl>
+                                          </p:spTgt>
+                                        </p:tgtEl>
+                                        <p:attrNameLst>
+                                          <p:attrName>style.visibility</p:attrName>
+                                        </p:attrNameLst>
+                                      </p:cBhvr>
+                                      <p:to>
+                                        <p:strVal val="visible"/>
+                                      </p:to>
+                                    </p:set>
+                                  </p:childTnLst>
+                                </p:cTn>
+                              </p:par>
+                              <p:par>
+                                <p:cTn id="15" presetID="42" presetClass="path" presetSubtype="0" decel="100000" fill="hold" grpId="1" nodeType="withEffect">
+                                  <p:stCondLst>
+                                    <p:cond delay="500"/>
+                                  </p:stCondLst>
+                                  <p:childTnLst>
+                                    <p:animMotion origin="layout" path="M 4.93885E-6 3.7037E-6 L 1.09367 -0.00324 " pathEditMode="relative" rAng="0" ptsTypes="AA">
+                                      <p:cBhvr>
+                                        <p:cTn id="16" dur="750" spd="-100000" fill="hold"/>
+                                        <p:tgtEl>
+                                          <p:spTgt spid="32">
+                                            <p:txEl>
+                                              <p:pRg st="0" end="0"/>
+                                            </p:txEl>
+                                          </p:spTgt>
+                                        </p:tgtEl>
+                                        <p:attrNameLst>
+                                          <p:attrName>ppt_x</p:attrName>
+                                          <p:attrName>ppt_y</p:attrName>
+                                        </p:attrNameLst>
+                                      </p:cBhvr>
+                                      <p:rCtr x="54684" y="-162"/>
+                                    </p:animMotion>
+                                  </p:childTnLst>
+                                </p:cTn>
+                              </p:par>
+                              <p:par>
+                                <p:cTn id="17" presetID="1" presetClass="entr" presetSubtype="0" fill="hold" grpId="0" nodeType="withEffect">
+                                  <p:stCondLst>
+                                    <p:cond delay="750"/>
+                                  </p:stCondLst>
+                                  <p:childTnLst>
+                                    <p:set>
+                                      <p:cBhvr>
+                                        <p:cTn id="18" dur="1" fill="hold">
+                                          <p:stCondLst>
+                                            <p:cond delay="0"/>
+                                          </p:stCondLst>
+                                        </p:cTn>
+                                        <p:tgtEl>
+                                          <p:spTgt spid="33">
+                                            <p:txEl>
+                                              <p:pRg st="0" end="0"/>
+                                            </p:txEl>
+                                          </p:spTgt>
+                                        </p:tgtEl>
+                                        <p:attrNameLst>
+                                          <p:attrName>style.visibility</p:attrName>
+                                        </p:attrNameLst>
+                                      </p:cBhvr>
+                                      <p:to>
+                                        <p:strVal val="visible"/>
+                                      </p:to>
+                                    </p:set>
+                                  </p:childTnLst>
+                                </p:cTn>
+                              </p:par>
+                              <p:par>
+                                <p:cTn id="19" presetID="42" presetClass="path" presetSubtype="0" decel="100000" fill="hold" grpId="1" nodeType="withEffect">
+                                  <p:stCondLst>
+                                    <p:cond delay="750"/>
+                                  </p:stCondLst>
+                                  <p:childTnLst>
+                                    <p:animMotion origin="layout" path="M 1.66797E-6 7.40741E-7 L 1.14754 7.40741E-7 " pathEditMode="relative" rAng="0" ptsTypes="AA">
+                                      <p:cBhvr>
+                                        <p:cTn id="20" dur="750" spd="-100000" fill="hold"/>
+                                        <p:tgtEl>
+                                          <p:spTgt spid="33">
+                                            <p:txEl>
+                                              <p:pRg st="0" end="0"/>
+                                            </p:txEl>
+                                          </p:spTgt>
+                                        </p:tgtEl>
+                                        <p:attrNameLst>
+                                          <p:attrName>ppt_x</p:attrName>
+                                          <p:attrName>ppt_y</p:attrName>
+                                        </p:attrNameLst>
+                                      </p:cBhvr>
+                                      <p:rCtr x="57377" y="0"/>
+                                    </p:animMotion>
+                                  </p:childTnLst>
+                                </p:cTn>
+                              </p:par>
+                              <p:par>
+                                <p:cTn id="21" presetID="1" presetClass="entr" presetSubtype="0" fill="hold" grpId="0" nodeType="withEffect">
+                                  <p:stCondLst>
+                                    <p:cond delay="1000"/>
+                                  </p:stCondLst>
+                                  <p:childTnLst>
+                                    <p:set>
+                                      <p:cBhvr>
+                                        <p:cTn id="22" dur="1" fill="hold">
+                                          <p:stCondLst>
+                                            <p:cond delay="0"/>
+                                          </p:stCondLst>
+                                        </p:cTn>
+                                        <p:tgtEl>
+                                          <p:spTgt spid="34">
+                                            <p:txEl>
+                                              <p:pRg st="0" end="0"/>
+                                            </p:txEl>
+                                          </p:spTgt>
+                                        </p:tgtEl>
+                                        <p:attrNameLst>
+                                          <p:attrName>style.visibility</p:attrName>
+                                        </p:attrNameLst>
+                                      </p:cBhvr>
+                                      <p:to>
+                                        <p:strVal val="visible"/>
+                                      </p:to>
+                                    </p:set>
+                                  </p:childTnLst>
+                                </p:cTn>
+                              </p:par>
+                              <p:par>
+                                <p:cTn id="23" presetID="42" presetClass="path" presetSubtype="0" decel="100000" fill="hold" grpId="1" nodeType="withEffect">
+                                  <p:stCondLst>
+                                    <p:cond delay="1000"/>
+                                  </p:stCondLst>
+                                  <p:childTnLst>
+                                    <p:animMotion origin="layout" path="M 1.66797E-6 7.40741E-7 L 1.14754 7.40741E-7 " pathEditMode="relative" rAng="0" ptsTypes="AA">
+                                      <p:cBhvr>
+                                        <p:cTn id="24" dur="750" spd="-100000" fill="hold"/>
+                                        <p:tgtEl>
+                                          <p:spTgt spid="34">
+                                            <p:txEl>
+                                              <p:pRg st="0" end="0"/>
+                                            </p:txEl>
+                                          </p:spTgt>
+                                        </p:tgtEl>
+                                        <p:attrNameLst>
+                                          <p:attrName>ppt_x</p:attrName>
+                                          <p:attrName>ppt_y</p:attrName>
+                                        </p:attrNameLst>
+                                      </p:cBhvr>
+                                      <p:rCtr x="57377" y="0"/>
+                                    </p:animMotion>
+                                  </p:childTnLst>
+                                </p:cTn>
+                              </p:par>
+                            </p:childTnLst>
+                          </p:cTn>
+                        </p:par>
+                      </p:childTnLst>
+                    </p:cTn>
+                  </p:par>
+                </p:childTnLst>
+              </p:cTn>
+              <p:prevCondLst>
+                <p:cond evt="onPrev" delay="0">
+                  <p:tgtEl>
+                    <p:sldTgt/>
+                  </p:tgtEl>
+                </p:cond>
+              </p:prevCondLst>
+              <p:nextCondLst>
+                <p:cond evt="onNext" delay="0">
+                  <p:tgtEl>
+                    <p:sldTgt/>
+                  </p:tgtEl>
+                </p:cond>
+              </p:nextCondLst>
+            </p:seq>
+          </p:childTnLst>
+        </p:cTn>
+      </p:par>
+    </p:tnLst>
+    <p:bldLst>
+      <p:bldP spid="31" grpId="0" animBg="1"/>
+      <p:bldP spid="31" grpId="1" animBg="1"/>
+      <p:bldP spid="31" grpId="2" animBg="1"/>
+      <p:bldP spid="32" grpId="0" build="p">
+        <p:tmplLst>
+          <p:tmpl lvl="1">
+            <p:tnLst>
+              <p:par>
+                <p:cTn presetID="1" presetClass="entr" presetSubtype="0" fill="hold" nodeType="withEffect">
+                  <p:stCondLst>
+                    <p:cond delay="500"/>
+                  </p:stCondLst>
+                  <p:childTnLst>
+                    <p:set>
+                      <p:cBhvr>
+                        <p:cTn dur="1" fill="hold">
+                          <p:stCondLst>
+                            <p:cond delay="0"/>
+                          </p:stCondLst>
+                        </p:cTn>
+                        <p:tgtEl>
+                          <p:spTgt spid="32"/>
+                        </p:tgtEl>
+                        <p:attrNameLst>
+                          <p:attrName>style.visibility</p:attrName>
+                        </p:attrNameLst>
+                      </p:cBhvr>
+                      <p:to>
+                        <p:strVal val="visible"/>
+                      </p:to>
+                    </p:set>
+                  </p:childTnLst>
+                </p:cTn>
+              </p:par>
+            </p:tnLst>
+          </p:tmpl>
+        </p:tmplLst>
+      </p:bldP>
+      <p:bldP spid="32" grpId="1" build="p">
+        <p:tmplLst>
+          <p:tmpl lvl="1">
+            <p:tnLst>
+              <p:par>
+                <p:cTn presetID="42" presetClass="path" presetSubtype="0" decel="100000" fill="hold" nodeType="withEffect">
+                  <p:stCondLst>
+                    <p:cond delay="500"/>
+                  </p:stCondLst>
+                  <p:childTnLst>
+                    <p:animMotion origin="layout" path="M 4.93885E-6 3.7037E-6 L 1.09367 -0.00324 " pathEditMode="relative" rAng="0" ptsTypes="AA">
+                      <p:cBhvr>
+                        <p:cTn dur="750" spd="-100000" fill="hold"/>
+                        <p:tgtEl>
+                          <p:spTgt spid="32"/>
+                        </p:tgtEl>
+                        <p:attrNameLst>
+                          <p:attrName>ppt_x</p:attrName>
+                          <p:attrName>ppt_y</p:attrName>
+                        </p:attrNameLst>
+                      </p:cBhvr>
+                      <p:rCtr x="54684" y="-162"/>
+                    </p:animMotion>
+                  </p:childTnLst>
+                </p:cTn>
+              </p:par>
+            </p:tnLst>
+          </p:tmpl>
+        </p:tmplLst>
+      </p:bldP>
+      <p:bldP spid="33" grpId="0" build="p">
+        <p:tmplLst>
+          <p:tmpl lvl="1">
+            <p:tnLst>
+              <p:par>
+                <p:cTn presetID="1" presetClass="entr" presetSubtype="0" fill="hold" nodeType="withEffect">
+                  <p:stCondLst>
+                    <p:cond delay="750"/>
+                  </p:stCondLst>
+                  <p:childTnLst>
+                    <p:set>
+                      <p:cBhvr>
+                        <p:cTn dur="1" fill="hold">
+                          <p:stCondLst>
+                            <p:cond delay="0"/>
+                          </p:stCondLst>
+                        </p:cTn>
+                        <p:tgtEl>
+                          <p:spTgt spid="33"/>
+                        </p:tgtEl>
+                        <p:attrNameLst>
+                          <p:attrName>style.visibility</p:attrName>
+                        </p:attrNameLst>
+                      </p:cBhvr>
+                      <p:to>
+                        <p:strVal val="visible"/>
+                      </p:to>
+                    </p:set>
+                  </p:childTnLst>
+                </p:cTn>
+              </p:par>
+            </p:tnLst>
+          </p:tmpl>
+        </p:tmplLst>
+      </p:bldP>
+      <p:bldP spid="33" grpId="1" build="p">
+        <p:tmplLst>
+          <p:tmpl lvl="1">
+            <p:tnLst>
+              <p:par>
+                <p:cTn presetID="42" presetClass="path" presetSubtype="0" decel="100000" fill="hold" nodeType="withEffect">
+                  <p:stCondLst>
+                    <p:cond delay="750"/>
+                  </p:stCondLst>
+                  <p:childTnLst>
+                    <p:animMotion origin="layout" path="M 1.66797E-6 7.40741E-7 L 1.14754 7.40741E-7 " pathEditMode="relative" rAng="0" ptsTypes="AA">
+                      <p:cBhvr>
+                        <p:cTn dur="750" spd="-100000" fill="hold"/>
+                        <p:tgtEl>
+                          <p:spTgt spid="33"/>
+                        </p:tgtEl>
+                        <p:attrNameLst>
+                          <p:attrName>ppt_x</p:attrName>
+                          <p:attrName>ppt_y</p:attrName>
+                        </p:attrNameLst>
+                      </p:cBhvr>
+                      <p:rCtr x="57377" y="0"/>
+                    </p:animMotion>
+                  </p:childTnLst>
+                </p:cTn>
+              </p:par>
+            </p:tnLst>
+          </p:tmpl>
+        </p:tmplLst>
+      </p:bldP>
+      <p:bldP spid="34" grpId="0" build="p">
+        <p:tmplLst>
+          <p:tmpl lvl="1">
+            <p:tnLst>
+              <p:par>
+                <p:cTn presetID="1" presetClass="entr" presetSubtype="0" fill="hold" nodeType="withEffect">
+                  <p:stCondLst>
+                    <p:cond delay="1000"/>
+                  </p:stCondLst>
+                  <p:childTnLst>
+                    <p:set>
+                      <p:cBhvr>
+                        <p:cTn dur="1" fill="hold">
+                          <p:stCondLst>
+                            <p:cond delay="0"/>
+                          </p:stCondLst>
+                        </p:cTn>
+                        <p:tgtEl>
+                          <p:spTgt spid="34"/>
+                        </p:tgtEl>
+                        <p:attrNameLst>
+                          <p:attrName>style.visibility</p:attrName>
+                        </p:attrNameLst>
+                      </p:cBhvr>
+                      <p:to>
+                        <p:strVal val="visible"/>
+                      </p:to>
+                    </p:set>
+                  </p:childTnLst>
+                </p:cTn>
+              </p:par>
+            </p:tnLst>
+          </p:tmpl>
+        </p:tmplLst>
+      </p:bldP>
+      <p:bldP spid="34" grpId="1" build="p">
+        <p:tmplLst>
+          <p:tmpl lvl="1">
+            <p:tnLst>
+              <p:par>
+                <p:cTn presetID="42" presetClass="path" presetSubtype="0" decel="100000" fill="hold" nodeType="withEffect">
+                  <p:stCondLst>
+                    <p:cond delay="1000"/>
+                  </p:stCondLst>
+                  <p:childTnLst>
+                    <p:animMotion origin="layout" path="M 1.66797E-6 7.40741E-7 L 1.14754 7.40741E-7 " pathEditMode="relative" rAng="0" ptsTypes="AA">
+                      <p:cBhvr>
+                        <p:cTn dur="750" spd="-100000" fill="hold"/>
+                        <p:tgtEl>
+                          <p:spTgt spid="34"/>
+                        </p:tgtEl>
+                        <p:attrNameLst>
+                          <p:attrName>ppt_x</p:attrName>
+                          <p:attrName>ppt_y</p:attrName>
+                        </p:attrNameLst>
+                      </p:cBhvr>
+                      <p:rCtr x="57377" y="0"/>
+                    </p:animMotion>
+                  </p:childTnLst>
+                </p:cTn>
+              </p:par>
+            </p:tnLst>
+          </p:tmpl>
+        </p:tmplLst>
+      </p:bldP>
+      <p:bldP spid="35" grpId="0"/>
+      <p:bldP spid="35" grpId="1"/>
+    </p:bldLst>
+  </p:timing>
+</p:sldLayout>
+</file>
+
+<file path=ppt/slideLayouts/slideLayout14.xml><?xml version="1.0" encoding="utf-8"?>
+<p:sldLayout xmlns:a="http://schemas.openxmlformats.org/drawingml/2006/main" xmlns:r="http://schemas.openxmlformats.org/officeDocument/2006/relationships" xmlns:p="http://schemas.openxmlformats.org/presentationml/2006/main" preserve="1" userDrawn="1">
+  <p:cSld name="1_Demo, Video etc. &quot;special&quot; slides">
+    <p:bg>
+      <p:bgPr>
+        <a:solidFill>
+          <a:schemeClr val="bg1"/>
+        </a:solidFill>
+        <a:effectLst/>
+      </p:bgPr>
+    </p:bg>
+    <p:spTree>
+      <p:nvGrpSpPr>
+        <p:cNvPr id="1" name=""/>
+        <p:cNvGrpSpPr/>
+        <p:nvPr/>
+      </p:nvGrpSpPr>
+      <p:grpSpPr>
+        <a:xfrm>
+          <a:off x="0" y="0"/>
+          <a:ext cx="0" cy="0"/>
+          <a:chOff x="0" y="0"/>
+          <a:chExt cx="0" cy="0"/>
+        </a:xfrm>
+      </p:grpSpPr>
+      <p:pic>
+        <p:nvPicPr>
+          <p:cNvPr id="8" name="Picture 7"/>
+          <p:cNvPicPr>
+            <a:picLocks noChangeAspect="1"/>
+          </p:cNvPicPr>
+          <p:nvPr userDrawn="1"/>
+        </p:nvPicPr>
+        <p:blipFill>
+          <a:blip r:embed="rId2">
+            <a:extLst>
+              <a:ext uri="{28A0092B-C50C-407E-A947-70E740481C1C}">
+                <a14:useLocalDpi xmlns:a14="http://schemas.microsoft.com/office/drawing/2010/main" val="0"/>
+              </a:ext>
+            </a:extLst>
+          </a:blip>
+          <a:stretch>
+            <a:fillRect/>
+          </a:stretch>
+        </p:blipFill>
+        <p:spPr>
+          <a:xfrm>
+            <a:off x="6360290" y="228600"/>
+            <a:ext cx="2478910" cy="552622"/>
+          </a:xfrm>
+          <a:prstGeom prst="rect">
+            <a:avLst/>
+          </a:prstGeom>
+        </p:spPr>
+      </p:pic>
+      <p:sp>
+        <p:nvSpPr>
+          <p:cNvPr id="2" name="Title 1"/>
+          <p:cNvSpPr>
+            <a:spLocks noGrp="1"/>
+          </p:cNvSpPr>
+          <p:nvPr>
+            <p:ph type="ctrTitle"/>
+          </p:nvPr>
+        </p:nvSpPr>
+        <p:spPr>
+          <a:xfrm>
+            <a:off x="381000" y="686053"/>
+            <a:ext cx="6994362" cy="1523494"/>
+          </a:xfrm>
+        </p:spPr>
+        <p:txBody>
+          <a:bodyPr anchor="ctr" anchorCtr="0">
+            <a:noAutofit/>
+          </a:bodyPr>
+          <a:lstStyle>
+            <a:lvl1pPr>
+              <a:lnSpc>
+                <a:spcPct val="90000"/>
+              </a:lnSpc>
+              <a:defRPr sz="4800" baseline="0">
+                <a:gradFill flip="none" rotWithShape="1">
+                  <a:gsLst>
+                    <a:gs pos="0">
+                      <a:schemeClr val="tx1"/>
+                    </a:gs>
+                    <a:gs pos="86000">
+                      <a:schemeClr val="tx1"/>
+                    </a:gs>
+                  </a:gsLst>
+                  <a:lin ang="5400000" scaled="0"/>
+                  <a:tileRect/>
+                </a:gradFill>
+                <a:latin typeface="Segoe UI Light" pitchFamily="34" charset="0"/>
+              </a:defRPr>
+            </a:lvl1pPr>
+          </a:lstStyle>
+          <a:p>
+            <a:r>
+              <a:rPr lang="en-US" dirty="0" smtClean="0"/>
+              <a:t>Click to edit Master title style</a:t>
+            </a:r>
+            <a:endParaRPr lang="en-US" dirty="0"/>
+          </a:p>
+        </p:txBody>
+      </p:sp>
+      <p:sp>
+        <p:nvSpPr>
+          <p:cNvPr id="3" name="Subtitle 2"/>
+          <p:cNvSpPr>
+            <a:spLocks noGrp="1"/>
+          </p:cNvSpPr>
+          <p:nvPr>
+            <p:ph type="subTitle" idx="1"/>
+          </p:nvPr>
+        </p:nvSpPr>
+        <p:spPr>
+          <a:xfrm>
+            <a:off x="381000" y="4344990"/>
+            <a:ext cx="6994363" cy="461665"/>
+          </a:xfrm>
+        </p:spPr>
+        <p:txBody>
+          <a:bodyPr>
+            <a:noAutofit/>
+          </a:bodyPr>
+          <a:lstStyle>
+            <a:lvl1pPr marL="0" indent="0" algn="l">
+              <a:lnSpc>
+                <a:spcPct val="90000"/>
+              </a:lnSpc>
+              <a:spcBef>
+                <a:spcPts val="0"/>
+              </a:spcBef>
+              <a:buNone/>
+              <a:defRPr>
+                <a:gradFill>
+                  <a:gsLst>
+                    <a:gs pos="0">
+                      <a:schemeClr val="tx1"/>
+                    </a:gs>
+                    <a:gs pos="86000">
+                      <a:schemeClr val="tx1"/>
+                    </a:gs>
+                  </a:gsLst>
+                  <a:lin ang="5400000" scaled="0"/>
+                </a:gradFill>
+                <a:latin typeface="Segoe UI Light" pitchFamily="34" charset="0"/>
+              </a:defRPr>
+            </a:lvl1pPr>
+            <a:lvl2pPr marL="457182" indent="0" algn="ctr">
+              <a:buNone/>
+              <a:defRPr>
+                <a:solidFill>
+                  <a:schemeClr val="tx1">
+                    <a:tint val="75000"/>
+                  </a:schemeClr>
+                </a:solidFill>
+              </a:defRPr>
+            </a:lvl2pPr>
+            <a:lvl3pPr marL="914363" indent="0" algn="ctr">
+              <a:buNone/>
+              <a:defRPr>
+                <a:solidFill>
+                  <a:schemeClr val="tx1">
+                    <a:tint val="75000"/>
+                  </a:schemeClr>
+                </a:solidFill>
+              </a:defRPr>
+            </a:lvl3pPr>
+            <a:lvl4pPr marL="1371545" indent="0" algn="ctr">
+              <a:buNone/>
+              <a:defRPr>
+                <a:solidFill>
+                  <a:schemeClr val="tx1">
+                    <a:tint val="75000"/>
+                  </a:schemeClr>
+                </a:solidFill>
+              </a:defRPr>
+            </a:lvl4pPr>
+            <a:lvl5pPr marL="1828727" indent="0" algn="ctr">
+              <a:buNone/>
+              <a:defRPr>
+                <a:solidFill>
+                  <a:schemeClr val="tx1">
+                    <a:tint val="75000"/>
+                  </a:schemeClr>
+                </a:solidFill>
+              </a:defRPr>
+            </a:lvl5pPr>
+            <a:lvl6pPr marL="2285909" indent="0" algn="ctr">
+              <a:buNone/>
+              <a:defRPr>
+                <a:solidFill>
+                  <a:schemeClr val="tx1">
+                    <a:tint val="75000"/>
+                  </a:schemeClr>
+                </a:solidFill>
+              </a:defRPr>
+            </a:lvl6pPr>
+            <a:lvl7pPr marL="2743090" indent="0" algn="ctr">
+              <a:buNone/>
+              <a:defRPr>
+                <a:solidFill>
+                  <a:schemeClr val="tx1">
+                    <a:tint val="75000"/>
+                  </a:schemeClr>
+                </a:solidFill>
+              </a:defRPr>
+            </a:lvl7pPr>
+            <a:lvl8pPr marL="3200272" indent="0" algn="ctr">
+              <a:buNone/>
+              <a:defRPr>
+                <a:solidFill>
+                  <a:schemeClr val="tx1">
+                    <a:tint val="75000"/>
+                  </a:schemeClr>
+                </a:solidFill>
+              </a:defRPr>
+            </a:lvl8pPr>
+            <a:lvl9pPr marL="3657454" indent="0" algn="ctr">
+              <a:buNone/>
+              <a:defRPr>
+                <a:solidFill>
+                  <a:schemeClr val="tx1">
+                    <a:tint val="75000"/>
+                  </a:schemeClr>
+                </a:solidFill>
+              </a:defRPr>
+            </a:lvl9pPr>
+          </a:lstStyle>
+          <a:p>
+            <a:r>
+              <a:rPr lang="en-US" dirty="0" smtClean="0"/>
+              <a:t>Click to edit Master subtitle style</a:t>
+            </a:r>
+            <a:endParaRPr lang="en-US" dirty="0"/>
+          </a:p>
+        </p:txBody>
+      </p:sp>
+      <p:sp>
+        <p:nvSpPr>
+          <p:cNvPr id="7" name="Text Placeholder 6"/>
+          <p:cNvSpPr>
+            <a:spLocks noGrp="1"/>
+          </p:cNvSpPr>
+          <p:nvPr>
+            <p:ph type="body" sz="quarter" idx="10" hasCustomPrompt="1"/>
+          </p:nvPr>
+        </p:nvSpPr>
+        <p:spPr>
+          <a:xfrm>
+            <a:off x="381000" y="2362200"/>
+            <a:ext cx="7683914" cy="1378644"/>
+          </a:xfrm>
+        </p:spPr>
+        <p:txBody>
+          <a:bodyPr anchor="t" anchorCtr="0">
+            <a:noAutofit/>
+            <a:scene3d>
+              <a:camera prst="orthographicFront"/>
+              <a:lightRig rig="flat" dir="t"/>
+            </a:scene3d>
+            <a:sp3d>
+              <a:contourClr>
+                <a:schemeClr val="tx1"/>
+              </a:contourClr>
+            </a:sp3d>
+          </a:bodyPr>
+          <a:lstStyle>
+            <a:lvl1pPr marL="0" indent="0" algn="l">
+              <a:buFont typeface="Arial" pitchFamily="34" charset="0"/>
+              <a:buNone/>
+              <a:defRPr kumimoji="0" lang="en-US" sz="10000" b="0" i="0" u="none" strike="noStrike" kern="1200" cap="none" spc="-150" normalizeH="0" baseline="0" noProof="0" dirty="0" smtClean="0">
+                <a:ln w="11430"/>
+                <a:gradFill>
+                  <a:gsLst>
+                    <a:gs pos="0">
+                      <a:schemeClr val="tx2"/>
+                    </a:gs>
+                    <a:gs pos="99000">
+                      <a:schemeClr val="tx2"/>
+                    </a:gs>
+                  </a:gsLst>
+                  <a:lin ang="5400000"/>
+                </a:gradFill>
+                <a:effectLst/>
+                <a:uLnTx/>
+                <a:uFillTx/>
+                <a:latin typeface="Segoe UI Light" pitchFamily="34" charset="0"/>
+                <a:ea typeface="+mn-ea"/>
+                <a:cs typeface="+mn-cs"/>
+              </a:defRPr>
+            </a:lvl1pPr>
+          </a:lstStyle>
+          <a:p>
+            <a:pPr lvl="0"/>
+            <a:r>
+              <a:rPr lang="en-US" dirty="0" smtClean="0"/>
+              <a:t>click to…</a:t>
+            </a:r>
+          </a:p>
+        </p:txBody>
+      </p:sp>
+      <p:sp>
+        <p:nvSpPr>
+          <p:cNvPr id="9" name="TextBox 8"/>
+          <p:cNvSpPr txBox="1"/>
+          <p:nvPr userDrawn="1"/>
+        </p:nvSpPr>
+        <p:spPr>
+          <a:xfrm>
+            <a:off x="4773601" y="6420022"/>
+            <a:ext cx="4063796" cy="200055"/>
+          </a:xfrm>
+          <a:prstGeom prst="rect">
+            <a:avLst/>
+          </a:prstGeom>
+          <a:noFill/>
+        </p:spPr>
+        <p:txBody>
+          <a:bodyPr wrap="square" rtlCol="0">
+            <a:spAutoFit/>
+          </a:bodyPr>
+          <a:lstStyle/>
+          <a:p>
+            <a:pPr algn="r" defTabSz="914363"/>
+            <a:fld id="{40B76143-9258-4AEE-9511-E300703853D1}" type="slidenum">
+              <a:rPr lang="en-US" sz="700" smtClean="0">
+                <a:solidFill>
+                  <a:prstClr val="white">
+                    <a:lumMod val="50000"/>
+                  </a:prstClr>
+                </a:solidFill>
+                <a:latin typeface="Segoe UI" pitchFamily="34" charset="0"/>
+                <a:ea typeface="Segoe UI" pitchFamily="34" charset="0"/>
+                <a:cs typeface="Segoe UI" pitchFamily="34" charset="0"/>
+              </a:rPr>
+              <a:pPr algn="r" defTabSz="914363"/>
+              <a:t>‹#›</a:t>
+            </a:fld>
+            <a:r>
+              <a:rPr lang="en-US" sz="700" dirty="0" smtClean="0">
+                <a:solidFill>
+                  <a:prstClr val="white">
+                    <a:lumMod val="50000"/>
+                  </a:prstClr>
+                </a:solidFill>
+                <a:latin typeface="Segoe UI" pitchFamily="34" charset="0"/>
+                <a:ea typeface="Segoe UI" pitchFamily="34" charset="0"/>
+                <a:cs typeface="Segoe UI" pitchFamily="34" charset="0"/>
+              </a:rPr>
+              <a:t>    |   SharePoint Saturday St. Louis 2012</a:t>
+            </a:r>
+            <a:endParaRPr lang="en-US" sz="700" dirty="0">
+              <a:solidFill>
+                <a:prstClr val="white">
+                  <a:lumMod val="50000"/>
+                </a:prstClr>
+              </a:solidFill>
+              <a:latin typeface="Segoe UI" pitchFamily="34" charset="0"/>
+              <a:ea typeface="Segoe UI" pitchFamily="34" charset="0"/>
+              <a:cs typeface="Segoe UI" pitchFamily="34" charset="0"/>
+            </a:endParaRPr>
+          </a:p>
+        </p:txBody>
+      </p:sp>
+    </p:spTree>
+    <p:extLst>
+      <p:ext uri="{BB962C8B-B14F-4D97-AF65-F5344CB8AC3E}">
+        <p14:creationId xmlns:p14="http://schemas.microsoft.com/office/powerpoint/2010/main" val="944597587"/>
+      </p:ext>
+    </p:extLst>
+  </p:cSld>
+  <p:clrMapOvr>
+    <a:masterClrMapping/>
+  </p:clrMapOvr>
+  <p:transition spd="slow">
+    <p:push/>
+  </p:transition>
+  <p:timing>
+    <p:tnLst>
+      <p:par>
+        <p:cTn id="1" dur="indefinite" restart="never" nodeType="tmRoot">
+          <p:childTnLst>
+            <p:seq concurrent="1" nextAc="seek">
+              <p:cTn id="2" dur="indefinite" nodeType="mainSeq">
+                <p:childTnLst>
+                  <p:par>
+                    <p:cTn id="3" fill="hold">
+                      <p:stCondLst>
+                        <p:cond delay="indefinite"/>
+                        <p:cond evt="onBegin" delay="0">
+                          <p:tn val="2"/>
+                        </p:cond>
+                      </p:stCondLst>
+                      <p:childTnLst>
+                        <p:par>
+                          <p:cTn id="4" fill="hold">
+                            <p:stCondLst>
+                              <p:cond delay="0"/>
+                            </p:stCondLst>
+                            <p:childTnLst>
+                              <p:par>
+                                <p:cTn id="5" presetID="2" presetClass="entr" presetSubtype="2" decel="100000" fill="hold" grpId="0" nodeType="withEffect">
+                                  <p:stCondLst>
+                                    <p:cond delay="0"/>
+                                  </p:stCondLst>
+                                  <p:childTnLst>
+                                    <p:set>
+                                      <p:cBhvr>
+                                        <p:cTn id="6" dur="1" fill="hold">
+                                          <p:stCondLst>
+                                            <p:cond delay="0"/>
+                                          </p:stCondLst>
+                                        </p:cTn>
+                                        <p:tgtEl>
+                                          <p:spTgt spid="2"/>
+                                        </p:tgtEl>
+                                        <p:attrNameLst>
+                                          <p:attrName>style.visibility</p:attrName>
+                                        </p:attrNameLst>
+                                      </p:cBhvr>
+                                      <p:to>
+                                        <p:strVal val="visible"/>
+                                      </p:to>
+                                    </p:set>
+                                    <p:anim calcmode="lin" valueType="num">
+                                      <p:cBhvr additive="base">
+                                        <p:cTn id="7" dur="750" fill="hold"/>
+                                        <p:tgtEl>
+                                          <p:spTgt spid="2"/>
+                                        </p:tgtEl>
+                                        <p:attrNameLst>
+                                          <p:attrName>ppt_x</p:attrName>
+                                        </p:attrNameLst>
+                                      </p:cBhvr>
+                                      <p:tavLst>
+                                        <p:tav tm="0">
+                                          <p:val>
+                                            <p:strVal val="1+#ppt_w/2"/>
+                                          </p:val>
+                                        </p:tav>
+                                        <p:tav tm="100000">
+                                          <p:val>
+                                            <p:strVal val="#ppt_x"/>
+                                          </p:val>
+                                        </p:tav>
+                                      </p:tavLst>
+                                    </p:anim>
+                                    <p:anim calcmode="lin" valueType="num">
+                                      <p:cBhvr additive="base">
+                                        <p:cTn id="8" dur="750" fill="hold"/>
+                                        <p:tgtEl>
+                                          <p:spTgt spid="2"/>
+                                        </p:tgtEl>
+                                        <p:attrNameLst>
+                                          <p:attrName>ppt_y</p:attrName>
+                                        </p:attrNameLst>
+                                      </p:cBhvr>
+                                      <p:tavLst>
+                                        <p:tav tm="0">
+                                          <p:val>
+                                            <p:strVal val="#ppt_y"/>
+                                          </p:val>
+                                        </p:tav>
+                                        <p:tav tm="100000">
+                                          <p:val>
+                                            <p:strVal val="#ppt_y"/>
+                                          </p:val>
+                                        </p:tav>
+                                      </p:tavLst>
+                                    </p:anim>
+                                  </p:childTnLst>
+                                </p:cTn>
+                              </p:par>
+                              <p:par>
+                                <p:cTn id="9" presetID="2" presetClass="entr" presetSubtype="2" decel="100000" fill="hold" grpId="0" nodeType="withEffect">
+                                  <p:stCondLst>
+                                    <p:cond delay="250"/>
+                                  </p:stCondLst>
+                                  <p:childTnLst>
+                                    <p:set>
+                                      <p:cBhvr>
+                                        <p:cTn id="10" dur="1" fill="hold">
+                                          <p:stCondLst>
+                                            <p:cond delay="0"/>
+                                          </p:stCondLst>
+                                        </p:cTn>
+                                        <p:tgtEl>
+                                          <p:spTgt spid="7">
+                                            <p:txEl>
+                                              <p:pRg st="0" end="0"/>
+                                            </p:txEl>
+                                          </p:spTgt>
+                                        </p:tgtEl>
+                                        <p:attrNameLst>
+                                          <p:attrName>style.visibility</p:attrName>
+                                        </p:attrNameLst>
+                                      </p:cBhvr>
+                                      <p:to>
+                                        <p:strVal val="visible"/>
+                                      </p:to>
+                                    </p:set>
+                                    <p:anim calcmode="lin" valueType="num">
+                                      <p:cBhvr additive="base">
+                                        <p:cTn id="11" dur="750" fill="hold"/>
+                                        <p:tgtEl>
+                                          <p:spTgt spid="7">
+                                            <p:txEl>
+                                              <p:pRg st="0" end="0"/>
+                                            </p:txEl>
+                                          </p:spTgt>
+                                        </p:tgtEl>
+                                        <p:attrNameLst>
+                                          <p:attrName>ppt_x</p:attrName>
+                                        </p:attrNameLst>
+                                      </p:cBhvr>
+                                      <p:tavLst>
+                                        <p:tav tm="0">
+                                          <p:val>
+                                            <p:strVal val="1+#ppt_w/2"/>
+                                          </p:val>
+                                        </p:tav>
+                                        <p:tav tm="100000">
+                                          <p:val>
+                                            <p:strVal val="#ppt_x"/>
+                                          </p:val>
+                                        </p:tav>
+                                      </p:tavLst>
+                                    </p:anim>
+                                    <p:anim calcmode="lin" valueType="num">
+                                      <p:cBhvr additive="base">
+                                        <p:cTn id="12" dur="750" fill="hold"/>
+                                        <p:tgtEl>
+                                          <p:spTgt spid="7">
+                                            <p:txEl>
+                                              <p:pRg st="0" end="0"/>
+                                            </p:txEl>
+                                          </p:spTgt>
+                                        </p:tgtEl>
+                                        <p:attrNameLst>
+                                          <p:attrName>ppt_y</p:attrName>
+                                        </p:attrNameLst>
+                                      </p:cBhvr>
+                                      <p:tavLst>
+                                        <p:tav tm="0">
+                                          <p:val>
+                                            <p:strVal val="#ppt_y"/>
+                                          </p:val>
+                                        </p:tav>
+                                        <p:tav tm="100000">
+                                          <p:val>
+                                            <p:strVal val="#ppt_y"/>
+                                          </p:val>
+                                        </p:tav>
+                                      </p:tavLst>
+                                    </p:anim>
+                                  </p:childTnLst>
+                                </p:cTn>
+                              </p:par>
+                              <p:par>
+                                <p:cTn id="13" presetID="2" presetClass="entr" presetSubtype="2" decel="100000" fill="hold" grpId="0" nodeType="withEffect">
+                                  <p:stCondLst>
+                                    <p:cond delay="500"/>
+                                  </p:stCondLst>
+                                  <p:childTnLst>
+                                    <p:set>
+                                      <p:cBhvr>
+                                        <p:cTn id="14" dur="1" fill="hold">
+                                          <p:stCondLst>
+                                            <p:cond delay="0"/>
+                                          </p:stCondLst>
+                                        </p:cTn>
+                                        <p:tgtEl>
+                                          <p:spTgt spid="3">
+                                            <p:txEl>
+                                              <p:pRg st="0" end="0"/>
+                                            </p:txEl>
+                                          </p:spTgt>
+                                        </p:tgtEl>
+                                        <p:attrNameLst>
+                                          <p:attrName>style.visibility</p:attrName>
+                                        </p:attrNameLst>
+                                      </p:cBhvr>
+                                      <p:to>
+                                        <p:strVal val="visible"/>
+                                      </p:to>
+                                    </p:set>
+                                    <p:anim calcmode="lin" valueType="num">
+                                      <p:cBhvr additive="base">
+                                        <p:cTn id="15" dur="750" fill="hold"/>
+                                        <p:tgtEl>
+                                          <p:spTgt spid="3">
+                                            <p:txEl>
+                                              <p:pRg st="0" end="0"/>
+                                            </p:txEl>
+                                          </p:spTgt>
+                                        </p:tgtEl>
+                                        <p:attrNameLst>
+                                          <p:attrName>ppt_x</p:attrName>
+                                        </p:attrNameLst>
+                                      </p:cBhvr>
+                                      <p:tavLst>
+                                        <p:tav tm="0">
+                                          <p:val>
+                                            <p:strVal val="1+#ppt_w/2"/>
+                                          </p:val>
+                                        </p:tav>
+                                        <p:tav tm="100000">
+                                          <p:val>
+                                            <p:strVal val="#ppt_x"/>
+                                          </p:val>
+                                        </p:tav>
+                                      </p:tavLst>
+                                    </p:anim>
+                                    <p:anim calcmode="lin" valueType="num">
+                                      <p:cBhvr additive="base">
+                                        <p:cTn id="16" dur="750" fill="hold"/>
+                                        <p:tgtEl>
+                                          <p:spTgt spid="3">
+                                            <p:txEl>
+                                              <p:pRg st="0" end="0"/>
+                                            </p:txEl>
+                                          </p:spTgt>
+                                        </p:tgtEl>
+                                        <p:attrNameLst>
+                                          <p:attrName>ppt_y</p:attrName>
+                                        </p:attrNameLst>
+                                      </p:cBhvr>
+                                      <p:tavLst>
+                                        <p:tav tm="0">
+                                          <p:val>
+                                            <p:strVal val="#ppt_y"/>
+                                          </p:val>
+                                        </p:tav>
+                                        <p:tav tm="100000">
+                                          <p:val>
+                                            <p:strVal val="#ppt_y"/>
+                                          </p:val>
+                                        </p:tav>
+                                      </p:tavLst>
+                                    </p:anim>
+                                  </p:childTnLst>
+                                </p:cTn>
+                              </p:par>
+                            </p:childTnLst>
+                          </p:cTn>
+                        </p:par>
+                      </p:childTnLst>
+                    </p:cTn>
+                  </p:par>
+                </p:childTnLst>
+              </p:cTn>
+              <p:prevCondLst>
+                <p:cond evt="onPrev" delay="0">
+                  <p:tgtEl>
+                    <p:sldTgt/>
+                  </p:tgtEl>
+                </p:cond>
+              </p:prevCondLst>
+              <p:nextCondLst>
+                <p:cond evt="onNext" delay="0">
+                  <p:tgtEl>
+                    <p:sldTgt/>
+                  </p:tgtEl>
+                </p:cond>
+              </p:nextCondLst>
+            </p:seq>
+          </p:childTnLst>
+        </p:cTn>
+      </p:par>
+    </p:tnLst>
+    <p:bldLst>
+      <p:bldP spid="2" grpId="0"/>
+      <p:bldP spid="3" grpId="0" build="p">
+        <p:tmplLst>
+          <p:tmpl lvl="1">
+            <p:tnLst>
+              <p:par>
+                <p:cTn presetID="2" presetClass="entr" presetSubtype="2" decel="100000" fill="hold" nodeType="withEffect">
+                  <p:stCondLst>
+                    <p:cond delay="500"/>
+                  </p:stCondLst>
+                  <p:childTnLst>
+                    <p:set>
+                      <p:cBhvr>
+                        <p:cTn dur="1" fill="hold">
+                          <p:stCondLst>
+                            <p:cond delay="0"/>
+                          </p:stCondLst>
+                        </p:cTn>
+                        <p:tgtEl>
+                          <p:spTgt spid="3"/>
+                        </p:tgtEl>
+                        <p:attrNameLst>
+                          <p:attrName>style.visibility</p:attrName>
+                        </p:attrNameLst>
+                      </p:cBhvr>
+                      <p:to>
+                        <p:strVal val="visible"/>
+                      </p:to>
+                    </p:set>
+                    <p:anim calcmode="lin" valueType="num">
+                      <p:cBhvr additive="base">
+                        <p:cTn dur="750" fill="hold"/>
+                        <p:tgtEl>
+                          <p:spTgt spid="3"/>
+                        </p:tgtEl>
+                        <p:attrNameLst>
+                          <p:attrName>ppt_x</p:attrName>
+                        </p:attrNameLst>
+                      </p:cBhvr>
+                      <p:tavLst>
+                        <p:tav tm="0">
+                          <p:val>
+                            <p:strVal val="1+#ppt_w/2"/>
+                          </p:val>
+                        </p:tav>
+                        <p:tav tm="100000">
+                          <p:val>
+                            <p:strVal val="#ppt_x"/>
+                          </p:val>
+                        </p:tav>
+                      </p:tavLst>
+                    </p:anim>
+                    <p:anim calcmode="lin" valueType="num">
+                      <p:cBhvr additive="base">
+                        <p:cTn dur="750" fill="hold"/>
+                        <p:tgtEl>
+                          <p:spTgt spid="3"/>
+                        </p:tgtEl>
+                        <p:attrNameLst>
+                          <p:attrName>ppt_y</p:attrName>
+                        </p:attrNameLst>
+                      </p:cBhvr>
+                      <p:tavLst>
+                        <p:tav tm="0">
+                          <p:val>
+                            <p:strVal val="#ppt_y"/>
+                          </p:val>
+                        </p:tav>
+                        <p:tav tm="100000">
+                          <p:val>
+                            <p:strVal val="#ppt_y"/>
+                          </p:val>
+                        </p:tav>
+                      </p:tavLst>
+                    </p:anim>
+                  </p:childTnLst>
+                </p:cTn>
+              </p:par>
+            </p:tnLst>
+          </p:tmpl>
+        </p:tmplLst>
+      </p:bldP>
+      <p:bldP spid="7" grpId="0" build="p">
+        <p:tmplLst>
+          <p:tmpl lvl="1">
+            <p:tnLst>
+              <p:par>
+                <p:cTn presetID="2" presetClass="entr" presetSubtype="2" decel="100000" fill="hold" nodeType="withEffect">
+                  <p:stCondLst>
+                    <p:cond delay="250"/>
+                  </p:stCondLst>
+                  <p:childTnLst>
+                    <p:set>
+                      <p:cBhvr>
+                        <p:cTn dur="1" fill="hold">
+                          <p:stCondLst>
+                            <p:cond delay="0"/>
+                          </p:stCondLst>
+                        </p:cTn>
+                        <p:tgtEl>
+                          <p:spTgt spid="7"/>
+                        </p:tgtEl>
+                        <p:attrNameLst>
+                          <p:attrName>style.visibility</p:attrName>
+                        </p:attrNameLst>
+                      </p:cBhvr>
+                      <p:to>
+                        <p:strVal val="visible"/>
+                      </p:to>
+                    </p:set>
+                    <p:anim calcmode="lin" valueType="num">
+                      <p:cBhvr additive="base">
+                        <p:cTn dur="750" fill="hold"/>
+                        <p:tgtEl>
+                          <p:spTgt spid="7"/>
+                        </p:tgtEl>
+                        <p:attrNameLst>
+                          <p:attrName>ppt_x</p:attrName>
+                        </p:attrNameLst>
+                      </p:cBhvr>
+                      <p:tavLst>
+                        <p:tav tm="0">
+                          <p:val>
+                            <p:strVal val="1+#ppt_w/2"/>
+                          </p:val>
+                        </p:tav>
+                        <p:tav tm="100000">
+                          <p:val>
+                            <p:strVal val="#ppt_x"/>
+                          </p:val>
+                        </p:tav>
+                      </p:tavLst>
+                    </p:anim>
+                    <p:anim calcmode="lin" valueType="num">
+                      <p:cBhvr additive="base">
+                        <p:cTn dur="750" fill="hold"/>
+                        <p:tgtEl>
+                          <p:spTgt spid="7"/>
+                        </p:tgtEl>
+                        <p:attrNameLst>
+                          <p:attrName>ppt_y</p:attrName>
+                        </p:attrNameLst>
+                      </p:cBhvr>
+                      <p:tavLst>
+                        <p:tav tm="0">
+                          <p:val>
+                            <p:strVal val="#ppt_y"/>
+                          </p:val>
+                        </p:tav>
+                        <p:tav tm="100000">
+                          <p:val>
+                            <p:strVal val="#ppt_y"/>
+                          </p:val>
+                        </p:tav>
+                      </p:tavLst>
+                    </p:anim>
+                  </p:childTnLst>
+                </p:cTn>
+              </p:par>
+            </p:tnLst>
+          </p:tmpl>
+        </p:tmplLst>
+      </p:bldP>
+    </p:bldLst>
+  </p:timing>
+</p:sldLayout>
+</file>
+
+<file path=ppt/slideLayouts/slideLayout15.xml><?xml version="1.0" encoding="utf-8"?>
+<p:sldLayout xmlns:a="http://schemas.openxmlformats.org/drawingml/2006/main" xmlns:r="http://schemas.openxmlformats.org/officeDocument/2006/relationships" xmlns:p="http://schemas.openxmlformats.org/presentationml/2006/main" preserve="1" userDrawn="1">
+  <p:cSld name="Section Layout">
+    <p:spTree>
+      <p:nvGrpSpPr>
+        <p:cNvPr id="1" name=""/>
+        <p:cNvGrpSpPr/>
+        <p:nvPr/>
+      </p:nvGrpSpPr>
+      <p:grpSpPr>
+        <a:xfrm>
+          <a:off x="0" y="0"/>
+          <a:ext cx="0" cy="0"/>
+          <a:chOff x="0" y="0"/>
+          <a:chExt cx="0" cy="0"/>
+        </a:xfrm>
+      </p:grpSpPr>
+      <p:pic>
+        <p:nvPicPr>
+          <p:cNvPr id="13" name="Picture 12"/>
+          <p:cNvPicPr>
+            <a:picLocks noChangeAspect="1"/>
+          </p:cNvPicPr>
+          <p:nvPr userDrawn="1"/>
+        </p:nvPicPr>
+        <p:blipFill>
+          <a:blip r:embed="rId2">
+            <a:extLst>
+              <a:ext uri="{28A0092B-C50C-407E-A947-70E740481C1C}">
+                <a14:useLocalDpi xmlns:a14="http://schemas.microsoft.com/office/drawing/2010/main" val="0"/>
+              </a:ext>
+            </a:extLst>
+          </a:blip>
+          <a:stretch>
+            <a:fillRect/>
+          </a:stretch>
+        </p:blipFill>
+        <p:spPr>
+          <a:xfrm>
+            <a:off x="6360290" y="228600"/>
+            <a:ext cx="2478910" cy="552622"/>
+          </a:xfrm>
+          <a:prstGeom prst="rect">
+            <a:avLst/>
+          </a:prstGeom>
+        </p:spPr>
+      </p:pic>
+      <p:sp>
+        <p:nvSpPr>
+          <p:cNvPr id="22" name="Rectangle 21"/>
+          <p:cNvSpPr/>
+          <p:nvPr userDrawn="1"/>
+        </p:nvSpPr>
+        <p:spPr bwMode="auto">
+          <a:xfrm>
+            <a:off x="381000" y="2362199"/>
+            <a:ext cx="8380413" cy="2221992"/>
+          </a:xfrm>
+          <a:prstGeom prst="rect">
+            <a:avLst/>
+          </a:prstGeom>
+          <a:solidFill>
+            <a:srgbClr val="C00000"/>
+          </a:solidFill>
+          <a:ln>
+            <a:noFill/>
+            <a:headEnd type="none" w="med" len="med"/>
+            <a:tailEnd type="none" w="med" len="med"/>
+          </a:ln>
+        </p:spPr>
+        <p:style>
+          <a:lnRef idx="2">
+            <a:schemeClr val="accent3">
+              <a:shade val="50000"/>
+            </a:schemeClr>
+          </a:lnRef>
+          <a:fillRef idx="1">
+            <a:schemeClr val="accent3"/>
+          </a:fillRef>
+          <a:effectRef idx="0">
+            <a:schemeClr val="accent3"/>
+          </a:effectRef>
+          <a:fontRef idx="minor">
+            <a:schemeClr val="lt1"/>
+          </a:fontRef>
+        </p:style>
+        <p:txBody>
+          <a:bodyPr vert="horz" wrap="square" lIns="68604" tIns="34302" rIns="68604" bIns="34302" numCol="1" rtlCol="0" anchor="ctr" anchorCtr="0" compatLnSpc="1">
+            <a:prstTxWarp prst="textNoShape">
+              <a:avLst/>
+            </a:prstTxWarp>
+          </a:bodyPr>
+          <a:lstStyle/>
+          <a:p>
+            <a:pPr algn="ctr" defTabSz="685848" fontAlgn="base">
+              <a:spcBef>
+                <a:spcPct val="0"/>
+              </a:spcBef>
+              <a:spcAft>
+                <a:spcPct val="0"/>
+              </a:spcAft>
+            </a:pPr>
+            <a:endParaRPr lang="en-US" dirty="0" smtClean="0">
+              <a:gradFill>
+                <a:gsLst>
+                  <a:gs pos="0">
+                    <a:srgbClr val="FFFFFF"/>
+                  </a:gs>
+                  <a:gs pos="100000">
+                    <a:srgbClr val="FFFFFF"/>
+                  </a:gs>
+                </a:gsLst>
+                <a:lin ang="5400000" scaled="0"/>
+              </a:gradFill>
+            </a:endParaRPr>
+          </a:p>
+        </p:txBody>
+      </p:sp>
+      <p:sp>
+        <p:nvSpPr>
+          <p:cNvPr id="23" name="Title 1"/>
+          <p:cNvSpPr>
+            <a:spLocks noGrp="1"/>
+          </p:cNvSpPr>
+          <p:nvPr>
+            <p:ph type="ctrTitle"/>
+          </p:nvPr>
+        </p:nvSpPr>
+        <p:spPr>
+          <a:xfrm>
+            <a:off x="555738" y="2924047"/>
+            <a:ext cx="8046720" cy="1098296"/>
+          </a:xfrm>
+        </p:spPr>
+        <p:txBody>
+          <a:bodyPr anchor="ctr" anchorCtr="0">
+            <a:noAutofit/>
+          </a:bodyPr>
+          <a:lstStyle>
+            <a:lvl1pPr>
+              <a:lnSpc>
+                <a:spcPct val="90000"/>
+              </a:lnSpc>
+              <a:tabLst>
+                <a:tab pos="1504361" algn="l"/>
+              </a:tabLst>
+              <a:defRPr lang="en-US" sz="5400" b="0" kern="1200" cap="none" spc="-150" baseline="0" dirty="0">
+                <a:ln w="3175">
+                  <a:noFill/>
+                </a:ln>
+                <a:gradFill>
+                  <a:gsLst>
+                    <a:gs pos="0">
+                      <a:schemeClr val="bg2"/>
+                    </a:gs>
+                    <a:gs pos="100000">
+                      <a:schemeClr val="bg2"/>
+                    </a:gs>
+                  </a:gsLst>
+                  <a:lin ang="5400000" scaled="0"/>
+                </a:gradFill>
+                <a:effectLst/>
+                <a:latin typeface="Segoe UI Light" pitchFamily="34" charset="0"/>
+                <a:ea typeface="+mn-ea"/>
+                <a:cs typeface="+mn-cs"/>
+              </a:defRPr>
+            </a:lvl1pPr>
+          </a:lstStyle>
+          <a:p>
+            <a:pPr lvl="0" algn="l" defTabSz="685961" rtl="0" eaLnBrk="1" latinLnBrk="0" hangingPunct="1">
+              <a:lnSpc>
+                <a:spcPct val="90000"/>
+              </a:lnSpc>
+              <a:spcBef>
+                <a:spcPct val="0"/>
+              </a:spcBef>
+              <a:buNone/>
+            </a:pPr>
+            <a:r>
+              <a:rPr lang="en-US" dirty="0" smtClean="0"/>
+              <a:t>Click to edit Master title style</a:t>
+            </a:r>
+            <a:endParaRPr lang="en-US" dirty="0"/>
+          </a:p>
+        </p:txBody>
+      </p:sp>
+      <p:sp>
+        <p:nvSpPr>
+          <p:cNvPr id="24" name="Subtitle 2"/>
+          <p:cNvSpPr>
+            <a:spLocks noGrp="1"/>
+          </p:cNvSpPr>
+          <p:nvPr>
+            <p:ph type="subTitle" idx="1"/>
+          </p:nvPr>
+        </p:nvSpPr>
+        <p:spPr>
+          <a:xfrm>
+            <a:off x="381000" y="6248451"/>
+            <a:ext cx="4191000" cy="152349"/>
+          </a:xfrm>
+        </p:spPr>
+        <p:txBody>
+          <a:bodyPr vert="horz" wrap="square" lIns="0" tIns="0" rIns="0" bIns="0" rtlCol="0" anchor="ctr" anchorCtr="0">
+            <a:spAutoFit/>
+          </a:bodyPr>
+          <a:lstStyle>
+            <a:lvl1pPr marL="0" indent="0">
+              <a:spcBef>
+                <a:spcPts val="0"/>
+              </a:spcBef>
+              <a:buFontTx/>
+              <a:buNone/>
+              <a:defRPr lang="en-US" sz="1100" b="0" kern="1200" spc="0" baseline="0" dirty="0">
+                <a:solidFill>
+                  <a:schemeClr val="tx1">
+                    <a:lumMod val="65000"/>
+                    <a:lumOff val="35000"/>
+                  </a:schemeClr>
+                </a:solidFill>
+                <a:latin typeface="Segoe UI" pitchFamily="34" charset="0"/>
+                <a:ea typeface="Segoe UI" pitchFamily="34" charset="0"/>
+                <a:cs typeface="Segoe UI" pitchFamily="34" charset="0"/>
+              </a:defRPr>
+            </a:lvl1pPr>
+          </a:lstStyle>
+          <a:p>
+            <a:pPr marL="0" lvl="0" indent="0" algn="l" defTabSz="685961" rtl="0" eaLnBrk="1" latinLnBrk="0" hangingPunct="1">
+              <a:lnSpc>
+                <a:spcPct val="90000"/>
+              </a:lnSpc>
+              <a:spcBef>
+                <a:spcPts val="0"/>
+              </a:spcBef>
+              <a:buClr>
+                <a:schemeClr val="tx2"/>
+              </a:buClr>
+              <a:buSzPct val="90000"/>
+              <a:buFontTx/>
+              <a:buNone/>
+            </a:pPr>
+            <a:r>
+              <a:rPr lang="en-US" dirty="0" smtClean="0"/>
+              <a:t>Click to edit Master subtitle style</a:t>
+            </a:r>
+            <a:endParaRPr lang="en-US" dirty="0"/>
+          </a:p>
+        </p:txBody>
+      </p:sp>
+    </p:spTree>
+    <p:extLst>
+      <p:ext uri="{BB962C8B-B14F-4D97-AF65-F5344CB8AC3E}">
+        <p14:creationId xmlns:p14="http://schemas.microsoft.com/office/powerpoint/2010/main" val="4053411946"/>
+      </p:ext>
+    </p:extLst>
+  </p:cSld>
+  <p:clrMapOvr>
+    <a:masterClrMapping/>
+  </p:clrMapOvr>
+  <p:transition spd="slow">
+    <p:push/>
+  </p:transition>
+  <p:timing>
+    <p:tnLst>
+      <p:par>
+        <p:cTn id="1" dur="indefinite" restart="never" nodeType="tmRoot">
+          <p:childTnLst>
+            <p:seq concurrent="1" nextAc="seek">
+              <p:cTn id="2" dur="indefinite" nodeType="mainSeq">
+                <p:childTnLst>
+                  <p:par>
+                    <p:cTn id="3" fill="hold">
+                      <p:stCondLst>
+                        <p:cond delay="indefinite"/>
+                        <p:cond evt="onBegin" delay="0">
+                          <p:tn val="2"/>
+                        </p:cond>
+                      </p:stCondLst>
+                      <p:childTnLst>
+                        <p:par>
+                          <p:cTn id="4" fill="hold">
+                            <p:stCondLst>
+                              <p:cond delay="0"/>
+                            </p:stCondLst>
+                            <p:childTnLst>
+                              <p:par>
+                                <p:cTn id="5" presetID="1" presetClass="entr" presetSubtype="0" fill="hold" grpId="1" nodeType="withEffect">
+                                  <p:stCondLst>
+                                    <p:cond delay="0"/>
+                                  </p:stCondLst>
+                                  <p:childTnLst>
+                                    <p:set>
+                                      <p:cBhvr>
+                                        <p:cTn id="6" dur="1" fill="hold">
+                                          <p:stCondLst>
+                                            <p:cond delay="0"/>
+                                          </p:stCondLst>
+                                        </p:cTn>
+                                        <p:tgtEl>
+                                          <p:spTgt spid="22"/>
+                                        </p:tgtEl>
+                                        <p:attrNameLst>
+                                          <p:attrName>style.visibility</p:attrName>
+                                        </p:attrNameLst>
+                                      </p:cBhvr>
+                                      <p:to>
+                                        <p:strVal val="visible"/>
+                                      </p:to>
+                                    </p:set>
+                                  </p:childTnLst>
+                                </p:cTn>
+                              </p:par>
+                              <p:par>
+                                <p:cTn id="7" presetID="42" presetClass="path" presetSubtype="0" decel="100000" fill="hold" grpId="2" nodeType="withEffect">
+                                  <p:stCondLst>
+                                    <p:cond delay="0"/>
+                                  </p:stCondLst>
+                                  <p:childTnLst>
+                                    <p:animMotion origin="layout" path="M 2.5553E-6 -4.07407E-6 L 1.03604 -0.00115 " pathEditMode="relative" rAng="0" ptsTypes="AA">
+                                      <p:cBhvr>
+                                        <p:cTn id="8" dur="750" spd="-100000" fill="hold"/>
+                                        <p:tgtEl>
+                                          <p:spTgt spid="22"/>
+                                        </p:tgtEl>
+                                        <p:attrNameLst>
+                                          <p:attrName>ppt_x</p:attrName>
+                                          <p:attrName>ppt_y</p:attrName>
+                                        </p:attrNameLst>
+                                      </p:cBhvr>
+                                      <p:rCtr x="51795" y="-69"/>
+                                    </p:animMotion>
+                                  </p:childTnLst>
+                                </p:cTn>
+                              </p:par>
+                              <p:par>
+                                <p:cTn id="9" presetID="1" presetClass="entr" presetSubtype="0" fill="hold" grpId="0" nodeType="withEffect">
+                                  <p:stCondLst>
+                                    <p:cond delay="300"/>
+                                  </p:stCondLst>
+                                  <p:childTnLst>
+                                    <p:set>
+                                      <p:cBhvr>
+                                        <p:cTn id="10" dur="1" fill="hold">
+                                          <p:stCondLst>
+                                            <p:cond delay="0"/>
+                                          </p:stCondLst>
+                                        </p:cTn>
+                                        <p:tgtEl>
+                                          <p:spTgt spid="23"/>
+                                        </p:tgtEl>
+                                        <p:attrNameLst>
+                                          <p:attrName>style.visibility</p:attrName>
+                                        </p:attrNameLst>
+                                      </p:cBhvr>
+                                      <p:to>
+                                        <p:strVal val="visible"/>
+                                      </p:to>
+                                    </p:set>
+                                  </p:childTnLst>
+                                </p:cTn>
+                              </p:par>
+                              <p:par>
+                                <p:cTn id="11" presetID="42" presetClass="path" presetSubtype="0" decel="100000" fill="hold" grpId="1" nodeType="withEffect">
+                                  <p:stCondLst>
+                                    <p:cond delay="250"/>
+                                  </p:stCondLst>
+                                  <p:childTnLst>
+                                    <p:animMotion origin="layout" path="M -4.44444E-6 0.00463 L 1.02969 0.00347 " pathEditMode="relative" rAng="0" ptsTypes="AA">
+                                      <p:cBhvr>
+                                        <p:cTn id="12" dur="750" spd="-100000" fill="hold"/>
+                                        <p:tgtEl>
+                                          <p:spTgt spid="23"/>
+                                        </p:tgtEl>
+                                        <p:attrNameLst>
+                                          <p:attrName>ppt_x</p:attrName>
+                                          <p:attrName>ppt_y</p:attrName>
+                                        </p:attrNameLst>
+                                      </p:cBhvr>
+                                      <p:rCtr x="51476" y="-69"/>
+                                    </p:animMotion>
+                                  </p:childTnLst>
+                                </p:cTn>
+                              </p:par>
+                              <p:par>
+                                <p:cTn id="13" presetID="1" presetClass="entr" presetSubtype="0" fill="hold" grpId="0" nodeType="withEffect">
+                                  <p:stCondLst>
+                                    <p:cond delay="500"/>
+                                  </p:stCondLst>
+                                  <p:childTnLst>
+                                    <p:set>
+                                      <p:cBhvr>
+                                        <p:cTn id="14" dur="1" fill="hold">
+                                          <p:stCondLst>
+                                            <p:cond delay="0"/>
+                                          </p:stCondLst>
+                                        </p:cTn>
+                                        <p:tgtEl>
+                                          <p:spTgt spid="24">
+                                            <p:txEl>
+                                              <p:pRg st="0" end="0"/>
+                                            </p:txEl>
+                                          </p:spTgt>
+                                        </p:tgtEl>
+                                        <p:attrNameLst>
+                                          <p:attrName>style.visibility</p:attrName>
+                                        </p:attrNameLst>
+                                      </p:cBhvr>
+                                      <p:to>
+                                        <p:strVal val="visible"/>
+                                      </p:to>
+                                    </p:set>
+                                  </p:childTnLst>
+                                </p:cTn>
+                              </p:par>
+                              <p:par>
+                                <p:cTn id="15" presetID="42" presetClass="path" presetSubtype="0" decel="100000" fill="hold" grpId="1" nodeType="withEffect">
+                                  <p:stCondLst>
+                                    <p:cond delay="500"/>
+                                  </p:stCondLst>
+                                  <p:childTnLst>
+                                    <p:animMotion origin="layout" path="M 4.93885E-6 3.7037E-6 L 1.09367 -0.00324 " pathEditMode="relative" rAng="0" ptsTypes="AA">
+                                      <p:cBhvr>
+                                        <p:cTn id="16" dur="750" spd="-100000" fill="hold"/>
+                                        <p:tgtEl>
+                                          <p:spTgt spid="24">
+                                            <p:txEl>
+                                              <p:pRg st="0" end="0"/>
+                                            </p:txEl>
+                                          </p:spTgt>
+                                        </p:tgtEl>
+                                        <p:attrNameLst>
+                                          <p:attrName>ppt_x</p:attrName>
+                                          <p:attrName>ppt_y</p:attrName>
+                                        </p:attrNameLst>
+                                      </p:cBhvr>
+                                      <p:rCtr x="54684" y="-162"/>
+                                    </p:animMotion>
+                                  </p:childTnLst>
+                                </p:cTn>
+                              </p:par>
+                            </p:childTnLst>
+                          </p:cTn>
+                        </p:par>
+                      </p:childTnLst>
+                    </p:cTn>
+                  </p:par>
+                </p:childTnLst>
+              </p:cTn>
+              <p:prevCondLst>
+                <p:cond evt="onPrev" delay="0">
+                  <p:tgtEl>
+                    <p:sldTgt/>
+                  </p:tgtEl>
+                </p:cond>
+              </p:prevCondLst>
+              <p:nextCondLst>
+                <p:cond evt="onNext" delay="0">
+                  <p:tgtEl>
+                    <p:sldTgt/>
+                  </p:tgtEl>
+                </p:cond>
+              </p:nextCondLst>
+            </p:seq>
+          </p:childTnLst>
+        </p:cTn>
+      </p:par>
+    </p:tnLst>
+    <p:bldLst>
+      <p:bldP spid="22" grpId="0" animBg="1"/>
+      <p:bldP spid="22" grpId="1" animBg="1"/>
+      <p:bldP spid="22" grpId="2" animBg="1"/>
+      <p:bldP spid="23" grpId="0"/>
+      <p:bldP spid="23" grpId="1"/>
+      <p:bldP spid="24" grpId="0" build="p">
+        <p:tmplLst>
+          <p:tmpl lvl="1">
+            <p:tnLst>
+              <p:par>
+                <p:cTn presetID="1" presetClass="entr" presetSubtype="0" fill="hold" nodeType="withEffect">
+                  <p:stCondLst>
+                    <p:cond delay="500"/>
+                  </p:stCondLst>
+                  <p:childTnLst>
+                    <p:set>
+                      <p:cBhvr>
+                        <p:cTn dur="1" fill="hold">
+                          <p:stCondLst>
+                            <p:cond delay="0"/>
+                          </p:stCondLst>
+                        </p:cTn>
+                        <p:tgtEl>
+                          <p:spTgt spid="24"/>
+                        </p:tgtEl>
+                        <p:attrNameLst>
+                          <p:attrName>style.visibility</p:attrName>
+                        </p:attrNameLst>
+                      </p:cBhvr>
+                      <p:to>
+                        <p:strVal val="visible"/>
+                      </p:to>
+                    </p:set>
+                  </p:childTnLst>
+                </p:cTn>
+              </p:par>
+            </p:tnLst>
+          </p:tmpl>
+        </p:tmplLst>
+      </p:bldP>
+      <p:bldP spid="24" grpId="1" build="p">
+        <p:tmplLst>
+          <p:tmpl lvl="1">
+            <p:tnLst>
+              <p:par>
+                <p:cTn presetID="42" presetClass="path" presetSubtype="0" decel="100000" fill="hold" nodeType="withEffect">
+                  <p:stCondLst>
+                    <p:cond delay="500"/>
+                  </p:stCondLst>
+                  <p:childTnLst>
+                    <p:animMotion origin="layout" path="M 4.93885E-6 3.7037E-6 L 1.09367 -0.00324 " pathEditMode="relative" rAng="0" ptsTypes="AA">
+                      <p:cBhvr>
+                        <p:cTn dur="750" spd="-100000" fill="hold"/>
+                        <p:tgtEl>
+                          <p:spTgt spid="24"/>
+                        </p:tgtEl>
+                        <p:attrNameLst>
+                          <p:attrName>ppt_x</p:attrName>
+                          <p:attrName>ppt_y</p:attrName>
+                        </p:attrNameLst>
+                      </p:cBhvr>
+                      <p:rCtr x="54684" y="-162"/>
+                    </p:animMotion>
+                  </p:childTnLst>
+                </p:cTn>
+              </p:par>
+            </p:tnLst>
+          </p:tmpl>
+        </p:tmplLst>
+      </p:bldP>
+    </p:bldLst>
+  </p:timing>
+</p:sldLayout>
+</file>
+
+<file path=ppt/slideLayouts/slideLayout16.xml><?xml version="1.0" encoding="utf-8"?>
+<p:sldLayout xmlns:a="http://schemas.openxmlformats.org/drawingml/2006/main" xmlns:r="http://schemas.openxmlformats.org/officeDocument/2006/relationships" xmlns:p="http://schemas.openxmlformats.org/presentationml/2006/main" preserve="1" userDrawn="1">
+  <p:cSld name="1_Title and Content">
+    <p:spTree>
+      <p:nvGrpSpPr>
+        <p:cNvPr id="1" name=""/>
+        <p:cNvGrpSpPr/>
+        <p:nvPr/>
+      </p:nvGrpSpPr>
+      <p:grpSpPr>
+        <a:xfrm>
+          <a:off x="0" y="0"/>
+          <a:ext cx="0" cy="0"/>
+          <a:chOff x="0" y="0"/>
+          <a:chExt cx="0" cy="0"/>
+        </a:xfrm>
+      </p:grpSpPr>
+      <p:pic>
+        <p:nvPicPr>
+          <p:cNvPr id="7" name="Picture 6"/>
+          <p:cNvPicPr>
+            <a:picLocks noChangeAspect="1"/>
+          </p:cNvPicPr>
+          <p:nvPr userDrawn="1"/>
+        </p:nvPicPr>
+        <p:blipFill>
+          <a:blip r:embed="rId2">
+            <a:extLst>
+              <a:ext uri="{28A0092B-C50C-407E-A947-70E740481C1C}">
+                <a14:useLocalDpi xmlns:a14="http://schemas.microsoft.com/office/drawing/2010/main" val="0"/>
+              </a:ext>
+            </a:extLst>
+          </a:blip>
+          <a:stretch>
+            <a:fillRect/>
+          </a:stretch>
+        </p:blipFill>
+        <p:spPr>
+          <a:xfrm>
+            <a:off x="6360290" y="228600"/>
+            <a:ext cx="2478910" cy="552622"/>
+          </a:xfrm>
+          <a:prstGeom prst="rect">
+            <a:avLst/>
+          </a:prstGeom>
+        </p:spPr>
+      </p:pic>
+      <p:sp>
+        <p:nvSpPr>
+          <p:cNvPr id="2" name="Title 1"/>
+          <p:cNvSpPr>
+            <a:spLocks noGrp="1"/>
+          </p:cNvSpPr>
+          <p:nvPr>
+            <p:ph type="title" hasCustomPrompt="1"/>
+          </p:nvPr>
+        </p:nvSpPr>
+        <p:spPr>
+          <a:xfrm>
+            <a:off x="381000" y="769203"/>
+            <a:ext cx="8363938" cy="747897"/>
+          </a:xfrm>
+        </p:spPr>
+        <p:txBody>
+          <a:bodyPr/>
+          <a:lstStyle>
+            <a:lvl1pPr>
+              <a:defRPr>
+                <a:latin typeface="Segoe UI Light" pitchFamily="34" charset="0"/>
+              </a:defRPr>
+            </a:lvl1pPr>
+          </a:lstStyle>
+          <a:p>
+            <a:r>
+              <a:rPr lang="en-US" dirty="0" smtClean="0"/>
+              <a:t>Master title style</a:t>
+            </a:r>
+            <a:endParaRPr lang="en-US" dirty="0"/>
+          </a:p>
+        </p:txBody>
+      </p:sp>
+      <p:sp>
+        <p:nvSpPr>
+          <p:cNvPr id="5" name="Text Placeholder 4"/>
+          <p:cNvSpPr>
+            <a:spLocks noGrp="1"/>
+          </p:cNvSpPr>
+          <p:nvPr>
+            <p:ph type="body" sz="quarter" idx="10"/>
+          </p:nvPr>
+        </p:nvSpPr>
+        <p:spPr>
+          <a:xfrm>
+            <a:off x="381000" y="1905000"/>
+            <a:ext cx="8363938" cy="2609945"/>
+          </a:xfrm>
+        </p:spPr>
+        <p:txBody>
+          <a:bodyPr/>
+          <a:lstStyle>
+            <a:lvl1pPr marL="347663" indent="-347663">
+              <a:defRPr sz="3200">
+                <a:latin typeface="Segoe UI Light" pitchFamily="34" charset="0"/>
+              </a:defRPr>
+            </a:lvl1pPr>
+            <a:lvl2pPr marL="744538" indent="-284163">
+              <a:defRPr sz="3200"/>
+            </a:lvl2pPr>
+            <a:lvl3pPr marL="1143000" indent="-287338">
+              <a:defRPr sz="3200"/>
+            </a:lvl3pPr>
+            <a:lvl4pPr marL="1490663" indent="-231775">
+              <a:defRPr sz="3200"/>
+            </a:lvl4pPr>
+            <a:lvl5pPr marL="1828800" indent="-223838">
+              <a:defRPr sz="3200"/>
+            </a:lvl5pPr>
+          </a:lstStyle>
+          <a:p>
+            <a:pPr lvl="0"/>
+            <a:r>
+              <a:rPr lang="en-US" dirty="0" smtClean="0"/>
+              <a:t>Click to edit Master text styles</a:t>
+            </a:r>
+          </a:p>
+          <a:p>
+            <a:pPr lvl="1"/>
+            <a:r>
+              <a:rPr lang="en-US" dirty="0" smtClean="0"/>
+              <a:t>Second level</a:t>
+            </a:r>
+          </a:p>
+          <a:p>
+            <a:pPr lvl="2"/>
+            <a:r>
+              <a:rPr lang="en-US" dirty="0" smtClean="0"/>
+              <a:t>Third level</a:t>
+            </a:r>
+          </a:p>
+          <a:p>
+            <a:pPr lvl="3"/>
+            <a:r>
+              <a:rPr lang="en-US" dirty="0" smtClean="0"/>
+              <a:t>Fourth level</a:t>
+            </a:r>
+          </a:p>
+          <a:p>
+            <a:pPr lvl="4"/>
+            <a:r>
+              <a:rPr lang="en-US" dirty="0" smtClean="0"/>
+              <a:t>Fifth level</a:t>
+            </a:r>
+            <a:endParaRPr lang="en-US" dirty="0"/>
+          </a:p>
+        </p:txBody>
+      </p:sp>
+      <p:sp>
+        <p:nvSpPr>
+          <p:cNvPr id="8" name="TextBox 7"/>
+          <p:cNvSpPr txBox="1"/>
+          <p:nvPr userDrawn="1"/>
+        </p:nvSpPr>
+        <p:spPr>
+          <a:xfrm>
+            <a:off x="4773601" y="6505545"/>
+            <a:ext cx="4063796" cy="200055"/>
+          </a:xfrm>
+          <a:prstGeom prst="rect">
+            <a:avLst/>
+          </a:prstGeom>
+          <a:noFill/>
+        </p:spPr>
+        <p:txBody>
+          <a:bodyPr wrap="square" rtlCol="0" anchor="b">
+            <a:spAutoFit/>
+          </a:bodyPr>
+          <a:lstStyle/>
+          <a:p>
+            <a:pPr algn="r" defTabSz="914363"/>
+            <a:fld id="{40B76143-9258-4AEE-9511-E300703853D1}" type="slidenum">
+              <a:rPr lang="en-US" sz="700" smtClean="0">
+                <a:solidFill>
+                  <a:prstClr val="white">
+                    <a:lumMod val="50000"/>
+                  </a:prstClr>
+                </a:solidFill>
+                <a:latin typeface="Segoe UI" pitchFamily="34" charset="0"/>
+                <a:ea typeface="Segoe UI" pitchFamily="34" charset="0"/>
+                <a:cs typeface="Segoe UI" pitchFamily="34" charset="0"/>
+              </a:rPr>
+              <a:pPr algn="r" defTabSz="914363"/>
+              <a:t>‹#›</a:t>
+            </a:fld>
+            <a:r>
+              <a:rPr lang="en-US" sz="700" dirty="0" smtClean="0">
+                <a:solidFill>
+                  <a:prstClr val="white">
+                    <a:lumMod val="50000"/>
+                  </a:prstClr>
+                </a:solidFill>
+                <a:latin typeface="Segoe UI" pitchFamily="34" charset="0"/>
+                <a:ea typeface="Segoe UI" pitchFamily="34" charset="0"/>
+                <a:cs typeface="Segoe UI" pitchFamily="34" charset="0"/>
+              </a:rPr>
+              <a:t>    |   SharePoint Saturday St. Louis 2012</a:t>
+            </a:r>
+            <a:endParaRPr lang="en-US" sz="700" dirty="0">
+              <a:solidFill>
+                <a:prstClr val="white">
+                  <a:lumMod val="50000"/>
+                </a:prstClr>
+              </a:solidFill>
+              <a:latin typeface="Segoe UI" pitchFamily="34" charset="0"/>
+              <a:ea typeface="Segoe UI" pitchFamily="34" charset="0"/>
+              <a:cs typeface="Segoe UI" pitchFamily="34" charset="0"/>
+            </a:endParaRPr>
+          </a:p>
+        </p:txBody>
+      </p:sp>
+    </p:spTree>
+    <p:extLst>
+      <p:ext uri="{BB962C8B-B14F-4D97-AF65-F5344CB8AC3E}">
+        <p14:creationId xmlns:p14="http://schemas.microsoft.com/office/powerpoint/2010/main" val="891015707"/>
+      </p:ext>
+    </p:extLst>
+  </p:cSld>
+  <p:clrMapOvr>
+    <a:masterClrMapping/>
+  </p:clrMapOvr>
+  <p:transition spd="slow">
+    <p:push/>
+  </p:transition>
+  <p:timing>
+    <p:tnLst>
+      <p:par>
+        <p:cTn id="1" dur="indefinite" restart="never" nodeType="tmRoot"/>
+      </p:par>
+    </p:tnLst>
+  </p:timing>
+</p:sldLayout>
+</file>
+
+<file path=ppt/slideLayouts/slideLayout17.xml><?xml version="1.0" encoding="utf-8"?>
+<p:sldLayout xmlns:a="http://schemas.openxmlformats.org/drawingml/2006/main" xmlns:r="http://schemas.openxmlformats.org/officeDocument/2006/relationships" xmlns:p="http://schemas.openxmlformats.org/presentationml/2006/main" preserve="1" userDrawn="1">
+  <p:cSld name="Title and Content">
+    <p:spTree>
+      <p:nvGrpSpPr>
+        <p:cNvPr id="1" name=""/>
+        <p:cNvGrpSpPr/>
+        <p:nvPr/>
+      </p:nvGrpSpPr>
+      <p:grpSpPr>
+        <a:xfrm>
+          <a:off x="0" y="0"/>
+          <a:ext cx="0" cy="0"/>
+          <a:chOff x="0" y="0"/>
+          <a:chExt cx="0" cy="0"/>
+        </a:xfrm>
+      </p:grpSpPr>
+      <p:pic>
+        <p:nvPicPr>
+          <p:cNvPr id="6" name="Picture 5"/>
+          <p:cNvPicPr>
+            <a:picLocks noChangeAspect="1"/>
+          </p:cNvPicPr>
+          <p:nvPr userDrawn="1"/>
+        </p:nvPicPr>
+        <p:blipFill>
+          <a:blip r:embed="rId2">
+            <a:extLst>
+              <a:ext uri="{28A0092B-C50C-407E-A947-70E740481C1C}">
+                <a14:useLocalDpi xmlns:a14="http://schemas.microsoft.com/office/drawing/2010/main" val="0"/>
+              </a:ext>
+            </a:extLst>
+          </a:blip>
+          <a:stretch>
+            <a:fillRect/>
+          </a:stretch>
+        </p:blipFill>
+        <p:spPr>
+          <a:xfrm>
+            <a:off x="6360290" y="228600"/>
+            <a:ext cx="2478910" cy="552622"/>
+          </a:xfrm>
+          <a:prstGeom prst="rect">
+            <a:avLst/>
+          </a:prstGeom>
+        </p:spPr>
+      </p:pic>
+      <p:sp>
+        <p:nvSpPr>
+          <p:cNvPr id="2" name="Title 1"/>
+          <p:cNvSpPr>
+            <a:spLocks noGrp="1"/>
+          </p:cNvSpPr>
+          <p:nvPr>
+            <p:ph type="title" hasCustomPrompt="1"/>
+          </p:nvPr>
+        </p:nvSpPr>
+        <p:spPr>
+          <a:xfrm>
+            <a:off x="399062" y="753070"/>
+            <a:ext cx="8363938" cy="830997"/>
+          </a:xfrm>
+        </p:spPr>
+        <p:txBody>
+          <a:bodyPr/>
+          <a:lstStyle>
+            <a:lvl1pPr>
+              <a:lnSpc>
+                <a:spcPct val="100000"/>
+              </a:lnSpc>
+              <a:defRPr>
+                <a:gradFill flip="none" rotWithShape="1">
+                  <a:gsLst>
+                    <a:gs pos="0">
+                      <a:schemeClr val="bg1"/>
+                    </a:gs>
+                    <a:gs pos="86000">
+                      <a:schemeClr val="bg1"/>
+                    </a:gs>
+                  </a:gsLst>
+                  <a:lin ang="5400000" scaled="0"/>
+                  <a:tileRect/>
+                </a:gradFill>
+                <a:latin typeface="Segoe UI Light" pitchFamily="34" charset="0"/>
+              </a:defRPr>
+            </a:lvl1pPr>
+          </a:lstStyle>
+          <a:p>
+            <a:r>
+              <a:rPr lang="en-US" dirty="0" smtClean="0"/>
+              <a:t>Master title style</a:t>
+            </a:r>
+            <a:endParaRPr lang="en-US" dirty="0"/>
+          </a:p>
+        </p:txBody>
+      </p:sp>
+      <p:sp>
+        <p:nvSpPr>
+          <p:cNvPr id="3" name="Content Placeholder 2"/>
+          <p:cNvSpPr>
+            <a:spLocks noGrp="1"/>
+          </p:cNvSpPr>
+          <p:nvPr>
+            <p:ph idx="1"/>
+          </p:nvPr>
+        </p:nvSpPr>
+        <p:spPr>
+          <a:xfrm>
+            <a:off x="380770" y="1905000"/>
+            <a:ext cx="8363938" cy="2609945"/>
+          </a:xfrm>
+        </p:spPr>
+        <p:txBody>
+          <a:bodyPr/>
+          <a:lstStyle>
+            <a:lvl1pPr>
+              <a:lnSpc>
+                <a:spcPct val="90000"/>
+              </a:lnSpc>
+              <a:defRPr sz="3200">
+                <a:latin typeface="Segoe UI Light" pitchFamily="34" charset="0"/>
+              </a:defRPr>
+            </a:lvl1pPr>
+            <a:lvl2pPr>
+              <a:lnSpc>
+                <a:spcPct val="90000"/>
+              </a:lnSpc>
+              <a:defRPr sz="3200">
+                <a:latin typeface="Segoe UI Light" pitchFamily="34" charset="0"/>
+              </a:defRPr>
+            </a:lvl2pPr>
+            <a:lvl3pPr>
+              <a:lnSpc>
+                <a:spcPct val="90000"/>
+              </a:lnSpc>
+              <a:defRPr sz="3200">
+                <a:latin typeface="Segoe UI Light" pitchFamily="34" charset="0"/>
+              </a:defRPr>
+            </a:lvl3pPr>
+            <a:lvl4pPr>
+              <a:lnSpc>
+                <a:spcPct val="90000"/>
+              </a:lnSpc>
+              <a:defRPr sz="3200">
+                <a:latin typeface="Segoe UI Light" pitchFamily="34" charset="0"/>
+              </a:defRPr>
+            </a:lvl4pPr>
+            <a:lvl5pPr>
+              <a:lnSpc>
+                <a:spcPct val="90000"/>
+              </a:lnSpc>
+              <a:defRPr sz="3200">
+                <a:latin typeface="Segoe UI Light" pitchFamily="34" charset="0"/>
+              </a:defRPr>
+            </a:lvl5pPr>
+          </a:lstStyle>
+          <a:p>
+            <a:pPr lvl="0"/>
+            <a:r>
+              <a:rPr lang="en-US" dirty="0" smtClean="0"/>
+              <a:t>Click to edit Master text styles</a:t>
+            </a:r>
+          </a:p>
+          <a:p>
+            <a:pPr lvl="1"/>
+            <a:r>
+              <a:rPr lang="en-US" dirty="0" smtClean="0"/>
+              <a:t>Second level</a:t>
+            </a:r>
+          </a:p>
+          <a:p>
+            <a:pPr lvl="2"/>
+            <a:r>
+              <a:rPr lang="en-US" dirty="0" smtClean="0"/>
+              <a:t>Third level</a:t>
+            </a:r>
+          </a:p>
+          <a:p>
+            <a:pPr lvl="3"/>
+            <a:r>
+              <a:rPr lang="en-US" dirty="0" smtClean="0"/>
+              <a:t>Fourth level</a:t>
+            </a:r>
+          </a:p>
+          <a:p>
+            <a:pPr lvl="4"/>
+            <a:r>
+              <a:rPr lang="en-US" dirty="0" smtClean="0"/>
+              <a:t>Fifth level</a:t>
+            </a:r>
+            <a:endParaRPr lang="en-US" dirty="0"/>
+          </a:p>
+        </p:txBody>
+      </p:sp>
+      <p:sp>
+        <p:nvSpPr>
+          <p:cNvPr id="8" name="TextBox 7"/>
+          <p:cNvSpPr txBox="1"/>
+          <p:nvPr userDrawn="1"/>
+        </p:nvSpPr>
+        <p:spPr>
+          <a:xfrm>
+            <a:off x="4773601" y="6420022"/>
+            <a:ext cx="4063796" cy="200055"/>
+          </a:xfrm>
+          <a:prstGeom prst="rect">
+            <a:avLst/>
+          </a:prstGeom>
+          <a:noFill/>
+        </p:spPr>
+        <p:txBody>
+          <a:bodyPr wrap="square" rtlCol="0">
+            <a:spAutoFit/>
+          </a:bodyPr>
+          <a:lstStyle/>
+          <a:p>
+            <a:pPr algn="r" defTabSz="914363"/>
+            <a:fld id="{40B76143-9258-4AEE-9511-E300703853D1}" type="slidenum">
+              <a:rPr lang="en-US" sz="700" smtClean="0">
+                <a:solidFill>
+                  <a:prstClr val="white">
+                    <a:lumMod val="50000"/>
+                  </a:prstClr>
+                </a:solidFill>
+                <a:latin typeface="Segoe UI" pitchFamily="34" charset="0"/>
+                <a:ea typeface="Segoe UI" pitchFamily="34" charset="0"/>
+                <a:cs typeface="Segoe UI" pitchFamily="34" charset="0"/>
+              </a:rPr>
+              <a:pPr algn="r" defTabSz="914363"/>
+              <a:t>‹#›</a:t>
+            </a:fld>
+            <a:r>
+              <a:rPr lang="en-US" sz="700" dirty="0" smtClean="0">
+                <a:solidFill>
+                  <a:prstClr val="white">
+                    <a:lumMod val="50000"/>
+                  </a:prstClr>
+                </a:solidFill>
+                <a:latin typeface="Segoe UI" pitchFamily="34" charset="0"/>
+                <a:ea typeface="Segoe UI" pitchFamily="34" charset="0"/>
+                <a:cs typeface="Segoe UI" pitchFamily="34" charset="0"/>
+              </a:rPr>
+              <a:t>    |   SharePoint Saturday St. Louis 2012</a:t>
+            </a:r>
+            <a:endParaRPr lang="en-US" sz="700" dirty="0">
+              <a:solidFill>
+                <a:prstClr val="white">
+                  <a:lumMod val="50000"/>
+                </a:prstClr>
+              </a:solidFill>
+              <a:latin typeface="Segoe UI" pitchFamily="34" charset="0"/>
+              <a:ea typeface="Segoe UI" pitchFamily="34" charset="0"/>
+              <a:cs typeface="Segoe UI" pitchFamily="34" charset="0"/>
+            </a:endParaRPr>
+          </a:p>
+        </p:txBody>
+      </p:sp>
+    </p:spTree>
+    <p:extLst>
+      <p:ext uri="{BB962C8B-B14F-4D97-AF65-F5344CB8AC3E}">
+        <p14:creationId xmlns:p14="http://schemas.microsoft.com/office/powerpoint/2010/main" val="2189247029"/>
+      </p:ext>
+    </p:extLst>
+  </p:cSld>
+  <p:clrMapOvr>
+    <a:masterClrMapping/>
+  </p:clrMapOvr>
+  <p:transition spd="slow">
+    <p:push/>
+  </p:transition>
+  <p:timing>
+    <p:tnLst>
+      <p:par>
+        <p:cTn id="1" dur="indefinite" restart="never" nodeType="tmRoot"/>
+      </p:par>
+    </p:tnLst>
+  </p:timing>
+</p:sldLayout>
+</file>
+
+<file path=ppt/slideLayouts/slideLayout18.xml><?xml version="1.0" encoding="utf-8"?>
+<p:sldLayout xmlns:a="http://schemas.openxmlformats.org/drawingml/2006/main" xmlns:r="http://schemas.openxmlformats.org/officeDocument/2006/relationships" xmlns:p="http://schemas.openxmlformats.org/presentationml/2006/main" preserve="1" userDrawn="1">
+  <p:cSld name="Two Content">
+    <p:spTree>
+      <p:nvGrpSpPr>
+        <p:cNvPr id="1" name=""/>
+        <p:cNvGrpSpPr/>
+        <p:nvPr/>
+      </p:nvGrpSpPr>
+      <p:grpSpPr>
+        <a:xfrm>
+          <a:off x="0" y="0"/>
+          <a:ext cx="0" cy="0"/>
+          <a:chOff x="0" y="0"/>
+          <a:chExt cx="0" cy="0"/>
+        </a:xfrm>
+      </p:grpSpPr>
+      <p:pic>
+        <p:nvPicPr>
+          <p:cNvPr id="7" name="Picture 6"/>
+          <p:cNvPicPr>
+            <a:picLocks noChangeAspect="1"/>
+          </p:cNvPicPr>
+          <p:nvPr userDrawn="1"/>
+        </p:nvPicPr>
+        <p:blipFill>
+          <a:blip r:embed="rId2">
+            <a:extLst>
+              <a:ext uri="{28A0092B-C50C-407E-A947-70E740481C1C}">
+                <a14:useLocalDpi xmlns:a14="http://schemas.microsoft.com/office/drawing/2010/main" val="0"/>
+              </a:ext>
+            </a:extLst>
+          </a:blip>
+          <a:stretch>
+            <a:fillRect/>
+          </a:stretch>
+        </p:blipFill>
+        <p:spPr>
+          <a:xfrm>
+            <a:off x="6360290" y="228600"/>
+            <a:ext cx="2478910" cy="552622"/>
+          </a:xfrm>
+          <a:prstGeom prst="rect">
+            <a:avLst/>
+          </a:prstGeom>
+        </p:spPr>
+      </p:pic>
+      <p:sp>
+        <p:nvSpPr>
+          <p:cNvPr id="2" name="Title 1"/>
+          <p:cNvSpPr>
+            <a:spLocks noGrp="1"/>
+          </p:cNvSpPr>
+          <p:nvPr>
+            <p:ph type="title" hasCustomPrompt="1"/>
+          </p:nvPr>
+        </p:nvSpPr>
+        <p:spPr>
+          <a:xfrm>
+            <a:off x="381000" y="776103"/>
+            <a:ext cx="8363938" cy="747897"/>
+          </a:xfrm>
+        </p:spPr>
+        <p:txBody>
+          <a:bodyPr/>
+          <a:lstStyle>
+            <a:lvl1pPr>
+              <a:defRPr>
+                <a:latin typeface="Segoe UI Light" pitchFamily="34" charset="0"/>
+              </a:defRPr>
+            </a:lvl1pPr>
+          </a:lstStyle>
+          <a:p>
+            <a:r>
+              <a:rPr lang="en-US" dirty="0" smtClean="0"/>
+              <a:t>Master title style</a:t>
+            </a:r>
+            <a:endParaRPr lang="en-US" dirty="0"/>
+          </a:p>
+        </p:txBody>
+      </p:sp>
+      <p:sp>
+        <p:nvSpPr>
+          <p:cNvPr id="3" name="Content Placeholder 2"/>
+          <p:cNvSpPr>
+            <a:spLocks noGrp="1"/>
+          </p:cNvSpPr>
+          <p:nvPr>
+            <p:ph sz="half" idx="1"/>
+          </p:nvPr>
+        </p:nvSpPr>
+        <p:spPr>
+          <a:xfrm>
+            <a:off x="456128" y="1756386"/>
+            <a:ext cx="4115872" cy="2129814"/>
+          </a:xfrm>
+        </p:spPr>
+        <p:txBody>
+          <a:bodyPr/>
+          <a:lstStyle>
+            <a:lvl1pPr marL="339976" indent="-339976">
+              <a:lnSpc>
+                <a:spcPct val="90000"/>
+              </a:lnSpc>
+              <a:defRPr sz="2800">
+                <a:latin typeface="Segoe UI Light" pitchFamily="34" charset="0"/>
+              </a:defRPr>
+            </a:lvl1pPr>
+            <a:lvl2pPr marL="673338" indent="-325424">
+              <a:lnSpc>
+                <a:spcPct val="90000"/>
+              </a:lnSpc>
+              <a:defRPr sz="2400">
+                <a:latin typeface="Segoe UI Light" pitchFamily="34" charset="0"/>
+              </a:defRPr>
+            </a:lvl2pPr>
+            <a:lvl3pPr marL="953785" indent="-288384">
+              <a:lnSpc>
+                <a:spcPct val="90000"/>
+              </a:lnSpc>
+              <a:defRPr sz="2000">
+                <a:latin typeface="Segoe UI Light" pitchFamily="34" charset="0"/>
+              </a:defRPr>
+            </a:lvl3pPr>
+            <a:lvl4pPr marL="1227618" indent="-273833">
+              <a:lnSpc>
+                <a:spcPct val="90000"/>
+              </a:lnSpc>
+              <a:defRPr sz="1800">
+                <a:latin typeface="Segoe UI Light" pitchFamily="34" charset="0"/>
+              </a:defRPr>
+            </a:lvl4pPr>
+            <a:lvl5pPr marL="1516002" indent="-280447">
+              <a:lnSpc>
+                <a:spcPct val="90000"/>
+              </a:lnSpc>
+              <a:defRPr sz="1800">
+                <a:latin typeface="Segoe UI Light" pitchFamily="34" charset="0"/>
+              </a:defRPr>
+            </a:lvl5pPr>
+            <a:lvl6pPr>
+              <a:defRPr sz="1800"/>
+            </a:lvl6pPr>
+            <a:lvl7pPr>
+              <a:defRPr sz="1800"/>
+            </a:lvl7pPr>
+            <a:lvl8pPr>
+              <a:defRPr sz="1800"/>
+            </a:lvl8pPr>
+            <a:lvl9pPr>
+              <a:defRPr sz="1800"/>
+            </a:lvl9pPr>
+          </a:lstStyle>
+          <a:p>
+            <a:pPr lvl="0"/>
+            <a:r>
+              <a:rPr lang="en-US" dirty="0" smtClean="0"/>
+              <a:t>Click to edit Master text styles</a:t>
+            </a:r>
+          </a:p>
+          <a:p>
+            <a:pPr lvl="1"/>
+            <a:r>
+              <a:rPr lang="en-US" dirty="0" smtClean="0"/>
+              <a:t>Second level</a:t>
+            </a:r>
+          </a:p>
+          <a:p>
+            <a:pPr lvl="2"/>
+            <a:r>
+              <a:rPr lang="en-US" dirty="0" smtClean="0"/>
+              <a:t>Third level</a:t>
+            </a:r>
+          </a:p>
+          <a:p>
+            <a:pPr lvl="3"/>
+            <a:r>
+              <a:rPr lang="en-US" dirty="0" smtClean="0"/>
+              <a:t>Fourth level</a:t>
+            </a:r>
+          </a:p>
+          <a:p>
+            <a:pPr lvl="4"/>
+            <a:r>
+              <a:rPr lang="en-US" dirty="0" smtClean="0"/>
+              <a:t>Fifth level</a:t>
+            </a:r>
+            <a:endParaRPr lang="en-US" dirty="0"/>
+          </a:p>
+        </p:txBody>
+      </p:sp>
+      <p:sp>
+        <p:nvSpPr>
+          <p:cNvPr id="4" name="Content Placeholder 3"/>
+          <p:cNvSpPr>
+            <a:spLocks noGrp="1"/>
+          </p:cNvSpPr>
+          <p:nvPr>
+            <p:ph sz="half" idx="2"/>
+          </p:nvPr>
+        </p:nvSpPr>
+        <p:spPr>
+          <a:xfrm>
+            <a:off x="4704193" y="1756386"/>
+            <a:ext cx="4115872" cy="2129814"/>
+          </a:xfrm>
+        </p:spPr>
+        <p:txBody>
+          <a:bodyPr/>
+          <a:lstStyle>
+            <a:lvl1pPr marL="347914" indent="-347914">
+              <a:lnSpc>
+                <a:spcPct val="90000"/>
+              </a:lnSpc>
+              <a:defRPr sz="2800">
+                <a:latin typeface="Segoe UI Light" pitchFamily="34" charset="0"/>
+              </a:defRPr>
+            </a:lvl1pPr>
+            <a:lvl2pPr marL="673338" indent="-339976">
+              <a:lnSpc>
+                <a:spcPct val="90000"/>
+              </a:lnSpc>
+              <a:defRPr sz="2400">
+                <a:latin typeface="Segoe UI Light" pitchFamily="34" charset="0"/>
+              </a:defRPr>
+            </a:lvl2pPr>
+            <a:lvl3pPr marL="961722" indent="-302936">
+              <a:lnSpc>
+                <a:spcPct val="90000"/>
+              </a:lnSpc>
+              <a:defRPr sz="2000">
+                <a:latin typeface="Segoe UI Light" pitchFamily="34" charset="0"/>
+              </a:defRPr>
+            </a:lvl3pPr>
+            <a:lvl4pPr marL="1227618" indent="-265896">
+              <a:lnSpc>
+                <a:spcPct val="90000"/>
+              </a:lnSpc>
+              <a:defRPr sz="1800">
+                <a:latin typeface="Segoe UI Light" pitchFamily="34" charset="0"/>
+              </a:defRPr>
+            </a:lvl4pPr>
+            <a:lvl5pPr marL="1516002" indent="-273833">
+              <a:lnSpc>
+                <a:spcPct val="90000"/>
+              </a:lnSpc>
+              <a:defRPr sz="1800">
+                <a:latin typeface="Segoe UI Light" pitchFamily="34" charset="0"/>
+              </a:defRPr>
+            </a:lvl5pPr>
+            <a:lvl6pPr>
+              <a:defRPr sz="1800"/>
+            </a:lvl6pPr>
+            <a:lvl7pPr>
+              <a:defRPr sz="1800"/>
+            </a:lvl7pPr>
+            <a:lvl8pPr>
+              <a:defRPr sz="1800"/>
+            </a:lvl8pPr>
+            <a:lvl9pPr>
+              <a:defRPr sz="1800"/>
+            </a:lvl9pPr>
+          </a:lstStyle>
+          <a:p>
+            <a:pPr lvl="0"/>
+            <a:r>
+              <a:rPr lang="en-US" dirty="0" smtClean="0"/>
+              <a:t>Click to edit Master text styles</a:t>
+            </a:r>
+          </a:p>
+          <a:p>
+            <a:pPr lvl="1"/>
+            <a:r>
+              <a:rPr lang="en-US" dirty="0" smtClean="0"/>
+              <a:t>Second level</a:t>
+            </a:r>
+          </a:p>
+          <a:p>
+            <a:pPr lvl="2"/>
+            <a:r>
+              <a:rPr lang="en-US" dirty="0" smtClean="0"/>
+              <a:t>Third level</a:t>
+            </a:r>
+          </a:p>
+          <a:p>
+            <a:pPr lvl="3"/>
+            <a:r>
+              <a:rPr lang="en-US" dirty="0" smtClean="0"/>
+              <a:t>Fourth level</a:t>
+            </a:r>
+          </a:p>
+          <a:p>
+            <a:pPr lvl="4"/>
+            <a:r>
+              <a:rPr lang="en-US" dirty="0" smtClean="0"/>
+              <a:t>Fifth level</a:t>
+            </a:r>
+            <a:endParaRPr lang="en-US" dirty="0"/>
+          </a:p>
+        </p:txBody>
+      </p:sp>
+      <p:sp>
+        <p:nvSpPr>
+          <p:cNvPr id="9" name="TextBox 8"/>
+          <p:cNvSpPr txBox="1"/>
+          <p:nvPr userDrawn="1"/>
+        </p:nvSpPr>
+        <p:spPr>
+          <a:xfrm>
+            <a:off x="4773601" y="6420022"/>
+            <a:ext cx="4063796" cy="200055"/>
+          </a:xfrm>
+          <a:prstGeom prst="rect">
+            <a:avLst/>
+          </a:prstGeom>
+          <a:noFill/>
+        </p:spPr>
+        <p:txBody>
+          <a:bodyPr wrap="square" rtlCol="0">
+            <a:spAutoFit/>
+          </a:bodyPr>
+          <a:lstStyle/>
+          <a:p>
+            <a:pPr algn="r" defTabSz="914363"/>
+            <a:fld id="{40B76143-9258-4AEE-9511-E300703853D1}" type="slidenum">
+              <a:rPr lang="en-US" sz="700" smtClean="0">
+                <a:solidFill>
+                  <a:prstClr val="white">
+                    <a:lumMod val="50000"/>
+                  </a:prstClr>
+                </a:solidFill>
+                <a:latin typeface="Segoe UI" pitchFamily="34" charset="0"/>
+                <a:ea typeface="Segoe UI" pitchFamily="34" charset="0"/>
+                <a:cs typeface="Segoe UI" pitchFamily="34" charset="0"/>
+              </a:rPr>
+              <a:pPr algn="r" defTabSz="914363"/>
+              <a:t>‹#›</a:t>
+            </a:fld>
+            <a:r>
+              <a:rPr lang="en-US" sz="700" dirty="0" smtClean="0">
+                <a:solidFill>
+                  <a:prstClr val="white">
+                    <a:lumMod val="50000"/>
+                  </a:prstClr>
+                </a:solidFill>
+                <a:latin typeface="Segoe UI" pitchFamily="34" charset="0"/>
+                <a:ea typeface="Segoe UI" pitchFamily="34" charset="0"/>
+                <a:cs typeface="Segoe UI" pitchFamily="34" charset="0"/>
+              </a:rPr>
+              <a:t>    |   SharePoint Saturday St. Louis 2012</a:t>
+            </a:r>
+          </a:p>
+        </p:txBody>
+      </p:sp>
+    </p:spTree>
+    <p:extLst>
+      <p:ext uri="{BB962C8B-B14F-4D97-AF65-F5344CB8AC3E}">
+        <p14:creationId xmlns:p14="http://schemas.microsoft.com/office/powerpoint/2010/main" val="2916832438"/>
+      </p:ext>
+    </p:extLst>
+  </p:cSld>
+  <p:clrMapOvr>
+    <a:masterClrMapping/>
+  </p:clrMapOvr>
+  <p:transition spd="slow">
+    <p:push/>
+  </p:transition>
+  <p:timing>
+    <p:tnLst>
+      <p:par>
+        <p:cTn id="1" dur="indefinite" restart="never" nodeType="tmRoot"/>
+      </p:par>
+    </p:tnLst>
+  </p:timing>
+</p:sldLayout>
+</file>
+
+<file path=ppt/slideLayouts/slideLayout19.xml><?xml version="1.0" encoding="utf-8"?>
+<p:sldLayout xmlns:a="http://schemas.openxmlformats.org/drawingml/2006/main" xmlns:r="http://schemas.openxmlformats.org/officeDocument/2006/relationships" xmlns:p="http://schemas.openxmlformats.org/presentationml/2006/main" preserve="1" userDrawn="1">
+  <p:cSld name="Comparison">
+    <p:spTree>
+      <p:nvGrpSpPr>
+        <p:cNvPr id="1" name=""/>
+        <p:cNvGrpSpPr/>
+        <p:nvPr/>
+      </p:nvGrpSpPr>
+      <p:grpSpPr>
+        <a:xfrm>
+          <a:off x="0" y="0"/>
+          <a:ext cx="0" cy="0"/>
+          <a:chOff x="0" y="0"/>
+          <a:chExt cx="0" cy="0"/>
+        </a:xfrm>
+      </p:grpSpPr>
+      <p:pic>
+        <p:nvPicPr>
+          <p:cNvPr id="9" name="Picture 8"/>
+          <p:cNvPicPr>
+            <a:picLocks noChangeAspect="1"/>
+          </p:cNvPicPr>
+          <p:nvPr userDrawn="1"/>
+        </p:nvPicPr>
+        <p:blipFill>
+          <a:blip r:embed="rId2">
+            <a:extLst>
+              <a:ext uri="{28A0092B-C50C-407E-A947-70E740481C1C}">
+                <a14:useLocalDpi xmlns:a14="http://schemas.microsoft.com/office/drawing/2010/main" val="0"/>
+              </a:ext>
+            </a:extLst>
+          </a:blip>
+          <a:stretch>
+            <a:fillRect/>
+          </a:stretch>
+        </p:blipFill>
+        <p:spPr>
+          <a:xfrm>
+            <a:off x="6360290" y="228600"/>
+            <a:ext cx="2478910" cy="552622"/>
+          </a:xfrm>
+          <a:prstGeom prst="rect">
+            <a:avLst/>
+          </a:prstGeom>
+        </p:spPr>
+      </p:pic>
+      <p:sp>
+        <p:nvSpPr>
+          <p:cNvPr id="2" name="Title 1"/>
+          <p:cNvSpPr>
+            <a:spLocks noGrp="1"/>
+          </p:cNvSpPr>
+          <p:nvPr>
+            <p:ph type="title" hasCustomPrompt="1"/>
+          </p:nvPr>
+        </p:nvSpPr>
+        <p:spPr>
+          <a:xfrm>
+            <a:off x="381000" y="776103"/>
+            <a:ext cx="8363938" cy="747897"/>
+          </a:xfrm>
+        </p:spPr>
+        <p:txBody>
+          <a:bodyPr/>
+          <a:lstStyle>
+            <a:lvl1pPr>
+              <a:defRPr sz="5400">
+                <a:latin typeface="Segoe UI Light" pitchFamily="34" charset="0"/>
+              </a:defRPr>
+            </a:lvl1pPr>
+          </a:lstStyle>
+          <a:p>
+            <a:r>
+              <a:rPr lang="en-US" dirty="0" smtClean="0"/>
+              <a:t>Master title style</a:t>
+            </a:r>
+            <a:endParaRPr lang="en-US" dirty="0"/>
+          </a:p>
+        </p:txBody>
+      </p:sp>
+      <p:sp>
+        <p:nvSpPr>
+          <p:cNvPr id="3" name="Text Placeholder 2"/>
+          <p:cNvSpPr>
+            <a:spLocks noGrp="1"/>
+          </p:cNvSpPr>
+          <p:nvPr>
+            <p:ph type="body" idx="1"/>
+          </p:nvPr>
+        </p:nvSpPr>
+        <p:spPr>
+          <a:xfrm>
+            <a:off x="389436" y="1905001"/>
+            <a:ext cx="4115872" cy="520228"/>
+          </a:xfrm>
+        </p:spPr>
+        <p:txBody>
+          <a:bodyPr anchor="b"/>
+          <a:lstStyle>
+            <a:lvl1pPr marL="0" indent="0">
+              <a:lnSpc>
+                <a:spcPct val="90000"/>
+              </a:lnSpc>
+              <a:spcBef>
+                <a:spcPts val="0"/>
+              </a:spcBef>
+              <a:buNone/>
+              <a:defRPr sz="2500" b="1">
+                <a:latin typeface="Segoe UI Light" pitchFamily="34" charset="0"/>
+              </a:defRPr>
+            </a:lvl1pPr>
+            <a:lvl2pPr marL="457182" indent="0">
+              <a:buNone/>
+              <a:defRPr sz="2000" b="1"/>
+            </a:lvl2pPr>
+            <a:lvl3pPr marL="914363" indent="0">
+              <a:buNone/>
+              <a:defRPr sz="1800" b="1"/>
+            </a:lvl3pPr>
+            <a:lvl4pPr marL="1371545" indent="0">
+              <a:buNone/>
+              <a:defRPr sz="1600" b="1"/>
+            </a:lvl4pPr>
+            <a:lvl5pPr marL="1828727" indent="0">
+              <a:buNone/>
+              <a:defRPr sz="1600" b="1"/>
+            </a:lvl5pPr>
+            <a:lvl6pPr marL="2285909" indent="0">
+              <a:buNone/>
+              <a:defRPr sz="1600" b="1"/>
+            </a:lvl6pPr>
+            <a:lvl7pPr marL="2743090" indent="0">
+              <a:buNone/>
+              <a:defRPr sz="1600" b="1"/>
+            </a:lvl7pPr>
+            <a:lvl8pPr marL="3200272" indent="0">
+              <a:buNone/>
+              <a:defRPr sz="1600" b="1"/>
+            </a:lvl8pPr>
+            <a:lvl9pPr marL="3657454" indent="0">
+              <a:buNone/>
+              <a:defRPr sz="1600" b="1"/>
+            </a:lvl9pPr>
+          </a:lstStyle>
+          <a:p>
+            <a:pPr lvl="0"/>
+            <a:r>
+              <a:rPr lang="en-US" dirty="0" smtClean="0"/>
+              <a:t>Click to edit Master text styles</a:t>
+            </a:r>
+          </a:p>
+        </p:txBody>
+      </p:sp>
+      <p:sp>
+        <p:nvSpPr>
+          <p:cNvPr id="4" name="Content Placeholder 3"/>
+          <p:cNvSpPr>
+            <a:spLocks noGrp="1"/>
+          </p:cNvSpPr>
+          <p:nvPr>
+            <p:ph sz="half" idx="2"/>
+          </p:nvPr>
+        </p:nvSpPr>
+        <p:spPr>
+          <a:xfrm>
+            <a:off x="381000" y="2536180"/>
+            <a:ext cx="4114800" cy="1578620"/>
+          </a:xfrm>
+        </p:spPr>
+        <p:txBody>
+          <a:bodyPr/>
+          <a:lstStyle>
+            <a:lvl1pPr marL="281770" indent="-281770">
+              <a:defRPr sz="2300">
+                <a:latin typeface="Segoe UI Light" pitchFamily="34" charset="0"/>
+              </a:defRPr>
+            </a:lvl1pPr>
+            <a:lvl2pPr marL="562218" indent="-265896">
+              <a:defRPr sz="2000">
+                <a:latin typeface="Segoe UI Light" pitchFamily="34" charset="0"/>
+              </a:defRPr>
+            </a:lvl2pPr>
+            <a:lvl3pPr marL="813562" indent="-243407">
+              <a:defRPr sz="1800">
+                <a:latin typeface="Segoe UI Light" pitchFamily="34" charset="0"/>
+              </a:defRPr>
+            </a:lvl3pPr>
+            <a:lvl4pPr marL="1050354" indent="-228856">
+              <a:defRPr sz="1700">
+                <a:latin typeface="Segoe UI Light" pitchFamily="34" charset="0"/>
+              </a:defRPr>
+            </a:lvl4pPr>
+            <a:lvl5pPr marL="1279210" indent="-206367">
+              <a:defRPr sz="1700">
+                <a:latin typeface="Segoe UI Light" pitchFamily="34" charset="0"/>
+              </a:defRPr>
+            </a:lvl5pPr>
+            <a:lvl6pPr>
+              <a:defRPr sz="1600"/>
+            </a:lvl6pPr>
+            <a:lvl7pPr>
+              <a:defRPr sz="1600"/>
+            </a:lvl7pPr>
+            <a:lvl8pPr>
+              <a:defRPr sz="1600"/>
+            </a:lvl8pPr>
+            <a:lvl9pPr>
+              <a:defRPr sz="1600"/>
+            </a:lvl9pPr>
+          </a:lstStyle>
+          <a:p>
+            <a:pPr lvl="0"/>
+            <a:r>
+              <a:rPr lang="en-US" dirty="0" smtClean="0"/>
+              <a:t>Click to edit Master text styles</a:t>
+            </a:r>
+          </a:p>
+          <a:p>
+            <a:pPr lvl="1"/>
+            <a:r>
+              <a:rPr lang="en-US" dirty="0" smtClean="0"/>
+              <a:t>Second level</a:t>
+            </a:r>
+          </a:p>
+          <a:p>
+            <a:pPr lvl="2"/>
+            <a:r>
+              <a:rPr lang="en-US" dirty="0" smtClean="0"/>
+              <a:t>Third level</a:t>
+            </a:r>
+          </a:p>
+          <a:p>
+            <a:pPr lvl="3"/>
+            <a:r>
+              <a:rPr lang="en-US" dirty="0" smtClean="0"/>
+              <a:t>Fourth level</a:t>
+            </a:r>
+          </a:p>
+          <a:p>
+            <a:pPr lvl="4"/>
+            <a:r>
+              <a:rPr lang="en-US" dirty="0" smtClean="0"/>
+              <a:t>Fifth level</a:t>
+            </a:r>
+            <a:endParaRPr lang="en-US" dirty="0"/>
+          </a:p>
+        </p:txBody>
+      </p:sp>
+      <p:sp>
+        <p:nvSpPr>
+          <p:cNvPr id="5" name="Text Placeholder 4"/>
+          <p:cNvSpPr>
+            <a:spLocks noGrp="1"/>
+          </p:cNvSpPr>
+          <p:nvPr>
+            <p:ph type="body" sz="quarter" idx="3"/>
+          </p:nvPr>
+        </p:nvSpPr>
+        <p:spPr>
+          <a:xfrm>
+            <a:off x="4637501" y="1905001"/>
+            <a:ext cx="4115872" cy="520227"/>
+          </a:xfrm>
+        </p:spPr>
+        <p:txBody>
+          <a:bodyPr anchor="b"/>
+          <a:lstStyle>
+            <a:lvl1pPr marL="0" indent="0">
+              <a:lnSpc>
+                <a:spcPct val="90000"/>
+              </a:lnSpc>
+              <a:spcBef>
+                <a:spcPts val="0"/>
+              </a:spcBef>
+              <a:buNone/>
+              <a:defRPr sz="2500" b="1">
+                <a:latin typeface="Segoe UI Light" pitchFamily="34" charset="0"/>
+              </a:defRPr>
+            </a:lvl1pPr>
+            <a:lvl2pPr marL="457182" indent="0">
+              <a:buNone/>
+              <a:defRPr sz="2000" b="1"/>
+            </a:lvl2pPr>
+            <a:lvl3pPr marL="914363" indent="0">
+              <a:buNone/>
+              <a:defRPr sz="1800" b="1"/>
+            </a:lvl3pPr>
+            <a:lvl4pPr marL="1371545" indent="0">
+              <a:buNone/>
+              <a:defRPr sz="1600" b="1"/>
+            </a:lvl4pPr>
+            <a:lvl5pPr marL="1828727" indent="0">
+              <a:buNone/>
+              <a:defRPr sz="1600" b="1"/>
+            </a:lvl5pPr>
+            <a:lvl6pPr marL="2285909" indent="0">
+              <a:buNone/>
+              <a:defRPr sz="1600" b="1"/>
+            </a:lvl6pPr>
+            <a:lvl7pPr marL="2743090" indent="0">
+              <a:buNone/>
+              <a:defRPr sz="1600" b="1"/>
+            </a:lvl7pPr>
+            <a:lvl8pPr marL="3200272" indent="0">
+              <a:buNone/>
+              <a:defRPr sz="1600" b="1"/>
+            </a:lvl8pPr>
+            <a:lvl9pPr marL="3657454" indent="0">
+              <a:buNone/>
+              <a:defRPr sz="1600" b="1"/>
+            </a:lvl9pPr>
+          </a:lstStyle>
+          <a:p>
+            <a:pPr lvl="0"/>
+            <a:r>
+              <a:rPr lang="en-US" dirty="0" smtClean="0"/>
+              <a:t>Click to edit Master text styles</a:t>
+            </a:r>
+          </a:p>
+        </p:txBody>
+      </p:sp>
+      <p:sp>
+        <p:nvSpPr>
+          <p:cNvPr id="6" name="Content Placeholder 5"/>
+          <p:cNvSpPr>
+            <a:spLocks noGrp="1"/>
+          </p:cNvSpPr>
+          <p:nvPr>
+            <p:ph sz="quarter" idx="4"/>
+          </p:nvPr>
+        </p:nvSpPr>
+        <p:spPr>
+          <a:xfrm>
+            <a:off x="4637501" y="2536181"/>
+            <a:ext cx="4115872" cy="1578619"/>
+          </a:xfrm>
+        </p:spPr>
+        <p:txBody>
+          <a:bodyPr/>
+          <a:lstStyle>
+            <a:lvl1pPr marL="296321" indent="-296321">
+              <a:defRPr sz="2300">
+                <a:latin typeface="Segoe UI Light" pitchFamily="34" charset="0"/>
+              </a:defRPr>
+            </a:lvl1pPr>
+            <a:lvl2pPr marL="570155" indent="-273833">
+              <a:defRPr sz="2000">
+                <a:latin typeface="Segoe UI Light" pitchFamily="34" charset="0"/>
+              </a:defRPr>
+            </a:lvl2pPr>
+            <a:lvl3pPr marL="821499" indent="-244730">
+              <a:defRPr sz="1800">
+                <a:latin typeface="Segoe UI Light" pitchFamily="34" charset="0"/>
+              </a:defRPr>
+            </a:lvl3pPr>
+            <a:lvl4pPr marL="1050354" indent="-236793">
+              <a:defRPr sz="1700">
+                <a:latin typeface="Segoe UI Light" pitchFamily="34" charset="0"/>
+              </a:defRPr>
+            </a:lvl4pPr>
+            <a:lvl5pPr marL="1279210" indent="-220919">
+              <a:defRPr sz="1700">
+                <a:latin typeface="Segoe UI Light" pitchFamily="34" charset="0"/>
+              </a:defRPr>
+            </a:lvl5pPr>
+            <a:lvl6pPr>
+              <a:defRPr sz="1600"/>
+            </a:lvl6pPr>
+            <a:lvl7pPr>
+              <a:defRPr sz="1600"/>
+            </a:lvl7pPr>
+            <a:lvl8pPr>
+              <a:defRPr sz="1600"/>
+            </a:lvl8pPr>
+            <a:lvl9pPr>
+              <a:defRPr sz="1600"/>
+            </a:lvl9pPr>
+          </a:lstStyle>
+          <a:p>
+            <a:pPr lvl="0"/>
+            <a:r>
+              <a:rPr lang="en-US" dirty="0" smtClean="0"/>
+              <a:t>Click to edit Master text styles</a:t>
+            </a:r>
+          </a:p>
+          <a:p>
+            <a:pPr lvl="1"/>
+            <a:r>
+              <a:rPr lang="en-US" dirty="0" smtClean="0"/>
+              <a:t>Second level</a:t>
+            </a:r>
+          </a:p>
+          <a:p>
+            <a:pPr lvl="2"/>
+            <a:r>
+              <a:rPr lang="en-US" dirty="0" smtClean="0"/>
+              <a:t>Third level</a:t>
+            </a:r>
+          </a:p>
+          <a:p>
+            <a:pPr lvl="3"/>
+            <a:r>
+              <a:rPr lang="en-US" dirty="0" smtClean="0"/>
+              <a:t>Fourth level</a:t>
+            </a:r>
+          </a:p>
+          <a:p>
+            <a:pPr lvl="4"/>
+            <a:r>
+              <a:rPr lang="en-US" dirty="0" smtClean="0"/>
+              <a:t>Fifth level</a:t>
+            </a:r>
+            <a:endParaRPr lang="en-US" dirty="0"/>
+          </a:p>
+        </p:txBody>
+      </p:sp>
+      <p:sp>
+        <p:nvSpPr>
+          <p:cNvPr id="11" name="TextBox 10"/>
+          <p:cNvSpPr txBox="1"/>
+          <p:nvPr userDrawn="1"/>
+        </p:nvSpPr>
+        <p:spPr>
+          <a:xfrm>
+            <a:off x="4773601" y="6420022"/>
+            <a:ext cx="4063796" cy="200055"/>
+          </a:xfrm>
+          <a:prstGeom prst="rect">
+            <a:avLst/>
+          </a:prstGeom>
+          <a:noFill/>
+        </p:spPr>
+        <p:txBody>
+          <a:bodyPr wrap="square" rtlCol="0">
+            <a:spAutoFit/>
+          </a:bodyPr>
+          <a:lstStyle/>
+          <a:p>
+            <a:pPr algn="r" defTabSz="914363"/>
+            <a:fld id="{40B76143-9258-4AEE-9511-E300703853D1}" type="slidenum">
+              <a:rPr lang="en-US" sz="700" smtClean="0">
+                <a:solidFill>
+                  <a:prstClr val="white">
+                    <a:lumMod val="50000"/>
+                  </a:prstClr>
+                </a:solidFill>
+                <a:latin typeface="Segoe UI" pitchFamily="34" charset="0"/>
+                <a:ea typeface="Segoe UI" pitchFamily="34" charset="0"/>
+                <a:cs typeface="Segoe UI" pitchFamily="34" charset="0"/>
+              </a:rPr>
+              <a:pPr algn="r" defTabSz="914363"/>
+              <a:t>‹#›</a:t>
+            </a:fld>
+            <a:r>
+              <a:rPr lang="en-US" sz="700" dirty="0" smtClean="0">
+                <a:solidFill>
+                  <a:prstClr val="white">
+                    <a:lumMod val="50000"/>
+                  </a:prstClr>
+                </a:solidFill>
+                <a:latin typeface="Segoe UI" pitchFamily="34" charset="0"/>
+                <a:ea typeface="Segoe UI" pitchFamily="34" charset="0"/>
+                <a:cs typeface="Segoe UI" pitchFamily="34" charset="0"/>
+              </a:rPr>
+              <a:t>    |   SharePoint Saturday St. Louis 2012</a:t>
+            </a:r>
+            <a:endParaRPr lang="en-US" sz="700" dirty="0">
+              <a:solidFill>
+                <a:prstClr val="white">
+                  <a:lumMod val="50000"/>
+                </a:prstClr>
+              </a:solidFill>
+              <a:latin typeface="Segoe UI" pitchFamily="34" charset="0"/>
+              <a:ea typeface="Segoe UI" pitchFamily="34" charset="0"/>
+              <a:cs typeface="Segoe UI" pitchFamily="34" charset="0"/>
+            </a:endParaRPr>
+          </a:p>
+        </p:txBody>
+      </p:sp>
+    </p:spTree>
+    <p:extLst>
+      <p:ext uri="{BB962C8B-B14F-4D97-AF65-F5344CB8AC3E}">
+        <p14:creationId xmlns:p14="http://schemas.microsoft.com/office/powerpoint/2010/main" val="2471066062"/>
+      </p:ext>
+    </p:extLst>
+  </p:cSld>
+  <p:clrMapOvr>
+    <a:masterClrMapping/>
+  </p:clrMapOvr>
+  <p:transition spd="slow">
+    <p:push/>
+  </p:transition>
+  <p:timing>
+    <p:tnLst>
+      <p:par>
+        <p:cTn id="1" dur="indefinite" restart="never" nodeType="tmRoot"/>
+      </p:par>
+    </p:tnLst>
+  </p:timing>
 </p:sldLayout>
 </file>
 
@@ -826,7 +5793,7 @@
           <a:p>
             <a:fld id="{A2ED7707-E2E8-493C-B39F-CCDFED8A6AEA}" type="datetimeFigureOut">
               <a:rPr lang="en-US" smtClean="0"/>
-              <a:t>5/29/2012</a:t>
+              <a:t>5/31/2012</a:t>
             </a:fld>
             <a:endParaRPr lang="en-US"/>
           </a:p>
@@ -884,6 +5851,782 @@
   <p:clrMapOvr>
     <a:masterClrMapping/>
   </p:clrMapOvr>
+</p:sldLayout>
+</file>
+
+<file path=ppt/slideLayouts/slideLayout20.xml><?xml version="1.0" encoding="utf-8"?>
+<p:sldLayout xmlns:a="http://schemas.openxmlformats.org/drawingml/2006/main" xmlns:r="http://schemas.openxmlformats.org/officeDocument/2006/relationships" xmlns:p="http://schemas.openxmlformats.org/presentationml/2006/main" preserve="1" userDrawn="1">
+  <p:cSld name="Title Only">
+    <p:spTree>
+      <p:nvGrpSpPr>
+        <p:cNvPr id="1" name=""/>
+        <p:cNvGrpSpPr/>
+        <p:nvPr/>
+      </p:nvGrpSpPr>
+      <p:grpSpPr>
+        <a:xfrm>
+          <a:off x="0" y="0"/>
+          <a:ext cx="0" cy="0"/>
+          <a:chOff x="0" y="0"/>
+          <a:chExt cx="0" cy="0"/>
+        </a:xfrm>
+      </p:grpSpPr>
+      <p:sp>
+        <p:nvSpPr>
+          <p:cNvPr id="2" name="Title 1"/>
+          <p:cNvSpPr>
+            <a:spLocks noGrp="1"/>
+          </p:cNvSpPr>
+          <p:nvPr>
+            <p:ph type="title" hasCustomPrompt="1"/>
+          </p:nvPr>
+        </p:nvSpPr>
+        <p:spPr>
+          <a:xfrm>
+            <a:off x="381000" y="776103"/>
+            <a:ext cx="8363938" cy="747897"/>
+          </a:xfrm>
+        </p:spPr>
+        <p:txBody>
+          <a:bodyPr/>
+          <a:lstStyle>
+            <a:lvl1pPr>
+              <a:defRPr sz="5400">
+                <a:latin typeface="Segoe UI Light" pitchFamily="34" charset="0"/>
+              </a:defRPr>
+            </a:lvl1pPr>
+          </a:lstStyle>
+          <a:p>
+            <a:r>
+              <a:rPr lang="en-US" dirty="0" smtClean="0"/>
+              <a:t>Master title style</a:t>
+            </a:r>
+            <a:endParaRPr lang="en-US" dirty="0"/>
+          </a:p>
+        </p:txBody>
+      </p:sp>
+      <p:sp>
+        <p:nvSpPr>
+          <p:cNvPr id="5" name="TextBox 4"/>
+          <p:cNvSpPr txBox="1"/>
+          <p:nvPr userDrawn="1"/>
+        </p:nvSpPr>
+        <p:spPr>
+          <a:xfrm>
+            <a:off x="4773601" y="6505545"/>
+            <a:ext cx="4063796" cy="200055"/>
+          </a:xfrm>
+          <a:prstGeom prst="rect">
+            <a:avLst/>
+          </a:prstGeom>
+          <a:noFill/>
+        </p:spPr>
+        <p:txBody>
+          <a:bodyPr wrap="square" rtlCol="0">
+            <a:spAutoFit/>
+          </a:bodyPr>
+          <a:lstStyle/>
+          <a:p>
+            <a:pPr algn="r" defTabSz="914363"/>
+            <a:fld id="{40B76143-9258-4AEE-9511-E300703853D1}" type="slidenum">
+              <a:rPr lang="en-US" sz="700" smtClean="0">
+                <a:solidFill>
+                  <a:prstClr val="white">
+                    <a:lumMod val="50000"/>
+                  </a:prstClr>
+                </a:solidFill>
+                <a:latin typeface="Segoe UI" pitchFamily="34" charset="0"/>
+                <a:ea typeface="Segoe UI" pitchFamily="34" charset="0"/>
+                <a:cs typeface="Segoe UI" pitchFamily="34" charset="0"/>
+              </a:rPr>
+              <a:pPr algn="r" defTabSz="914363"/>
+              <a:t>‹#›</a:t>
+            </a:fld>
+            <a:r>
+              <a:rPr lang="en-US" sz="700" dirty="0" smtClean="0">
+                <a:solidFill>
+                  <a:prstClr val="white">
+                    <a:lumMod val="50000"/>
+                  </a:prstClr>
+                </a:solidFill>
+                <a:latin typeface="Segoe UI" pitchFamily="34" charset="0"/>
+                <a:ea typeface="Segoe UI" pitchFamily="34" charset="0"/>
+                <a:cs typeface="Segoe UI" pitchFamily="34" charset="0"/>
+              </a:rPr>
+              <a:t>    |   SharePoint Saturday St. Louis 2012</a:t>
+            </a:r>
+            <a:endParaRPr lang="en-US" sz="700" dirty="0">
+              <a:solidFill>
+                <a:prstClr val="white">
+                  <a:lumMod val="50000"/>
+                </a:prstClr>
+              </a:solidFill>
+              <a:latin typeface="Segoe UI" pitchFamily="34" charset="0"/>
+              <a:ea typeface="Segoe UI" pitchFamily="34" charset="0"/>
+              <a:cs typeface="Segoe UI" pitchFamily="34" charset="0"/>
+            </a:endParaRPr>
+          </a:p>
+        </p:txBody>
+      </p:sp>
+      <p:pic>
+        <p:nvPicPr>
+          <p:cNvPr id="6" name="Picture 5"/>
+          <p:cNvPicPr>
+            <a:picLocks noChangeAspect="1"/>
+          </p:cNvPicPr>
+          <p:nvPr userDrawn="1"/>
+        </p:nvPicPr>
+        <p:blipFill>
+          <a:blip r:embed="rId2">
+            <a:extLst>
+              <a:ext uri="{28A0092B-C50C-407E-A947-70E740481C1C}">
+                <a14:useLocalDpi xmlns:a14="http://schemas.microsoft.com/office/drawing/2010/main" val="0"/>
+              </a:ext>
+            </a:extLst>
+          </a:blip>
+          <a:stretch>
+            <a:fillRect/>
+          </a:stretch>
+        </p:blipFill>
+        <p:spPr>
+          <a:xfrm>
+            <a:off x="6360290" y="228600"/>
+            <a:ext cx="2478910" cy="552622"/>
+          </a:xfrm>
+          <a:prstGeom prst="rect">
+            <a:avLst/>
+          </a:prstGeom>
+        </p:spPr>
+      </p:pic>
+    </p:spTree>
+    <p:extLst>
+      <p:ext uri="{BB962C8B-B14F-4D97-AF65-F5344CB8AC3E}">
+        <p14:creationId xmlns:p14="http://schemas.microsoft.com/office/powerpoint/2010/main" val="2316657360"/>
+      </p:ext>
+    </p:extLst>
+  </p:cSld>
+  <p:clrMapOvr>
+    <a:masterClrMapping/>
+  </p:clrMapOvr>
+  <p:transition spd="slow">
+    <p:push/>
+  </p:transition>
+  <p:timing>
+    <p:tnLst>
+      <p:par>
+        <p:cTn id="1" dur="indefinite" restart="never" nodeType="tmRoot"/>
+      </p:par>
+    </p:tnLst>
+  </p:timing>
+</p:sldLayout>
+</file>
+
+<file path=ppt/slideLayouts/slideLayout21.xml><?xml version="1.0" encoding="utf-8"?>
+<p:sldLayout xmlns:a="http://schemas.openxmlformats.org/drawingml/2006/main" xmlns:r="http://schemas.openxmlformats.org/officeDocument/2006/relationships" xmlns:p="http://schemas.openxmlformats.org/presentationml/2006/main" type="blank" preserve="1">
+  <p:cSld name="Blank">
+    <p:bg>
+      <p:bgPr>
+        <a:solidFill>
+          <a:schemeClr val="bg1"/>
+        </a:solidFill>
+        <a:effectLst/>
+      </p:bgPr>
+    </p:bg>
+    <p:spTree>
+      <p:nvGrpSpPr>
+        <p:cNvPr id="1" name=""/>
+        <p:cNvGrpSpPr/>
+        <p:nvPr/>
+      </p:nvGrpSpPr>
+      <p:grpSpPr>
+        <a:xfrm>
+          <a:off x="0" y="0"/>
+          <a:ext cx="0" cy="0"/>
+          <a:chOff x="0" y="0"/>
+          <a:chExt cx="0" cy="0"/>
+        </a:xfrm>
+      </p:grpSpPr>
+    </p:spTree>
+    <p:extLst>
+      <p:ext uri="{BB962C8B-B14F-4D97-AF65-F5344CB8AC3E}">
+        <p14:creationId xmlns:p14="http://schemas.microsoft.com/office/powerpoint/2010/main" val="1060553073"/>
+      </p:ext>
+    </p:extLst>
+  </p:cSld>
+  <p:clrMapOvr>
+    <a:masterClrMapping/>
+  </p:clrMapOvr>
+  <p:transition spd="slow">
+    <p:push/>
+  </p:transition>
+  <p:timing>
+    <p:tnLst>
+      <p:par>
+        <p:cTn id="1" dur="indefinite" restart="never" nodeType="tmRoot"/>
+      </p:par>
+    </p:tnLst>
+  </p:timing>
+</p:sldLayout>
+</file>
+
+<file path=ppt/slideLayouts/slideLayout22.xml><?xml version="1.0" encoding="utf-8"?>
+<p:sldLayout xmlns:a="http://schemas.openxmlformats.org/drawingml/2006/main" xmlns:r="http://schemas.openxmlformats.org/officeDocument/2006/relationships" xmlns:p="http://schemas.openxmlformats.org/presentationml/2006/main" preserve="1">
+  <p:cSld name="Black Layout - Title and Content">
+    <p:bg bwMode="black">
+      <p:bgPr>
+        <a:solidFill>
+          <a:srgbClr val="000000"/>
+        </a:solidFill>
+        <a:effectLst/>
+      </p:bgPr>
+    </p:bg>
+    <p:spTree>
+      <p:nvGrpSpPr>
+        <p:cNvPr id="1" name=""/>
+        <p:cNvGrpSpPr/>
+        <p:nvPr/>
+      </p:nvGrpSpPr>
+      <p:grpSpPr>
+        <a:xfrm>
+          <a:off x="0" y="0"/>
+          <a:ext cx="0" cy="0"/>
+          <a:chOff x="0" y="0"/>
+          <a:chExt cx="0" cy="0"/>
+        </a:xfrm>
+      </p:grpSpPr>
+      <p:sp>
+        <p:nvSpPr>
+          <p:cNvPr id="2" name="Title 1"/>
+          <p:cNvSpPr>
+            <a:spLocks noGrp="1"/>
+          </p:cNvSpPr>
+          <p:nvPr>
+            <p:ph type="title" hasCustomPrompt="1"/>
+          </p:nvPr>
+        </p:nvSpPr>
+        <p:spPr bwMode="white"/>
+        <p:txBody>
+          <a:bodyPr/>
+          <a:lstStyle>
+            <a:lvl1pPr>
+              <a:defRPr>
+                <a:gradFill flip="none" rotWithShape="1">
+                  <a:gsLst>
+                    <a:gs pos="833">
+                      <a:srgbClr val="FFFFFF"/>
+                    </a:gs>
+                    <a:gs pos="100000">
+                      <a:srgbClr val="FFFFFF"/>
+                    </a:gs>
+                  </a:gsLst>
+                  <a:lin ang="5400000" scaled="0"/>
+                  <a:tileRect/>
+                </a:gradFill>
+                <a:latin typeface="Segoe UI Light" pitchFamily="34" charset="0"/>
+              </a:defRPr>
+            </a:lvl1pPr>
+          </a:lstStyle>
+          <a:p>
+            <a:r>
+              <a:rPr lang="en-US" dirty="0" smtClean="0"/>
+              <a:t>Master title style</a:t>
+            </a:r>
+            <a:endParaRPr lang="en-US" dirty="0"/>
+          </a:p>
+        </p:txBody>
+      </p:sp>
+      <p:sp>
+        <p:nvSpPr>
+          <p:cNvPr id="6" name="Text Placeholder 5"/>
+          <p:cNvSpPr>
+            <a:spLocks noGrp="1"/>
+          </p:cNvSpPr>
+          <p:nvPr>
+            <p:ph type="body" sz="quarter" idx="10"/>
+          </p:nvPr>
+        </p:nvSpPr>
+        <p:spPr bwMode="white">
+          <a:xfrm>
+            <a:off x="389436" y="1447800"/>
+            <a:ext cx="8363938" cy="2000548"/>
+          </a:xfrm>
+        </p:spPr>
+        <p:txBody>
+          <a:bodyPr/>
+          <a:lstStyle>
+            <a:lvl1pPr>
+              <a:buClr>
+                <a:srgbClr val="FFFFFF"/>
+              </a:buClr>
+              <a:buSzPct val="70000"/>
+              <a:buFont typeface="Wingdings" pitchFamily="2" charset="2"/>
+              <a:buChar char="l"/>
+              <a:defRPr>
+                <a:gradFill>
+                  <a:gsLst>
+                    <a:gs pos="0">
+                      <a:srgbClr val="FFFFFF"/>
+                    </a:gs>
+                    <a:gs pos="86000">
+                      <a:srgbClr val="FFFFFF"/>
+                    </a:gs>
+                  </a:gsLst>
+                  <a:lin ang="5400000" scaled="0"/>
+                </a:gradFill>
+              </a:defRPr>
+            </a:lvl1pPr>
+            <a:lvl2pPr>
+              <a:buClr>
+                <a:srgbClr val="FFFFFF"/>
+              </a:buClr>
+              <a:buSzPct val="70000"/>
+              <a:buFont typeface="Wingdings" pitchFamily="2" charset="2"/>
+              <a:buChar char="l"/>
+              <a:defRPr>
+                <a:gradFill>
+                  <a:gsLst>
+                    <a:gs pos="0">
+                      <a:srgbClr val="FFFFFF"/>
+                    </a:gs>
+                    <a:gs pos="86000">
+                      <a:srgbClr val="FFFFFF"/>
+                    </a:gs>
+                  </a:gsLst>
+                  <a:lin ang="5400000" scaled="0"/>
+                </a:gradFill>
+              </a:defRPr>
+            </a:lvl2pPr>
+            <a:lvl3pPr>
+              <a:buClr>
+                <a:srgbClr val="FFFFFF"/>
+              </a:buClr>
+              <a:buSzPct val="70000"/>
+              <a:buFont typeface="Wingdings" pitchFamily="2" charset="2"/>
+              <a:buChar char="l"/>
+              <a:defRPr>
+                <a:gradFill>
+                  <a:gsLst>
+                    <a:gs pos="0">
+                      <a:srgbClr val="FFFFFF"/>
+                    </a:gs>
+                    <a:gs pos="86000">
+                      <a:srgbClr val="FFFFFF"/>
+                    </a:gs>
+                  </a:gsLst>
+                  <a:lin ang="5400000" scaled="0"/>
+                </a:gradFill>
+              </a:defRPr>
+            </a:lvl3pPr>
+            <a:lvl4pPr>
+              <a:buClr>
+                <a:srgbClr val="FFFFFF"/>
+              </a:buClr>
+              <a:buSzPct val="70000"/>
+              <a:buFont typeface="Wingdings" pitchFamily="2" charset="2"/>
+              <a:buChar char="l"/>
+              <a:defRPr>
+                <a:gradFill>
+                  <a:gsLst>
+                    <a:gs pos="0">
+                      <a:srgbClr val="FFFFFF"/>
+                    </a:gs>
+                    <a:gs pos="86000">
+                      <a:srgbClr val="FFFFFF"/>
+                    </a:gs>
+                  </a:gsLst>
+                  <a:lin ang="5400000" scaled="0"/>
+                </a:gradFill>
+              </a:defRPr>
+            </a:lvl4pPr>
+            <a:lvl5pPr>
+              <a:buClr>
+                <a:srgbClr val="FFFFFF"/>
+              </a:buClr>
+              <a:buSzPct val="70000"/>
+              <a:buFont typeface="Wingdings" pitchFamily="2" charset="2"/>
+              <a:buChar char="l"/>
+              <a:defRPr>
+                <a:gradFill>
+                  <a:gsLst>
+                    <a:gs pos="0">
+                      <a:srgbClr val="FFFFFF"/>
+                    </a:gs>
+                    <a:gs pos="86000">
+                      <a:srgbClr val="FFFFFF"/>
+                    </a:gs>
+                  </a:gsLst>
+                  <a:lin ang="5400000" scaled="0"/>
+                </a:gradFill>
+              </a:defRPr>
+            </a:lvl5pPr>
+          </a:lstStyle>
+          <a:p>
+            <a:pPr lvl="0"/>
+            <a:r>
+              <a:rPr lang="en-US" dirty="0" smtClean="0"/>
+              <a:t>Click to edit Master text styles</a:t>
+            </a:r>
+          </a:p>
+          <a:p>
+            <a:pPr lvl="1"/>
+            <a:r>
+              <a:rPr lang="en-US" dirty="0" smtClean="0"/>
+              <a:t>Second level</a:t>
+            </a:r>
+          </a:p>
+          <a:p>
+            <a:pPr lvl="2"/>
+            <a:r>
+              <a:rPr lang="en-US" dirty="0" smtClean="0"/>
+              <a:t>Third level</a:t>
+            </a:r>
+          </a:p>
+          <a:p>
+            <a:pPr lvl="3"/>
+            <a:r>
+              <a:rPr lang="en-US" dirty="0" smtClean="0"/>
+              <a:t>Fourth level</a:t>
+            </a:r>
+          </a:p>
+          <a:p>
+            <a:pPr lvl="4"/>
+            <a:r>
+              <a:rPr lang="en-US" dirty="0" smtClean="0"/>
+              <a:t>Fifth level</a:t>
+            </a:r>
+            <a:endParaRPr lang="en-US" dirty="0"/>
+          </a:p>
+        </p:txBody>
+      </p:sp>
+    </p:spTree>
+    <p:extLst>
+      <p:ext uri="{BB962C8B-B14F-4D97-AF65-F5344CB8AC3E}">
+        <p14:creationId xmlns:p14="http://schemas.microsoft.com/office/powerpoint/2010/main" val="1270325820"/>
+      </p:ext>
+    </p:extLst>
+  </p:cSld>
+  <p:clrMapOvr>
+    <a:masterClrMapping/>
+  </p:clrMapOvr>
+  <p:transition spd="slow">
+    <p:push/>
+  </p:transition>
+  <p:timing>
+    <p:tnLst>
+      <p:par>
+        <p:cTn id="1" dur="indefinite" restart="never" nodeType="tmRoot"/>
+      </p:par>
+    </p:tnLst>
+  </p:timing>
+</p:sldLayout>
+</file>
+
+<file path=ppt/slideLayouts/slideLayout23.xml><?xml version="1.0" encoding="utf-8"?>
+<p:sldLayout xmlns:a="http://schemas.openxmlformats.org/drawingml/2006/main" xmlns:r="http://schemas.openxmlformats.org/officeDocument/2006/relationships" xmlns:p="http://schemas.openxmlformats.org/presentationml/2006/main" preserve="1">
+  <p:cSld name="Black Notes slide Layout">
+    <p:bg bwMode="black">
+      <p:bgPr>
+        <a:solidFill>
+          <a:srgbClr val="000000"/>
+        </a:solidFill>
+        <a:effectLst/>
+      </p:bgPr>
+    </p:bg>
+    <p:spTree>
+      <p:nvGrpSpPr>
+        <p:cNvPr id="1" name=""/>
+        <p:cNvGrpSpPr/>
+        <p:nvPr/>
+      </p:nvGrpSpPr>
+      <p:grpSpPr>
+        <a:xfrm>
+          <a:off x="0" y="0"/>
+          <a:ext cx="0" cy="0"/>
+          <a:chOff x="0" y="0"/>
+          <a:chExt cx="0" cy="0"/>
+        </a:xfrm>
+      </p:grpSpPr>
+      <p:sp>
+        <p:nvSpPr>
+          <p:cNvPr id="2" name="Title 1"/>
+          <p:cNvSpPr>
+            <a:spLocks noGrp="1"/>
+          </p:cNvSpPr>
+          <p:nvPr>
+            <p:ph type="title" hasCustomPrompt="1"/>
+          </p:nvPr>
+        </p:nvSpPr>
+        <p:spPr bwMode="white"/>
+        <p:txBody>
+          <a:bodyPr/>
+          <a:lstStyle>
+            <a:lvl1pPr>
+              <a:defRPr>
+                <a:gradFill>
+                  <a:gsLst>
+                    <a:gs pos="0">
+                      <a:srgbClr val="FFFFFF"/>
+                    </a:gs>
+                    <a:gs pos="100000">
+                      <a:srgbClr val="FFFFFF"/>
+                    </a:gs>
+                  </a:gsLst>
+                  <a:lin ang="5400000" scaled="0"/>
+                </a:gradFill>
+                <a:latin typeface="Segoe UI Light" pitchFamily="34" charset="0"/>
+              </a:defRPr>
+            </a:lvl1pPr>
+          </a:lstStyle>
+          <a:p>
+            <a:r>
+              <a:rPr lang="en-US" dirty="0" smtClean="0"/>
+              <a:t>Master title style</a:t>
+            </a:r>
+            <a:endParaRPr lang="en-US" dirty="0"/>
+          </a:p>
+        </p:txBody>
+      </p:sp>
+      <p:sp>
+        <p:nvSpPr>
+          <p:cNvPr id="6" name="Text Placeholder 5"/>
+          <p:cNvSpPr>
+            <a:spLocks noGrp="1"/>
+          </p:cNvSpPr>
+          <p:nvPr>
+            <p:ph type="body" sz="quarter" idx="10"/>
+          </p:nvPr>
+        </p:nvSpPr>
+        <p:spPr bwMode="white">
+          <a:xfrm>
+            <a:off x="389436" y="1447800"/>
+            <a:ext cx="8363938" cy="2000548"/>
+          </a:xfrm>
+        </p:spPr>
+        <p:txBody>
+          <a:bodyPr/>
+          <a:lstStyle>
+            <a:lvl1pPr>
+              <a:buClr>
+                <a:srgbClr val="FFFFFF"/>
+              </a:buClr>
+              <a:buSzPct val="70000"/>
+              <a:buFont typeface="Wingdings" pitchFamily="2" charset="2"/>
+              <a:buChar char="l"/>
+              <a:defRPr>
+                <a:gradFill>
+                  <a:gsLst>
+                    <a:gs pos="0">
+                      <a:srgbClr val="FFFFFF"/>
+                    </a:gs>
+                    <a:gs pos="86000">
+                      <a:srgbClr val="FFFFFF"/>
+                    </a:gs>
+                  </a:gsLst>
+                  <a:lin ang="5400000" scaled="0"/>
+                </a:gradFill>
+                <a:latin typeface="Segoe UI Light" pitchFamily="34" charset="0"/>
+              </a:defRPr>
+            </a:lvl1pPr>
+            <a:lvl2pPr>
+              <a:buClr>
+                <a:srgbClr val="FFFFFF"/>
+              </a:buClr>
+              <a:buSzPct val="70000"/>
+              <a:buFont typeface="Wingdings" pitchFamily="2" charset="2"/>
+              <a:buChar char="l"/>
+              <a:defRPr>
+                <a:gradFill>
+                  <a:gsLst>
+                    <a:gs pos="0">
+                      <a:srgbClr val="FFFFFF"/>
+                    </a:gs>
+                    <a:gs pos="86000">
+                      <a:srgbClr val="FFFFFF"/>
+                    </a:gs>
+                  </a:gsLst>
+                  <a:lin ang="5400000" scaled="0"/>
+                </a:gradFill>
+                <a:latin typeface="Segoe UI Light" pitchFamily="34" charset="0"/>
+              </a:defRPr>
+            </a:lvl2pPr>
+            <a:lvl3pPr>
+              <a:buClr>
+                <a:srgbClr val="FFFFFF"/>
+              </a:buClr>
+              <a:buSzPct val="70000"/>
+              <a:buFont typeface="Wingdings" pitchFamily="2" charset="2"/>
+              <a:buChar char="l"/>
+              <a:defRPr>
+                <a:gradFill>
+                  <a:gsLst>
+                    <a:gs pos="0">
+                      <a:srgbClr val="FFFFFF"/>
+                    </a:gs>
+                    <a:gs pos="86000">
+                      <a:srgbClr val="FFFFFF"/>
+                    </a:gs>
+                  </a:gsLst>
+                  <a:lin ang="5400000" scaled="0"/>
+                </a:gradFill>
+                <a:latin typeface="Segoe UI Light" pitchFamily="34" charset="0"/>
+              </a:defRPr>
+            </a:lvl3pPr>
+            <a:lvl4pPr>
+              <a:buClr>
+                <a:srgbClr val="FFFFFF"/>
+              </a:buClr>
+              <a:buSzPct val="70000"/>
+              <a:buFont typeface="Wingdings" pitchFamily="2" charset="2"/>
+              <a:buChar char="l"/>
+              <a:defRPr>
+                <a:gradFill>
+                  <a:gsLst>
+                    <a:gs pos="0">
+                      <a:srgbClr val="FFFFFF"/>
+                    </a:gs>
+                    <a:gs pos="86000">
+                      <a:srgbClr val="FFFFFF"/>
+                    </a:gs>
+                  </a:gsLst>
+                  <a:lin ang="5400000" scaled="0"/>
+                </a:gradFill>
+                <a:latin typeface="Segoe UI Light" pitchFamily="34" charset="0"/>
+              </a:defRPr>
+            </a:lvl4pPr>
+            <a:lvl5pPr>
+              <a:buClr>
+                <a:srgbClr val="FFFFFF"/>
+              </a:buClr>
+              <a:buSzPct val="70000"/>
+              <a:buFont typeface="Wingdings" pitchFamily="2" charset="2"/>
+              <a:buChar char="l"/>
+              <a:defRPr>
+                <a:gradFill>
+                  <a:gsLst>
+                    <a:gs pos="0">
+                      <a:srgbClr val="FFFFFF"/>
+                    </a:gs>
+                    <a:gs pos="86000">
+                      <a:srgbClr val="FFFFFF"/>
+                    </a:gs>
+                  </a:gsLst>
+                  <a:lin ang="5400000" scaled="0"/>
+                </a:gradFill>
+                <a:latin typeface="Segoe UI Light" pitchFamily="34" charset="0"/>
+              </a:defRPr>
+            </a:lvl5pPr>
+          </a:lstStyle>
+          <a:p>
+            <a:pPr lvl="0"/>
+            <a:r>
+              <a:rPr lang="en-US" dirty="0" smtClean="0"/>
+              <a:t>Click to edit Master text styles</a:t>
+            </a:r>
+          </a:p>
+          <a:p>
+            <a:pPr lvl="1"/>
+            <a:r>
+              <a:rPr lang="en-US" dirty="0" smtClean="0"/>
+              <a:t>Second level</a:t>
+            </a:r>
+          </a:p>
+          <a:p>
+            <a:pPr lvl="2"/>
+            <a:r>
+              <a:rPr lang="en-US" dirty="0" smtClean="0"/>
+              <a:t>Third level</a:t>
+            </a:r>
+          </a:p>
+          <a:p>
+            <a:pPr lvl="3"/>
+            <a:r>
+              <a:rPr lang="en-US" dirty="0" smtClean="0"/>
+              <a:t>Fourth level</a:t>
+            </a:r>
+          </a:p>
+          <a:p>
+            <a:pPr lvl="4"/>
+            <a:r>
+              <a:rPr lang="en-US" dirty="0" smtClean="0"/>
+              <a:t>Fifth level</a:t>
+            </a:r>
+            <a:endParaRPr lang="en-US" dirty="0"/>
+          </a:p>
+        </p:txBody>
+      </p:sp>
+      <p:sp>
+        <p:nvSpPr>
+          <p:cNvPr id="4" name="Text Placeholder 6"/>
+          <p:cNvSpPr>
+            <a:spLocks noGrp="1"/>
+          </p:cNvSpPr>
+          <p:nvPr>
+            <p:ph type="body" sz="quarter" idx="11"/>
+          </p:nvPr>
+        </p:nvSpPr>
+        <p:spPr>
+          <a:xfrm>
+            <a:off x="1" y="6238877"/>
+            <a:ext cx="9144001" cy="619125"/>
+          </a:xfrm>
+          <a:solidFill>
+            <a:srgbClr val="FFFF99"/>
+          </a:solidFill>
+        </p:spPr>
+        <p:txBody>
+          <a:bodyPr wrap="square" lIns="152394" tIns="76197" rIns="152394" bIns="76197" anchor="b" anchorCtr="0">
+            <a:noAutofit/>
+          </a:bodyPr>
+          <a:lstStyle>
+            <a:lvl1pPr algn="r">
+              <a:buFont typeface="Arial" pitchFamily="34" charset="0"/>
+              <a:buNone/>
+              <a:defRPr spc="-50" baseline="0">
+                <a:gradFill>
+                  <a:gsLst>
+                    <a:gs pos="0">
+                      <a:srgbClr val="000000"/>
+                    </a:gs>
+                    <a:gs pos="100000">
+                      <a:srgbClr val="000000"/>
+                    </a:gs>
+                  </a:gsLst>
+                  <a:lin ang="5400000" scaled="0"/>
+                </a:gradFill>
+                <a:effectLst/>
+                <a:latin typeface="Segoe UI" pitchFamily="34" charset="0"/>
+              </a:defRPr>
+            </a:lvl1pPr>
+          </a:lstStyle>
+          <a:p>
+            <a:pPr lvl="0"/>
+            <a:r>
+              <a:rPr lang="en-US" dirty="0" smtClean="0"/>
+              <a:t>Click to edit Master text styles</a:t>
+            </a:r>
+          </a:p>
+        </p:txBody>
+      </p:sp>
+    </p:spTree>
+    <p:extLst>
+      <p:ext uri="{BB962C8B-B14F-4D97-AF65-F5344CB8AC3E}">
+        <p14:creationId xmlns:p14="http://schemas.microsoft.com/office/powerpoint/2010/main" val="3464149902"/>
+      </p:ext>
+    </p:extLst>
+  </p:cSld>
+  <p:clrMapOvr>
+    <a:masterClrMapping/>
+  </p:clrMapOvr>
+  <p:transition spd="slow">
+    <p:push/>
+  </p:transition>
+  <p:timing>
+    <p:tnLst>
+      <p:par>
+        <p:cTn id="1" dur="indefinite" restart="never" nodeType="tmRoot"/>
+      </p:par>
+    </p:tnLst>
+  </p:timing>
 </p:sldLayout>
 </file>
 
@@ -1072,7 +6815,7 @@
           <a:p>
             <a:fld id="{A2ED7707-E2E8-493C-B39F-CCDFED8A6AEA}" type="datetimeFigureOut">
               <a:rPr lang="en-US" smtClean="0"/>
-              <a:t>5/29/2012</a:t>
+              <a:t>5/31/2012</a:t>
             </a:fld>
             <a:endParaRPr lang="en-US"/>
           </a:p>
@@ -1360,7 +7103,7 @@
           <a:p>
             <a:fld id="{A2ED7707-E2E8-493C-B39F-CCDFED8A6AEA}" type="datetimeFigureOut">
               <a:rPr lang="en-US" smtClean="0"/>
-              <a:t>5/29/2012</a:t>
+              <a:t>5/31/2012</a:t>
             </a:fld>
             <a:endParaRPr lang="en-US"/>
           </a:p>
@@ -1782,7 +7525,7 @@
           <a:p>
             <a:fld id="{A2ED7707-E2E8-493C-B39F-CCDFED8A6AEA}" type="datetimeFigureOut">
               <a:rPr lang="en-US" smtClean="0"/>
-              <a:t>5/29/2012</a:t>
+              <a:t>5/31/2012</a:t>
             </a:fld>
             <a:endParaRPr lang="en-US"/>
           </a:p>
@@ -1900,7 +7643,7 @@
           <a:p>
             <a:fld id="{A2ED7707-E2E8-493C-B39F-CCDFED8A6AEA}" type="datetimeFigureOut">
               <a:rPr lang="en-US" smtClean="0"/>
-              <a:t>5/29/2012</a:t>
+              <a:t>5/31/2012</a:t>
             </a:fld>
             <a:endParaRPr lang="en-US"/>
           </a:p>
@@ -1995,7 +7738,7 @@
           <a:p>
             <a:fld id="{A2ED7707-E2E8-493C-B39F-CCDFED8A6AEA}" type="datetimeFigureOut">
               <a:rPr lang="en-US" smtClean="0"/>
-              <a:t>5/29/2012</a:t>
+              <a:t>5/31/2012</a:t>
             </a:fld>
             <a:endParaRPr lang="en-US"/>
           </a:p>
@@ -2272,7 +8015,7 @@
           <a:p>
             <a:fld id="{A2ED7707-E2E8-493C-B39F-CCDFED8A6AEA}" type="datetimeFigureOut">
               <a:rPr lang="en-US" smtClean="0"/>
-              <a:t>5/29/2012</a:t>
+              <a:t>5/31/2012</a:t>
             </a:fld>
             <a:endParaRPr lang="en-US"/>
           </a:p>
@@ -2525,7 +8268,7 @@
           <a:p>
             <a:fld id="{A2ED7707-E2E8-493C-B39F-CCDFED8A6AEA}" type="datetimeFigureOut">
               <a:rPr lang="en-US" smtClean="0"/>
-              <a:t>5/29/2012</a:t>
+              <a:t>5/31/2012</a:t>
             </a:fld>
             <a:endParaRPr lang="en-US"/>
           </a:p>
@@ -2738,7 +8481,7 @@
           <a:p>
             <a:fld id="{A2ED7707-E2E8-493C-B39F-CCDFED8A6AEA}" type="datetimeFigureOut">
               <a:rPr lang="en-US" smtClean="0"/>
-              <a:t>5/29/2012</a:t>
+              <a:t>5/31/2012</a:t>
             </a:fld>
             <a:endParaRPr lang="en-US"/>
           </a:p>
@@ -2842,6 +8585,7 @@
     <p:sldLayoutId id="2147483657" r:id="rId9"/>
     <p:sldLayoutId id="2147483658" r:id="rId10"/>
     <p:sldLayoutId id="2147483659" r:id="rId11"/>
+    <p:sldLayoutId id="2147483660" r:id="rId12"/>
   </p:sldLayoutIdLst>
   <p:txStyles>
     <p:titleStyle>
@@ -3096,6 +8840,502 @@
 </p:sldMaster>
 </file>
 
+<file path=ppt/slideMasters/slideMaster2.xml><?xml version="1.0" encoding="utf-8"?>
+<p:sldMaster xmlns:a="http://schemas.openxmlformats.org/drawingml/2006/main" xmlns:r="http://schemas.openxmlformats.org/officeDocument/2006/relationships" xmlns:p="http://schemas.openxmlformats.org/presentationml/2006/main" preserve="1">
+  <p:cSld>
+    <p:bg bwMode="ltGray">
+      <p:bgPr>
+        <a:solidFill>
+          <a:schemeClr val="bg1"/>
+        </a:solidFill>
+        <a:effectLst/>
+      </p:bgPr>
+    </p:bg>
+    <p:spTree>
+      <p:nvGrpSpPr>
+        <p:cNvPr id="1" name=""/>
+        <p:cNvGrpSpPr/>
+        <p:nvPr/>
+      </p:nvGrpSpPr>
+      <p:grpSpPr>
+        <a:xfrm>
+          <a:off x="0" y="0"/>
+          <a:ext cx="0" cy="0"/>
+          <a:chOff x="0" y="0"/>
+          <a:chExt cx="0" cy="0"/>
+        </a:xfrm>
+      </p:grpSpPr>
+      <p:sp>
+        <p:nvSpPr>
+          <p:cNvPr id="2" name="Title Placeholder 1"/>
+          <p:cNvSpPr>
+            <a:spLocks noGrp="1"/>
+          </p:cNvSpPr>
+          <p:nvPr>
+            <p:ph type="title"/>
+          </p:nvPr>
+        </p:nvSpPr>
+        <p:spPr>
+          <a:xfrm>
+            <a:off x="381000" y="431800"/>
+            <a:ext cx="8363938" cy="747897"/>
+          </a:xfrm>
+          <a:prstGeom prst="rect">
+            <a:avLst/>
+          </a:prstGeom>
+        </p:spPr>
+        <p:txBody>
+          <a:bodyPr vert="horz" wrap="square" lIns="0" tIns="0" rIns="0" bIns="0" rtlCol="0" anchor="t">
+            <a:spAutoFit/>
+          </a:bodyPr>
+          <a:lstStyle/>
+          <a:p>
+            <a:r>
+              <a:rPr lang="en-US" dirty="0" smtClean="0"/>
+              <a:t>Master title style</a:t>
+            </a:r>
+            <a:endParaRPr lang="en-US" dirty="0"/>
+          </a:p>
+        </p:txBody>
+      </p:sp>
+      <p:sp>
+        <p:nvSpPr>
+          <p:cNvPr id="3" name="Text Placeholder 2"/>
+          <p:cNvSpPr>
+            <a:spLocks noGrp="1"/>
+          </p:cNvSpPr>
+          <p:nvPr>
+            <p:ph type="body" idx="1"/>
+          </p:nvPr>
+        </p:nvSpPr>
+        <p:spPr>
+          <a:xfrm>
+            <a:off x="381000" y="1905000"/>
+            <a:ext cx="8363937" cy="2000548"/>
+          </a:xfrm>
+          <a:prstGeom prst="rect">
+            <a:avLst/>
+          </a:prstGeom>
+        </p:spPr>
+        <p:txBody>
+          <a:bodyPr vert="horz" wrap="square" lIns="0" tIns="0" rIns="0" bIns="0" rtlCol="0">
+            <a:spAutoFit/>
+          </a:bodyPr>
+          <a:lstStyle/>
+          <a:p>
+            <a:pPr lvl="0"/>
+            <a:r>
+              <a:rPr lang="en-US" dirty="0" smtClean="0"/>
+              <a:t>Click to edit Master text styles</a:t>
+            </a:r>
+          </a:p>
+          <a:p>
+            <a:pPr lvl="1"/>
+            <a:r>
+              <a:rPr lang="en-US" dirty="0" smtClean="0"/>
+              <a:t>Second level</a:t>
+            </a:r>
+          </a:p>
+          <a:p>
+            <a:pPr lvl="2"/>
+            <a:r>
+              <a:rPr lang="en-US" dirty="0" smtClean="0"/>
+              <a:t>Third level</a:t>
+            </a:r>
+          </a:p>
+          <a:p>
+            <a:pPr lvl="3"/>
+            <a:r>
+              <a:rPr lang="en-US" dirty="0" smtClean="0"/>
+              <a:t>Fourth level</a:t>
+            </a:r>
+          </a:p>
+          <a:p>
+            <a:pPr lvl="4"/>
+            <a:r>
+              <a:rPr lang="en-US" dirty="0" smtClean="0"/>
+              <a:t>Fifth level</a:t>
+            </a:r>
+            <a:endParaRPr lang="en-US" dirty="0"/>
+          </a:p>
+        </p:txBody>
+      </p:sp>
+    </p:spTree>
+    <p:extLst>
+      <p:ext uri="{BB962C8B-B14F-4D97-AF65-F5344CB8AC3E}">
+        <p14:creationId xmlns:p14="http://schemas.microsoft.com/office/powerpoint/2010/main" val="3977814490"/>
+      </p:ext>
+    </p:extLst>
+  </p:cSld>
+  <p:clrMap bg1="lt1" tx1="dk1" bg2="lt2" tx2="dk2" accent1="accent1" accent2="accent2" accent3="accent3" accent4="accent4" accent5="accent5" accent6="accent6" hlink="hlink" folHlink="folHlink"/>
+  <p:sldLayoutIdLst>
+    <p:sldLayoutId id="2147483663" r:id="rId1"/>
+    <p:sldLayoutId id="2147483664" r:id="rId2"/>
+    <p:sldLayoutId id="2147483665" r:id="rId3"/>
+    <p:sldLayoutId id="2147483666" r:id="rId4"/>
+    <p:sldLayoutId id="2147483667" r:id="rId5"/>
+    <p:sldLayoutId id="2147483668" r:id="rId6"/>
+    <p:sldLayoutId id="2147483669" r:id="rId7"/>
+    <p:sldLayoutId id="2147483670" r:id="rId8"/>
+    <p:sldLayoutId id="2147483671" r:id="rId9"/>
+    <p:sldLayoutId id="2147483672" r:id="rId10"/>
+    <p:sldLayoutId id="2147483673" r:id="rId11"/>
+  </p:sldLayoutIdLst>
+  <p:transition spd="slow">
+    <p:push/>
+  </p:transition>
+  <p:timing>
+    <p:tnLst>
+      <p:par>
+        <p:cTn id="1" dur="indefinite" restart="never" nodeType="tmRoot"/>
+      </p:par>
+    </p:tnLst>
+  </p:timing>
+  <p:hf hdr="0" ftr="0" dt="0"/>
+  <p:txStyles>
+    <p:titleStyle>
+      <a:lvl1pPr algn="l" defTabSz="914363" rtl="0" eaLnBrk="1" latinLnBrk="0" hangingPunct="1">
+        <a:lnSpc>
+          <a:spcPct val="90000"/>
+        </a:lnSpc>
+        <a:spcBef>
+          <a:spcPct val="0"/>
+        </a:spcBef>
+        <a:buNone/>
+        <a:defRPr lang="en-US" sz="5400" b="0" kern="1200" cap="none" spc="-150" baseline="0" dirty="0" smtClean="0">
+          <a:ln w="3175">
+            <a:noFill/>
+          </a:ln>
+          <a:gradFill flip="none" rotWithShape="1">
+            <a:gsLst>
+              <a:gs pos="0">
+                <a:schemeClr val="tx2"/>
+              </a:gs>
+              <a:gs pos="86000">
+                <a:schemeClr val="tx2"/>
+              </a:gs>
+            </a:gsLst>
+            <a:lin ang="5400000" scaled="0"/>
+            <a:tileRect/>
+          </a:gradFill>
+          <a:effectLst/>
+          <a:latin typeface="Segoe UI Light" pitchFamily="34" charset="0"/>
+          <a:ea typeface="Segoe UI" pitchFamily="34" charset="0"/>
+          <a:cs typeface="Segoe UI" pitchFamily="34" charset="0"/>
+        </a:defRPr>
+      </a:lvl1pPr>
+    </p:titleStyle>
+    <p:bodyStyle>
+      <a:lvl1pPr marL="347663" indent="-347663" algn="l" defTabSz="914363" rtl="0" eaLnBrk="1" latinLnBrk="0" hangingPunct="1">
+        <a:lnSpc>
+          <a:spcPct val="90000"/>
+        </a:lnSpc>
+        <a:spcBef>
+          <a:spcPct val="20000"/>
+        </a:spcBef>
+        <a:buClr>
+          <a:schemeClr val="accent1"/>
+        </a:buClr>
+        <a:buSzPct val="100000"/>
+        <a:buFont typeface="Wingdings" pitchFamily="2" charset="2"/>
+        <a:buChar char="§"/>
+        <a:defRPr sz="3200" kern="1200" spc="-150">
+          <a:gradFill>
+            <a:gsLst>
+              <a:gs pos="0">
+                <a:srgbClr val="737373"/>
+              </a:gs>
+              <a:gs pos="86000">
+                <a:srgbClr val="737373"/>
+              </a:gs>
+            </a:gsLst>
+            <a:lin ang="5400000" scaled="0"/>
+          </a:gradFill>
+          <a:latin typeface="Segoe UI Light" pitchFamily="34" charset="0"/>
+          <a:ea typeface="+mn-ea"/>
+          <a:cs typeface="+mn-cs"/>
+        </a:defRPr>
+      </a:lvl1pPr>
+      <a:lvl2pPr marL="744538" indent="-284163" algn="l" defTabSz="914363" rtl="0" eaLnBrk="1" latinLnBrk="0" hangingPunct="1">
+        <a:lnSpc>
+          <a:spcPct val="90000"/>
+        </a:lnSpc>
+        <a:spcBef>
+          <a:spcPct val="20000"/>
+        </a:spcBef>
+        <a:buClr>
+          <a:schemeClr val="tx2"/>
+        </a:buClr>
+        <a:buSzPct val="100000"/>
+        <a:buFont typeface="Wingdings" pitchFamily="2" charset="2"/>
+        <a:buChar char="§"/>
+        <a:defRPr sz="2800" kern="1200" spc="-150">
+          <a:gradFill>
+            <a:gsLst>
+              <a:gs pos="0">
+                <a:srgbClr val="737373"/>
+              </a:gs>
+              <a:gs pos="86000">
+                <a:srgbClr val="737373"/>
+              </a:gs>
+            </a:gsLst>
+            <a:lin ang="5400000" scaled="0"/>
+          </a:gradFill>
+          <a:latin typeface="Segoe UI Light" pitchFamily="34" charset="0"/>
+          <a:ea typeface="+mn-ea"/>
+          <a:cs typeface="+mn-cs"/>
+        </a:defRPr>
+      </a:lvl2pPr>
+      <a:lvl3pPr marL="1143000" indent="-287338" algn="l" defTabSz="914363" rtl="0" eaLnBrk="1" latinLnBrk="0" hangingPunct="1">
+        <a:lnSpc>
+          <a:spcPct val="90000"/>
+        </a:lnSpc>
+        <a:spcBef>
+          <a:spcPct val="20000"/>
+        </a:spcBef>
+        <a:buClr>
+          <a:schemeClr val="tx2"/>
+        </a:buClr>
+        <a:buSzPct val="100000"/>
+        <a:buFont typeface="Wingdings" pitchFamily="2" charset="2"/>
+        <a:buChar char="§"/>
+        <a:defRPr sz="2400" kern="1200" spc="-150">
+          <a:gradFill>
+            <a:gsLst>
+              <a:gs pos="0">
+                <a:srgbClr val="737373"/>
+              </a:gs>
+              <a:gs pos="86000">
+                <a:srgbClr val="737373"/>
+              </a:gs>
+            </a:gsLst>
+            <a:lin ang="5400000" scaled="0"/>
+          </a:gradFill>
+          <a:latin typeface="Segoe UI Light" pitchFamily="34" charset="0"/>
+          <a:ea typeface="+mn-ea"/>
+          <a:cs typeface="+mn-cs"/>
+        </a:defRPr>
+      </a:lvl3pPr>
+      <a:lvl4pPr marL="1490663" indent="-231775" algn="l" defTabSz="914363" rtl="0" eaLnBrk="1" latinLnBrk="0" hangingPunct="1">
+        <a:lnSpc>
+          <a:spcPct val="90000"/>
+        </a:lnSpc>
+        <a:spcBef>
+          <a:spcPct val="20000"/>
+        </a:spcBef>
+        <a:buClr>
+          <a:schemeClr val="tx2"/>
+        </a:buClr>
+        <a:buSzPct val="100000"/>
+        <a:buFont typeface="Wingdings" pitchFamily="2" charset="2"/>
+        <a:buChar char="§"/>
+        <a:defRPr sz="2000" kern="1200" spc="-150">
+          <a:gradFill>
+            <a:gsLst>
+              <a:gs pos="0">
+                <a:srgbClr val="737373"/>
+              </a:gs>
+              <a:gs pos="86000">
+                <a:srgbClr val="737373"/>
+              </a:gs>
+            </a:gsLst>
+            <a:lin ang="5400000" scaled="0"/>
+          </a:gradFill>
+          <a:latin typeface="Segoe UI Light" pitchFamily="34" charset="0"/>
+          <a:ea typeface="+mn-ea"/>
+          <a:cs typeface="+mn-cs"/>
+        </a:defRPr>
+      </a:lvl4pPr>
+      <a:lvl5pPr marL="1828800" indent="-223838" algn="l" defTabSz="914363" rtl="0" eaLnBrk="1" latinLnBrk="0" hangingPunct="1">
+        <a:lnSpc>
+          <a:spcPct val="90000"/>
+        </a:lnSpc>
+        <a:spcBef>
+          <a:spcPct val="20000"/>
+        </a:spcBef>
+        <a:buClr>
+          <a:schemeClr val="tx2"/>
+        </a:buClr>
+        <a:buSzPct val="100000"/>
+        <a:buFont typeface="Wingdings" pitchFamily="2" charset="2"/>
+        <a:buChar char="§"/>
+        <a:defRPr sz="2000" kern="1200" spc="-150">
+          <a:gradFill>
+            <a:gsLst>
+              <a:gs pos="0">
+                <a:srgbClr val="737373"/>
+              </a:gs>
+              <a:gs pos="86000">
+                <a:srgbClr val="737373"/>
+              </a:gs>
+            </a:gsLst>
+            <a:lin ang="5400000" scaled="0"/>
+          </a:gradFill>
+          <a:latin typeface="Segoe UI Light" pitchFamily="34" charset="0"/>
+          <a:ea typeface="+mn-ea"/>
+          <a:cs typeface="+mn-cs"/>
+        </a:defRPr>
+      </a:lvl5pPr>
+      <a:lvl6pPr marL="2514499" indent="-228591" algn="l" defTabSz="914363" rtl="0" eaLnBrk="1" latinLnBrk="0" hangingPunct="1">
+        <a:spcBef>
+          <a:spcPct val="20000"/>
+        </a:spcBef>
+        <a:buFont typeface="Arial" pitchFamily="34" charset="0"/>
+        <a:buChar char="•"/>
+        <a:defRPr sz="2000" kern="1200">
+          <a:solidFill>
+            <a:schemeClr val="tx1"/>
+          </a:solidFill>
+          <a:latin typeface="+mn-lt"/>
+          <a:ea typeface="+mn-ea"/>
+          <a:cs typeface="+mn-cs"/>
+        </a:defRPr>
+      </a:lvl6pPr>
+      <a:lvl7pPr marL="2971681" indent="-228591" algn="l" defTabSz="914363" rtl="0" eaLnBrk="1" latinLnBrk="0" hangingPunct="1">
+        <a:spcBef>
+          <a:spcPct val="20000"/>
+        </a:spcBef>
+        <a:buFont typeface="Arial" pitchFamily="34" charset="0"/>
+        <a:buChar char="•"/>
+        <a:defRPr sz="2000" kern="1200">
+          <a:solidFill>
+            <a:schemeClr val="tx1"/>
+          </a:solidFill>
+          <a:latin typeface="+mn-lt"/>
+          <a:ea typeface="+mn-ea"/>
+          <a:cs typeface="+mn-cs"/>
+        </a:defRPr>
+      </a:lvl7pPr>
+      <a:lvl8pPr marL="3428863" indent="-228591" algn="l" defTabSz="914363" rtl="0" eaLnBrk="1" latinLnBrk="0" hangingPunct="1">
+        <a:spcBef>
+          <a:spcPct val="20000"/>
+        </a:spcBef>
+        <a:buFont typeface="Arial" pitchFamily="34" charset="0"/>
+        <a:buChar char="•"/>
+        <a:defRPr sz="2000" kern="1200">
+          <a:solidFill>
+            <a:schemeClr val="tx1"/>
+          </a:solidFill>
+          <a:latin typeface="+mn-lt"/>
+          <a:ea typeface="+mn-ea"/>
+          <a:cs typeface="+mn-cs"/>
+        </a:defRPr>
+      </a:lvl8pPr>
+      <a:lvl9pPr marL="3886045" indent="-228591" algn="l" defTabSz="914363" rtl="0" eaLnBrk="1" latinLnBrk="0" hangingPunct="1">
+        <a:spcBef>
+          <a:spcPct val="20000"/>
+        </a:spcBef>
+        <a:buFont typeface="Arial" pitchFamily="34" charset="0"/>
+        <a:buChar char="•"/>
+        <a:defRPr sz="2000" kern="1200">
+          <a:solidFill>
+            <a:schemeClr val="tx1"/>
+          </a:solidFill>
+          <a:latin typeface="+mn-lt"/>
+          <a:ea typeface="+mn-ea"/>
+          <a:cs typeface="+mn-cs"/>
+        </a:defRPr>
+      </a:lvl9pPr>
+    </p:bodyStyle>
+    <p:otherStyle>
+      <a:defPPr>
+        <a:defRPr lang="en-US"/>
+      </a:defPPr>
+      <a:lvl1pPr marL="0" algn="l" defTabSz="914363" rtl="0" eaLnBrk="1" latinLnBrk="0" hangingPunct="1">
+        <a:defRPr sz="1800" kern="1200">
+          <a:solidFill>
+            <a:schemeClr val="tx1"/>
+          </a:solidFill>
+          <a:latin typeface="+mn-lt"/>
+          <a:ea typeface="+mn-ea"/>
+          <a:cs typeface="+mn-cs"/>
+        </a:defRPr>
+      </a:lvl1pPr>
+      <a:lvl2pPr marL="457182" algn="l" defTabSz="914363" rtl="0" eaLnBrk="1" latinLnBrk="0" hangingPunct="1">
+        <a:defRPr sz="1800" kern="1200">
+          <a:solidFill>
+            <a:schemeClr val="tx1"/>
+          </a:solidFill>
+          <a:latin typeface="+mn-lt"/>
+          <a:ea typeface="+mn-ea"/>
+          <a:cs typeface="+mn-cs"/>
+        </a:defRPr>
+      </a:lvl2pPr>
+      <a:lvl3pPr marL="914363" algn="l" defTabSz="914363" rtl="0" eaLnBrk="1" latinLnBrk="0" hangingPunct="1">
+        <a:defRPr sz="1800" kern="1200">
+          <a:solidFill>
+            <a:schemeClr val="tx1"/>
+          </a:solidFill>
+          <a:latin typeface="+mn-lt"/>
+          <a:ea typeface="+mn-ea"/>
+          <a:cs typeface="+mn-cs"/>
+        </a:defRPr>
+      </a:lvl3pPr>
+      <a:lvl4pPr marL="1371545" algn="l" defTabSz="914363" rtl="0" eaLnBrk="1" latinLnBrk="0" hangingPunct="1">
+        <a:defRPr sz="1800" kern="1200">
+          <a:solidFill>
+            <a:schemeClr val="tx1"/>
+          </a:solidFill>
+          <a:latin typeface="+mn-lt"/>
+          <a:ea typeface="+mn-ea"/>
+          <a:cs typeface="+mn-cs"/>
+        </a:defRPr>
+      </a:lvl4pPr>
+      <a:lvl5pPr marL="1828727" algn="l" defTabSz="914363" rtl="0" eaLnBrk="1" latinLnBrk="0" hangingPunct="1">
+        <a:defRPr sz="1800" kern="1200">
+          <a:solidFill>
+            <a:schemeClr val="tx1"/>
+          </a:solidFill>
+          <a:latin typeface="+mn-lt"/>
+          <a:ea typeface="+mn-ea"/>
+          <a:cs typeface="+mn-cs"/>
+        </a:defRPr>
+      </a:lvl5pPr>
+      <a:lvl6pPr marL="2285909" algn="l" defTabSz="914363" rtl="0" eaLnBrk="1" latinLnBrk="0" hangingPunct="1">
+        <a:defRPr sz="1800" kern="1200">
+          <a:solidFill>
+            <a:schemeClr val="tx1"/>
+          </a:solidFill>
+          <a:latin typeface="+mn-lt"/>
+          <a:ea typeface="+mn-ea"/>
+          <a:cs typeface="+mn-cs"/>
+        </a:defRPr>
+      </a:lvl6pPr>
+      <a:lvl7pPr marL="2743090" algn="l" defTabSz="914363" rtl="0" eaLnBrk="1" latinLnBrk="0" hangingPunct="1">
+        <a:defRPr sz="1800" kern="1200">
+          <a:solidFill>
+            <a:schemeClr val="tx1"/>
+          </a:solidFill>
+          <a:latin typeface="+mn-lt"/>
+          <a:ea typeface="+mn-ea"/>
+          <a:cs typeface="+mn-cs"/>
+        </a:defRPr>
+      </a:lvl7pPr>
+      <a:lvl8pPr marL="3200272" algn="l" defTabSz="914363" rtl="0" eaLnBrk="1" latinLnBrk="0" hangingPunct="1">
+        <a:defRPr sz="1800" kern="1200">
+          <a:solidFill>
+            <a:schemeClr val="tx1"/>
+          </a:solidFill>
+          <a:latin typeface="+mn-lt"/>
+          <a:ea typeface="+mn-ea"/>
+          <a:cs typeface="+mn-cs"/>
+        </a:defRPr>
+      </a:lvl8pPr>
+      <a:lvl9pPr marL="3657454" algn="l" defTabSz="914363" rtl="0" eaLnBrk="1" latinLnBrk="0" hangingPunct="1">
+        <a:defRPr sz="1800" kern="1200">
+          <a:solidFill>
+            <a:schemeClr val="tx1"/>
+          </a:solidFill>
+          <a:latin typeface="+mn-lt"/>
+          <a:ea typeface="+mn-ea"/>
+          <a:cs typeface="+mn-cs"/>
+        </a:defRPr>
+      </a:lvl9pPr>
+    </p:otherStyle>
+  </p:txStyles>
+</p:sldMaster>
+</file>
+
 <file path=ppt/slides/slide1.xml><?xml version="1.0" encoding="utf-8"?>
 <p:sld xmlns:a="http://schemas.openxmlformats.org/drawingml/2006/main" xmlns:r="http://schemas.openxmlformats.org/officeDocument/2006/relationships" xmlns:p="http://schemas.openxmlformats.org/presentationml/2006/main">
   <p:cSld>
@@ -3115,12 +9355,12 @@
       </p:grpSpPr>
       <p:sp>
         <p:nvSpPr>
-          <p:cNvPr id="2" name="Title 1"/>
-          <p:cNvSpPr>
-            <a:spLocks noGrp="1"/>
-          </p:cNvSpPr>
-          <p:nvPr>
-            <p:ph type="ctrTitle"/>
+          <p:cNvPr id="6" name="Subtitle 5"/>
+          <p:cNvSpPr>
+            <a:spLocks noGrp="1"/>
+          </p:cNvSpPr>
+          <p:nvPr>
+            <p:ph type="subTitle" idx="1"/>
           </p:nvPr>
         </p:nvSpPr>
         <p:spPr/>
@@ -3128,9 +9368,30 @@
           <a:bodyPr/>
           <a:lstStyle/>
           <a:p>
-            <a:r>
-              <a:rPr lang="en-US" dirty="0" smtClean="0"/>
-              <a:t>Silverlight and SharePoint</a:t>
+            <a:endParaRPr lang="en-US"/>
+          </a:p>
+        </p:txBody>
+      </p:sp>
+      <p:sp>
+        <p:nvSpPr>
+          <p:cNvPr id="7" name="Text Placeholder 6"/>
+          <p:cNvSpPr>
+            <a:spLocks noGrp="1"/>
+          </p:cNvSpPr>
+          <p:nvPr>
+            <p:ph type="body" sz="quarter" idx="10"/>
+          </p:nvPr>
+        </p:nvSpPr>
+        <p:spPr/>
+        <p:txBody>
+          <a:bodyPr>
+            <a:normAutofit fontScale="77500" lnSpcReduction="20000"/>
+          </a:bodyPr>
+          <a:lstStyle/>
+          <a:p>
+            <a:r>
+              <a:rPr lang="en-US" dirty="0" smtClean="0"/>
+              <a:t>Jake Adams</a:t>
             </a:r>
             <a:endParaRPr lang="en-US" dirty="0"/>
           </a:p>
@@ -3138,12 +9399,37 @@
       </p:sp>
       <p:sp>
         <p:nvSpPr>
-          <p:cNvPr id="3" name="Subtitle 2"/>
-          <p:cNvSpPr>
-            <a:spLocks noGrp="1"/>
-          </p:cNvSpPr>
-          <p:nvPr>
-            <p:ph type="subTitle" idx="1"/>
+          <p:cNvPr id="8" name="Text Placeholder 7"/>
+          <p:cNvSpPr>
+            <a:spLocks noGrp="1"/>
+          </p:cNvSpPr>
+          <p:nvPr>
+            <p:ph type="body" sz="quarter" idx="11"/>
+          </p:nvPr>
+        </p:nvSpPr>
+        <p:spPr/>
+        <p:txBody>
+          <a:bodyPr>
+            <a:normAutofit fontScale="77500" lnSpcReduction="20000"/>
+          </a:bodyPr>
+          <a:lstStyle/>
+          <a:p>
+            <a:r>
+              <a:rPr lang="en-US" dirty="0" smtClean="0"/>
+              <a:t>Thompson Coburn LLP</a:t>
+            </a:r>
+            <a:endParaRPr lang="en-US" dirty="0"/>
+          </a:p>
+        </p:txBody>
+      </p:sp>
+      <p:sp>
+        <p:nvSpPr>
+          <p:cNvPr id="5" name="Title 4"/>
+          <p:cNvSpPr>
+            <a:spLocks noGrp="1"/>
+          </p:cNvSpPr>
+          <p:nvPr>
+            <p:ph type="ctrTitle"/>
           </p:nvPr>
         </p:nvSpPr>
         <p:spPr/>
@@ -3153,13 +9439,7 @@
           <a:p>
             <a:r>
               <a:rPr lang="en-US" dirty="0" smtClean="0"/>
-              <a:t>Jake Adams</a:t>
-            </a:r>
-          </a:p>
-          <a:p>
-            <a:r>
-              <a:rPr lang="en-US" dirty="0" smtClean="0"/>
-              <a:t>Thompson Coburn LLP</a:t>
+              <a:t>Silverlight and SharePoint</a:t>
             </a:r>
             <a:endParaRPr lang="en-US" dirty="0"/>
           </a:p>
@@ -3168,20 +9448,16 @@
     </p:spTree>
     <p:extLst>
       <p:ext uri="{BB962C8B-B14F-4D97-AF65-F5344CB8AC3E}">
-        <p14:creationId xmlns:p14="http://schemas.microsoft.com/office/powerpoint/2010/main" val="1933277797"/>
+        <p14:creationId xmlns:p14="http://schemas.microsoft.com/office/powerpoint/2010/main" val="1423997775"/>
       </p:ext>
     </p:extLst>
   </p:cSld>
   <p:clrMapOvr>
     <a:masterClrMapping/>
   </p:clrMapOvr>
-  <p:timing>
-    <p:tnLst>
-      <p:par>
-        <p:cTn id="1" dur="indefinite" restart="never" nodeType="tmRoot"/>
-      </p:par>
-    </p:tnLst>
-  </p:timing>
+  <p:transition spd="slow">
+    <p:push/>
+  </p:transition>
 </p:sld>
 </file>
 
@@ -3234,7 +9510,7 @@
             <a:spLocks noGrp="1"/>
           </p:cNvSpPr>
           <p:nvPr>
-            <p:ph sz="half" idx="1"/>
+            <p:ph idx="1"/>
           </p:nvPr>
         </p:nvSpPr>
         <p:spPr/>
@@ -3244,44 +9520,46 @@
           <a:p>
             <a:r>
               <a:rPr lang="en-US" dirty="0" smtClean="0"/>
-              <a:t>Runs on .NET</a:t>
-            </a:r>
-          </a:p>
-        </p:txBody>
-      </p:sp>
-      <p:pic>
-        <p:nvPicPr>
-          <p:cNvPr id="5" name="Content Placeholder 4"/>
-          <p:cNvPicPr>
-            <a:picLocks noGrp="1" noChangeAspect="1"/>
-          </p:cNvPicPr>
-          <p:nvPr>
-            <p:ph sz="half" idx="2"/>
-          </p:nvPr>
-        </p:nvPicPr>
-        <p:blipFill>
-          <a:blip r:embed="rId2">
-            <a:extLst>
-              <a:ext uri="{28A0092B-C50C-407E-A947-70E740481C1C}">
-                <a14:useLocalDpi xmlns:a14="http://schemas.microsoft.com/office/drawing/2010/main" val="0"/>
-              </a:ext>
-            </a:extLst>
-          </a:blip>
-          <a:stretch>
-            <a:fillRect/>
-          </a:stretch>
-        </p:blipFill>
-        <p:spPr>
-          <a:xfrm>
-            <a:off x="4648200" y="1600200"/>
-            <a:ext cx="4038600" cy="3028950"/>
-          </a:xfrm>
-        </p:spPr>
-      </p:pic>
+              <a:t>Can be developed outside of SharePoint</a:t>
+            </a:r>
+          </a:p>
+          <a:p>
+            <a:pPr lvl="1"/>
+            <a:r>
+              <a:rPr lang="en-US" dirty="0" smtClean="0"/>
+              <a:t>Doesn’t require SharePoint to be installed.</a:t>
+            </a:r>
+          </a:p>
+          <a:p>
+            <a:pPr lvl="1"/>
+            <a:r>
+              <a:rPr lang="en-US" dirty="0" smtClean="0"/>
+              <a:t>Makes testing easier</a:t>
+            </a:r>
+          </a:p>
+          <a:p>
+            <a:pPr lvl="1"/>
+            <a:r>
+              <a:rPr lang="en-US" dirty="0" smtClean="0"/>
+              <a:t>Easier deployment</a:t>
+            </a:r>
+          </a:p>
+          <a:p>
+            <a:pPr lvl="1"/>
+            <a:r>
+              <a:rPr lang="en-US" dirty="0" smtClean="0"/>
+              <a:t>Can be deployed outside of SharePoint</a:t>
+            </a:r>
+          </a:p>
+          <a:p>
+            <a:endParaRPr lang="en-US" dirty="0"/>
+          </a:p>
+        </p:txBody>
+      </p:sp>
     </p:spTree>
     <p:extLst>
       <p:ext uri="{BB962C8B-B14F-4D97-AF65-F5344CB8AC3E}">
-        <p14:creationId xmlns:p14="http://schemas.microsoft.com/office/powerpoint/2010/main" val="3713320083"/>
+        <p14:creationId xmlns:p14="http://schemas.microsoft.com/office/powerpoint/2010/main" val="3090429299"/>
       </p:ext>
     </p:extLst>
   </p:cSld>
@@ -3334,121 +9612,6 @@
           <a:p>
             <a:r>
               <a:rPr lang="en-US" dirty="0" smtClean="0"/>
-              <a:t>Silverlight + SharePoint == Goodness</a:t>
-            </a:r>
-            <a:endParaRPr lang="en-US" dirty="0"/>
-          </a:p>
-        </p:txBody>
-      </p:sp>
-      <p:sp>
-        <p:nvSpPr>
-          <p:cNvPr id="3" name="Content Placeholder 2"/>
-          <p:cNvSpPr>
-            <a:spLocks noGrp="1"/>
-          </p:cNvSpPr>
-          <p:nvPr>
-            <p:ph idx="1"/>
-          </p:nvPr>
-        </p:nvSpPr>
-        <p:spPr/>
-        <p:txBody>
-          <a:bodyPr/>
-          <a:lstStyle/>
-          <a:p>
-            <a:r>
-              <a:rPr lang="en-US" dirty="0" smtClean="0"/>
-              <a:t>Can be developed outside of SharePoint</a:t>
-            </a:r>
-          </a:p>
-          <a:p>
-            <a:pPr lvl="1"/>
-            <a:r>
-              <a:rPr lang="en-US" dirty="0" smtClean="0"/>
-              <a:t>Doesn’t require SharePoint to be installed.</a:t>
-            </a:r>
-          </a:p>
-          <a:p>
-            <a:pPr lvl="1"/>
-            <a:r>
-              <a:rPr lang="en-US" dirty="0" smtClean="0"/>
-              <a:t>Makes testing easier</a:t>
-            </a:r>
-          </a:p>
-          <a:p>
-            <a:pPr lvl="1"/>
-            <a:r>
-              <a:rPr lang="en-US" dirty="0" smtClean="0"/>
-              <a:t>Easier deployment</a:t>
-            </a:r>
-          </a:p>
-          <a:p>
-            <a:pPr lvl="1"/>
-            <a:r>
-              <a:rPr lang="en-US" dirty="0" smtClean="0"/>
-              <a:t>Can be deployed outside of SharePoint</a:t>
-            </a:r>
-          </a:p>
-          <a:p>
-            <a:endParaRPr lang="en-US" dirty="0"/>
-          </a:p>
-        </p:txBody>
-      </p:sp>
-    </p:spTree>
-    <p:extLst>
-      <p:ext uri="{BB962C8B-B14F-4D97-AF65-F5344CB8AC3E}">
-        <p14:creationId xmlns:p14="http://schemas.microsoft.com/office/powerpoint/2010/main" val="3090429299"/>
-      </p:ext>
-    </p:extLst>
-  </p:cSld>
-  <p:clrMapOvr>
-    <a:masterClrMapping/>
-  </p:clrMapOvr>
-  <p:timing>
-    <p:tnLst>
-      <p:par>
-        <p:cTn id="1" dur="indefinite" restart="never" nodeType="tmRoot"/>
-      </p:par>
-    </p:tnLst>
-  </p:timing>
-</p:sld>
-</file>
-
-<file path=ppt/slides/slide12.xml><?xml version="1.0" encoding="utf-8"?>
-<p:sld xmlns:a="http://schemas.openxmlformats.org/drawingml/2006/main" xmlns:r="http://schemas.openxmlformats.org/officeDocument/2006/relationships" xmlns:p="http://schemas.openxmlformats.org/presentationml/2006/main">
-  <p:cSld>
-    <p:spTree>
-      <p:nvGrpSpPr>
-        <p:cNvPr id="1" name=""/>
-        <p:cNvGrpSpPr/>
-        <p:nvPr/>
-      </p:nvGrpSpPr>
-      <p:grpSpPr>
-        <a:xfrm>
-          <a:off x="0" y="0"/>
-          <a:ext cx="0" cy="0"/>
-          <a:chOff x="0" y="0"/>
-          <a:chExt cx="0" cy="0"/>
-        </a:xfrm>
-      </p:grpSpPr>
-      <p:sp>
-        <p:nvSpPr>
-          <p:cNvPr id="2" name="Title 1"/>
-          <p:cNvSpPr>
-            <a:spLocks noGrp="1"/>
-          </p:cNvSpPr>
-          <p:nvPr>
-            <p:ph type="title"/>
-          </p:nvPr>
-        </p:nvSpPr>
-        <p:spPr/>
-        <p:txBody>
-          <a:bodyPr>
-            <a:normAutofit fontScale="90000"/>
-          </a:bodyPr>
-          <a:lstStyle/>
-          <a:p>
-            <a:r>
-              <a:rPr lang="en-US" dirty="0" smtClean="0"/>
               <a:t>Silverlight + SharePoint </a:t>
             </a:r>
             <a:r>
@@ -3535,7 +9698,7 @@
 </p:sld>
 </file>
 
-<file path=ppt/slides/slide13.xml><?xml version="1.0" encoding="utf-8"?>
+<file path=ppt/slides/slide12.xml><?xml version="1.0" encoding="utf-8"?>
 <p:sld xmlns:a="http://schemas.openxmlformats.org/drawingml/2006/main" xmlns:r="http://schemas.openxmlformats.org/officeDocument/2006/relationships" xmlns:p="http://schemas.openxmlformats.org/presentationml/2006/main">
   <p:cSld>
     <p:spTree>
@@ -3669,7 +9832,7 @@
 </p:sld>
 </file>
 
-<file path=ppt/slides/slide14.xml><?xml version="1.0" encoding="utf-8"?>
+<file path=ppt/slides/slide13.xml><?xml version="1.0" encoding="utf-8"?>
 <p:sld xmlns:a="http://schemas.openxmlformats.org/drawingml/2006/main" xmlns:r="http://schemas.openxmlformats.org/officeDocument/2006/relationships" xmlns:p="http://schemas.openxmlformats.org/presentationml/2006/main">
   <p:cSld>
     <p:spTree>
@@ -3748,7 +9911,7 @@
 </p:sld>
 </file>
 
-<file path=ppt/slides/slide15.xml><?xml version="1.0" encoding="utf-8"?>
+<file path=ppt/slides/slide14.xml><?xml version="1.0" encoding="utf-8"?>
 <p:sld xmlns:a="http://schemas.openxmlformats.org/drawingml/2006/main" xmlns:r="http://schemas.openxmlformats.org/officeDocument/2006/relationships" xmlns:p="http://schemas.openxmlformats.org/presentationml/2006/main">
   <p:cSld>
     <p:spTree>
@@ -3989,7 +10152,7 @@
 </p:sld>
 </file>
 
-<file path=ppt/slides/slide16.xml><?xml version="1.0" encoding="utf-8"?>
+<file path=ppt/slides/slide15.xml><?xml version="1.0" encoding="utf-8"?>
 <p:sld xmlns:a="http://schemas.openxmlformats.org/drawingml/2006/main" xmlns:r="http://schemas.openxmlformats.org/officeDocument/2006/relationships" xmlns:p="http://schemas.openxmlformats.org/presentationml/2006/main">
   <p:cSld>
     <p:spTree>
@@ -4104,7 +10267,7 @@
 </p:sld>
 </file>
 
-<file path=ppt/slides/slide17.xml><?xml version="1.0" encoding="utf-8"?>
+<file path=ppt/slides/slide16.xml><?xml version="1.0" encoding="utf-8"?>
 <p:sld xmlns:a="http://schemas.openxmlformats.org/drawingml/2006/main" xmlns:r="http://schemas.openxmlformats.org/officeDocument/2006/relationships" xmlns:p="http://schemas.openxmlformats.org/presentationml/2006/main">
   <p:cSld>
     <p:spTree>
@@ -4193,6 +10356,217 @@
 </p:sld>
 </file>
 
+<file path=ppt/slides/slide17.xml><?xml version="1.0" encoding="utf-8"?>
+<p:sld xmlns:a="http://schemas.openxmlformats.org/drawingml/2006/main" xmlns:r="http://schemas.openxmlformats.org/officeDocument/2006/relationships" xmlns:p="http://schemas.openxmlformats.org/presentationml/2006/main">
+  <p:cSld>
+    <p:spTree>
+      <p:nvGrpSpPr>
+        <p:cNvPr id="1" name=""/>
+        <p:cNvGrpSpPr/>
+        <p:nvPr/>
+      </p:nvGrpSpPr>
+      <p:grpSpPr>
+        <a:xfrm>
+          <a:off x="0" y="0"/>
+          <a:ext cx="0" cy="0"/>
+          <a:chOff x="0" y="0"/>
+          <a:chExt cx="0" cy="0"/>
+        </a:xfrm>
+      </p:grpSpPr>
+      <p:sp>
+        <p:nvSpPr>
+          <p:cNvPr id="2" name="Title 1"/>
+          <p:cNvSpPr>
+            <a:spLocks noGrp="1"/>
+          </p:cNvSpPr>
+          <p:nvPr>
+            <p:ph type="title"/>
+          </p:nvPr>
+        </p:nvSpPr>
+        <p:spPr/>
+        <p:txBody>
+          <a:bodyPr/>
+          <a:lstStyle/>
+          <a:p>
+            <a:r>
+              <a:rPr lang="en-US" dirty="0" smtClean="0"/>
+              <a:t>Links</a:t>
+            </a:r>
+            <a:endParaRPr lang="en-US" dirty="0"/>
+          </a:p>
+        </p:txBody>
+      </p:sp>
+      <p:sp>
+        <p:nvSpPr>
+          <p:cNvPr id="3" name="Content Placeholder 2"/>
+          <p:cNvSpPr>
+            <a:spLocks noGrp="1"/>
+          </p:cNvSpPr>
+          <p:nvPr>
+            <p:ph idx="1"/>
+          </p:nvPr>
+        </p:nvSpPr>
+        <p:spPr/>
+        <p:txBody>
+          <a:bodyPr>
+            <a:normAutofit fontScale="92500"/>
+          </a:bodyPr>
+          <a:lstStyle/>
+          <a:p>
+            <a:r>
+              <a:rPr lang="en-US" dirty="0" smtClean="0"/>
+              <a:t>SP 2010 Client Object </a:t>
+            </a:r>
+            <a:r>
+              <a:rPr lang="en-US" dirty="0"/>
+              <a:t>Model - </a:t>
+            </a:r>
+            <a:r>
+              <a:rPr lang="en-US" dirty="0" smtClean="0">
+                <a:hlinkClick r:id="rId2"/>
+              </a:rPr>
+              <a:t>bit.ly/L0S1Jl</a:t>
+            </a:r>
+            <a:endParaRPr lang="en-US" dirty="0" smtClean="0"/>
+          </a:p>
+          <a:p>
+            <a:r>
+              <a:rPr lang="en-US" dirty="0" smtClean="0"/>
+              <a:t>Silverlight 5 </a:t>
+            </a:r>
+            <a:r>
+              <a:rPr lang="en-US" dirty="0"/>
+              <a:t>Trusted Applications - </a:t>
+            </a:r>
+            <a:r>
+              <a:rPr lang="en-US" dirty="0" smtClean="0">
+                <a:hlinkClick r:id="rId3"/>
+              </a:rPr>
+              <a:t>bit.ly/JP9BoE</a:t>
+            </a:r>
+            <a:r>
+              <a:rPr lang="en-US" dirty="0" smtClean="0"/>
+              <a:t> </a:t>
+            </a:r>
+            <a:endParaRPr lang="en-US" dirty="0" smtClean="0">
+              <a:hlinkClick r:id="rId4"/>
+            </a:endParaRPr>
+          </a:p>
+          <a:p>
+            <a:r>
+              <a:rPr lang="en-US" dirty="0" smtClean="0"/>
+              <a:t>Great Silverlight Examples –</a:t>
+            </a:r>
+          </a:p>
+          <a:p>
+            <a:pPr lvl="1"/>
+            <a:r>
+              <a:rPr lang="en-US" dirty="0" smtClean="0">
+                <a:hlinkClick r:id="rId5"/>
+              </a:rPr>
+              <a:t>bit.ly/L0S4VF</a:t>
+            </a:r>
+            <a:r>
+              <a:rPr lang="en-US" dirty="0" smtClean="0"/>
+              <a:t> </a:t>
+            </a:r>
+          </a:p>
+          <a:p>
+            <a:pPr lvl="1"/>
+            <a:r>
+              <a:rPr lang="en-US" dirty="0" smtClean="0">
+                <a:hlinkClick r:id="rId6"/>
+              </a:rPr>
+              <a:t>bit.ly/</a:t>
+            </a:r>
+            <a:r>
+              <a:rPr lang="en-US" dirty="0" err="1" smtClean="0">
+                <a:hlinkClick r:id="rId6"/>
+              </a:rPr>
+              <a:t>JweBZp</a:t>
+            </a:r>
+            <a:r>
+              <a:rPr lang="en-US" dirty="0" smtClean="0"/>
+              <a:t> </a:t>
+            </a:r>
+          </a:p>
+          <a:p>
+            <a:pPr lvl="1"/>
+            <a:r>
+              <a:rPr lang="en-US" dirty="0" smtClean="0">
+                <a:hlinkClick r:id="rId7"/>
+              </a:rPr>
+              <a:t>bit.ly/</a:t>
+            </a:r>
+            <a:r>
+              <a:rPr lang="en-US" dirty="0" err="1" smtClean="0">
+                <a:hlinkClick r:id="rId7"/>
+              </a:rPr>
+              <a:t>KZuiYz</a:t>
+            </a:r>
+            <a:endParaRPr lang="en-US" dirty="0"/>
+          </a:p>
+          <a:p>
+            <a:r>
+              <a:rPr lang="en-US" dirty="0" err="1" smtClean="0"/>
+              <a:t>Sharepoint</a:t>
+            </a:r>
+            <a:r>
+              <a:rPr lang="en-US" dirty="0" smtClean="0"/>
+              <a:t> Online Development </a:t>
+            </a:r>
+            <a:r>
+              <a:rPr lang="en-US" dirty="0"/>
+              <a:t>- </a:t>
+            </a:r>
+            <a:r>
+              <a:rPr lang="en-US" dirty="0" smtClean="0">
+                <a:hlinkClick r:id="rId8"/>
+              </a:rPr>
+              <a:t>bit.ly/L5wjb9</a:t>
+            </a:r>
+            <a:r>
+              <a:rPr lang="en-US" dirty="0" smtClean="0"/>
+              <a:t> </a:t>
+            </a:r>
+            <a:endParaRPr lang="en-US" dirty="0"/>
+          </a:p>
+          <a:p>
+            <a:r>
+              <a:rPr lang="en-US" dirty="0" smtClean="0"/>
+              <a:t>Bundle of </a:t>
+            </a:r>
+            <a:r>
+              <a:rPr lang="en-US" dirty="0"/>
+              <a:t>all the links - </a:t>
+            </a:r>
+            <a:r>
+              <a:rPr lang="en-US" dirty="0" smtClean="0">
+                <a:hlinkClick r:id="rId9"/>
+              </a:rPr>
+              <a:t>bit.ly/JTrmP8</a:t>
+            </a:r>
+            <a:r>
+              <a:rPr lang="en-US" dirty="0" smtClean="0"/>
+              <a:t> </a:t>
+            </a:r>
+            <a:endParaRPr lang="en-US" dirty="0" smtClean="0"/>
+          </a:p>
+        </p:txBody>
+      </p:sp>
+    </p:spTree>
+    <p:extLst>
+      <p:ext uri="{BB962C8B-B14F-4D97-AF65-F5344CB8AC3E}">
+        <p14:creationId xmlns:p14="http://schemas.microsoft.com/office/powerpoint/2010/main" val="2877525218"/>
+      </p:ext>
+    </p:extLst>
+  </p:cSld>
+  <p:clrMapOvr>
+    <a:masterClrMapping/>
+  </p:clrMapOvr>
+</p:sld>
+</file>
+
 <file path=ppt/slides/slide18.xml><?xml version="1.0" encoding="utf-8"?>
 <p:sld xmlns:a="http://schemas.openxmlformats.org/drawingml/2006/main" xmlns:r="http://schemas.openxmlformats.org/officeDocument/2006/relationships" xmlns:p="http://schemas.openxmlformats.org/presentationml/2006/main">
   <p:cSld>
@@ -4227,7 +10601,7 @@
           <a:p>
             <a:r>
               <a:rPr lang="en-US" dirty="0" smtClean="0"/>
-              <a:t>Links</a:t>
+              <a:t>Recap</a:t>
             </a:r>
             <a:endParaRPr lang="en-US" dirty="0"/>
           </a:p>
@@ -4245,47 +10619,105 @@
         </p:nvSpPr>
         <p:spPr/>
         <p:txBody>
-          <a:bodyPr/>
+          <a:bodyPr>
+            <a:normAutofit/>
+          </a:bodyPr>
           <a:lstStyle/>
           <a:p>
-            <a:r>
-              <a:rPr lang="en-US" dirty="0" smtClean="0"/>
-              <a:t>MSDN</a:t>
-            </a:r>
-          </a:p>
-          <a:p>
+            <a:pPr marL="0" indent="0">
+              <a:buNone/>
+            </a:pPr>
+            <a:r>
+              <a:rPr lang="en-US" dirty="0" smtClean="0"/>
+              <a:t>email: </a:t>
+            </a:r>
             <a:r>
               <a:rPr lang="en-US" dirty="0" smtClean="0">
-                <a:hlinkClick r:id="rId2"/>
+                <a:ea typeface="Segoe UI" pitchFamily="34" charset="0"/>
+                <a:cs typeface="Segoe UI" pitchFamily="34" charset="0"/>
               </a:rPr>
-              <a:t>http://www.componentart.com/community/competition2009/contestants.aspx</a:t>
+              <a:t>jacobladams</a:t>
+            </a:r>
+            <a:r>
+              <a:rPr lang="en-US" dirty="0" smtClean="0"/>
+              <a:t>@gmail.com</a:t>
+            </a:r>
+          </a:p>
+          <a:p>
+            <a:pPr marL="0" indent="0">
+              <a:buNone/>
+            </a:pPr>
+            <a:r>
+              <a:rPr lang="en-US" dirty="0" smtClean="0"/>
+              <a:t>twitter: @</a:t>
+            </a:r>
+            <a:r>
+              <a:rPr lang="en-US" dirty="0" err="1" smtClean="0"/>
+              <a:t>jacobladams</a:t>
             </a:r>
             <a:endParaRPr lang="en-US" dirty="0" smtClean="0"/>
           </a:p>
           <a:p>
-            <a:r>
-              <a:rPr lang="en-US" dirty="0" smtClean="0">
-                <a:hlinkClick r:id="rId3"/>
-              </a:rPr>
-              <a:t>http://www.silverlight.net/showcase</a:t>
-            </a:r>
+            <a:pPr marL="0" indent="0">
+              <a:buNone/>
+            </a:pPr>
             <a:endParaRPr lang="en-US" dirty="0" smtClean="0"/>
           </a:p>
           <a:p>
-            <a:r>
-              <a:rPr lang="en-US" dirty="0" smtClean="0">
-                <a:hlinkClick r:id="rId4"/>
-              </a:rPr>
-              <a:t>http://www.noupe.com/showcases/50-interactive-silverlight-applications.html</a:t>
-            </a:r>
-            <a:endParaRPr lang="en-US" dirty="0"/>
+            <a:pPr marL="0" indent="0">
+              <a:buNone/>
+            </a:pPr>
+            <a:r>
+              <a:rPr lang="en-US" dirty="0" smtClean="0"/>
+              <a:t>github.com/</a:t>
+            </a:r>
+            <a:r>
+              <a:rPr lang="en-US" dirty="0" err="1" smtClean="0"/>
+              <a:t>jacobladams</a:t>
+            </a:r>
+            <a:r>
+              <a:rPr lang="en-US" dirty="0" smtClean="0"/>
+              <a:t>/presentations/tree/master/</a:t>
+            </a:r>
+            <a:r>
+              <a:rPr lang="en-US" dirty="0" err="1" smtClean="0"/>
+              <a:t>silverlight</a:t>
+            </a:r>
+            <a:r>
+              <a:rPr lang="en-US" dirty="0" smtClean="0"/>
+              <a:t>-and-</a:t>
+            </a:r>
+            <a:r>
+              <a:rPr lang="en-US" dirty="0" err="1" smtClean="0"/>
+              <a:t>sharepoint</a:t>
+            </a:r>
+            <a:r>
+              <a:rPr lang="en-US" dirty="0" smtClean="0"/>
+              <a:t> </a:t>
+            </a:r>
+          </a:p>
+          <a:p>
+            <a:pPr marL="0" indent="0">
+              <a:buNone/>
+            </a:pPr>
+            <a:endParaRPr lang="en-US" dirty="0" smtClean="0"/>
+          </a:p>
+          <a:p>
+            <a:pPr marL="0" indent="0">
+              <a:buNone/>
+            </a:pPr>
+            <a:r>
+              <a:rPr lang="en-US" dirty="0" smtClean="0"/>
+              <a:t>speakerrate.com/talks/11321-silverlight-and-sharepoint</a:t>
+            </a:r>
+            <a:endParaRPr lang="en-US" dirty="0" smtClean="0"/>
           </a:p>
         </p:txBody>
       </p:sp>
     </p:spTree>
     <p:extLst>
       <p:ext uri="{BB962C8B-B14F-4D97-AF65-F5344CB8AC3E}">
-        <p14:creationId xmlns:p14="http://schemas.microsoft.com/office/powerpoint/2010/main" val="2877525218"/>
+        <p14:creationId xmlns:p14="http://schemas.microsoft.com/office/powerpoint/2010/main" val="1760961930"/>
       </p:ext>
     </p:extLst>
   </p:cSld>
@@ -4314,7 +10746,7 @@
       </p:grpSpPr>
       <p:sp>
         <p:nvSpPr>
-          <p:cNvPr id="2" name="Title 1"/>
+          <p:cNvPr id="3" name="Title 2"/>
           <p:cNvSpPr>
             <a:spLocks noGrp="1"/>
           </p:cNvSpPr>
@@ -4329,7 +10761,7 @@
           <a:p>
             <a:r>
               <a:rPr lang="en-US" dirty="0" smtClean="0"/>
-              <a:t>Recap</a:t>
+              <a:t>Housekeeping</a:t>
             </a:r>
             <a:endParaRPr lang="en-US" dirty="0"/>
           </a:p>
@@ -4337,94 +10769,78 @@
       </p:sp>
       <p:sp>
         <p:nvSpPr>
-          <p:cNvPr id="3" name="Content Placeholder 2"/>
-          <p:cNvSpPr>
-            <a:spLocks noGrp="1"/>
-          </p:cNvSpPr>
-          <p:nvPr>
-            <p:ph idx="1"/>
-          </p:nvPr>
-        </p:nvSpPr>
-        <p:spPr/>
+          <p:cNvPr id="4" name="Text Placeholder 3"/>
+          <p:cNvSpPr>
+            <a:spLocks noGrp="1"/>
+          </p:cNvSpPr>
+          <p:nvPr>
+            <p:ph type="body" sz="quarter" idx="10"/>
+          </p:nvPr>
+        </p:nvSpPr>
+        <p:spPr>
+          <a:xfrm>
+            <a:off x="381000" y="1905000"/>
+            <a:ext cx="8363938" cy="1871282"/>
+          </a:xfrm>
+        </p:spPr>
         <p:txBody>
           <a:bodyPr/>
           <a:lstStyle/>
           <a:p>
-            <a:pPr marL="0" indent="0">
-              <a:buNone/>
-            </a:pPr>
-            <a:r>
-              <a:rPr lang="en-US" dirty="0" smtClean="0"/>
-              <a:t>email: </a:t>
-            </a:r>
-            <a:r>
-              <a:rPr lang="en-US" dirty="0" smtClean="0">
-                <a:ea typeface="Segoe UI" pitchFamily="34" charset="0"/>
-                <a:cs typeface="Segoe UI" pitchFamily="34" charset="0"/>
-              </a:rPr>
-              <a:t>jacobladams</a:t>
-            </a:r>
-            <a:r>
-              <a:rPr lang="en-US" dirty="0" smtClean="0"/>
-              <a:t>@gmail.com</a:t>
-            </a:r>
-          </a:p>
-          <a:p>
-            <a:pPr marL="0" indent="0">
-              <a:buNone/>
-            </a:pPr>
-            <a:r>
-              <a:rPr lang="en-US" dirty="0" smtClean="0"/>
-              <a:t>twitter: @</a:t>
+            <a:r>
+              <a:rPr lang="en-US" dirty="0" smtClean="0"/>
+              <a:t>Please remember to submit your session evaluation for each session you attend</a:t>
+            </a:r>
+          </a:p>
+          <a:p>
+            <a:r>
+              <a:rPr lang="en-US" dirty="0" smtClean="0"/>
+              <a:t>Follow SharePoint Saturday St. Louis on Twitter @</a:t>
             </a:r>
             <a:r>
               <a:rPr lang="en-US" dirty="0" err="1" smtClean="0"/>
-              <a:t>jacobladams</a:t>
-            </a:r>
-            <a:endParaRPr lang="en-US" dirty="0" smtClean="0"/>
-          </a:p>
-          <a:p>
-            <a:pPr marL="0" indent="0">
-              <a:buNone/>
-            </a:pPr>
-            <a:r>
-              <a:rPr lang="en-US" dirty="0" smtClean="0"/>
-              <a:t>github.com</a:t>
-            </a:r>
-            <a:endParaRPr lang="en-US" dirty="0" smtClean="0">
-              <a:latin typeface="Segoe UI Semibold" pitchFamily="34" charset="0"/>
-            </a:endParaRPr>
-          </a:p>
-          <a:p>
-            <a:pPr marL="0" indent="0">
-              <a:buNone/>
-            </a:pPr>
-            <a:r>
-              <a:rPr lang="en-US" dirty="0" smtClean="0"/>
-              <a:t>speakerrate.com</a:t>
-            </a:r>
-            <a:endParaRPr lang="en-US" dirty="0" smtClean="0">
-              <a:latin typeface="Segoe UI Semibold" pitchFamily="34" charset="0"/>
-            </a:endParaRPr>
-          </a:p>
-          <a:p>
-            <a:pPr marL="0" indent="0">
-              <a:buNone/>
-            </a:pPr>
-            <a:endParaRPr lang="en-US" dirty="0" smtClean="0"/>
+              <a:t>spsstl</a:t>
+            </a:r>
+            <a:r>
+              <a:rPr lang="en-US" dirty="0" smtClean="0"/>
+              <a:t> and </a:t>
+            </a:r>
+            <a:r>
+              <a:rPr lang="en-US" dirty="0" err="1" smtClean="0"/>
+              <a:t>hashtag</a:t>
+            </a:r>
+            <a:r>
+              <a:rPr lang="en-US" dirty="0" smtClean="0"/>
+              <a:t> #</a:t>
+            </a:r>
+            <a:r>
+              <a:rPr lang="en-US" dirty="0" err="1" smtClean="0"/>
+              <a:t>spsstl</a:t>
+            </a:r>
+            <a:endParaRPr lang="en-US" dirty="0"/>
           </a:p>
         </p:txBody>
       </p:sp>
     </p:spTree>
     <p:extLst>
       <p:ext uri="{BB962C8B-B14F-4D97-AF65-F5344CB8AC3E}">
-        <p14:creationId xmlns:p14="http://schemas.microsoft.com/office/powerpoint/2010/main" val="1760961930"/>
+        <p14:creationId xmlns:p14="http://schemas.microsoft.com/office/powerpoint/2010/main" val="1620460054"/>
       </p:ext>
     </p:extLst>
   </p:cSld>
   <p:clrMapOvr>
     <a:masterClrMapping/>
   </p:clrMapOvr>
+  <p:transition spd="slow">
+    <p:push/>
+  </p:transition>
+  <p:timing>
+    <p:tnLst>
+      <p:par>
+        <p:cTn id="1" dur="indefinite" restart="never" nodeType="tmRoot"/>
+      </p:par>
+    </p:tnLst>
+  </p:timing>
 </p:sld>
 </file>
 
@@ -4530,6 +10946,728 @@
 </p:sld>
 </file>
 
+<file path=ppt/slides/slide20.xml><?xml version="1.0" encoding="utf-8"?>
+<p:sld xmlns:a="http://schemas.openxmlformats.org/drawingml/2006/main" xmlns:r="http://schemas.openxmlformats.org/officeDocument/2006/relationships" xmlns:p="http://schemas.openxmlformats.org/presentationml/2006/main">
+  <p:cSld>
+    <p:spTree>
+      <p:nvGrpSpPr>
+        <p:cNvPr id="1" name=""/>
+        <p:cNvGrpSpPr/>
+        <p:nvPr/>
+      </p:nvGrpSpPr>
+      <p:grpSpPr>
+        <a:xfrm>
+          <a:off x="0" y="0"/>
+          <a:ext cx="0" cy="0"/>
+          <a:chOff x="0" y="0"/>
+          <a:chExt cx="0" cy="0"/>
+        </a:xfrm>
+      </p:grpSpPr>
+      <p:sp>
+        <p:nvSpPr>
+          <p:cNvPr id="2" name="Title 1"/>
+          <p:cNvSpPr>
+            <a:spLocks noGrp="1"/>
+          </p:cNvSpPr>
+          <p:nvPr>
+            <p:ph type="title"/>
+          </p:nvPr>
+        </p:nvSpPr>
+        <p:spPr/>
+        <p:txBody>
+          <a:bodyPr/>
+          <a:lstStyle/>
+          <a:p>
+            <a:r>
+              <a:rPr lang="en-US" dirty="0">
+                <a:solidFill>
+                  <a:srgbClr val="C00000"/>
+                </a:solidFill>
+              </a:rPr>
+              <a:t>Thanks to Our Sponsors!</a:t>
+            </a:r>
+          </a:p>
+        </p:txBody>
+      </p:sp>
+      <p:grpSp>
+        <p:nvGrpSpPr>
+          <p:cNvPr id="8" name="Group 7"/>
+          <p:cNvGrpSpPr/>
+          <p:nvPr/>
+        </p:nvGrpSpPr>
+        <p:grpSpPr>
+          <a:xfrm>
+            <a:off x="533400" y="2043223"/>
+            <a:ext cx="8077200" cy="3153617"/>
+            <a:chOff x="533400" y="2043223"/>
+            <a:chExt cx="8077200" cy="3153617"/>
+          </a:xfrm>
+        </p:grpSpPr>
+        <p:sp>
+          <p:nvSpPr>
+            <p:cNvPr id="3" name="Rectangle 2"/>
+            <p:cNvSpPr/>
+            <p:nvPr>
+              <p:custDataLst>
+                <p:tags r:id="rId1"/>
+              </p:custDataLst>
+            </p:nvPr>
+          </p:nvSpPr>
+          <p:spPr bwMode="auto">
+            <a:xfrm>
+              <a:off x="533400" y="2057400"/>
+              <a:ext cx="3139440" cy="3139440"/>
+            </a:xfrm>
+            <a:prstGeom prst="rect">
+              <a:avLst/>
+            </a:prstGeom>
+            <a:solidFill>
+              <a:srgbClr val="FFC000"/>
+            </a:solidFill>
+            <a:ln>
+              <a:noFill/>
+              <a:headEnd type="none" w="med" len="med"/>
+              <a:tailEnd type="none" w="med" len="med"/>
+            </a:ln>
+          </p:spPr>
+          <p:style>
+            <a:lnRef idx="2">
+              <a:schemeClr val="accent3">
+                <a:shade val="50000"/>
+              </a:schemeClr>
+            </a:lnRef>
+            <a:fillRef idx="1">
+              <a:schemeClr val="accent3"/>
+            </a:fillRef>
+            <a:effectRef idx="0">
+              <a:schemeClr val="accent3"/>
+            </a:effectRef>
+            <a:fontRef idx="minor">
+              <a:schemeClr val="lt1"/>
+            </a:fontRef>
+          </p:style>
+          <p:txBody>
+            <a:bodyPr vert="horz" wrap="square" lIns="140970" tIns="93980" rIns="140970" bIns="93980" numCol="1" rtlCol="0" anchor="b" anchorCtr="0" compatLnSpc="1">
+              <a:prstTxWarp prst="textNoShape">
+                <a:avLst/>
+              </a:prstTxWarp>
+            </a:bodyPr>
+            <a:lstStyle/>
+            <a:p>
+              <a:pPr defTabSz="914099" fontAlgn="base">
+                <a:spcBef>
+                  <a:spcPct val="0"/>
+                </a:spcBef>
+                <a:spcAft>
+                  <a:spcPct val="0"/>
+                </a:spcAft>
+              </a:pPr>
+              <a:r>
+                <a:rPr lang="en-US" sz="3000" spc="-150" dirty="0" smtClean="0">
+                  <a:gradFill flip="none" rotWithShape="1">
+                    <a:gsLst>
+                      <a:gs pos="0">
+                        <a:srgbClr val="FFFFFF"/>
+                      </a:gs>
+                      <a:gs pos="100000">
+                        <a:srgbClr val="FFFFFF"/>
+                      </a:gs>
+                    </a:gsLst>
+                    <a:lin ang="5400000" scaled="0"/>
+                    <a:tileRect/>
+                  </a:gradFill>
+                  <a:latin typeface="Segoe UI" pitchFamily="34" charset="0"/>
+                  <a:ea typeface="Segoe UI" pitchFamily="34" charset="0"/>
+                  <a:cs typeface="Segoe UI" pitchFamily="34" charset="0"/>
+                </a:rPr>
+                <a:t>Gold</a:t>
+              </a:r>
+            </a:p>
+          </p:txBody>
+        </p:sp>
+        <p:pic>
+          <p:nvPicPr>
+            <p:cNvPr id="17" name="Picture 16"/>
+            <p:cNvPicPr>
+              <a:picLocks noChangeAspect="1"/>
+            </p:cNvPicPr>
+            <p:nvPr/>
+          </p:nvPicPr>
+          <p:blipFill>
+            <a:blip r:embed="rId6">
+              <a:extLst>
+                <a:ext uri="{28A0092B-C50C-407E-A947-70E740481C1C}">
+                  <a14:useLocalDpi xmlns:a14="http://schemas.microsoft.com/office/drawing/2010/main" val="0"/>
+                </a:ext>
+              </a:extLst>
+            </a:blip>
+            <a:stretch>
+              <a:fillRect/>
+            </a:stretch>
+          </p:blipFill>
+          <p:spPr>
+            <a:xfrm>
+              <a:off x="633410" y="2231951"/>
+              <a:ext cx="1373792" cy="515172"/>
+            </a:xfrm>
+            <a:prstGeom prst="rect">
+              <a:avLst/>
+            </a:prstGeom>
+          </p:spPr>
+        </p:pic>
+        <p:pic>
+          <p:nvPicPr>
+            <p:cNvPr id="18" name="Picture 17"/>
+            <p:cNvPicPr>
+              <a:picLocks noChangeAspect="1"/>
+            </p:cNvPicPr>
+            <p:nvPr/>
+          </p:nvPicPr>
+          <p:blipFill>
+            <a:blip r:embed="rId7">
+              <a:extLst>
+                <a:ext uri="{28A0092B-C50C-407E-A947-70E740481C1C}">
+                  <a14:useLocalDpi xmlns:a14="http://schemas.microsoft.com/office/drawing/2010/main" val="0"/>
+                </a:ext>
+              </a:extLst>
+            </a:blip>
+            <a:stretch>
+              <a:fillRect/>
+            </a:stretch>
+          </p:blipFill>
+          <p:spPr>
+            <a:xfrm>
+              <a:off x="665710" y="3329481"/>
+              <a:ext cx="1341491" cy="556719"/>
+            </a:xfrm>
+            <a:prstGeom prst="rect">
+              <a:avLst/>
+            </a:prstGeom>
+          </p:spPr>
+        </p:pic>
+        <p:pic>
+          <p:nvPicPr>
+            <p:cNvPr id="21" name="Picture 20"/>
+            <p:cNvPicPr>
+              <a:picLocks noChangeAspect="1"/>
+            </p:cNvPicPr>
+            <p:nvPr/>
+          </p:nvPicPr>
+          <p:blipFill>
+            <a:blip r:embed="rId8">
+              <a:extLst>
+                <a:ext uri="{28A0092B-C50C-407E-A947-70E740481C1C}">
+                  <a14:useLocalDpi xmlns:a14="http://schemas.microsoft.com/office/drawing/2010/main" val="0"/>
+                </a:ext>
+              </a:extLst>
+            </a:blip>
+            <a:stretch>
+              <a:fillRect/>
+            </a:stretch>
+          </p:blipFill>
+          <p:spPr>
+            <a:xfrm>
+              <a:off x="2133599" y="3329481"/>
+              <a:ext cx="1373791" cy="467088"/>
+            </a:xfrm>
+            <a:prstGeom prst="rect">
+              <a:avLst/>
+            </a:prstGeom>
+          </p:spPr>
+        </p:pic>
+        <p:pic>
+          <p:nvPicPr>
+            <p:cNvPr id="22" name="Picture 21"/>
+            <p:cNvPicPr>
+              <a:picLocks noChangeAspect="1"/>
+            </p:cNvPicPr>
+            <p:nvPr/>
+          </p:nvPicPr>
+          <p:blipFill>
+            <a:blip r:embed="rId9">
+              <a:extLst>
+                <a:ext uri="{28A0092B-C50C-407E-A947-70E740481C1C}">
+                  <a14:useLocalDpi xmlns:a14="http://schemas.microsoft.com/office/drawing/2010/main" val="0"/>
+                </a:ext>
+              </a:extLst>
+            </a:blip>
+            <a:stretch>
+              <a:fillRect/>
+            </a:stretch>
+          </p:blipFill>
+          <p:spPr>
+            <a:xfrm>
+              <a:off x="669530" y="2901378"/>
+              <a:ext cx="1337672" cy="300976"/>
+            </a:xfrm>
+            <a:prstGeom prst="rect">
+              <a:avLst/>
+            </a:prstGeom>
+          </p:spPr>
+        </p:pic>
+        <p:pic>
+          <p:nvPicPr>
+            <p:cNvPr id="23" name="Picture 22"/>
+            <p:cNvPicPr>
+              <a:picLocks noChangeAspect="1" noChangeArrowheads="1"/>
+            </p:cNvPicPr>
+            <p:nvPr/>
+          </p:nvPicPr>
+          <p:blipFill>
+            <a:blip r:embed="rId10">
+              <a:extLst>
+                <a:ext uri="{28A0092B-C50C-407E-A947-70E740481C1C}">
+                  <a14:useLocalDpi xmlns:a14="http://schemas.microsoft.com/office/drawing/2010/main" val="0"/>
+                </a:ext>
+              </a:extLst>
+            </a:blip>
+            <a:srcRect/>
+            <a:stretch>
+              <a:fillRect/>
+            </a:stretch>
+          </p:blipFill>
+          <p:spPr bwMode="auto">
+            <a:xfrm>
+              <a:off x="2142838" y="2901378"/>
+              <a:ext cx="1378467" cy="318691"/>
+            </a:xfrm>
+            <a:prstGeom prst="rect">
+              <a:avLst/>
+            </a:prstGeom>
+            <a:noFill/>
+            <a:extLst>
+              <a:ext uri="{909E8E84-426E-40DD-AFC4-6F175D3DCCD1}">
+                <a14:hiddenFill xmlns:a14="http://schemas.microsoft.com/office/drawing/2010/main">
+                  <a:solidFill>
+                    <a:srgbClr val="FFFFFF"/>
+                  </a:solidFill>
+                </a14:hiddenFill>
+              </a:ext>
+            </a:extLst>
+          </p:spPr>
+        </p:pic>
+        <p:sp>
+          <p:nvSpPr>
+            <p:cNvPr id="13" name="Rectangle 12"/>
+            <p:cNvSpPr/>
+            <p:nvPr>
+              <p:custDataLst>
+                <p:tags r:id="rId2"/>
+              </p:custDataLst>
+            </p:nvPr>
+          </p:nvSpPr>
+          <p:spPr bwMode="auto">
+            <a:xfrm>
+              <a:off x="3810000" y="2048539"/>
+              <a:ext cx="3139440" cy="3139440"/>
+            </a:xfrm>
+            <a:prstGeom prst="rect">
+              <a:avLst/>
+            </a:prstGeom>
+            <a:solidFill>
+              <a:srgbClr val="7F7F7F"/>
+            </a:solidFill>
+            <a:ln>
+              <a:noFill/>
+              <a:headEnd type="none" w="med" len="med"/>
+              <a:tailEnd type="none" w="med" len="med"/>
+            </a:ln>
+          </p:spPr>
+          <p:style>
+            <a:lnRef idx="2">
+              <a:schemeClr val="accent3">
+                <a:shade val="50000"/>
+              </a:schemeClr>
+            </a:lnRef>
+            <a:fillRef idx="1">
+              <a:schemeClr val="accent3"/>
+            </a:fillRef>
+            <a:effectRef idx="0">
+              <a:schemeClr val="accent3"/>
+            </a:effectRef>
+            <a:fontRef idx="minor">
+              <a:schemeClr val="lt1"/>
+            </a:fontRef>
+          </p:style>
+          <p:txBody>
+            <a:bodyPr vert="horz" wrap="square" lIns="140970" tIns="93980" rIns="140970" bIns="93980" numCol="1" rtlCol="0" anchor="b" anchorCtr="0" compatLnSpc="1">
+              <a:prstTxWarp prst="textNoShape">
+                <a:avLst/>
+              </a:prstTxWarp>
+            </a:bodyPr>
+            <a:lstStyle/>
+            <a:p>
+              <a:pPr defTabSz="914099" fontAlgn="base">
+                <a:spcBef>
+                  <a:spcPct val="0"/>
+                </a:spcBef>
+                <a:spcAft>
+                  <a:spcPct val="0"/>
+                </a:spcAft>
+              </a:pPr>
+              <a:r>
+                <a:rPr lang="en-US" sz="3000" spc="-150" dirty="0" smtClean="0">
+                  <a:gradFill flip="none" rotWithShape="1">
+                    <a:gsLst>
+                      <a:gs pos="0">
+                        <a:srgbClr val="FFFFFF"/>
+                      </a:gs>
+                      <a:gs pos="100000">
+                        <a:srgbClr val="FFFFFF"/>
+                      </a:gs>
+                    </a:gsLst>
+                    <a:lin ang="5400000" scaled="0"/>
+                    <a:tileRect/>
+                  </a:gradFill>
+                  <a:latin typeface="Segoe UI" pitchFamily="34" charset="0"/>
+                  <a:ea typeface="Segoe UI" pitchFamily="34" charset="0"/>
+                  <a:cs typeface="Segoe UI" pitchFamily="34" charset="0"/>
+                </a:rPr>
+                <a:t>Silver</a:t>
+              </a:r>
+            </a:p>
+          </p:txBody>
+        </p:sp>
+        <p:pic>
+          <p:nvPicPr>
+            <p:cNvPr id="24" name="Picture 23"/>
+            <p:cNvPicPr>
+              <a:picLocks noChangeAspect="1"/>
+            </p:cNvPicPr>
+            <p:nvPr/>
+          </p:nvPicPr>
+          <p:blipFill>
+            <a:blip r:embed="rId11">
+              <a:extLst>
+                <a:ext uri="{28A0092B-C50C-407E-A947-70E740481C1C}">
+                  <a14:useLocalDpi xmlns:a14="http://schemas.microsoft.com/office/drawing/2010/main" val="0"/>
+                </a:ext>
+              </a:extLst>
+            </a:blip>
+            <a:stretch>
+              <a:fillRect/>
+            </a:stretch>
+          </p:blipFill>
+          <p:spPr>
+            <a:xfrm>
+              <a:off x="5486400" y="3069429"/>
+              <a:ext cx="1319950" cy="425317"/>
+            </a:xfrm>
+            <a:prstGeom prst="rect">
+              <a:avLst/>
+            </a:prstGeom>
+          </p:spPr>
+        </p:pic>
+        <p:pic>
+          <p:nvPicPr>
+            <p:cNvPr id="26" name="Picture 25"/>
+            <p:cNvPicPr>
+              <a:picLocks noChangeAspect="1"/>
+            </p:cNvPicPr>
+            <p:nvPr/>
+          </p:nvPicPr>
+          <p:blipFill>
+            <a:blip r:embed="rId12">
+              <a:extLst>
+                <a:ext uri="{28A0092B-C50C-407E-A947-70E740481C1C}">
+                  <a14:useLocalDpi xmlns:a14="http://schemas.microsoft.com/office/drawing/2010/main" val="0"/>
+                </a:ext>
+              </a:extLst>
+            </a:blip>
+            <a:stretch>
+              <a:fillRect/>
+            </a:stretch>
+          </p:blipFill>
+          <p:spPr>
+            <a:xfrm>
+              <a:off x="5486400" y="2231951"/>
+              <a:ext cx="1337672" cy="682213"/>
+            </a:xfrm>
+            <a:prstGeom prst="rect">
+              <a:avLst/>
+            </a:prstGeom>
+          </p:spPr>
+        </p:pic>
+        <p:pic>
+          <p:nvPicPr>
+            <p:cNvPr id="27" name="Picture 2" descr="Microsoft logo and tagline"/>
+            <p:cNvPicPr>
+              <a:picLocks noChangeAspect="1" noChangeArrowheads="1"/>
+            </p:cNvPicPr>
+            <p:nvPr/>
+          </p:nvPicPr>
+          <p:blipFill rotWithShape="1">
+            <a:blip r:embed="rId13" cstate="screen">
+              <a:extLst>
+                <a:ext uri="{28A0092B-C50C-407E-A947-70E740481C1C}">
+                  <a14:useLocalDpi xmlns:a14="http://schemas.microsoft.com/office/drawing/2010/main"/>
+                </a:ext>
+              </a:extLst>
+            </a:blip>
+            <a:stretch/>
+          </p:blipFill>
+          <p:spPr bwMode="black">
+            <a:xfrm>
+              <a:off x="4700685" y="3657600"/>
+              <a:ext cx="1358070" cy="230031"/>
+            </a:xfrm>
+            <a:prstGeom prst="rect">
+              <a:avLst/>
+            </a:prstGeom>
+            <a:noFill/>
+            <a:ln>
+              <a:noFill/>
+            </a:ln>
+          </p:spPr>
+        </p:pic>
+        <p:grpSp>
+          <p:nvGrpSpPr>
+            <p:cNvPr id="31" name="Group 30"/>
+            <p:cNvGrpSpPr/>
+            <p:nvPr/>
+          </p:nvGrpSpPr>
+          <p:grpSpPr>
+            <a:xfrm>
+              <a:off x="7086600" y="2043223"/>
+              <a:ext cx="1524000" cy="3139440"/>
+              <a:chOff x="7086600" y="2043223"/>
+              <a:chExt cx="1524000" cy="3139440"/>
+            </a:xfrm>
+            <a:solidFill>
+              <a:srgbClr val="C00000"/>
+            </a:solidFill>
+          </p:grpSpPr>
+          <p:sp>
+            <p:nvSpPr>
+              <p:cNvPr id="14" name="Rectangle 13"/>
+              <p:cNvSpPr/>
+              <p:nvPr>
+                <p:custDataLst>
+                  <p:tags r:id="rId3"/>
+                </p:custDataLst>
+              </p:nvPr>
+            </p:nvSpPr>
+            <p:spPr bwMode="auto">
+              <a:xfrm>
+                <a:off x="7086600" y="2043223"/>
+                <a:ext cx="1524000" cy="3139440"/>
+              </a:xfrm>
+              <a:prstGeom prst="rect">
+                <a:avLst/>
+              </a:prstGeom>
+              <a:grpFill/>
+              <a:ln>
+                <a:noFill/>
+                <a:headEnd type="none" w="med" len="med"/>
+                <a:tailEnd type="none" w="med" len="med"/>
+              </a:ln>
+            </p:spPr>
+            <p:style>
+              <a:lnRef idx="2">
+                <a:schemeClr val="accent3">
+                  <a:shade val="50000"/>
+                </a:schemeClr>
+              </a:lnRef>
+              <a:fillRef idx="1">
+                <a:schemeClr val="accent3"/>
+              </a:fillRef>
+              <a:effectRef idx="0">
+                <a:schemeClr val="accent3"/>
+              </a:effectRef>
+              <a:fontRef idx="minor">
+                <a:schemeClr val="lt1"/>
+              </a:fontRef>
+            </p:style>
+            <p:txBody>
+              <a:bodyPr vert="horz" wrap="square" lIns="140970" tIns="93980" rIns="140970" bIns="93980" numCol="1" rtlCol="0" anchor="b" anchorCtr="0" compatLnSpc="1">
+                <a:prstTxWarp prst="textNoShape">
+                  <a:avLst/>
+                </a:prstTxWarp>
+              </a:bodyPr>
+              <a:lstStyle/>
+              <a:p>
+                <a:pPr defTabSz="914099" fontAlgn="base">
+                  <a:spcBef>
+                    <a:spcPct val="0"/>
+                  </a:spcBef>
+                  <a:spcAft>
+                    <a:spcPct val="0"/>
+                  </a:spcAft>
+                </a:pPr>
+                <a:r>
+                  <a:rPr lang="en-US" sz="3000" spc="-150" dirty="0" smtClean="0">
+                    <a:gradFill flip="none" rotWithShape="1">
+                      <a:gsLst>
+                        <a:gs pos="0">
+                          <a:srgbClr val="FFFFFF"/>
+                        </a:gs>
+                        <a:gs pos="100000">
+                          <a:srgbClr val="FFFFFF"/>
+                        </a:gs>
+                      </a:gsLst>
+                      <a:lin ang="5400000" scaled="0"/>
+                      <a:tileRect/>
+                    </a:gradFill>
+                    <a:latin typeface="Segoe UI" pitchFamily="34" charset="0"/>
+                    <a:ea typeface="Segoe UI" pitchFamily="34" charset="0"/>
+                    <a:cs typeface="Segoe UI" pitchFamily="34" charset="0"/>
+                  </a:rPr>
+                  <a:t>Raffle</a:t>
+                </a:r>
+              </a:p>
+            </p:txBody>
+          </p:sp>
+          <p:pic>
+            <p:nvPicPr>
+              <p:cNvPr id="28" name="Picture 27"/>
+              <p:cNvPicPr>
+                <a:picLocks noChangeAspect="1"/>
+              </p:cNvPicPr>
+              <p:nvPr/>
+            </p:nvPicPr>
+            <p:blipFill>
+              <a:blip r:embed="rId14">
+                <a:extLst>
+                  <a:ext uri="{28A0092B-C50C-407E-A947-70E740481C1C}">
+                    <a14:useLocalDpi xmlns:a14="http://schemas.microsoft.com/office/drawing/2010/main" val="0"/>
+                  </a:ext>
+                </a:extLst>
+              </a:blip>
+              <a:stretch>
+                <a:fillRect/>
+              </a:stretch>
+            </p:blipFill>
+            <p:spPr>
+              <a:xfrm>
+                <a:off x="7404312" y="2357231"/>
+                <a:ext cx="888575" cy="888575"/>
+              </a:xfrm>
+              <a:prstGeom prst="rect">
+                <a:avLst/>
+              </a:prstGeom>
+              <a:grpFill/>
+            </p:spPr>
+          </p:pic>
+        </p:grpSp>
+        <p:pic>
+          <p:nvPicPr>
+            <p:cNvPr id="5" name="Picture 4"/>
+            <p:cNvPicPr>
+              <a:picLocks noChangeAspect="1"/>
+            </p:cNvPicPr>
+            <p:nvPr/>
+          </p:nvPicPr>
+          <p:blipFill>
+            <a:blip r:embed="rId15">
+              <a:extLst>
+                <a:ext uri="{28A0092B-C50C-407E-A947-70E740481C1C}">
+                  <a14:useLocalDpi xmlns:a14="http://schemas.microsoft.com/office/drawing/2010/main" val="0"/>
+                </a:ext>
+              </a:extLst>
+            </a:blip>
+            <a:stretch>
+              <a:fillRect/>
+            </a:stretch>
+          </p:blipFill>
+          <p:spPr>
+            <a:xfrm>
+              <a:off x="4011923" y="2405983"/>
+              <a:ext cx="1319950" cy="508181"/>
+            </a:xfrm>
+            <a:prstGeom prst="rect">
+              <a:avLst/>
+            </a:prstGeom>
+          </p:spPr>
+        </p:pic>
+        <p:pic>
+          <p:nvPicPr>
+            <p:cNvPr id="6" name="Picture 5"/>
+            <p:cNvPicPr>
+              <a:picLocks noChangeAspect="1"/>
+            </p:cNvPicPr>
+            <p:nvPr/>
+          </p:nvPicPr>
+          <p:blipFill>
+            <a:blip r:embed="rId16">
+              <a:extLst>
+                <a:ext uri="{28A0092B-C50C-407E-A947-70E740481C1C}">
+                  <a14:useLocalDpi xmlns:a14="http://schemas.microsoft.com/office/drawing/2010/main" val="0"/>
+                </a:ext>
+              </a:extLst>
+            </a:blip>
+            <a:stretch>
+              <a:fillRect/>
+            </a:stretch>
+          </p:blipFill>
+          <p:spPr>
+            <a:xfrm>
+              <a:off x="3997746" y="3069429"/>
+              <a:ext cx="1334127" cy="374879"/>
+            </a:xfrm>
+            <a:prstGeom prst="rect">
+              <a:avLst/>
+            </a:prstGeom>
+          </p:spPr>
+        </p:pic>
+        <p:pic>
+          <p:nvPicPr>
+            <p:cNvPr id="7" name="Picture 6"/>
+            <p:cNvPicPr>
+              <a:picLocks noChangeAspect="1"/>
+            </p:cNvPicPr>
+            <p:nvPr/>
+          </p:nvPicPr>
+          <p:blipFill>
+            <a:blip r:embed="rId17">
+              <a:extLst>
+                <a:ext uri="{28A0092B-C50C-407E-A947-70E740481C1C}">
+                  <a14:useLocalDpi xmlns:a14="http://schemas.microsoft.com/office/drawing/2010/main" val="0"/>
+                </a:ext>
+              </a:extLst>
+            </a:blip>
+            <a:stretch>
+              <a:fillRect/>
+            </a:stretch>
+          </p:blipFill>
+          <p:spPr>
+            <a:xfrm>
+              <a:off x="2133600" y="2341230"/>
+              <a:ext cx="1373791" cy="405893"/>
+            </a:xfrm>
+            <a:prstGeom prst="rect">
+              <a:avLst/>
+            </a:prstGeom>
+          </p:spPr>
+        </p:pic>
+      </p:grpSp>
+    </p:spTree>
+    <p:extLst>
+      <p:ext uri="{BB962C8B-B14F-4D97-AF65-F5344CB8AC3E}">
+        <p14:creationId xmlns:p14="http://schemas.microsoft.com/office/powerpoint/2010/main" val="4050008521"/>
+      </p:ext>
+    </p:extLst>
+  </p:cSld>
+  <p:clrMapOvr>
+    <a:masterClrMapping/>
+  </p:clrMapOvr>
+  <mc:AlternateContent xmlns:mc="http://schemas.openxmlformats.org/markup-compatibility/2006">
+    <mc:Choice xmlns:p14="http://schemas.microsoft.com/office/powerpoint/2010/main" Requires="p14">
+      <p:transition spd="slow" p14:dur="2000"/>
+    </mc:Choice>
+    <mc:Fallback>
+      <p:transition spd="slow"/>
+    </mc:Fallback>
+  </mc:AlternateContent>
+  <p:timing>
+    <p:tnLst>
+      <p:par>
+        <p:cTn id="1" dur="indefinite" restart="never" nodeType="tmRoot"/>
+      </p:par>
+    </p:tnLst>
+  </p:timing>
+</p:sld>
+</file>
+
 <file path=ppt/slides/slide3.xml><?xml version="1.0" encoding="utf-8"?>
 <p:sld xmlns:a="http://schemas.openxmlformats.org/drawingml/2006/main" xmlns:r="http://schemas.openxmlformats.org/officeDocument/2006/relationships" xmlns:p="http://schemas.openxmlformats.org/presentationml/2006/main">
   <p:cSld>
@@ -4564,7 +11702,7 @@
           <a:p>
             <a:r>
               <a:rPr lang="en-US" dirty="0" smtClean="0"/>
-              <a:t>Sponsors</a:t>
+              <a:t>About Me</a:t>
             </a:r>
             <a:endParaRPr lang="en-US" dirty="0"/>
           </a:p>
@@ -4582,9 +11720,141 @@
         </p:nvSpPr>
         <p:spPr/>
         <p:txBody>
-          <a:bodyPr/>
+          <a:bodyPr>
+            <a:normAutofit lnSpcReduction="10000"/>
+          </a:bodyPr>
           <a:lstStyle/>
           <a:p>
+            <a:pPr marL="0" indent="0">
+              <a:buNone/>
+            </a:pPr>
+            <a:r>
+              <a:rPr lang="en-US" dirty="0" smtClean="0">
+                <a:latin typeface="Segoe UI Semibold" pitchFamily="34" charset="0"/>
+              </a:rPr>
+              <a:t>Jake Adams</a:t>
+            </a:r>
+          </a:p>
+          <a:p>
+            <a:pPr marL="0" indent="0">
+              <a:buNone/>
+            </a:pPr>
+            <a:r>
+              <a:rPr lang="en-US" dirty="0" smtClean="0"/>
+              <a:t>Thompson Coburn LLP</a:t>
+            </a:r>
+          </a:p>
+          <a:p>
+            <a:pPr marL="0" indent="0">
+              <a:buNone/>
+            </a:pPr>
+            <a:endParaRPr lang="en-US" dirty="0"/>
+          </a:p>
+          <a:p>
+            <a:pPr marL="0" indent="0">
+              <a:buNone/>
+            </a:pPr>
+            <a:r>
+              <a:rPr lang="en-US" dirty="0" smtClean="0"/>
+              <a:t>email: </a:t>
+            </a:r>
+            <a:r>
+              <a:rPr lang="en-US" dirty="0" smtClean="0">
+                <a:latin typeface="Segoe UI Semibold" pitchFamily="34" charset="0"/>
+                <a:ea typeface="Segoe UI" pitchFamily="34" charset="0"/>
+                <a:cs typeface="Segoe UI" pitchFamily="34" charset="0"/>
+              </a:rPr>
+              <a:t>jacobladams</a:t>
+            </a:r>
+            <a:r>
+              <a:rPr lang="en-US" dirty="0" smtClean="0"/>
+              <a:t>@gmail.com</a:t>
+            </a:r>
+          </a:p>
+          <a:p>
+            <a:pPr marL="0" indent="0">
+              <a:buNone/>
+            </a:pPr>
+            <a:r>
+              <a:rPr lang="en-US" dirty="0"/>
+              <a:t>t</a:t>
+            </a:r>
+            <a:r>
+              <a:rPr lang="en-US" dirty="0" smtClean="0"/>
+              <a:t>witter: @</a:t>
+            </a:r>
+            <a:r>
+              <a:rPr lang="en-US" dirty="0" err="1" smtClean="0">
+                <a:latin typeface="Segoe UI Semibold" pitchFamily="34" charset="0"/>
+              </a:rPr>
+              <a:t>jacobladams</a:t>
+            </a:r>
+            <a:endParaRPr lang="en-US" dirty="0" smtClean="0">
+              <a:latin typeface="Segoe UI Semibold" pitchFamily="34" charset="0"/>
+            </a:endParaRPr>
+          </a:p>
+          <a:p>
+            <a:pPr marL="0" indent="0">
+              <a:buNone/>
+            </a:pPr>
+            <a:r>
+              <a:rPr lang="en-US" dirty="0"/>
+              <a:t>g</a:t>
+            </a:r>
+            <a:r>
+              <a:rPr lang="en-US" dirty="0" smtClean="0"/>
+              <a:t>eekswithblogs.com/</a:t>
+            </a:r>
+            <a:r>
+              <a:rPr lang="en-US" dirty="0" err="1" smtClean="0">
+                <a:latin typeface="Segoe UI Semibold" pitchFamily="34" charset="0"/>
+              </a:rPr>
+              <a:t>jacobladams</a:t>
+            </a:r>
+            <a:endParaRPr lang="en-US" dirty="0" smtClean="0">
+              <a:latin typeface="Segoe UI Semibold" pitchFamily="34" charset="0"/>
+            </a:endParaRPr>
+          </a:p>
+          <a:p>
+            <a:pPr marL="0" indent="0">
+              <a:buNone/>
+            </a:pPr>
+            <a:r>
+              <a:rPr lang="en-US" dirty="0" smtClean="0"/>
+              <a:t>github.com/</a:t>
+            </a:r>
+            <a:r>
+              <a:rPr lang="en-US" dirty="0" err="1" smtClean="0">
+                <a:latin typeface="Segoe UI Semibold" pitchFamily="34" charset="0"/>
+              </a:rPr>
+              <a:t>jacobladams</a:t>
+            </a:r>
+            <a:endParaRPr lang="en-US" dirty="0" smtClean="0">
+              <a:latin typeface="Segoe UI Semibold" pitchFamily="34" charset="0"/>
+            </a:endParaRPr>
+          </a:p>
+          <a:p>
+            <a:pPr marL="0" indent="0">
+              <a:buNone/>
+            </a:pPr>
+            <a:r>
+              <a:rPr lang="en-US" dirty="0" smtClean="0"/>
+              <a:t>speakerrate.com/</a:t>
+            </a:r>
+            <a:r>
+              <a:rPr lang="en-US" dirty="0" err="1" smtClean="0">
+                <a:latin typeface="Segoe UI Semibold" pitchFamily="34" charset="0"/>
+              </a:rPr>
+              <a:t>jacobladams</a:t>
+            </a:r>
+            <a:endParaRPr lang="en-US" dirty="0" smtClean="0">
+              <a:latin typeface="Segoe UI Semibold" pitchFamily="34" charset="0"/>
+            </a:endParaRPr>
+          </a:p>
+          <a:p>
+            <a:pPr marL="0" indent="0">
+              <a:buNone/>
+            </a:pPr>
             <a:endParaRPr lang="en-US" dirty="0"/>
           </a:p>
         </p:txBody>
@@ -4592,7 +11862,7 @@
     </p:spTree>
     <p:extLst>
       <p:ext uri="{BB962C8B-B14F-4D97-AF65-F5344CB8AC3E}">
-        <p14:creationId xmlns:p14="http://schemas.microsoft.com/office/powerpoint/2010/main" val="3347065143"/>
+        <p14:creationId xmlns:p14="http://schemas.microsoft.com/office/powerpoint/2010/main" val="926120390"/>
       </p:ext>
     </p:extLst>
   </p:cSld>
@@ -4636,7 +11906,7 @@
           <a:p>
             <a:r>
               <a:rPr lang="en-US" dirty="0" smtClean="0"/>
-              <a:t>About Me</a:t>
+              <a:t>Silverlight</a:t>
             </a:r>
             <a:endParaRPr lang="en-US" dirty="0"/>
           </a:p>
@@ -4650,187 +11920,6 @@
           </p:cNvSpPr>
           <p:nvPr>
             <p:ph idx="1"/>
-          </p:nvPr>
-        </p:nvSpPr>
-        <p:spPr/>
-        <p:txBody>
-          <a:bodyPr>
-            <a:normAutofit lnSpcReduction="10000"/>
-          </a:bodyPr>
-          <a:lstStyle/>
-          <a:p>
-            <a:pPr marL="0" indent="0">
-              <a:buNone/>
-            </a:pPr>
-            <a:r>
-              <a:rPr lang="en-US" dirty="0" smtClean="0">
-                <a:latin typeface="Segoe UI Semibold" pitchFamily="34" charset="0"/>
-              </a:rPr>
-              <a:t>Jake Adams</a:t>
-            </a:r>
-          </a:p>
-          <a:p>
-            <a:pPr marL="0" indent="0">
-              <a:buNone/>
-            </a:pPr>
-            <a:r>
-              <a:rPr lang="en-US" dirty="0" smtClean="0"/>
-              <a:t>Thompson Coburn LLP</a:t>
-            </a:r>
-          </a:p>
-          <a:p>
-            <a:pPr marL="0" indent="0">
-              <a:buNone/>
-            </a:pPr>
-            <a:endParaRPr lang="en-US" dirty="0"/>
-          </a:p>
-          <a:p>
-            <a:pPr marL="0" indent="0">
-              <a:buNone/>
-            </a:pPr>
-            <a:r>
-              <a:rPr lang="en-US" dirty="0" smtClean="0"/>
-              <a:t>email: </a:t>
-            </a:r>
-            <a:r>
-              <a:rPr lang="en-US" dirty="0" smtClean="0">
-                <a:latin typeface="Segoe UI Semibold" pitchFamily="34" charset="0"/>
-                <a:ea typeface="Segoe UI" pitchFamily="34" charset="0"/>
-                <a:cs typeface="Segoe UI" pitchFamily="34" charset="0"/>
-              </a:rPr>
-              <a:t>jacobladams</a:t>
-            </a:r>
-            <a:r>
-              <a:rPr lang="en-US" dirty="0" smtClean="0"/>
-              <a:t>@gmail.com</a:t>
-            </a:r>
-          </a:p>
-          <a:p>
-            <a:pPr marL="0" indent="0">
-              <a:buNone/>
-            </a:pPr>
-            <a:r>
-              <a:rPr lang="en-US" dirty="0"/>
-              <a:t>t</a:t>
-            </a:r>
-            <a:r>
-              <a:rPr lang="en-US" dirty="0" smtClean="0"/>
-              <a:t>witter: @</a:t>
-            </a:r>
-            <a:r>
-              <a:rPr lang="en-US" dirty="0" err="1" smtClean="0">
-                <a:latin typeface="Segoe UI Semibold" pitchFamily="34" charset="0"/>
-              </a:rPr>
-              <a:t>jacobladams</a:t>
-            </a:r>
-            <a:endParaRPr lang="en-US" dirty="0" smtClean="0">
-              <a:latin typeface="Segoe UI Semibold" pitchFamily="34" charset="0"/>
-            </a:endParaRPr>
-          </a:p>
-          <a:p>
-            <a:pPr marL="0" indent="0">
-              <a:buNone/>
-            </a:pPr>
-            <a:r>
-              <a:rPr lang="en-US" dirty="0"/>
-              <a:t>g</a:t>
-            </a:r>
-            <a:r>
-              <a:rPr lang="en-US" dirty="0" smtClean="0"/>
-              <a:t>eekswithblogs.com/</a:t>
-            </a:r>
-            <a:r>
-              <a:rPr lang="en-US" dirty="0" err="1" smtClean="0">
-                <a:latin typeface="Segoe UI Semibold" pitchFamily="34" charset="0"/>
-              </a:rPr>
-              <a:t>jacobladams</a:t>
-            </a:r>
-            <a:endParaRPr lang="en-US" dirty="0" smtClean="0">
-              <a:latin typeface="Segoe UI Semibold" pitchFamily="34" charset="0"/>
-            </a:endParaRPr>
-          </a:p>
-          <a:p>
-            <a:pPr marL="0" indent="0">
-              <a:buNone/>
-            </a:pPr>
-            <a:r>
-              <a:rPr lang="en-US" dirty="0" smtClean="0"/>
-              <a:t>github.com/</a:t>
-            </a:r>
-            <a:r>
-              <a:rPr lang="en-US" dirty="0" err="1" smtClean="0">
-                <a:latin typeface="Segoe UI Semibold" pitchFamily="34" charset="0"/>
-              </a:rPr>
-              <a:t>jacobladams</a:t>
-            </a:r>
-            <a:endParaRPr lang="en-US" dirty="0" smtClean="0">
-              <a:latin typeface="Segoe UI Semibold" pitchFamily="34" charset="0"/>
-            </a:endParaRPr>
-          </a:p>
-          <a:p>
-            <a:pPr marL="0" indent="0">
-              <a:buNone/>
-            </a:pPr>
-            <a:r>
-              <a:rPr lang="en-US" dirty="0" smtClean="0"/>
-              <a:t>speakerrate.com/</a:t>
-            </a:r>
-            <a:r>
-              <a:rPr lang="en-US" dirty="0" err="1" smtClean="0">
-                <a:latin typeface="Segoe UI Semibold" pitchFamily="34" charset="0"/>
-              </a:rPr>
-              <a:t>jacobladams</a:t>
-            </a:r>
-            <a:endParaRPr lang="en-US" dirty="0" smtClean="0">
-              <a:latin typeface="Segoe UI Semibold" pitchFamily="34" charset="0"/>
-            </a:endParaRPr>
-          </a:p>
-          <a:p>
-            <a:pPr marL="0" indent="0">
-              <a:buNone/>
-            </a:pPr>
-            <a:endParaRPr lang="en-US" dirty="0"/>
-          </a:p>
-        </p:txBody>
-      </p:sp>
-    </p:spTree>
-    <p:extLst>
-      <p:ext uri="{BB962C8B-B14F-4D97-AF65-F5344CB8AC3E}">
-        <p14:creationId xmlns:p14="http://schemas.microsoft.com/office/powerpoint/2010/main" val="926120390"/>
-      </p:ext>
-    </p:extLst>
-  </p:cSld>
-  <p:clrMapOvr>
-    <a:masterClrMapping/>
-  </p:clrMapOvr>
-</p:sld>
-</file>
-
-<file path=ppt/slides/slide5.xml><?xml version="1.0" encoding="utf-8"?>
-<p:sld xmlns:a="http://schemas.openxmlformats.org/drawingml/2006/main" xmlns:r="http://schemas.openxmlformats.org/officeDocument/2006/relationships" xmlns:p="http://schemas.openxmlformats.org/presentationml/2006/main">
-  <p:cSld>
-    <p:spTree>
-      <p:nvGrpSpPr>
-        <p:cNvPr id="1" name=""/>
-        <p:cNvGrpSpPr/>
-        <p:nvPr/>
-      </p:nvGrpSpPr>
-      <p:grpSpPr>
-        <a:xfrm>
-          <a:off x="0" y="0"/>
-          <a:ext cx="0" cy="0"/>
-          <a:chOff x="0" y="0"/>
-          <a:chExt cx="0" cy="0"/>
-        </a:xfrm>
-      </p:grpSpPr>
-      <p:sp>
-        <p:nvSpPr>
-          <p:cNvPr id="2" name="Title 1"/>
-          <p:cNvSpPr>
-            <a:spLocks noGrp="1"/>
-          </p:cNvSpPr>
-          <p:nvPr>
-            <p:ph type="title"/>
           </p:nvPr>
         </p:nvSpPr>
         <p:spPr/>
@@ -4840,37 +11929,25 @@
           <a:p>
             <a:r>
               <a:rPr lang="en-US" dirty="0" smtClean="0"/>
-              <a:t>Silverlight</a:t>
-            </a:r>
-            <a:endParaRPr lang="en-US" dirty="0"/>
-          </a:p>
-        </p:txBody>
-      </p:sp>
-      <p:sp>
-        <p:nvSpPr>
-          <p:cNvPr id="3" name="Content Placeholder 2"/>
-          <p:cNvSpPr>
-            <a:spLocks noGrp="1"/>
-          </p:cNvSpPr>
-          <p:nvPr>
-            <p:ph idx="1"/>
-          </p:nvPr>
-        </p:nvSpPr>
-        <p:spPr/>
-        <p:txBody>
-          <a:bodyPr/>
-          <a:lstStyle/>
-          <a:p>
-            <a:r>
-              <a:rPr lang="en-US" dirty="0" smtClean="0"/>
               <a:t>Originally codenamed WPF/Everywhere</a:t>
             </a:r>
           </a:p>
           <a:p>
             <a:r>
               <a:rPr lang="en-US" dirty="0" smtClean="0"/>
-              <a:t>V1 released in 2007</a:t>
-            </a:r>
+              <a:t>V1 released in </a:t>
+            </a:r>
+            <a:r>
+              <a:rPr lang="en-US" dirty="0" smtClean="0"/>
+              <a:t>2007</a:t>
+            </a:r>
+          </a:p>
+          <a:p>
+            <a:r>
+              <a:rPr lang="en-US" dirty="0" smtClean="0"/>
+              <a:t>Currently on version 5</a:t>
+            </a:r>
+            <a:endParaRPr lang="en-US" dirty="0" smtClean="0"/>
           </a:p>
           <a:p>
             <a:r>
@@ -4909,7 +11986,7 @@
 </p:sld>
 </file>
 
-<file path=ppt/slides/slide6.xml><?xml version="1.0" encoding="utf-8"?>
+<file path=ppt/slides/slide5.xml><?xml version="1.0" encoding="utf-8"?>
 <p:sld xmlns:a="http://schemas.openxmlformats.org/drawingml/2006/main" xmlns:r="http://schemas.openxmlformats.org/officeDocument/2006/relationships" xmlns:p="http://schemas.openxmlformats.org/presentationml/2006/main">
   <p:cSld>
     <p:spTree>
@@ -5093,7 +12170,7 @@
 </p:sld>
 </file>
 
-<file path=ppt/slides/slide7.xml><?xml version="1.0" encoding="utf-8"?>
+<file path=ppt/slides/slide6.xml><?xml version="1.0" encoding="utf-8"?>
 <p:sld xmlns:a="http://schemas.openxmlformats.org/drawingml/2006/main" xmlns:r="http://schemas.openxmlformats.org/officeDocument/2006/relationships" xmlns:p="http://schemas.openxmlformats.org/presentationml/2006/main">
   <p:cSld>
     <p:spTree>
@@ -5198,7 +12275,6 @@
               <a:rPr lang="en-US" dirty="0" smtClean="0"/>
               <a:t>More responsive / Better UX</a:t>
             </a:r>
-            <a:endParaRPr lang="en-US" dirty="0" smtClean="0"/>
           </a:p>
           <a:p>
             <a:pPr lvl="1"/>
@@ -5229,7 +12305,7 @@
 </p:sld>
 </file>
 
-<file path=ppt/slides/slide8.xml><?xml version="1.0" encoding="utf-8"?>
+<file path=ppt/slides/slide7.xml><?xml version="1.0" encoding="utf-8"?>
 <p:sld xmlns:a="http://schemas.openxmlformats.org/drawingml/2006/main" xmlns:r="http://schemas.openxmlformats.org/officeDocument/2006/relationships" xmlns:p="http://schemas.openxmlformats.org/presentationml/2006/main">
   <p:cSld>
     <p:spTree>
@@ -5400,6 +12476,93 @@
 </p:sld>
 </file>
 
+<file path=ppt/slides/slide8.xml><?xml version="1.0" encoding="utf-8"?>
+<p:sld xmlns:a="http://schemas.openxmlformats.org/drawingml/2006/main" xmlns:r="http://schemas.openxmlformats.org/officeDocument/2006/relationships" xmlns:p="http://schemas.openxmlformats.org/presentationml/2006/main">
+  <p:cSld>
+    <p:spTree>
+      <p:nvGrpSpPr>
+        <p:cNvPr id="1" name=""/>
+        <p:cNvGrpSpPr/>
+        <p:nvPr/>
+      </p:nvGrpSpPr>
+      <p:grpSpPr>
+        <a:xfrm>
+          <a:off x="0" y="0"/>
+          <a:ext cx="0" cy="0"/>
+          <a:chOff x="0" y="0"/>
+          <a:chExt cx="0" cy="0"/>
+        </a:xfrm>
+      </p:grpSpPr>
+      <p:sp>
+        <p:nvSpPr>
+          <p:cNvPr id="2" name="Title 1"/>
+          <p:cNvSpPr>
+            <a:spLocks noGrp="1"/>
+          </p:cNvSpPr>
+          <p:nvPr>
+            <p:ph type="title"/>
+          </p:nvPr>
+        </p:nvSpPr>
+        <p:spPr/>
+        <p:txBody>
+          <a:bodyPr>
+            <a:normAutofit fontScale="90000"/>
+          </a:bodyPr>
+          <a:lstStyle/>
+          <a:p>
+            <a:r>
+              <a:rPr lang="en-US" dirty="0"/>
+              <a:t>Silverlight + SharePoint == Goodness</a:t>
+            </a:r>
+          </a:p>
+        </p:txBody>
+      </p:sp>
+      <p:sp>
+        <p:nvSpPr>
+          <p:cNvPr id="3" name="Content Placeholder 2"/>
+          <p:cNvSpPr>
+            <a:spLocks noGrp="1"/>
+          </p:cNvSpPr>
+          <p:nvPr>
+            <p:ph idx="1"/>
+          </p:nvPr>
+        </p:nvSpPr>
+        <p:spPr/>
+        <p:txBody>
+          <a:bodyPr/>
+          <a:lstStyle/>
+          <a:p>
+            <a:r>
+              <a:rPr lang="en-US" dirty="0"/>
+              <a:t>Powerful data binding </a:t>
+            </a:r>
+            <a:r>
+              <a:rPr lang="en-US" dirty="0" smtClean="0"/>
+              <a:t>capabilities</a:t>
+            </a:r>
+          </a:p>
+          <a:p>
+            <a:r>
+              <a:rPr lang="en-US" dirty="0" smtClean="0"/>
+              <a:t>Model-View-View Model pattern</a:t>
+            </a:r>
+            <a:endParaRPr lang="en-US" dirty="0"/>
+          </a:p>
+        </p:txBody>
+      </p:sp>
+    </p:spTree>
+    <p:extLst>
+      <p:ext uri="{BB962C8B-B14F-4D97-AF65-F5344CB8AC3E}">
+        <p14:creationId xmlns:p14="http://schemas.microsoft.com/office/powerpoint/2010/main" val="824725890"/>
+      </p:ext>
+    </p:extLst>
+  </p:cSld>
+  <p:clrMapOvr>
+    <a:masterClrMapping/>
+  </p:clrMapOvr>
+</p:sld>
+</file>
+
 <file path=ppt/slides/slide9.xml><?xml version="1.0" encoding="utf-8"?>
 <p:sld xmlns:a="http://schemas.openxmlformats.org/drawingml/2006/main" xmlns:r="http://schemas.openxmlformats.org/officeDocument/2006/relationships" xmlns:p="http://schemas.openxmlformats.org/presentationml/2006/main">
   <p:cSld>
@@ -5459,37 +12622,44 @@
           <a:p>
             <a:r>
               <a:rPr lang="en-US" dirty="0" smtClean="0"/>
-              <a:t>Powerful data binding capabilities</a:t>
-            </a:r>
-          </a:p>
-          <a:p>
-            <a:endParaRPr lang="en-US" dirty="0"/>
-          </a:p>
-        </p:txBody>
-      </p:sp>
-      <p:sp>
-        <p:nvSpPr>
-          <p:cNvPr id="4" name="Content Placeholder 3"/>
-          <p:cNvSpPr>
-            <a:spLocks noGrp="1"/>
-          </p:cNvSpPr>
+              <a:t>Runs on .NET</a:t>
+            </a:r>
+          </a:p>
+        </p:txBody>
+      </p:sp>
+      <p:pic>
+        <p:nvPicPr>
+          <p:cNvPr id="5" name="Content Placeholder 4"/>
+          <p:cNvPicPr>
+            <a:picLocks noGrp="1" noChangeAspect="1"/>
+          </p:cNvPicPr>
           <p:nvPr>
             <p:ph sz="half" idx="2"/>
           </p:nvPr>
-        </p:nvSpPr>
-        <p:spPr/>
-        <p:txBody>
-          <a:bodyPr/>
-          <a:lstStyle/>
-          <a:p>
-            <a:endParaRPr lang="en-US"/>
-          </a:p>
-        </p:txBody>
-      </p:sp>
+        </p:nvPicPr>
+        <p:blipFill>
+          <a:blip r:embed="rId2">
+            <a:extLst>
+              <a:ext uri="{28A0092B-C50C-407E-A947-70E740481C1C}">
+                <a14:useLocalDpi xmlns:a14="http://schemas.microsoft.com/office/drawing/2010/main" val="0"/>
+              </a:ext>
+            </a:extLst>
+          </a:blip>
+          <a:stretch>
+            <a:fillRect/>
+          </a:stretch>
+        </p:blipFill>
+        <p:spPr>
+          <a:xfrm>
+            <a:off x="4648200" y="1600200"/>
+            <a:ext cx="4038600" cy="3028950"/>
+          </a:xfrm>
+        </p:spPr>
+      </p:pic>
     </p:spTree>
     <p:extLst>
       <p:ext uri="{BB962C8B-B14F-4D97-AF65-F5344CB8AC3E}">
-        <p14:creationId xmlns:p14="http://schemas.microsoft.com/office/powerpoint/2010/main" val="2091520975"/>
+        <p14:creationId xmlns:p14="http://schemas.microsoft.com/office/powerpoint/2010/main" val="3713320083"/>
       </p:ext>
     </p:extLst>
   </p:cSld>
@@ -5504,6 +12674,24 @@
     </p:tnLst>
   </p:timing>
 </p:sld>
+</file>
+
+<file path=ppt/tags/tag1.xml><?xml version="1.0" encoding="utf-8"?>
+<p:tagLst xmlns:a="http://schemas.openxmlformats.org/drawingml/2006/main" xmlns:r="http://schemas.openxmlformats.org/officeDocument/2006/relationships" xmlns:p="http://schemas.openxmlformats.org/presentationml/2006/main">
+  <p:tag name="MT_TILE" val="YES"/>
+</p:tagLst>
+</file>
+
+<file path=ppt/tags/tag2.xml><?xml version="1.0" encoding="utf-8"?>
+<p:tagLst xmlns:a="http://schemas.openxmlformats.org/drawingml/2006/main" xmlns:r="http://schemas.openxmlformats.org/officeDocument/2006/relationships" xmlns:p="http://schemas.openxmlformats.org/presentationml/2006/main">
+  <p:tag name="MT_TILE" val="YES"/>
+</p:tagLst>
+</file>
+
+<file path=ppt/tags/tag3.xml><?xml version="1.0" encoding="utf-8"?>
+<p:tagLst xmlns:a="http://schemas.openxmlformats.org/drawingml/2006/main" xmlns:r="http://schemas.openxmlformats.org/officeDocument/2006/relationships" xmlns:p="http://schemas.openxmlformats.org/presentationml/2006/main">
+  <p:tag name="MT_TILE" val="YES"/>
+</p:tagLst>
 </file>
 
 <file path=ppt/theme/theme1.xml><?xml version="1.0" encoding="utf-8"?>
@@ -5729,4 +12917,601 @@
   <a:objectDefaults/>
   <a:extraClrSchemeLst/>
 </a:theme>
+</file>
+
+<file path=ppt/theme/theme2.xml><?xml version="1.0" encoding="utf-8"?>
+<a:theme xmlns:a="http://schemas.openxmlformats.org/drawingml/2006/main" name="5-10286 Windows Phone 4x3 ">
+  <a:themeElements>
+    <a:clrScheme name="Office">
+      <a:dk1>
+        <a:sysClr val="windowText" lastClr="000000"/>
+      </a:dk1>
+      <a:lt1>
+        <a:sysClr val="window" lastClr="FFFFFF"/>
+      </a:lt1>
+      <a:dk2>
+        <a:srgbClr val="1F497D"/>
+      </a:dk2>
+      <a:lt2>
+        <a:srgbClr val="EEECE1"/>
+      </a:lt2>
+      <a:accent1>
+        <a:srgbClr val="4F81BD"/>
+      </a:accent1>
+      <a:accent2>
+        <a:srgbClr val="C0504D"/>
+      </a:accent2>
+      <a:accent3>
+        <a:srgbClr val="9BBB59"/>
+      </a:accent3>
+      <a:accent4>
+        <a:srgbClr val="8064A2"/>
+      </a:accent4>
+      <a:accent5>
+        <a:srgbClr val="4BACC6"/>
+      </a:accent5>
+      <a:accent6>
+        <a:srgbClr val="F79646"/>
+      </a:accent6>
+      <a:hlink>
+        <a:srgbClr val="0000FF"/>
+      </a:hlink>
+      <a:folHlink>
+        <a:srgbClr val="800080"/>
+      </a:folHlink>
+    </a:clrScheme>
+    <a:fontScheme name="Segoe">
+      <a:majorFont>
+        <a:latin typeface="Segoe"/>
+        <a:ea typeface=""/>
+        <a:cs typeface=""/>
+      </a:majorFont>
+      <a:minorFont>
+        <a:latin typeface="Segoe"/>
+        <a:ea typeface=""/>
+        <a:cs typeface=""/>
+      </a:minorFont>
+    </a:fontScheme>
+    <a:fmtScheme name="Angles">
+      <a:fillStyleLst>
+        <a:solidFill>
+          <a:schemeClr val="phClr"/>
+        </a:solidFill>
+        <a:gradFill rotWithShape="1">
+          <a:gsLst>
+            <a:gs pos="0">
+              <a:schemeClr val="phClr">
+                <a:tint val="50000"/>
+                <a:satMod val="300000"/>
+              </a:schemeClr>
+            </a:gs>
+            <a:gs pos="35000">
+              <a:schemeClr val="phClr">
+                <a:tint val="37000"/>
+                <a:satMod val="300000"/>
+              </a:schemeClr>
+            </a:gs>
+            <a:gs pos="100000">
+              <a:schemeClr val="phClr">
+                <a:tint val="15000"/>
+                <a:satMod val="350000"/>
+              </a:schemeClr>
+            </a:gs>
+          </a:gsLst>
+          <a:lin ang="16200000" scaled="1"/>
+        </a:gradFill>
+        <a:gradFill rotWithShape="1">
+          <a:gsLst>
+            <a:gs pos="0">
+              <a:schemeClr val="phClr">
+                <a:shade val="51000"/>
+                <a:satMod val="130000"/>
+              </a:schemeClr>
+            </a:gs>
+            <a:gs pos="80000">
+              <a:schemeClr val="phClr">
+                <a:shade val="93000"/>
+                <a:satMod val="130000"/>
+              </a:schemeClr>
+            </a:gs>
+            <a:gs pos="100000">
+              <a:schemeClr val="phClr">
+                <a:shade val="94000"/>
+                <a:satMod val="135000"/>
+              </a:schemeClr>
+            </a:gs>
+          </a:gsLst>
+          <a:lin ang="16200000" scaled="0"/>
+        </a:gradFill>
+      </a:fillStyleLst>
+      <a:lnStyleLst>
+        <a:ln w="9525" cap="flat" cmpd="sng" algn="ctr">
+          <a:solidFill>
+            <a:schemeClr val="phClr">
+              <a:shade val="95000"/>
+              <a:satMod val="105000"/>
+            </a:schemeClr>
+          </a:solidFill>
+          <a:prstDash val="solid"/>
+        </a:ln>
+        <a:ln w="25400" cap="flat" cmpd="sng" algn="ctr">
+          <a:solidFill>
+            <a:schemeClr val="phClr"/>
+          </a:solidFill>
+          <a:prstDash val="solid"/>
+        </a:ln>
+        <a:ln w="38100" cap="flat" cmpd="sng" algn="ctr">
+          <a:solidFill>
+            <a:schemeClr val="phClr"/>
+          </a:solidFill>
+          <a:prstDash val="solid"/>
+        </a:ln>
+      </a:lnStyleLst>
+      <a:effectStyleLst>
+        <a:effectStyle>
+          <a:effectLst>
+            <a:outerShdw blurRad="40000" dist="20000" dir="5400000" rotWithShape="0">
+              <a:srgbClr val="000000">
+                <a:alpha val="38000"/>
+              </a:srgbClr>
+            </a:outerShdw>
+          </a:effectLst>
+        </a:effectStyle>
+        <a:effectStyle>
+          <a:effectLst>
+            <a:outerShdw blurRad="40000" dist="23000" dir="5400000" rotWithShape="0">
+              <a:srgbClr val="000000">
+                <a:alpha val="35000"/>
+              </a:srgbClr>
+            </a:outerShdw>
+          </a:effectLst>
+        </a:effectStyle>
+        <a:effectStyle>
+          <a:effectLst>
+            <a:outerShdw blurRad="40000" dist="23000" dir="5400000" rotWithShape="0">
+              <a:srgbClr val="000000">
+                <a:alpha val="35000"/>
+              </a:srgbClr>
+            </a:outerShdw>
+          </a:effectLst>
+          <a:scene3d>
+            <a:camera prst="orthographicFront">
+              <a:rot lat="0" lon="0" rev="0"/>
+            </a:camera>
+            <a:lightRig rig="threePt" dir="t">
+              <a:rot lat="0" lon="0" rev="20400000"/>
+            </a:lightRig>
+          </a:scene3d>
+          <a:sp3d contourW="6350">
+            <a:bevelT w="41275" h="19050" prst="angle"/>
+            <a:contourClr>
+              <a:schemeClr val="phClr">
+                <a:shade val="25000"/>
+                <a:satMod val="150000"/>
+              </a:schemeClr>
+            </a:contourClr>
+          </a:sp3d>
+        </a:effectStyle>
+      </a:effectStyleLst>
+      <a:bgFillStyleLst>
+        <a:solidFill>
+          <a:schemeClr val="phClr"/>
+        </a:solidFill>
+        <a:gradFill rotWithShape="1">
+          <a:gsLst>
+            <a:gs pos="0">
+              <a:schemeClr val="phClr">
+                <a:tint val="40000"/>
+                <a:satMod val="350000"/>
+              </a:schemeClr>
+            </a:gs>
+            <a:gs pos="40000">
+              <a:schemeClr val="phClr">
+                <a:tint val="45000"/>
+                <a:shade val="99000"/>
+                <a:satMod val="350000"/>
+              </a:schemeClr>
+            </a:gs>
+            <a:gs pos="100000">
+              <a:schemeClr val="phClr">
+                <a:shade val="20000"/>
+                <a:satMod val="255000"/>
+              </a:schemeClr>
+            </a:gs>
+          </a:gsLst>
+          <a:path path="circle">
+            <a:fillToRect l="50000" t="-80000" r="50000" b="180000"/>
+          </a:path>
+        </a:gradFill>
+        <a:gradFill rotWithShape="1">
+          <a:gsLst>
+            <a:gs pos="0">
+              <a:schemeClr val="phClr">
+                <a:tint val="80000"/>
+                <a:satMod val="300000"/>
+              </a:schemeClr>
+            </a:gs>
+            <a:gs pos="100000">
+              <a:schemeClr val="phClr">
+                <a:shade val="30000"/>
+                <a:satMod val="200000"/>
+              </a:schemeClr>
+            </a:gs>
+          </a:gsLst>
+          <a:path path="circle">
+            <a:fillToRect l="50000" t="50000" r="50000" b="50000"/>
+          </a:path>
+        </a:gradFill>
+      </a:bgFillStyleLst>
+    </a:fmtScheme>
+  </a:themeElements>
+  <a:objectDefaults>
+    <a:spDef>
+      <a:spPr bwMode="auto">
+        <a:ln>
+          <a:noFill/>
+          <a:headEnd type="none" w="med" len="med"/>
+          <a:tailEnd type="none" w="med" len="med"/>
+        </a:ln>
+      </a:spPr>
+      <a:bodyPr vert="horz" wrap="square" lIns="91436" tIns="45718" rIns="91436" bIns="45718" numCol="1" rtlCol="0" anchor="ctr" anchorCtr="0" compatLnSpc="1">
+        <a:prstTxWarp prst="textNoShape">
+          <a:avLst/>
+        </a:prstTxWarp>
+      </a:bodyPr>
+      <a:lstStyle>
+        <a:defPPr algn="ctr" defTabSz="914099" fontAlgn="base">
+          <a:spcBef>
+            <a:spcPct val="0"/>
+          </a:spcBef>
+          <a:spcAft>
+            <a:spcPct val="0"/>
+          </a:spcAft>
+          <a:defRPr sz="2200" spc="-150" dirty="0" smtClean="0">
+            <a:gradFill>
+              <a:gsLst>
+                <a:gs pos="0">
+                  <a:srgbClr val="FFFFFF"/>
+                </a:gs>
+                <a:gs pos="100000">
+                  <a:srgbClr val="FFFFFF"/>
+                </a:gs>
+              </a:gsLst>
+              <a:lin ang="5400000" scaled="0"/>
+            </a:gradFill>
+            <a:latin typeface="Segoe Light" pitchFamily="34" charset="0"/>
+          </a:defRPr>
+        </a:defPPr>
+      </a:lstStyle>
+      <a:style>
+        <a:lnRef idx="2">
+          <a:schemeClr val="accent3">
+            <a:shade val="50000"/>
+          </a:schemeClr>
+        </a:lnRef>
+        <a:fillRef idx="1">
+          <a:schemeClr val="accent3"/>
+        </a:fillRef>
+        <a:effectRef idx="0">
+          <a:schemeClr val="accent3"/>
+        </a:effectRef>
+        <a:fontRef idx="minor">
+          <a:schemeClr val="lt1"/>
+        </a:fontRef>
+      </a:style>
+    </a:spDef>
+    <a:txDef>
+      <a:spPr>
+        <a:noFill/>
+      </a:spPr>
+      <a:bodyPr wrap="square" lIns="0" tIns="0" rIns="0" bIns="0" rtlCol="0">
+        <a:spAutoFit/>
+      </a:bodyPr>
+      <a:lstStyle>
+        <a:defPPr>
+          <a:defRPr sz="2200" spc="-150" dirty="0" smtClean="0">
+            <a:gradFill>
+              <a:gsLst>
+                <a:gs pos="0">
+                  <a:schemeClr val="tx1"/>
+                </a:gs>
+                <a:gs pos="86000">
+                  <a:schemeClr val="tx1"/>
+                </a:gs>
+              </a:gsLst>
+              <a:lin ang="5400000" scaled="0"/>
+            </a:gradFill>
+            <a:latin typeface="Segoe Light" pitchFamily="34" charset="0"/>
+          </a:defRPr>
+        </a:defPPr>
+      </a:lstStyle>
+    </a:txDef>
+  </a:objectDefaults>
+  <a:extraClrSchemeLst/>
+</a:theme>
+</file>
+
+<file path=ppt/theme/theme3.xml><?xml version="1.0" encoding="utf-8"?>
+<a:theme xmlns:a="http://schemas.openxmlformats.org/drawingml/2006/main" name="Office Theme">
+  <a:themeElements>
+    <a:clrScheme name="Office">
+      <a:dk1>
+        <a:sysClr val="windowText" lastClr="000000"/>
+      </a:dk1>
+      <a:lt1>
+        <a:sysClr val="window" lastClr="FFFFFF"/>
+      </a:lt1>
+      <a:dk2>
+        <a:srgbClr val="1F497D"/>
+      </a:dk2>
+      <a:lt2>
+        <a:srgbClr val="EEECE1"/>
+      </a:lt2>
+      <a:accent1>
+        <a:srgbClr val="4F81BD"/>
+      </a:accent1>
+      <a:accent2>
+        <a:srgbClr val="C0504D"/>
+      </a:accent2>
+      <a:accent3>
+        <a:srgbClr val="9BBB59"/>
+      </a:accent3>
+      <a:accent4>
+        <a:srgbClr val="8064A2"/>
+      </a:accent4>
+      <a:accent5>
+        <a:srgbClr val="4BACC6"/>
+      </a:accent5>
+      <a:accent6>
+        <a:srgbClr val="F79646"/>
+      </a:accent6>
+      <a:hlink>
+        <a:srgbClr val="0000FF"/>
+      </a:hlink>
+      <a:folHlink>
+        <a:srgbClr val="800080"/>
+      </a:folHlink>
+    </a:clrScheme>
+    <a:fontScheme name="Office">
+      <a:majorFont>
+        <a:latin typeface="Calibri"/>
+        <a:ea typeface=""/>
+        <a:cs typeface=""/>
+        <a:font script="Jpan" typeface="ＭＳ Ｐゴシック"/>
+        <a:font script="Hang" typeface="맑은 고딕"/>
+        <a:font script="Hans" typeface="宋体"/>
+        <a:font script="Hant" typeface="新細明體"/>
+        <a:font script="Arab" typeface="Times New Roman"/>
+        <a:font script="Hebr" typeface="Times New Roman"/>
+        <a:font script="Thai" typeface="Angsana New"/>
+        <a:font script="Ethi" typeface="Nyala"/>
+        <a:font script="Beng" typeface="Vrinda"/>
+        <a:font script="Gujr" typeface="Shruti"/>
+        <a:font script="Khmr" typeface="MoolBoran"/>
+        <a:font script="Knda" typeface="Tunga"/>
+        <a:font script="Guru" typeface="Raavi"/>
+        <a:font script="Cans" typeface="Euphemia"/>
+        <a:font script="Cher" typeface="Plantagenet Cherokee"/>
+        <a:font script="Yiii" typeface="Microsoft Yi Baiti"/>
+        <a:font script="Tibt" typeface="Microsoft Himalaya"/>
+        <a:font script="Thaa" typeface="MV Boli"/>
+        <a:font script="Deva" typeface="Mangal"/>
+        <a:font script="Telu" typeface="Gautami"/>
+        <a:font script="Taml" typeface="Latha"/>
+        <a:font script="Syrc" typeface="Estrangelo Edessa"/>
+        <a:font script="Orya" typeface="Kalinga"/>
+        <a:font script="Mlym" typeface="Kartika"/>
+        <a:font script="Laoo" typeface="DokChampa"/>
+        <a:font script="Sinh" typeface="Iskoola Pota"/>
+        <a:font script="Mong" typeface="Mongolian Baiti"/>
+        <a:font script="Viet" typeface="Times New Roman"/>
+        <a:font script="Uigh" typeface="Microsoft Uighur"/>
+        <a:font script="Geor" typeface="Sylfaen"/>
+      </a:majorFont>
+      <a:minorFont>
+        <a:latin typeface="Calibri"/>
+        <a:ea typeface=""/>
+        <a:cs typeface=""/>
+        <a:font script="Jpan" typeface="ＭＳ Ｐゴシック"/>
+        <a:font script="Hang" typeface="맑은 고딕"/>
+        <a:font script="Hans" typeface="宋体"/>
+        <a:font script="Hant" typeface="新細明體"/>
+        <a:font script="Arab" typeface="Arial"/>
+        <a:font script="Hebr" typeface="Arial"/>
+        <a:font script="Thai" typeface="Cordia New"/>
+        <a:font script="Ethi" typeface="Nyala"/>
+        <a:font script="Beng" typeface="Vrinda"/>
+        <a:font script="Gujr" typeface="Shruti"/>
+        <a:font script="Khmr" typeface="DaunPenh"/>
+        <a:font script="Knda" typeface="Tunga"/>
+        <a:font script="Guru" typeface="Raavi"/>
+        <a:font script="Cans" typeface="Euphemia"/>
+        <a:font script="Cher" typeface="Plantagenet Cherokee"/>
+        <a:font script="Yiii" typeface="Microsoft Yi Baiti"/>
+        <a:font script="Tibt" typeface="Microsoft Himalaya"/>
+        <a:font script="Thaa" typeface="MV Boli"/>
+        <a:font script="Deva" typeface="Mangal"/>
+        <a:font script="Telu" typeface="Gautami"/>
+        <a:font script="Taml" typeface="Latha"/>
+        <a:font script="Syrc" typeface="Estrangelo Edessa"/>
+        <a:font script="Orya" typeface="Kalinga"/>
+        <a:font script="Mlym" typeface="Kartika"/>
+        <a:font script="Laoo" typeface="DokChampa"/>
+        <a:font script="Sinh" typeface="Iskoola Pota"/>
+        <a:font script="Mong" typeface="Mongolian Baiti"/>
+        <a:font script="Viet" typeface="Arial"/>
+        <a:font script="Uigh" typeface="Microsoft Uighur"/>
+        <a:font script="Geor" typeface="Sylfaen"/>
+      </a:minorFont>
+    </a:fontScheme>
+    <a:fmtScheme name="Office">
+      <a:fillStyleLst>
+        <a:solidFill>
+          <a:schemeClr val="phClr"/>
+        </a:solidFill>
+        <a:gradFill rotWithShape="1">
+          <a:gsLst>
+            <a:gs pos="0">
+              <a:schemeClr val="phClr">
+                <a:tint val="50000"/>
+                <a:satMod val="300000"/>
+              </a:schemeClr>
+            </a:gs>
+            <a:gs pos="35000">
+              <a:schemeClr val="phClr">
+                <a:tint val="37000"/>
+                <a:satMod val="300000"/>
+              </a:schemeClr>
+            </a:gs>
+            <a:gs pos="100000">
+              <a:schemeClr val="phClr">
+                <a:tint val="15000"/>
+                <a:satMod val="350000"/>
+              </a:schemeClr>
+            </a:gs>
+          </a:gsLst>
+          <a:lin ang="16200000" scaled="1"/>
+        </a:gradFill>
+        <a:gradFill rotWithShape="1">
+          <a:gsLst>
+            <a:gs pos="0">
+              <a:schemeClr val="phClr">
+                <a:shade val="51000"/>
+                <a:satMod val="130000"/>
+              </a:schemeClr>
+            </a:gs>
+            <a:gs pos="80000">
+              <a:schemeClr val="phClr">
+                <a:shade val="93000"/>
+                <a:satMod val="130000"/>
+              </a:schemeClr>
+            </a:gs>
+            <a:gs pos="100000">
+              <a:schemeClr val="phClr">
+                <a:shade val="94000"/>
+                <a:satMod val="135000"/>
+              </a:schemeClr>
+            </a:gs>
+          </a:gsLst>
+          <a:lin ang="16200000" scaled="0"/>
+        </a:gradFill>
+      </a:fillStyleLst>
+      <a:lnStyleLst>
+        <a:ln w="9525" cap="flat" cmpd="sng" algn="ctr">
+          <a:solidFill>
+            <a:schemeClr val="phClr">
+              <a:shade val="95000"/>
+              <a:satMod val="105000"/>
+            </a:schemeClr>
+          </a:solidFill>
+          <a:prstDash val="solid"/>
+        </a:ln>
+        <a:ln w="25400" cap="flat" cmpd="sng" algn="ctr">
+          <a:solidFill>
+            <a:schemeClr val="phClr"/>
+          </a:solidFill>
+          <a:prstDash val="solid"/>
+        </a:ln>
+        <a:ln w="38100" cap="flat" cmpd="sng" algn="ctr">
+          <a:solidFill>
+            <a:schemeClr val="phClr"/>
+          </a:solidFill>
+          <a:prstDash val="solid"/>
+        </a:ln>
+      </a:lnStyleLst>
+      <a:effectStyleLst>
+        <a:effectStyle>
+          <a:effectLst>
+            <a:outerShdw blurRad="40000" dist="20000" dir="5400000" rotWithShape="0">
+              <a:srgbClr val="000000">
+                <a:alpha val="38000"/>
+              </a:srgbClr>
+            </a:outerShdw>
+          </a:effectLst>
+        </a:effectStyle>
+        <a:effectStyle>
+          <a:effectLst>
+            <a:outerShdw blurRad="40000" dist="23000" dir="5400000" rotWithShape="0">
+              <a:srgbClr val="000000">
+                <a:alpha val="35000"/>
+              </a:srgbClr>
+            </a:outerShdw>
+          </a:effectLst>
+        </a:effectStyle>
+        <a:effectStyle>
+          <a:effectLst>
+            <a:outerShdw blurRad="40000" dist="23000" dir="5400000" rotWithShape="0">
+              <a:srgbClr val="000000">
+                <a:alpha val="35000"/>
+              </a:srgbClr>
+            </a:outerShdw>
+          </a:effectLst>
+          <a:scene3d>
+            <a:camera prst="orthographicFront">
+              <a:rot lat="0" lon="0" rev="0"/>
+            </a:camera>
+            <a:lightRig rig="threePt" dir="t">
+              <a:rot lat="0" lon="0" rev="1200000"/>
+            </a:lightRig>
+          </a:scene3d>
+          <a:sp3d>
+            <a:bevelT w="63500" h="25400"/>
+          </a:sp3d>
+        </a:effectStyle>
+      </a:effectStyleLst>
+      <a:bgFillStyleLst>
+        <a:solidFill>
+          <a:schemeClr val="phClr"/>
+        </a:solidFill>
+        <a:gradFill rotWithShape="1">
+          <a:gsLst>
+            <a:gs pos="0">
+              <a:schemeClr val="phClr">
+                <a:tint val="40000"/>
+                <a:satMod val="350000"/>
+              </a:schemeClr>
+            </a:gs>
+            <a:gs pos="40000">
+              <a:schemeClr val="phClr">
+                <a:tint val="45000"/>
+                <a:shade val="99000"/>
+                <a:satMod val="350000"/>
+              </a:schemeClr>
+            </a:gs>
+            <a:gs pos="100000">
+              <a:schemeClr val="phClr">
+                <a:shade val="20000"/>
+                <a:satMod val="255000"/>
+              </a:schemeClr>
+            </a:gs>
+          </a:gsLst>
+          <a:path path="circle">
+            <a:fillToRect l="50000" t="-80000" r="50000" b="180000"/>
+          </a:path>
+        </a:gradFill>
+        <a:gradFill rotWithShape="1">
+          <a:gsLst>
+            <a:gs pos="0">
+              <a:schemeClr val="phClr">
+                <a:tint val="80000"/>
+                <a:satMod val="300000"/>
+              </a:schemeClr>
+            </a:gs>
+            <a:gs pos="100000">
+              <a:schemeClr val="phClr">
+                <a:shade val="30000"/>
+                <a:satMod val="200000"/>
+              </a:schemeClr>
+            </a:gs>
+          </a:gsLst>
+          <a:path path="circle">
+            <a:fillToRect l="50000" t="50000" r="50000" b="50000"/>
+          </a:path>
+        </a:gradFill>
+      </a:bgFillStyleLst>
+    </a:fmtScheme>
+  </a:themeElements>
+  <a:objectDefaults/>
+  <a:extraClrSchemeLst/>
+</a:theme>
 </file>
--- a/silverlight-and-sharepoint/Silverlight and SharePoint.pptx
+++ b/silverlight-and-sharepoint/Silverlight and SharePoint.pptx
@@ -13,7 +13,7 @@
     <p:sldMasterId id="2147483753" r:id="rId9"/>
   </p:sldMasterIdLst>
   <p:notesMasterIdLst>
-    <p:notesMasterId r:id="rId33"/>
+    <p:notesMasterId r:id="rId32"/>
   </p:notesMasterIdLst>
   <p:sldIdLst>
     <p:sldId id="278" r:id="rId10"/>
@@ -34,11 +34,10 @@
     <p:sldId id="270" r:id="rId25"/>
     <p:sldId id="269" r:id="rId26"/>
     <p:sldId id="277" r:id="rId27"/>
-    <p:sldId id="285" r:id="rId28"/>
-    <p:sldId id="274" r:id="rId29"/>
-    <p:sldId id="292" r:id="rId30"/>
-    <p:sldId id="291" r:id="rId31"/>
-    <p:sldId id="293" r:id="rId32"/>
+    <p:sldId id="274" r:id="rId28"/>
+    <p:sldId id="292" r:id="rId29"/>
+    <p:sldId id="291" r:id="rId30"/>
+    <p:sldId id="293" r:id="rId31"/>
   </p:sldIdLst>
   <p:sldSz cx="9144000" cy="6858000" type="screen4x3"/>
   <p:notesSz cx="6858000" cy="9144000"/>
@@ -222,7 +221,7 @@
           <a:p>
             <a:fld id="{74F77673-B90B-44C6-8941-F365249A7361}" type="datetimeFigureOut">
               <a:rPr lang="en-US" smtClean="0"/>
-              <a:t>5/31/2012</a:t>
+              <a:t>6/2/2012</a:t>
             </a:fld>
             <a:endParaRPr lang="en-US" dirty="0"/>
           </a:p>
@@ -560,7 +559,7 @@
                 </a:solidFill>
               </a:rPr>
               <a:pPr/>
-              <a:t>23</a:t>
+              <a:t>22</a:t>
             </a:fld>
             <a:endParaRPr lang="en-US" dirty="0">
               <a:solidFill>
@@ -764,7 +763,7 @@
           <a:p>
             <a:fld id="{A2ED7707-E2E8-493C-B39F-CCDFED8A6AEA}" type="datetimeFigureOut">
               <a:rPr lang="en-US" smtClean="0"/>
-              <a:t>5/31/2012</a:t>
+              <a:t>6/2/2012</a:t>
             </a:fld>
             <a:endParaRPr lang="en-US" dirty="0"/>
           </a:p>
@@ -934,7 +933,7 @@
           <a:p>
             <a:fld id="{A2ED7707-E2E8-493C-B39F-CCDFED8A6AEA}" type="datetimeFigureOut">
               <a:rPr lang="en-US" smtClean="0"/>
-              <a:t>5/31/2012</a:t>
+              <a:t>6/2/2012</a:t>
             </a:fld>
             <a:endParaRPr lang="en-US" dirty="0"/>
           </a:p>
@@ -996,248 +995,6 @@
 </file>
 
 <file path=ppt/slideLayouts/slideLayout100.xml><?xml version="1.0" encoding="utf-8"?>
-<p:sldLayout xmlns:a="http://schemas.openxmlformats.org/drawingml/2006/main" xmlns:r="http://schemas.openxmlformats.org/officeDocument/2006/relationships" xmlns:p="http://schemas.openxmlformats.org/presentationml/2006/main" preserve="1" userDrawn="1">
-  <p:cSld name="1_Title and Content">
-    <p:spTree>
-      <p:nvGrpSpPr>
-        <p:cNvPr id="1" name=""/>
-        <p:cNvGrpSpPr/>
-        <p:nvPr/>
-      </p:nvGrpSpPr>
-      <p:grpSpPr>
-        <a:xfrm>
-          <a:off x="0" y="0"/>
-          <a:ext cx="0" cy="0"/>
-          <a:chOff x="0" y="0"/>
-          <a:chExt cx="0" cy="0"/>
-        </a:xfrm>
-      </p:grpSpPr>
-      <p:pic>
-        <p:nvPicPr>
-          <p:cNvPr id="7" name="Picture 6"/>
-          <p:cNvPicPr>
-            <a:picLocks noChangeAspect="1"/>
-          </p:cNvPicPr>
-          <p:nvPr userDrawn="1"/>
-        </p:nvPicPr>
-        <p:blipFill>
-          <a:blip r:embed="rId2">
-            <a:extLst>
-              <a:ext uri="{28A0092B-C50C-407E-A947-70E740481C1C}">
-                <a14:useLocalDpi xmlns:a14="http://schemas.microsoft.com/office/drawing/2010/main" val="0"/>
-              </a:ext>
-            </a:extLst>
-          </a:blip>
-          <a:stretch>
-            <a:fillRect/>
-          </a:stretch>
-        </p:blipFill>
-        <p:spPr>
-          <a:xfrm>
-            <a:off x="6360290" y="228600"/>
-            <a:ext cx="2478910" cy="552622"/>
-          </a:xfrm>
-          <a:prstGeom prst="rect">
-            <a:avLst/>
-          </a:prstGeom>
-        </p:spPr>
-      </p:pic>
-      <p:sp>
-        <p:nvSpPr>
-          <p:cNvPr id="2" name="Title 1"/>
-          <p:cNvSpPr>
-            <a:spLocks noGrp="1"/>
-          </p:cNvSpPr>
-          <p:nvPr>
-            <p:ph type="title" hasCustomPrompt="1"/>
-          </p:nvPr>
-        </p:nvSpPr>
-        <p:spPr>
-          <a:xfrm>
-            <a:off x="381000" y="769203"/>
-            <a:ext cx="8363938" cy="747897"/>
-          </a:xfrm>
-        </p:spPr>
-        <p:txBody>
-          <a:bodyPr/>
-          <a:lstStyle>
-            <a:lvl1pPr>
-              <a:defRPr>
-                <a:latin typeface="Segoe UI Light" pitchFamily="34" charset="0"/>
-              </a:defRPr>
-            </a:lvl1pPr>
-          </a:lstStyle>
-          <a:p>
-            <a:r>
-              <a:rPr lang="en-US" dirty="0" smtClean="0"/>
-              <a:t>Master title style</a:t>
-            </a:r>
-            <a:endParaRPr lang="en-US" dirty="0"/>
-          </a:p>
-        </p:txBody>
-      </p:sp>
-      <p:sp>
-        <p:nvSpPr>
-          <p:cNvPr id="5" name="Text Placeholder 4"/>
-          <p:cNvSpPr>
-            <a:spLocks noGrp="1"/>
-          </p:cNvSpPr>
-          <p:nvPr>
-            <p:ph type="body" sz="quarter" idx="10"/>
-          </p:nvPr>
-        </p:nvSpPr>
-        <p:spPr>
-          <a:xfrm>
-            <a:off x="381000" y="1905000"/>
-            <a:ext cx="8363938" cy="2609945"/>
-          </a:xfrm>
-        </p:spPr>
-        <p:txBody>
-          <a:bodyPr/>
-          <a:lstStyle>
-            <a:lvl1pPr marL="347663" indent="-347663">
-              <a:defRPr sz="3200">
-                <a:latin typeface="Segoe UI Light" pitchFamily="34" charset="0"/>
-              </a:defRPr>
-            </a:lvl1pPr>
-            <a:lvl2pPr marL="744538" indent="-284163">
-              <a:defRPr sz="3200"/>
-            </a:lvl2pPr>
-            <a:lvl3pPr marL="1143000" indent="-287338">
-              <a:defRPr sz="3200"/>
-            </a:lvl3pPr>
-            <a:lvl4pPr marL="1490663" indent="-231775">
-              <a:defRPr sz="3200"/>
-            </a:lvl4pPr>
-            <a:lvl5pPr marL="1828800" indent="-223838">
-              <a:defRPr sz="3200"/>
-            </a:lvl5pPr>
-          </a:lstStyle>
-          <a:p>
-            <a:pPr lvl="0"/>
-            <a:r>
-              <a:rPr lang="en-US" dirty="0" smtClean="0"/>
-              <a:t>Click to edit Master text styles</a:t>
-            </a:r>
-          </a:p>
-          <a:p>
-            <a:pPr lvl="1"/>
-            <a:r>
-              <a:rPr lang="en-US" dirty="0" smtClean="0"/>
-              <a:t>Second level</a:t>
-            </a:r>
-          </a:p>
-          <a:p>
-            <a:pPr lvl="2"/>
-            <a:r>
-              <a:rPr lang="en-US" dirty="0" smtClean="0"/>
-              <a:t>Third level</a:t>
-            </a:r>
-          </a:p>
-          <a:p>
-            <a:pPr lvl="3"/>
-            <a:r>
-              <a:rPr lang="en-US" dirty="0" smtClean="0"/>
-              <a:t>Fourth level</a:t>
-            </a:r>
-          </a:p>
-          <a:p>
-            <a:pPr lvl="4"/>
-            <a:r>
-              <a:rPr lang="en-US" dirty="0" smtClean="0"/>
-              <a:t>Fifth level</a:t>
-            </a:r>
-            <a:endParaRPr lang="en-US" dirty="0"/>
-          </a:p>
-        </p:txBody>
-      </p:sp>
-      <p:sp>
-        <p:nvSpPr>
-          <p:cNvPr id="8" name="TextBox 7"/>
-          <p:cNvSpPr txBox="1"/>
-          <p:nvPr userDrawn="1"/>
-        </p:nvSpPr>
-        <p:spPr>
-          <a:xfrm>
-            <a:off x="4773601" y="6505545"/>
-            <a:ext cx="4063796" cy="200055"/>
-          </a:xfrm>
-          <a:prstGeom prst="rect">
-            <a:avLst/>
-          </a:prstGeom>
-          <a:noFill/>
-        </p:spPr>
-        <p:txBody>
-          <a:bodyPr wrap="square" rtlCol="0" anchor="b">
-            <a:spAutoFit/>
-          </a:bodyPr>
-          <a:lstStyle/>
-          <a:p>
-            <a:pPr algn="r" defTabSz="914363"/>
-            <a:fld id="{40B76143-9258-4AEE-9511-E300703853D1}" type="slidenum">
-              <a:rPr lang="en-US" sz="700" smtClean="0">
-                <a:solidFill>
-                  <a:prstClr val="white">
-                    <a:lumMod val="50000"/>
-                  </a:prstClr>
-                </a:solidFill>
-                <a:latin typeface="Segoe UI" pitchFamily="34" charset="0"/>
-                <a:ea typeface="Segoe UI" pitchFamily="34" charset="0"/>
-                <a:cs typeface="Segoe UI" pitchFamily="34" charset="0"/>
-              </a:rPr>
-              <a:pPr algn="r" defTabSz="914363"/>
-              <a:t>‹#›</a:t>
-            </a:fld>
-            <a:r>
-              <a:rPr lang="en-US" sz="700" dirty="0" smtClean="0">
-                <a:solidFill>
-                  <a:prstClr val="white">
-                    <a:lumMod val="50000"/>
-                  </a:prstClr>
-                </a:solidFill>
-                <a:latin typeface="Segoe UI" pitchFamily="34" charset="0"/>
-                <a:ea typeface="Segoe UI" pitchFamily="34" charset="0"/>
-                <a:cs typeface="Segoe UI" pitchFamily="34" charset="0"/>
-              </a:rPr>
-              <a:t>    |   SharePoint Saturday St. Louis 2012</a:t>
-            </a:r>
-            <a:endParaRPr lang="en-US" sz="700" dirty="0">
-              <a:solidFill>
-                <a:prstClr val="white">
-                  <a:lumMod val="50000"/>
-                </a:prstClr>
-              </a:solidFill>
-              <a:latin typeface="Segoe UI" pitchFamily="34" charset="0"/>
-              <a:ea typeface="Segoe UI" pitchFamily="34" charset="0"/>
-              <a:cs typeface="Segoe UI" pitchFamily="34" charset="0"/>
-            </a:endParaRPr>
-          </a:p>
-        </p:txBody>
-      </p:sp>
-    </p:spTree>
-    <p:extLst>
-      <p:ext uri="{BB962C8B-B14F-4D97-AF65-F5344CB8AC3E}">
-        <p14:creationId xmlns:p14="http://schemas.microsoft.com/office/powerpoint/2010/main" val="3674071476"/>
-      </p:ext>
-    </p:extLst>
-  </p:cSld>
-  <p:clrMapOvr>
-    <a:masterClrMapping/>
-  </p:clrMapOvr>
-  <p:transition spd="slow">
-    <p:push/>
-  </p:transition>
-  <p:timing>
-    <p:tnLst>
-      <p:par>
-        <p:cTn id="1" dur="indefinite" restart="never" nodeType="tmRoot"/>
-      </p:par>
-    </p:tnLst>
-  </p:timing>
-</p:sldLayout>
-</file>
-
-<file path=ppt/slideLayouts/slideLayout101.xml><?xml version="1.0" encoding="utf-8"?>
 <p:sldLayout xmlns:a="http://schemas.openxmlformats.org/drawingml/2006/main" xmlns:r="http://schemas.openxmlformats.org/officeDocument/2006/relationships" xmlns:p="http://schemas.openxmlformats.org/presentationml/2006/main" preserve="1" userDrawn="1">
   <p:cSld name="Title and Content">
     <p:spTree>
@@ -1517,7 +1274,7 @@
 </p:sldLayout>
 </file>
 
-<file path=ppt/slideLayouts/slideLayout102.xml><?xml version="1.0" encoding="utf-8"?>
+<file path=ppt/slideLayouts/slideLayout101.xml><?xml version="1.0" encoding="utf-8"?>
 <p:sldLayout xmlns:a="http://schemas.openxmlformats.org/drawingml/2006/main" xmlns:r="http://schemas.openxmlformats.org/officeDocument/2006/relationships" xmlns:p="http://schemas.openxmlformats.org/presentationml/2006/main" preserve="1" userDrawn="1">
   <p:cSld name="Two Content">
     <p:spTree>
@@ -1894,7 +1651,7 @@
 </p:sldLayout>
 </file>
 
-<file path=ppt/slideLayouts/slideLayout103.xml><?xml version="1.0" encoding="utf-8"?>
+<file path=ppt/slideLayouts/slideLayout102.xml><?xml version="1.0" encoding="utf-8"?>
 <p:sldLayout xmlns:a="http://schemas.openxmlformats.org/drawingml/2006/main" xmlns:r="http://schemas.openxmlformats.org/officeDocument/2006/relationships" xmlns:p="http://schemas.openxmlformats.org/presentationml/2006/main" preserve="1" userDrawn="1">
   <p:cSld name="Comparison">
     <p:spTree>
@@ -2397,7 +2154,7 @@
 </p:sldLayout>
 </file>
 
-<file path=ppt/slideLayouts/slideLayout104.xml><?xml version="1.0" encoding="utf-8"?>
+<file path=ppt/slideLayouts/slideLayout103.xml><?xml version="1.0" encoding="utf-8"?>
 <p:sldLayout xmlns:a="http://schemas.openxmlformats.org/drawingml/2006/main" xmlns:r="http://schemas.openxmlformats.org/officeDocument/2006/relationships" xmlns:p="http://schemas.openxmlformats.org/presentationml/2006/main" preserve="1" userDrawn="1">
   <p:cSld name="Title Only">
     <p:spTree>
@@ -2564,7 +2321,7 @@
 </p:sldLayout>
 </file>
 
-<file path=ppt/slideLayouts/slideLayout105.xml><?xml version="1.0" encoding="utf-8"?>
+<file path=ppt/slideLayouts/slideLayout104.xml><?xml version="1.0" encoding="utf-8"?>
 <p:sldLayout xmlns:a="http://schemas.openxmlformats.org/drawingml/2006/main" xmlns:r="http://schemas.openxmlformats.org/officeDocument/2006/relationships" xmlns:p="http://schemas.openxmlformats.org/presentationml/2006/main" type="blank" preserve="1">
   <p:cSld name="Blank">
     <p:bg>
@@ -2612,7 +2369,7 @@
 </p:sldLayout>
 </file>
 
-<file path=ppt/slideLayouts/slideLayout106.xml><?xml version="1.0" encoding="utf-8"?>
+<file path=ppt/slideLayouts/slideLayout105.xml><?xml version="1.0" encoding="utf-8"?>
 <p:sldLayout xmlns:a="http://schemas.openxmlformats.org/drawingml/2006/main" xmlns:r="http://schemas.openxmlformats.org/officeDocument/2006/relationships" xmlns:p="http://schemas.openxmlformats.org/presentationml/2006/main" preserve="1">
   <p:cSld name="Black Layout - Title and Content">
     <p:bg bwMode="black">
@@ -2864,7 +2621,7 @@
 </p:sldLayout>
 </file>
 
-<file path=ppt/slideLayouts/slideLayout107.xml><?xml version="1.0" encoding="utf-8"?>
+<file path=ppt/slideLayouts/slideLayout106.xml><?xml version="1.0" encoding="utf-8"?>
 <p:sldLayout xmlns:a="http://schemas.openxmlformats.org/drawingml/2006/main" xmlns:r="http://schemas.openxmlformats.org/officeDocument/2006/relationships" xmlns:p="http://schemas.openxmlformats.org/presentationml/2006/main" preserve="1">
   <p:cSld name="Black Notes slide Layout">
     <p:bg bwMode="black">
@@ -3173,7 +2930,7 @@
 </p:sldLayout>
 </file>
 
-<file path=ppt/slideLayouts/slideLayout108.xml><?xml version="1.0" encoding="utf-8"?>
+<file path=ppt/slideLayouts/slideLayout107.xml><?xml version="1.0" encoding="utf-8"?>
 <p:sldLayout xmlns:a="http://schemas.openxmlformats.org/drawingml/2006/main" xmlns:r="http://schemas.openxmlformats.org/officeDocument/2006/relationships" xmlns:p="http://schemas.openxmlformats.org/presentationml/2006/main" userDrawn="1">
   <p:cSld name="2_Title and Content">
     <p:spTree>
@@ -3534,7 +3291,7 @@
           <a:p>
             <a:fld id="{A2ED7707-E2E8-493C-B39F-CCDFED8A6AEA}" type="datetimeFigureOut">
               <a:rPr lang="en-US" smtClean="0"/>
-              <a:t>5/31/2012</a:t>
+              <a:t>6/2/2012</a:t>
             </a:fld>
             <a:endParaRPr lang="en-US" dirty="0"/>
           </a:p>
@@ -4466,261 +4223,6 @@
 </file>
 
 <file path=ppt/slideLayouts/slideLayout13.xml><?xml version="1.0" encoding="utf-8"?>
-<p:sldLayout xmlns:a="http://schemas.openxmlformats.org/drawingml/2006/main" xmlns:r="http://schemas.openxmlformats.org/officeDocument/2006/relationships" xmlns:p="http://schemas.openxmlformats.org/presentationml/2006/main" userDrawn="1">
-  <p:cSld name="1_Title and Content">
-    <p:spTree>
-      <p:nvGrpSpPr>
-        <p:cNvPr id="1" name=""/>
-        <p:cNvGrpSpPr/>
-        <p:nvPr/>
-      </p:nvGrpSpPr>
-      <p:grpSpPr>
-        <a:xfrm>
-          <a:off x="0" y="0"/>
-          <a:ext cx="0" cy="0"/>
-          <a:chOff x="0" y="0"/>
-          <a:chExt cx="0" cy="0"/>
-        </a:xfrm>
-      </p:grpSpPr>
-      <p:pic>
-        <p:nvPicPr>
-          <p:cNvPr id="7" name="Picture 6"/>
-          <p:cNvPicPr>
-            <a:picLocks noChangeAspect="1"/>
-          </p:cNvPicPr>
-          <p:nvPr userDrawn="1"/>
-        </p:nvPicPr>
-        <p:blipFill>
-          <a:blip r:embed="rId2">
-            <a:extLst>
-              <a:ext uri="{28A0092B-C50C-407E-A947-70E740481C1C}">
-                <a14:useLocalDpi xmlns:a14="http://schemas.microsoft.com/office/drawing/2010/main" val="0"/>
-              </a:ext>
-            </a:extLst>
-          </a:blip>
-          <a:stretch>
-            <a:fillRect/>
-          </a:stretch>
-        </p:blipFill>
-        <p:spPr>
-          <a:xfrm>
-            <a:off x="6360290" y="228600"/>
-            <a:ext cx="2478910" cy="552622"/>
-          </a:xfrm>
-          <a:prstGeom prst="rect">
-            <a:avLst/>
-          </a:prstGeom>
-        </p:spPr>
-      </p:pic>
-      <p:sp>
-        <p:nvSpPr>
-          <p:cNvPr id="2" name="Title 1"/>
-          <p:cNvSpPr>
-            <a:spLocks noGrp="1"/>
-          </p:cNvSpPr>
-          <p:nvPr>
-            <p:ph type="title" hasCustomPrompt="1"/>
-          </p:nvPr>
-        </p:nvSpPr>
-        <p:spPr>
-          <a:xfrm>
-            <a:off x="381000" y="769203"/>
-            <a:ext cx="8363938" cy="747897"/>
-          </a:xfrm>
-        </p:spPr>
-        <p:txBody>
-          <a:bodyPr/>
-          <a:lstStyle>
-            <a:lvl1pPr>
-              <a:defRPr>
-                <a:latin typeface="Segoe UI Light" pitchFamily="34" charset="0"/>
-              </a:defRPr>
-            </a:lvl1pPr>
-          </a:lstStyle>
-          <a:p>
-            <a:r>
-              <a:rPr lang="en-US" dirty="0" smtClean="0"/>
-              <a:t>Master title style</a:t>
-            </a:r>
-            <a:endParaRPr lang="en-US" dirty="0"/>
-          </a:p>
-        </p:txBody>
-      </p:sp>
-      <p:sp>
-        <p:nvSpPr>
-          <p:cNvPr id="5" name="Text Placeholder 4"/>
-          <p:cNvSpPr>
-            <a:spLocks noGrp="1"/>
-          </p:cNvSpPr>
-          <p:nvPr>
-            <p:ph type="body" sz="quarter" idx="10"/>
-          </p:nvPr>
-        </p:nvSpPr>
-        <p:spPr>
-          <a:xfrm>
-            <a:off x="381000" y="1905000"/>
-            <a:ext cx="8363938" cy="2609945"/>
-          </a:xfrm>
-        </p:spPr>
-        <p:txBody>
-          <a:bodyPr/>
-          <a:lstStyle>
-            <a:lvl1pPr marL="347663" indent="-347663">
-              <a:defRPr sz="3200">
-                <a:latin typeface="Segoe UI Light" pitchFamily="34" charset="0"/>
-              </a:defRPr>
-            </a:lvl1pPr>
-            <a:lvl2pPr marL="744538" indent="-284163">
-              <a:defRPr sz="3200"/>
-            </a:lvl2pPr>
-            <a:lvl3pPr marL="1143000" indent="-287338">
-              <a:defRPr sz="3200"/>
-            </a:lvl3pPr>
-            <a:lvl4pPr marL="1490663" indent="-231775">
-              <a:defRPr sz="3200"/>
-            </a:lvl4pPr>
-            <a:lvl5pPr marL="1828800" indent="-223838">
-              <a:defRPr sz="3200"/>
-            </a:lvl5pPr>
-          </a:lstStyle>
-          <a:p>
-            <a:pPr lvl="0"/>
-            <a:r>
-              <a:rPr lang="en-US" dirty="0" smtClean="0"/>
-              <a:t>Click to edit Master text styles</a:t>
-            </a:r>
-          </a:p>
-          <a:p>
-            <a:pPr lvl="1"/>
-            <a:r>
-              <a:rPr lang="en-US" dirty="0" smtClean="0"/>
-              <a:t>Second level</a:t>
-            </a:r>
-          </a:p>
-          <a:p>
-            <a:pPr lvl="2"/>
-            <a:r>
-              <a:rPr lang="en-US" dirty="0" smtClean="0"/>
-              <a:t>Third level</a:t>
-            </a:r>
-          </a:p>
-          <a:p>
-            <a:pPr lvl="3"/>
-            <a:r>
-              <a:rPr lang="en-US" dirty="0" smtClean="0"/>
-              <a:t>Fourth level</a:t>
-            </a:r>
-          </a:p>
-          <a:p>
-            <a:pPr lvl="4"/>
-            <a:r>
-              <a:rPr lang="en-US" dirty="0" smtClean="0"/>
-              <a:t>Fifth level</a:t>
-            </a:r>
-            <a:endParaRPr lang="en-US" dirty="0"/>
-          </a:p>
-        </p:txBody>
-      </p:sp>
-      <p:sp>
-        <p:nvSpPr>
-          <p:cNvPr id="8" name="TextBox 7"/>
-          <p:cNvSpPr txBox="1"/>
-          <p:nvPr userDrawn="1"/>
-        </p:nvSpPr>
-        <p:spPr>
-          <a:xfrm>
-            <a:off x="4773601" y="6505545"/>
-            <a:ext cx="4063796" cy="200055"/>
-          </a:xfrm>
-          <a:prstGeom prst="rect">
-            <a:avLst/>
-          </a:prstGeom>
-          <a:noFill/>
-        </p:spPr>
-        <p:txBody>
-          <a:bodyPr wrap="square" rtlCol="0" anchor="b">
-            <a:spAutoFit/>
-          </a:bodyPr>
-          <a:lstStyle/>
-          <a:p>
-            <a:pPr algn="r"/>
-            <a:fld id="{40B76143-9258-4AEE-9511-E300703853D1}" type="slidenum">
-              <a:rPr lang="en-US" sz="700" smtClean="0">
-                <a:solidFill>
-                  <a:schemeClr val="bg1">
-                    <a:lumMod val="50000"/>
-                  </a:schemeClr>
-                </a:solidFill>
-                <a:latin typeface="Segoe UI" pitchFamily="34" charset="0"/>
-                <a:ea typeface="Segoe UI" pitchFamily="34" charset="0"/>
-                <a:cs typeface="Segoe UI" pitchFamily="34" charset="0"/>
-              </a:rPr>
-              <a:pPr algn="r"/>
-              <a:t>‹#›</a:t>
-            </a:fld>
-            <a:r>
-              <a:rPr lang="en-US" sz="700" dirty="0" smtClean="0">
-                <a:solidFill>
-                  <a:schemeClr val="bg1">
-                    <a:lumMod val="50000"/>
-                  </a:schemeClr>
-                </a:solidFill>
-                <a:latin typeface="Segoe UI" pitchFamily="34" charset="0"/>
-                <a:ea typeface="Segoe UI" pitchFamily="34" charset="0"/>
-                <a:cs typeface="Segoe UI" pitchFamily="34" charset="0"/>
-              </a:rPr>
-              <a:t>    |   SharePoint Saturday St. Louis</a:t>
-            </a:r>
-            <a:r>
-              <a:rPr lang="en-US" sz="700" baseline="0" dirty="0" smtClean="0">
-                <a:solidFill>
-                  <a:schemeClr val="bg1">
-                    <a:lumMod val="50000"/>
-                  </a:schemeClr>
-                </a:solidFill>
-                <a:latin typeface="Segoe UI" pitchFamily="34" charset="0"/>
-                <a:ea typeface="Segoe UI" pitchFamily="34" charset="0"/>
-                <a:cs typeface="Segoe UI" pitchFamily="34" charset="0"/>
-              </a:rPr>
-              <a:t> 2012</a:t>
-            </a:r>
-            <a:endParaRPr lang="en-US" sz="700" dirty="0">
-              <a:solidFill>
-                <a:schemeClr val="bg1">
-                  <a:lumMod val="50000"/>
-                </a:schemeClr>
-              </a:solidFill>
-              <a:latin typeface="Segoe UI" pitchFamily="34" charset="0"/>
-              <a:ea typeface="Segoe UI" pitchFamily="34" charset="0"/>
-              <a:cs typeface="Segoe UI" pitchFamily="34" charset="0"/>
-            </a:endParaRPr>
-          </a:p>
-        </p:txBody>
-      </p:sp>
-    </p:spTree>
-    <p:extLst>
-      <p:ext uri="{BB962C8B-B14F-4D97-AF65-F5344CB8AC3E}">
-        <p14:creationId xmlns:p14="http://schemas.microsoft.com/office/powerpoint/2010/main" val="1678236052"/>
-      </p:ext>
-    </p:extLst>
-  </p:cSld>
-  <p:clrMapOvr>
-    <a:masterClrMapping/>
-  </p:clrMapOvr>
-  <p:transition spd="slow">
-    <p:push/>
-  </p:transition>
-  <p:timing>
-    <p:tnLst>
-      <p:par>
-        <p:cTn id="1" dur="indefinite" restart="never" nodeType="tmRoot"/>
-      </p:par>
-    </p:tnLst>
-  </p:timing>
-</p:sldLayout>
-</file>
-
-<file path=ppt/slideLayouts/slideLayout14.xml><?xml version="1.0" encoding="utf-8"?>
 <p:sldLayout xmlns:a="http://schemas.openxmlformats.org/drawingml/2006/main" xmlns:r="http://schemas.openxmlformats.org/officeDocument/2006/relationships" xmlns:p="http://schemas.openxmlformats.org/presentationml/2006/main" preserve="1" userDrawn="1">
   <p:cSld name="Title Slide WP7 Annimation ">
     <p:bg>
@@ -5590,7 +5092,7 @@
 </p:sldLayout>
 </file>
 
-<file path=ppt/slideLayouts/slideLayout15.xml><?xml version="1.0" encoding="utf-8"?>
+<file path=ppt/slideLayouts/slideLayout14.xml><?xml version="1.0" encoding="utf-8"?>
 <p:sldLayout xmlns:a="http://schemas.openxmlformats.org/drawingml/2006/main" xmlns:r="http://schemas.openxmlformats.org/officeDocument/2006/relationships" xmlns:p="http://schemas.openxmlformats.org/presentationml/2006/main" preserve="1" userDrawn="1">
   <p:cSld name="1_Demo, Video etc. &quot;special&quot; slides">
     <p:bg>
@@ -6432,7 +5934,7 @@
 </p:sldLayout>
 </file>
 
-<file path=ppt/slideLayouts/slideLayout16.xml><?xml version="1.0" encoding="utf-8"?>
+<file path=ppt/slideLayouts/slideLayout15.xml><?xml version="1.0" encoding="utf-8"?>
 <p:sldLayout xmlns:a="http://schemas.openxmlformats.org/drawingml/2006/main" xmlns:r="http://schemas.openxmlformats.org/officeDocument/2006/relationships" xmlns:p="http://schemas.openxmlformats.org/presentationml/2006/main" preserve="1" userDrawn="1">
   <p:cSld name="Section Layout">
     <p:spTree>
@@ -6975,7 +6477,7 @@
 </p:sldLayout>
 </file>
 
-<file path=ppt/slideLayouts/slideLayout17.xml><?xml version="1.0" encoding="utf-8"?>
+<file path=ppt/slideLayouts/slideLayout16.xml><?xml version="1.0" encoding="utf-8"?>
 <p:sldLayout xmlns:a="http://schemas.openxmlformats.org/drawingml/2006/main" xmlns:r="http://schemas.openxmlformats.org/officeDocument/2006/relationships" xmlns:p="http://schemas.openxmlformats.org/presentationml/2006/main" preserve="1" userDrawn="1">
   <p:cSld name="1_Title and Content">
     <p:spTree>
@@ -7217,7 +6719,7 @@
 </p:sldLayout>
 </file>
 
-<file path=ppt/slideLayouts/slideLayout18.xml><?xml version="1.0" encoding="utf-8"?>
+<file path=ppt/slideLayouts/slideLayout17.xml><?xml version="1.0" encoding="utf-8"?>
 <p:sldLayout xmlns:a="http://schemas.openxmlformats.org/drawingml/2006/main" xmlns:r="http://schemas.openxmlformats.org/officeDocument/2006/relationships" xmlns:p="http://schemas.openxmlformats.org/presentationml/2006/main" preserve="1" userDrawn="1">
   <p:cSld name="Title and Content">
     <p:spTree>
@@ -7497,7 +6999,7 @@
 </p:sldLayout>
 </file>
 
-<file path=ppt/slideLayouts/slideLayout19.xml><?xml version="1.0" encoding="utf-8"?>
+<file path=ppt/slideLayouts/slideLayout18.xml><?xml version="1.0" encoding="utf-8"?>
 <p:sldLayout xmlns:a="http://schemas.openxmlformats.org/drawingml/2006/main" xmlns:r="http://schemas.openxmlformats.org/officeDocument/2006/relationships" xmlns:p="http://schemas.openxmlformats.org/presentationml/2006/main" preserve="1" userDrawn="1">
   <p:cSld name="Two Content">
     <p:spTree>
@@ -7874,177 +7376,7 @@
 </p:sldLayout>
 </file>
 
-<file path=ppt/slideLayouts/slideLayout2.xml><?xml version="1.0" encoding="utf-8"?>
-<p:sldLayout xmlns:a="http://schemas.openxmlformats.org/drawingml/2006/main" xmlns:r="http://schemas.openxmlformats.org/officeDocument/2006/relationships" xmlns:p="http://schemas.openxmlformats.org/presentationml/2006/main" type="obj" preserve="1">
-  <p:cSld name="Title and Content">
-    <p:spTree>
-      <p:nvGrpSpPr>
-        <p:cNvPr id="1" name=""/>
-        <p:cNvGrpSpPr/>
-        <p:nvPr/>
-      </p:nvGrpSpPr>
-      <p:grpSpPr>
-        <a:xfrm>
-          <a:off x="0" y="0"/>
-          <a:ext cx="0" cy="0"/>
-          <a:chOff x="0" y="0"/>
-          <a:chExt cx="0" cy="0"/>
-        </a:xfrm>
-      </p:grpSpPr>
-      <p:sp>
-        <p:nvSpPr>
-          <p:cNvPr id="2" name="Title 1"/>
-          <p:cNvSpPr>
-            <a:spLocks noGrp="1"/>
-          </p:cNvSpPr>
-          <p:nvPr>
-            <p:ph type="title"/>
-          </p:nvPr>
-        </p:nvSpPr>
-        <p:spPr/>
-        <p:txBody>
-          <a:bodyPr/>
-          <a:lstStyle/>
-          <a:p>
-            <a:r>
-              <a:rPr lang="en-US" smtClean="0"/>
-              <a:t>Click to edit Master title style</a:t>
-            </a:r>
-            <a:endParaRPr lang="en-US"/>
-          </a:p>
-        </p:txBody>
-      </p:sp>
-      <p:sp>
-        <p:nvSpPr>
-          <p:cNvPr id="3" name="Content Placeholder 2"/>
-          <p:cNvSpPr>
-            <a:spLocks noGrp="1"/>
-          </p:cNvSpPr>
-          <p:nvPr>
-            <p:ph idx="1"/>
-          </p:nvPr>
-        </p:nvSpPr>
-        <p:spPr/>
-        <p:txBody>
-          <a:bodyPr/>
-          <a:lstStyle/>
-          <a:p>
-            <a:pPr lvl="0"/>
-            <a:r>
-              <a:rPr lang="en-US" smtClean="0"/>
-              <a:t>Click to edit Master text styles</a:t>
-            </a:r>
-          </a:p>
-          <a:p>
-            <a:pPr lvl="1"/>
-            <a:r>
-              <a:rPr lang="en-US" smtClean="0"/>
-              <a:t>Second level</a:t>
-            </a:r>
-          </a:p>
-          <a:p>
-            <a:pPr lvl="2"/>
-            <a:r>
-              <a:rPr lang="en-US" smtClean="0"/>
-              <a:t>Third level</a:t>
-            </a:r>
-          </a:p>
-          <a:p>
-            <a:pPr lvl="3"/>
-            <a:r>
-              <a:rPr lang="en-US" smtClean="0"/>
-              <a:t>Fourth level</a:t>
-            </a:r>
-          </a:p>
-          <a:p>
-            <a:pPr lvl="4"/>
-            <a:r>
-              <a:rPr lang="en-US" smtClean="0"/>
-              <a:t>Fifth level</a:t>
-            </a:r>
-            <a:endParaRPr lang="en-US"/>
-          </a:p>
-        </p:txBody>
-      </p:sp>
-      <p:sp>
-        <p:nvSpPr>
-          <p:cNvPr id="4" name="Date Placeholder 3"/>
-          <p:cNvSpPr>
-            <a:spLocks noGrp="1"/>
-          </p:cNvSpPr>
-          <p:nvPr>
-            <p:ph type="dt" sz="half" idx="10"/>
-          </p:nvPr>
-        </p:nvSpPr>
-        <p:spPr/>
-        <p:txBody>
-          <a:bodyPr/>
-          <a:lstStyle/>
-          <a:p>
-            <a:fld id="{A2ED7707-E2E8-493C-B39F-CCDFED8A6AEA}" type="datetimeFigureOut">
-              <a:rPr lang="en-US" smtClean="0"/>
-              <a:t>5/31/2012</a:t>
-            </a:fld>
-            <a:endParaRPr lang="en-US" dirty="0"/>
-          </a:p>
-        </p:txBody>
-      </p:sp>
-      <p:sp>
-        <p:nvSpPr>
-          <p:cNvPr id="5" name="Footer Placeholder 4"/>
-          <p:cNvSpPr>
-            <a:spLocks noGrp="1"/>
-          </p:cNvSpPr>
-          <p:nvPr>
-            <p:ph type="ftr" sz="quarter" idx="11"/>
-          </p:nvPr>
-        </p:nvSpPr>
-        <p:spPr/>
-        <p:txBody>
-          <a:bodyPr/>
-          <a:lstStyle/>
-          <a:p>
-            <a:endParaRPr lang="en-US" dirty="0"/>
-          </a:p>
-        </p:txBody>
-      </p:sp>
-      <p:sp>
-        <p:nvSpPr>
-          <p:cNvPr id="6" name="Slide Number Placeholder 5"/>
-          <p:cNvSpPr>
-            <a:spLocks noGrp="1"/>
-          </p:cNvSpPr>
-          <p:nvPr>
-            <p:ph type="sldNum" sz="quarter" idx="12"/>
-          </p:nvPr>
-        </p:nvSpPr>
-        <p:spPr/>
-        <p:txBody>
-          <a:bodyPr/>
-          <a:lstStyle/>
-          <a:p>
-            <a:fld id="{AC73023D-27D3-4583-BC75-C6907FAC3A9C}" type="slidenum">
-              <a:rPr lang="en-US" smtClean="0"/>
-              <a:t>‹#›</a:t>
-            </a:fld>
-            <a:endParaRPr lang="en-US" dirty="0"/>
-          </a:p>
-        </p:txBody>
-      </p:sp>
-    </p:spTree>
-    <p:extLst>
-      <p:ext uri="{BB962C8B-B14F-4D97-AF65-F5344CB8AC3E}">
-        <p14:creationId xmlns:p14="http://schemas.microsoft.com/office/powerpoint/2010/main" val="2079242389"/>
-      </p:ext>
-    </p:extLst>
-  </p:cSld>
-  <p:clrMapOvr>
-    <a:masterClrMapping/>
-  </p:clrMapOvr>
-</p:sldLayout>
-</file>
-
-<file path=ppt/slideLayouts/slideLayout20.xml><?xml version="1.0" encoding="utf-8"?>
+<file path=ppt/slideLayouts/slideLayout19.xml><?xml version="1.0" encoding="utf-8"?>
 <p:sldLayout xmlns:a="http://schemas.openxmlformats.org/drawingml/2006/main" xmlns:r="http://schemas.openxmlformats.org/officeDocument/2006/relationships" xmlns:p="http://schemas.openxmlformats.org/presentationml/2006/main" preserve="1" userDrawn="1">
   <p:cSld name="Comparison">
     <p:spTree>
@@ -8547,7 +7879,177 @@
 </p:sldLayout>
 </file>
 
-<file path=ppt/slideLayouts/slideLayout21.xml><?xml version="1.0" encoding="utf-8"?>
+<file path=ppt/slideLayouts/slideLayout2.xml><?xml version="1.0" encoding="utf-8"?>
+<p:sldLayout xmlns:a="http://schemas.openxmlformats.org/drawingml/2006/main" xmlns:r="http://schemas.openxmlformats.org/officeDocument/2006/relationships" xmlns:p="http://schemas.openxmlformats.org/presentationml/2006/main" type="obj" preserve="1">
+  <p:cSld name="Title and Content">
+    <p:spTree>
+      <p:nvGrpSpPr>
+        <p:cNvPr id="1" name=""/>
+        <p:cNvGrpSpPr/>
+        <p:nvPr/>
+      </p:nvGrpSpPr>
+      <p:grpSpPr>
+        <a:xfrm>
+          <a:off x="0" y="0"/>
+          <a:ext cx="0" cy="0"/>
+          <a:chOff x="0" y="0"/>
+          <a:chExt cx="0" cy="0"/>
+        </a:xfrm>
+      </p:grpSpPr>
+      <p:sp>
+        <p:nvSpPr>
+          <p:cNvPr id="2" name="Title 1"/>
+          <p:cNvSpPr>
+            <a:spLocks noGrp="1"/>
+          </p:cNvSpPr>
+          <p:nvPr>
+            <p:ph type="title"/>
+          </p:nvPr>
+        </p:nvSpPr>
+        <p:spPr/>
+        <p:txBody>
+          <a:bodyPr/>
+          <a:lstStyle/>
+          <a:p>
+            <a:r>
+              <a:rPr lang="en-US" smtClean="0"/>
+              <a:t>Click to edit Master title style</a:t>
+            </a:r>
+            <a:endParaRPr lang="en-US"/>
+          </a:p>
+        </p:txBody>
+      </p:sp>
+      <p:sp>
+        <p:nvSpPr>
+          <p:cNvPr id="3" name="Content Placeholder 2"/>
+          <p:cNvSpPr>
+            <a:spLocks noGrp="1"/>
+          </p:cNvSpPr>
+          <p:nvPr>
+            <p:ph idx="1"/>
+          </p:nvPr>
+        </p:nvSpPr>
+        <p:spPr/>
+        <p:txBody>
+          <a:bodyPr/>
+          <a:lstStyle/>
+          <a:p>
+            <a:pPr lvl="0"/>
+            <a:r>
+              <a:rPr lang="en-US" smtClean="0"/>
+              <a:t>Click to edit Master text styles</a:t>
+            </a:r>
+          </a:p>
+          <a:p>
+            <a:pPr lvl="1"/>
+            <a:r>
+              <a:rPr lang="en-US" smtClean="0"/>
+              <a:t>Second level</a:t>
+            </a:r>
+          </a:p>
+          <a:p>
+            <a:pPr lvl="2"/>
+            <a:r>
+              <a:rPr lang="en-US" smtClean="0"/>
+              <a:t>Third level</a:t>
+            </a:r>
+          </a:p>
+          <a:p>
+            <a:pPr lvl="3"/>
+            <a:r>
+              <a:rPr lang="en-US" smtClean="0"/>
+              <a:t>Fourth level</a:t>
+            </a:r>
+          </a:p>
+          <a:p>
+            <a:pPr lvl="4"/>
+            <a:r>
+              <a:rPr lang="en-US" smtClean="0"/>
+              <a:t>Fifth level</a:t>
+            </a:r>
+            <a:endParaRPr lang="en-US"/>
+          </a:p>
+        </p:txBody>
+      </p:sp>
+      <p:sp>
+        <p:nvSpPr>
+          <p:cNvPr id="4" name="Date Placeholder 3"/>
+          <p:cNvSpPr>
+            <a:spLocks noGrp="1"/>
+          </p:cNvSpPr>
+          <p:nvPr>
+            <p:ph type="dt" sz="half" idx="10"/>
+          </p:nvPr>
+        </p:nvSpPr>
+        <p:spPr/>
+        <p:txBody>
+          <a:bodyPr/>
+          <a:lstStyle/>
+          <a:p>
+            <a:fld id="{A2ED7707-E2E8-493C-B39F-CCDFED8A6AEA}" type="datetimeFigureOut">
+              <a:rPr lang="en-US" smtClean="0"/>
+              <a:t>6/2/2012</a:t>
+            </a:fld>
+            <a:endParaRPr lang="en-US" dirty="0"/>
+          </a:p>
+        </p:txBody>
+      </p:sp>
+      <p:sp>
+        <p:nvSpPr>
+          <p:cNvPr id="5" name="Footer Placeholder 4"/>
+          <p:cNvSpPr>
+            <a:spLocks noGrp="1"/>
+          </p:cNvSpPr>
+          <p:nvPr>
+            <p:ph type="ftr" sz="quarter" idx="11"/>
+          </p:nvPr>
+        </p:nvSpPr>
+        <p:spPr/>
+        <p:txBody>
+          <a:bodyPr/>
+          <a:lstStyle/>
+          <a:p>
+            <a:endParaRPr lang="en-US" dirty="0"/>
+          </a:p>
+        </p:txBody>
+      </p:sp>
+      <p:sp>
+        <p:nvSpPr>
+          <p:cNvPr id="6" name="Slide Number Placeholder 5"/>
+          <p:cNvSpPr>
+            <a:spLocks noGrp="1"/>
+          </p:cNvSpPr>
+          <p:nvPr>
+            <p:ph type="sldNum" sz="quarter" idx="12"/>
+          </p:nvPr>
+        </p:nvSpPr>
+        <p:spPr/>
+        <p:txBody>
+          <a:bodyPr/>
+          <a:lstStyle/>
+          <a:p>
+            <a:fld id="{AC73023D-27D3-4583-BC75-C6907FAC3A9C}" type="slidenum">
+              <a:rPr lang="en-US" smtClean="0"/>
+              <a:t>‹#›</a:t>
+            </a:fld>
+            <a:endParaRPr lang="en-US" dirty="0"/>
+          </a:p>
+        </p:txBody>
+      </p:sp>
+    </p:spTree>
+    <p:extLst>
+      <p:ext uri="{BB962C8B-B14F-4D97-AF65-F5344CB8AC3E}">
+        <p14:creationId xmlns:p14="http://schemas.microsoft.com/office/powerpoint/2010/main" val="2079242389"/>
+      </p:ext>
+    </p:extLst>
+  </p:cSld>
+  <p:clrMapOvr>
+    <a:masterClrMapping/>
+  </p:clrMapOvr>
+</p:sldLayout>
+</file>
+
+<file path=ppt/slideLayouts/slideLayout20.xml><?xml version="1.0" encoding="utf-8"?>
 <p:sldLayout xmlns:a="http://schemas.openxmlformats.org/drawingml/2006/main" xmlns:r="http://schemas.openxmlformats.org/officeDocument/2006/relationships" xmlns:p="http://schemas.openxmlformats.org/presentationml/2006/main" preserve="1" userDrawn="1">
   <p:cSld name="Title Only">
     <p:spTree>
@@ -8714,7 +8216,7 @@
 </p:sldLayout>
 </file>
 
-<file path=ppt/slideLayouts/slideLayout22.xml><?xml version="1.0" encoding="utf-8"?>
+<file path=ppt/slideLayouts/slideLayout21.xml><?xml version="1.0" encoding="utf-8"?>
 <p:sldLayout xmlns:a="http://schemas.openxmlformats.org/drawingml/2006/main" xmlns:r="http://schemas.openxmlformats.org/officeDocument/2006/relationships" xmlns:p="http://schemas.openxmlformats.org/presentationml/2006/main" type="blank" preserve="1">
   <p:cSld name="Blank">
     <p:bg>
@@ -8762,7 +8264,7 @@
 </p:sldLayout>
 </file>
 
-<file path=ppt/slideLayouts/slideLayout23.xml><?xml version="1.0" encoding="utf-8"?>
+<file path=ppt/slideLayouts/slideLayout22.xml><?xml version="1.0" encoding="utf-8"?>
 <p:sldLayout xmlns:a="http://schemas.openxmlformats.org/drawingml/2006/main" xmlns:r="http://schemas.openxmlformats.org/officeDocument/2006/relationships" xmlns:p="http://schemas.openxmlformats.org/presentationml/2006/main" preserve="1">
   <p:cSld name="Black Layout - Title and Content">
     <p:bg bwMode="black">
@@ -9014,7 +8516,7 @@
 </p:sldLayout>
 </file>
 
-<file path=ppt/slideLayouts/slideLayout24.xml><?xml version="1.0" encoding="utf-8"?>
+<file path=ppt/slideLayouts/slideLayout23.xml><?xml version="1.0" encoding="utf-8"?>
 <p:sldLayout xmlns:a="http://schemas.openxmlformats.org/drawingml/2006/main" xmlns:r="http://schemas.openxmlformats.org/officeDocument/2006/relationships" xmlns:p="http://schemas.openxmlformats.org/presentationml/2006/main" preserve="1">
   <p:cSld name="Black Notes slide Layout">
     <p:bg bwMode="black">
@@ -9323,7 +8825,7 @@
 </p:sldLayout>
 </file>
 
-<file path=ppt/slideLayouts/slideLayout25.xml><?xml version="1.0" encoding="utf-8"?>
+<file path=ppt/slideLayouts/slideLayout24.xml><?xml version="1.0" encoding="utf-8"?>
 <p:sldLayout xmlns:a="http://schemas.openxmlformats.org/drawingml/2006/main" xmlns:r="http://schemas.openxmlformats.org/officeDocument/2006/relationships" xmlns:p="http://schemas.openxmlformats.org/presentationml/2006/main" preserve="1" userDrawn="1">
   <p:cSld name="Title Slide WP7 Annimation ">
     <p:bg>
@@ -10193,7 +9695,7 @@
 </p:sldLayout>
 </file>
 
-<file path=ppt/slideLayouts/slideLayout26.xml><?xml version="1.0" encoding="utf-8"?>
+<file path=ppt/slideLayouts/slideLayout25.xml><?xml version="1.0" encoding="utf-8"?>
 <p:sldLayout xmlns:a="http://schemas.openxmlformats.org/drawingml/2006/main" xmlns:r="http://schemas.openxmlformats.org/officeDocument/2006/relationships" xmlns:p="http://schemas.openxmlformats.org/presentationml/2006/main" preserve="1" userDrawn="1">
   <p:cSld name="1_Demo, Video etc. &quot;special&quot; slides">
     <p:bg>
@@ -11035,7 +10537,7 @@
 </p:sldLayout>
 </file>
 
-<file path=ppt/slideLayouts/slideLayout27.xml><?xml version="1.0" encoding="utf-8"?>
+<file path=ppt/slideLayouts/slideLayout26.xml><?xml version="1.0" encoding="utf-8"?>
 <p:sldLayout xmlns:a="http://schemas.openxmlformats.org/drawingml/2006/main" xmlns:r="http://schemas.openxmlformats.org/officeDocument/2006/relationships" xmlns:p="http://schemas.openxmlformats.org/presentationml/2006/main" preserve="1" userDrawn="1">
   <p:cSld name="Section Layout">
     <p:spTree>
@@ -11578,7 +11080,7 @@
 </p:sldLayout>
 </file>
 
-<file path=ppt/slideLayouts/slideLayout28.xml><?xml version="1.0" encoding="utf-8"?>
+<file path=ppt/slideLayouts/slideLayout27.xml><?xml version="1.0" encoding="utf-8"?>
 <p:sldLayout xmlns:a="http://schemas.openxmlformats.org/drawingml/2006/main" xmlns:r="http://schemas.openxmlformats.org/officeDocument/2006/relationships" xmlns:p="http://schemas.openxmlformats.org/presentationml/2006/main" preserve="1" userDrawn="1">
   <p:cSld name="1_Title and Content">
     <p:spTree>
@@ -11820,7 +11322,7 @@
 </p:sldLayout>
 </file>
 
-<file path=ppt/slideLayouts/slideLayout29.xml><?xml version="1.0" encoding="utf-8"?>
+<file path=ppt/slideLayouts/slideLayout28.xml><?xml version="1.0" encoding="utf-8"?>
 <p:sldLayout xmlns:a="http://schemas.openxmlformats.org/drawingml/2006/main" xmlns:r="http://schemas.openxmlformats.org/officeDocument/2006/relationships" xmlns:p="http://schemas.openxmlformats.org/presentationml/2006/main" preserve="1" userDrawn="1">
   <p:cSld name="Title and Content">
     <p:spTree>
@@ -12100,253 +11602,7 @@
 </p:sldLayout>
 </file>
 
-<file path=ppt/slideLayouts/slideLayout3.xml><?xml version="1.0" encoding="utf-8"?>
-<p:sldLayout xmlns:a="http://schemas.openxmlformats.org/drawingml/2006/main" xmlns:r="http://schemas.openxmlformats.org/officeDocument/2006/relationships" xmlns:p="http://schemas.openxmlformats.org/presentationml/2006/main" type="secHead" preserve="1">
-  <p:cSld name="Section Header">
-    <p:spTree>
-      <p:nvGrpSpPr>
-        <p:cNvPr id="1" name=""/>
-        <p:cNvGrpSpPr/>
-        <p:nvPr/>
-      </p:nvGrpSpPr>
-      <p:grpSpPr>
-        <a:xfrm>
-          <a:off x="0" y="0"/>
-          <a:ext cx="0" cy="0"/>
-          <a:chOff x="0" y="0"/>
-          <a:chExt cx="0" cy="0"/>
-        </a:xfrm>
-      </p:grpSpPr>
-      <p:sp>
-        <p:nvSpPr>
-          <p:cNvPr id="2" name="Title 1"/>
-          <p:cNvSpPr>
-            <a:spLocks noGrp="1"/>
-          </p:cNvSpPr>
-          <p:nvPr>
-            <p:ph type="title"/>
-          </p:nvPr>
-        </p:nvSpPr>
-        <p:spPr>
-          <a:xfrm>
-            <a:off x="722313" y="4406900"/>
-            <a:ext cx="7772400" cy="1362075"/>
-          </a:xfrm>
-        </p:spPr>
-        <p:txBody>
-          <a:bodyPr anchor="t"/>
-          <a:lstStyle>
-            <a:lvl1pPr algn="l">
-              <a:defRPr sz="4000" b="1" cap="all"/>
-            </a:lvl1pPr>
-          </a:lstStyle>
-          <a:p>
-            <a:r>
-              <a:rPr lang="en-US" smtClean="0"/>
-              <a:t>Click to edit Master title style</a:t>
-            </a:r>
-            <a:endParaRPr lang="en-US"/>
-          </a:p>
-        </p:txBody>
-      </p:sp>
-      <p:sp>
-        <p:nvSpPr>
-          <p:cNvPr id="3" name="Text Placeholder 2"/>
-          <p:cNvSpPr>
-            <a:spLocks noGrp="1"/>
-          </p:cNvSpPr>
-          <p:nvPr>
-            <p:ph type="body" idx="1"/>
-          </p:nvPr>
-        </p:nvSpPr>
-        <p:spPr>
-          <a:xfrm>
-            <a:off x="722313" y="2906713"/>
-            <a:ext cx="7772400" cy="1500187"/>
-          </a:xfrm>
-        </p:spPr>
-        <p:txBody>
-          <a:bodyPr anchor="b"/>
-          <a:lstStyle>
-            <a:lvl1pPr marL="0" indent="0">
-              <a:buNone/>
-              <a:defRPr sz="2000">
-                <a:solidFill>
-                  <a:schemeClr val="tx1">
-                    <a:tint val="75000"/>
-                  </a:schemeClr>
-                </a:solidFill>
-              </a:defRPr>
-            </a:lvl1pPr>
-            <a:lvl2pPr marL="457200" indent="0">
-              <a:buNone/>
-              <a:defRPr sz="1800">
-                <a:solidFill>
-                  <a:schemeClr val="tx1">
-                    <a:tint val="75000"/>
-                  </a:schemeClr>
-                </a:solidFill>
-              </a:defRPr>
-            </a:lvl2pPr>
-            <a:lvl3pPr marL="914400" indent="0">
-              <a:buNone/>
-              <a:defRPr sz="1600">
-                <a:solidFill>
-                  <a:schemeClr val="tx1">
-                    <a:tint val="75000"/>
-                  </a:schemeClr>
-                </a:solidFill>
-              </a:defRPr>
-            </a:lvl3pPr>
-            <a:lvl4pPr marL="1371600" indent="0">
-              <a:buNone/>
-              <a:defRPr sz="1400">
-                <a:solidFill>
-                  <a:schemeClr val="tx1">
-                    <a:tint val="75000"/>
-                  </a:schemeClr>
-                </a:solidFill>
-              </a:defRPr>
-            </a:lvl4pPr>
-            <a:lvl5pPr marL="1828800" indent="0">
-              <a:buNone/>
-              <a:defRPr sz="1400">
-                <a:solidFill>
-                  <a:schemeClr val="tx1">
-                    <a:tint val="75000"/>
-                  </a:schemeClr>
-                </a:solidFill>
-              </a:defRPr>
-            </a:lvl5pPr>
-            <a:lvl6pPr marL="2286000" indent="0">
-              <a:buNone/>
-              <a:defRPr sz="1400">
-                <a:solidFill>
-                  <a:schemeClr val="tx1">
-                    <a:tint val="75000"/>
-                  </a:schemeClr>
-                </a:solidFill>
-              </a:defRPr>
-            </a:lvl6pPr>
-            <a:lvl7pPr marL="2743200" indent="0">
-              <a:buNone/>
-              <a:defRPr sz="1400">
-                <a:solidFill>
-                  <a:schemeClr val="tx1">
-                    <a:tint val="75000"/>
-                  </a:schemeClr>
-                </a:solidFill>
-              </a:defRPr>
-            </a:lvl7pPr>
-            <a:lvl8pPr marL="3200400" indent="0">
-              <a:buNone/>
-              <a:defRPr sz="1400">
-                <a:solidFill>
-                  <a:schemeClr val="tx1">
-                    <a:tint val="75000"/>
-                  </a:schemeClr>
-                </a:solidFill>
-              </a:defRPr>
-            </a:lvl8pPr>
-            <a:lvl9pPr marL="3657600" indent="0">
-              <a:buNone/>
-              <a:defRPr sz="1400">
-                <a:solidFill>
-                  <a:schemeClr val="tx1">
-                    <a:tint val="75000"/>
-                  </a:schemeClr>
-                </a:solidFill>
-              </a:defRPr>
-            </a:lvl9pPr>
-          </a:lstStyle>
-          <a:p>
-            <a:pPr lvl="0"/>
-            <a:r>
-              <a:rPr lang="en-US" smtClean="0"/>
-              <a:t>Click to edit Master text styles</a:t>
-            </a:r>
-          </a:p>
-        </p:txBody>
-      </p:sp>
-      <p:sp>
-        <p:nvSpPr>
-          <p:cNvPr id="4" name="Date Placeholder 3"/>
-          <p:cNvSpPr>
-            <a:spLocks noGrp="1"/>
-          </p:cNvSpPr>
-          <p:nvPr>
-            <p:ph type="dt" sz="half" idx="10"/>
-          </p:nvPr>
-        </p:nvSpPr>
-        <p:spPr/>
-        <p:txBody>
-          <a:bodyPr/>
-          <a:lstStyle/>
-          <a:p>
-            <a:fld id="{A2ED7707-E2E8-493C-B39F-CCDFED8A6AEA}" type="datetimeFigureOut">
-              <a:rPr lang="en-US" smtClean="0"/>
-              <a:t>5/31/2012</a:t>
-            </a:fld>
-            <a:endParaRPr lang="en-US" dirty="0"/>
-          </a:p>
-        </p:txBody>
-      </p:sp>
-      <p:sp>
-        <p:nvSpPr>
-          <p:cNvPr id="5" name="Footer Placeholder 4"/>
-          <p:cNvSpPr>
-            <a:spLocks noGrp="1"/>
-          </p:cNvSpPr>
-          <p:nvPr>
-            <p:ph type="ftr" sz="quarter" idx="11"/>
-          </p:nvPr>
-        </p:nvSpPr>
-        <p:spPr/>
-        <p:txBody>
-          <a:bodyPr/>
-          <a:lstStyle/>
-          <a:p>
-            <a:endParaRPr lang="en-US" dirty="0"/>
-          </a:p>
-        </p:txBody>
-      </p:sp>
-      <p:sp>
-        <p:nvSpPr>
-          <p:cNvPr id="6" name="Slide Number Placeholder 5"/>
-          <p:cNvSpPr>
-            <a:spLocks noGrp="1"/>
-          </p:cNvSpPr>
-          <p:nvPr>
-            <p:ph type="sldNum" sz="quarter" idx="12"/>
-          </p:nvPr>
-        </p:nvSpPr>
-        <p:spPr/>
-        <p:txBody>
-          <a:bodyPr/>
-          <a:lstStyle/>
-          <a:p>
-            <a:fld id="{AC73023D-27D3-4583-BC75-C6907FAC3A9C}" type="slidenum">
-              <a:rPr lang="en-US" smtClean="0"/>
-              <a:t>‹#›</a:t>
-            </a:fld>
-            <a:endParaRPr lang="en-US" dirty="0"/>
-          </a:p>
-        </p:txBody>
-      </p:sp>
-    </p:spTree>
-    <p:extLst>
-      <p:ext uri="{BB962C8B-B14F-4D97-AF65-F5344CB8AC3E}">
-        <p14:creationId xmlns:p14="http://schemas.microsoft.com/office/powerpoint/2010/main" val="2576196776"/>
-      </p:ext>
-    </p:extLst>
-  </p:cSld>
-  <p:clrMapOvr>
-    <a:masterClrMapping/>
-  </p:clrMapOvr>
-</p:sldLayout>
-</file>
-
-<file path=ppt/slideLayouts/slideLayout30.xml><?xml version="1.0" encoding="utf-8"?>
+<file path=ppt/slideLayouts/slideLayout29.xml><?xml version="1.0" encoding="utf-8"?>
 <p:sldLayout xmlns:a="http://schemas.openxmlformats.org/drawingml/2006/main" xmlns:r="http://schemas.openxmlformats.org/officeDocument/2006/relationships" xmlns:p="http://schemas.openxmlformats.org/presentationml/2006/main" preserve="1" userDrawn="1">
   <p:cSld name="Two Content">
     <p:spTree>
@@ -12723,7 +11979,253 @@
 </p:sldLayout>
 </file>
 
-<file path=ppt/slideLayouts/slideLayout31.xml><?xml version="1.0" encoding="utf-8"?>
+<file path=ppt/slideLayouts/slideLayout3.xml><?xml version="1.0" encoding="utf-8"?>
+<p:sldLayout xmlns:a="http://schemas.openxmlformats.org/drawingml/2006/main" xmlns:r="http://schemas.openxmlformats.org/officeDocument/2006/relationships" xmlns:p="http://schemas.openxmlformats.org/presentationml/2006/main" type="secHead" preserve="1">
+  <p:cSld name="Section Header">
+    <p:spTree>
+      <p:nvGrpSpPr>
+        <p:cNvPr id="1" name=""/>
+        <p:cNvGrpSpPr/>
+        <p:nvPr/>
+      </p:nvGrpSpPr>
+      <p:grpSpPr>
+        <a:xfrm>
+          <a:off x="0" y="0"/>
+          <a:ext cx="0" cy="0"/>
+          <a:chOff x="0" y="0"/>
+          <a:chExt cx="0" cy="0"/>
+        </a:xfrm>
+      </p:grpSpPr>
+      <p:sp>
+        <p:nvSpPr>
+          <p:cNvPr id="2" name="Title 1"/>
+          <p:cNvSpPr>
+            <a:spLocks noGrp="1"/>
+          </p:cNvSpPr>
+          <p:nvPr>
+            <p:ph type="title"/>
+          </p:nvPr>
+        </p:nvSpPr>
+        <p:spPr>
+          <a:xfrm>
+            <a:off x="722313" y="4406900"/>
+            <a:ext cx="7772400" cy="1362075"/>
+          </a:xfrm>
+        </p:spPr>
+        <p:txBody>
+          <a:bodyPr anchor="t"/>
+          <a:lstStyle>
+            <a:lvl1pPr algn="l">
+              <a:defRPr sz="4000" b="1" cap="all"/>
+            </a:lvl1pPr>
+          </a:lstStyle>
+          <a:p>
+            <a:r>
+              <a:rPr lang="en-US" smtClean="0"/>
+              <a:t>Click to edit Master title style</a:t>
+            </a:r>
+            <a:endParaRPr lang="en-US"/>
+          </a:p>
+        </p:txBody>
+      </p:sp>
+      <p:sp>
+        <p:nvSpPr>
+          <p:cNvPr id="3" name="Text Placeholder 2"/>
+          <p:cNvSpPr>
+            <a:spLocks noGrp="1"/>
+          </p:cNvSpPr>
+          <p:nvPr>
+            <p:ph type="body" idx="1"/>
+          </p:nvPr>
+        </p:nvSpPr>
+        <p:spPr>
+          <a:xfrm>
+            <a:off x="722313" y="2906713"/>
+            <a:ext cx="7772400" cy="1500187"/>
+          </a:xfrm>
+        </p:spPr>
+        <p:txBody>
+          <a:bodyPr anchor="b"/>
+          <a:lstStyle>
+            <a:lvl1pPr marL="0" indent="0">
+              <a:buNone/>
+              <a:defRPr sz="2000">
+                <a:solidFill>
+                  <a:schemeClr val="tx1">
+                    <a:tint val="75000"/>
+                  </a:schemeClr>
+                </a:solidFill>
+              </a:defRPr>
+            </a:lvl1pPr>
+            <a:lvl2pPr marL="457200" indent="0">
+              <a:buNone/>
+              <a:defRPr sz="1800">
+                <a:solidFill>
+                  <a:schemeClr val="tx1">
+                    <a:tint val="75000"/>
+                  </a:schemeClr>
+                </a:solidFill>
+              </a:defRPr>
+            </a:lvl2pPr>
+            <a:lvl3pPr marL="914400" indent="0">
+              <a:buNone/>
+              <a:defRPr sz="1600">
+                <a:solidFill>
+                  <a:schemeClr val="tx1">
+                    <a:tint val="75000"/>
+                  </a:schemeClr>
+                </a:solidFill>
+              </a:defRPr>
+            </a:lvl3pPr>
+            <a:lvl4pPr marL="1371600" indent="0">
+              <a:buNone/>
+              <a:defRPr sz="1400">
+                <a:solidFill>
+                  <a:schemeClr val="tx1">
+                    <a:tint val="75000"/>
+                  </a:schemeClr>
+                </a:solidFill>
+              </a:defRPr>
+            </a:lvl4pPr>
+            <a:lvl5pPr marL="1828800" indent="0">
+              <a:buNone/>
+              <a:defRPr sz="1400">
+                <a:solidFill>
+                  <a:schemeClr val="tx1">
+                    <a:tint val="75000"/>
+                  </a:schemeClr>
+                </a:solidFill>
+              </a:defRPr>
+            </a:lvl5pPr>
+            <a:lvl6pPr marL="2286000" indent="0">
+              <a:buNone/>
+              <a:defRPr sz="1400">
+                <a:solidFill>
+                  <a:schemeClr val="tx1">
+                    <a:tint val="75000"/>
+                  </a:schemeClr>
+                </a:solidFill>
+              </a:defRPr>
+            </a:lvl6pPr>
+            <a:lvl7pPr marL="2743200" indent="0">
+              <a:buNone/>
+              <a:defRPr sz="1400">
+                <a:solidFill>
+                  <a:schemeClr val="tx1">
+                    <a:tint val="75000"/>
+                  </a:schemeClr>
+                </a:solidFill>
+              </a:defRPr>
+            </a:lvl7pPr>
+            <a:lvl8pPr marL="3200400" indent="0">
+              <a:buNone/>
+              <a:defRPr sz="1400">
+                <a:solidFill>
+                  <a:schemeClr val="tx1">
+                    <a:tint val="75000"/>
+                  </a:schemeClr>
+                </a:solidFill>
+              </a:defRPr>
+            </a:lvl8pPr>
+            <a:lvl9pPr marL="3657600" indent="0">
+              <a:buNone/>
+              <a:defRPr sz="1400">
+                <a:solidFill>
+                  <a:schemeClr val="tx1">
+                    <a:tint val="75000"/>
+                  </a:schemeClr>
+                </a:solidFill>
+              </a:defRPr>
+            </a:lvl9pPr>
+          </a:lstStyle>
+          <a:p>
+            <a:pPr lvl="0"/>
+            <a:r>
+              <a:rPr lang="en-US" smtClean="0"/>
+              <a:t>Click to edit Master text styles</a:t>
+            </a:r>
+          </a:p>
+        </p:txBody>
+      </p:sp>
+      <p:sp>
+        <p:nvSpPr>
+          <p:cNvPr id="4" name="Date Placeholder 3"/>
+          <p:cNvSpPr>
+            <a:spLocks noGrp="1"/>
+          </p:cNvSpPr>
+          <p:nvPr>
+            <p:ph type="dt" sz="half" idx="10"/>
+          </p:nvPr>
+        </p:nvSpPr>
+        <p:spPr/>
+        <p:txBody>
+          <a:bodyPr/>
+          <a:lstStyle/>
+          <a:p>
+            <a:fld id="{A2ED7707-E2E8-493C-B39F-CCDFED8A6AEA}" type="datetimeFigureOut">
+              <a:rPr lang="en-US" smtClean="0"/>
+              <a:t>6/2/2012</a:t>
+            </a:fld>
+            <a:endParaRPr lang="en-US" dirty="0"/>
+          </a:p>
+        </p:txBody>
+      </p:sp>
+      <p:sp>
+        <p:nvSpPr>
+          <p:cNvPr id="5" name="Footer Placeholder 4"/>
+          <p:cNvSpPr>
+            <a:spLocks noGrp="1"/>
+          </p:cNvSpPr>
+          <p:nvPr>
+            <p:ph type="ftr" sz="quarter" idx="11"/>
+          </p:nvPr>
+        </p:nvSpPr>
+        <p:spPr/>
+        <p:txBody>
+          <a:bodyPr/>
+          <a:lstStyle/>
+          <a:p>
+            <a:endParaRPr lang="en-US" dirty="0"/>
+          </a:p>
+        </p:txBody>
+      </p:sp>
+      <p:sp>
+        <p:nvSpPr>
+          <p:cNvPr id="6" name="Slide Number Placeholder 5"/>
+          <p:cNvSpPr>
+            <a:spLocks noGrp="1"/>
+          </p:cNvSpPr>
+          <p:nvPr>
+            <p:ph type="sldNum" sz="quarter" idx="12"/>
+          </p:nvPr>
+        </p:nvSpPr>
+        <p:spPr/>
+        <p:txBody>
+          <a:bodyPr/>
+          <a:lstStyle/>
+          <a:p>
+            <a:fld id="{AC73023D-27D3-4583-BC75-C6907FAC3A9C}" type="slidenum">
+              <a:rPr lang="en-US" smtClean="0"/>
+              <a:t>‹#›</a:t>
+            </a:fld>
+            <a:endParaRPr lang="en-US" dirty="0"/>
+          </a:p>
+        </p:txBody>
+      </p:sp>
+    </p:spTree>
+    <p:extLst>
+      <p:ext uri="{BB962C8B-B14F-4D97-AF65-F5344CB8AC3E}">
+        <p14:creationId xmlns:p14="http://schemas.microsoft.com/office/powerpoint/2010/main" val="2576196776"/>
+      </p:ext>
+    </p:extLst>
+  </p:cSld>
+  <p:clrMapOvr>
+    <a:masterClrMapping/>
+  </p:clrMapOvr>
+</p:sldLayout>
+</file>
+
+<file path=ppt/slideLayouts/slideLayout30.xml><?xml version="1.0" encoding="utf-8"?>
 <p:sldLayout xmlns:a="http://schemas.openxmlformats.org/drawingml/2006/main" xmlns:r="http://schemas.openxmlformats.org/officeDocument/2006/relationships" xmlns:p="http://schemas.openxmlformats.org/presentationml/2006/main" preserve="1" userDrawn="1">
   <p:cSld name="Comparison">
     <p:spTree>
@@ -13226,7 +12728,7 @@
 </p:sldLayout>
 </file>
 
-<file path=ppt/slideLayouts/slideLayout32.xml><?xml version="1.0" encoding="utf-8"?>
+<file path=ppt/slideLayouts/slideLayout31.xml><?xml version="1.0" encoding="utf-8"?>
 <p:sldLayout xmlns:a="http://schemas.openxmlformats.org/drawingml/2006/main" xmlns:r="http://schemas.openxmlformats.org/officeDocument/2006/relationships" xmlns:p="http://schemas.openxmlformats.org/presentationml/2006/main" preserve="1" userDrawn="1">
   <p:cSld name="Title Only">
     <p:spTree>
@@ -13393,7 +12895,7 @@
 </p:sldLayout>
 </file>
 
-<file path=ppt/slideLayouts/slideLayout33.xml><?xml version="1.0" encoding="utf-8"?>
+<file path=ppt/slideLayouts/slideLayout32.xml><?xml version="1.0" encoding="utf-8"?>
 <p:sldLayout xmlns:a="http://schemas.openxmlformats.org/drawingml/2006/main" xmlns:r="http://schemas.openxmlformats.org/officeDocument/2006/relationships" xmlns:p="http://schemas.openxmlformats.org/presentationml/2006/main" type="blank" preserve="1">
   <p:cSld name="Blank">
     <p:bg>
@@ -13441,7 +12943,7 @@
 </p:sldLayout>
 </file>
 
-<file path=ppt/slideLayouts/slideLayout34.xml><?xml version="1.0" encoding="utf-8"?>
+<file path=ppt/slideLayouts/slideLayout33.xml><?xml version="1.0" encoding="utf-8"?>
 <p:sldLayout xmlns:a="http://schemas.openxmlformats.org/drawingml/2006/main" xmlns:r="http://schemas.openxmlformats.org/officeDocument/2006/relationships" xmlns:p="http://schemas.openxmlformats.org/presentationml/2006/main" preserve="1">
   <p:cSld name="Black Layout - Title and Content">
     <p:bg bwMode="black">
@@ -13693,7 +13195,7 @@
 </p:sldLayout>
 </file>
 
-<file path=ppt/slideLayouts/slideLayout35.xml><?xml version="1.0" encoding="utf-8"?>
+<file path=ppt/slideLayouts/slideLayout34.xml><?xml version="1.0" encoding="utf-8"?>
 <p:sldLayout xmlns:a="http://schemas.openxmlformats.org/drawingml/2006/main" xmlns:r="http://schemas.openxmlformats.org/officeDocument/2006/relationships" xmlns:p="http://schemas.openxmlformats.org/presentationml/2006/main" preserve="1">
   <p:cSld name="Black Notes slide Layout">
     <p:bg bwMode="black">
@@ -14002,7 +13504,7 @@
 </p:sldLayout>
 </file>
 
-<file path=ppt/slideLayouts/slideLayout36.xml><?xml version="1.0" encoding="utf-8"?>
+<file path=ppt/slideLayouts/slideLayout35.xml><?xml version="1.0" encoding="utf-8"?>
 <p:sldLayout xmlns:a="http://schemas.openxmlformats.org/drawingml/2006/main" xmlns:r="http://schemas.openxmlformats.org/officeDocument/2006/relationships" xmlns:p="http://schemas.openxmlformats.org/presentationml/2006/main" userDrawn="1">
   <p:cSld name="2_Title and Content">
     <p:spTree>
@@ -14244,7 +13746,7 @@
 </p:sldLayout>
 </file>
 
-<file path=ppt/slideLayouts/slideLayout37.xml><?xml version="1.0" encoding="utf-8"?>
+<file path=ppt/slideLayouts/slideLayout36.xml><?xml version="1.0" encoding="utf-8"?>
 <p:sldLayout xmlns:a="http://schemas.openxmlformats.org/drawingml/2006/main" xmlns:r="http://schemas.openxmlformats.org/officeDocument/2006/relationships" xmlns:p="http://schemas.openxmlformats.org/presentationml/2006/main" preserve="1" userDrawn="1">
   <p:cSld name="Title Slide WP7 Annimation ">
     <p:bg>
@@ -15114,7 +14616,7 @@
 </p:sldLayout>
 </file>
 
-<file path=ppt/slideLayouts/slideLayout38.xml><?xml version="1.0" encoding="utf-8"?>
+<file path=ppt/slideLayouts/slideLayout37.xml><?xml version="1.0" encoding="utf-8"?>
 <p:sldLayout xmlns:a="http://schemas.openxmlformats.org/drawingml/2006/main" xmlns:r="http://schemas.openxmlformats.org/officeDocument/2006/relationships" xmlns:p="http://schemas.openxmlformats.org/presentationml/2006/main" preserve="1" userDrawn="1">
   <p:cSld name="1_Demo, Video etc. &quot;special&quot; slides">
     <p:bg>
@@ -15956,7 +15458,7 @@
 </p:sldLayout>
 </file>
 
-<file path=ppt/slideLayouts/slideLayout39.xml><?xml version="1.0" encoding="utf-8"?>
+<file path=ppt/slideLayouts/slideLayout38.xml><?xml version="1.0" encoding="utf-8"?>
 <p:sldLayout xmlns:a="http://schemas.openxmlformats.org/drawingml/2006/main" xmlns:r="http://schemas.openxmlformats.org/officeDocument/2006/relationships" xmlns:p="http://schemas.openxmlformats.org/presentationml/2006/main" preserve="1" userDrawn="1">
   <p:cSld name="Section Layout">
     <p:spTree>
@@ -16499,295 +16001,7 @@
 </p:sldLayout>
 </file>
 
-<file path=ppt/slideLayouts/slideLayout4.xml><?xml version="1.0" encoding="utf-8"?>
-<p:sldLayout xmlns:a="http://schemas.openxmlformats.org/drawingml/2006/main" xmlns:r="http://schemas.openxmlformats.org/officeDocument/2006/relationships" xmlns:p="http://schemas.openxmlformats.org/presentationml/2006/main" type="twoObj" preserve="1">
-  <p:cSld name="Two Content">
-    <p:spTree>
-      <p:nvGrpSpPr>
-        <p:cNvPr id="1" name=""/>
-        <p:cNvGrpSpPr/>
-        <p:nvPr/>
-      </p:nvGrpSpPr>
-      <p:grpSpPr>
-        <a:xfrm>
-          <a:off x="0" y="0"/>
-          <a:ext cx="0" cy="0"/>
-          <a:chOff x="0" y="0"/>
-          <a:chExt cx="0" cy="0"/>
-        </a:xfrm>
-      </p:grpSpPr>
-      <p:sp>
-        <p:nvSpPr>
-          <p:cNvPr id="2" name="Title 1"/>
-          <p:cNvSpPr>
-            <a:spLocks noGrp="1"/>
-          </p:cNvSpPr>
-          <p:nvPr>
-            <p:ph type="title"/>
-          </p:nvPr>
-        </p:nvSpPr>
-        <p:spPr/>
-        <p:txBody>
-          <a:bodyPr/>
-          <a:lstStyle/>
-          <a:p>
-            <a:r>
-              <a:rPr lang="en-US" smtClean="0"/>
-              <a:t>Click to edit Master title style</a:t>
-            </a:r>
-            <a:endParaRPr lang="en-US"/>
-          </a:p>
-        </p:txBody>
-      </p:sp>
-      <p:sp>
-        <p:nvSpPr>
-          <p:cNvPr id="3" name="Content Placeholder 2"/>
-          <p:cNvSpPr>
-            <a:spLocks noGrp="1"/>
-          </p:cNvSpPr>
-          <p:nvPr>
-            <p:ph sz="half" idx="1"/>
-          </p:nvPr>
-        </p:nvSpPr>
-        <p:spPr>
-          <a:xfrm>
-            <a:off x="457200" y="1600200"/>
-            <a:ext cx="4038600" cy="4525963"/>
-          </a:xfrm>
-        </p:spPr>
-        <p:txBody>
-          <a:bodyPr/>
-          <a:lstStyle>
-            <a:lvl1pPr>
-              <a:defRPr sz="2800"/>
-            </a:lvl1pPr>
-            <a:lvl2pPr>
-              <a:defRPr sz="2400"/>
-            </a:lvl2pPr>
-            <a:lvl3pPr>
-              <a:defRPr sz="2000"/>
-            </a:lvl3pPr>
-            <a:lvl4pPr>
-              <a:defRPr sz="1800"/>
-            </a:lvl4pPr>
-            <a:lvl5pPr>
-              <a:defRPr sz="1800"/>
-            </a:lvl5pPr>
-            <a:lvl6pPr>
-              <a:defRPr sz="1800"/>
-            </a:lvl6pPr>
-            <a:lvl7pPr>
-              <a:defRPr sz="1800"/>
-            </a:lvl7pPr>
-            <a:lvl8pPr>
-              <a:defRPr sz="1800"/>
-            </a:lvl8pPr>
-            <a:lvl9pPr>
-              <a:defRPr sz="1800"/>
-            </a:lvl9pPr>
-          </a:lstStyle>
-          <a:p>
-            <a:pPr lvl="0"/>
-            <a:r>
-              <a:rPr lang="en-US" smtClean="0"/>
-              <a:t>Click to edit Master text styles</a:t>
-            </a:r>
-          </a:p>
-          <a:p>
-            <a:pPr lvl="1"/>
-            <a:r>
-              <a:rPr lang="en-US" smtClean="0"/>
-              <a:t>Second level</a:t>
-            </a:r>
-          </a:p>
-          <a:p>
-            <a:pPr lvl="2"/>
-            <a:r>
-              <a:rPr lang="en-US" smtClean="0"/>
-              <a:t>Third level</a:t>
-            </a:r>
-          </a:p>
-          <a:p>
-            <a:pPr lvl="3"/>
-            <a:r>
-              <a:rPr lang="en-US" smtClean="0"/>
-              <a:t>Fourth level</a:t>
-            </a:r>
-          </a:p>
-          <a:p>
-            <a:pPr lvl="4"/>
-            <a:r>
-              <a:rPr lang="en-US" smtClean="0"/>
-              <a:t>Fifth level</a:t>
-            </a:r>
-            <a:endParaRPr lang="en-US"/>
-          </a:p>
-        </p:txBody>
-      </p:sp>
-      <p:sp>
-        <p:nvSpPr>
-          <p:cNvPr id="4" name="Content Placeholder 3"/>
-          <p:cNvSpPr>
-            <a:spLocks noGrp="1"/>
-          </p:cNvSpPr>
-          <p:nvPr>
-            <p:ph sz="half" idx="2"/>
-          </p:nvPr>
-        </p:nvSpPr>
-        <p:spPr>
-          <a:xfrm>
-            <a:off x="4648200" y="1600200"/>
-            <a:ext cx="4038600" cy="4525963"/>
-          </a:xfrm>
-        </p:spPr>
-        <p:txBody>
-          <a:bodyPr/>
-          <a:lstStyle>
-            <a:lvl1pPr>
-              <a:defRPr sz="2800"/>
-            </a:lvl1pPr>
-            <a:lvl2pPr>
-              <a:defRPr sz="2400"/>
-            </a:lvl2pPr>
-            <a:lvl3pPr>
-              <a:defRPr sz="2000"/>
-            </a:lvl3pPr>
-            <a:lvl4pPr>
-              <a:defRPr sz="1800"/>
-            </a:lvl4pPr>
-            <a:lvl5pPr>
-              <a:defRPr sz="1800"/>
-            </a:lvl5pPr>
-            <a:lvl6pPr>
-              <a:defRPr sz="1800"/>
-            </a:lvl6pPr>
-            <a:lvl7pPr>
-              <a:defRPr sz="1800"/>
-            </a:lvl7pPr>
-            <a:lvl8pPr>
-              <a:defRPr sz="1800"/>
-            </a:lvl8pPr>
-            <a:lvl9pPr>
-              <a:defRPr sz="1800"/>
-            </a:lvl9pPr>
-          </a:lstStyle>
-          <a:p>
-            <a:pPr lvl="0"/>
-            <a:r>
-              <a:rPr lang="en-US" smtClean="0"/>
-              <a:t>Click to edit Master text styles</a:t>
-            </a:r>
-          </a:p>
-          <a:p>
-            <a:pPr lvl="1"/>
-            <a:r>
-              <a:rPr lang="en-US" smtClean="0"/>
-              <a:t>Second level</a:t>
-            </a:r>
-          </a:p>
-          <a:p>
-            <a:pPr lvl="2"/>
-            <a:r>
-              <a:rPr lang="en-US" smtClean="0"/>
-              <a:t>Third level</a:t>
-            </a:r>
-          </a:p>
-          <a:p>
-            <a:pPr lvl="3"/>
-            <a:r>
-              <a:rPr lang="en-US" smtClean="0"/>
-              <a:t>Fourth level</a:t>
-            </a:r>
-          </a:p>
-          <a:p>
-            <a:pPr lvl="4"/>
-            <a:r>
-              <a:rPr lang="en-US" smtClean="0"/>
-              <a:t>Fifth level</a:t>
-            </a:r>
-            <a:endParaRPr lang="en-US"/>
-          </a:p>
-        </p:txBody>
-      </p:sp>
-      <p:sp>
-        <p:nvSpPr>
-          <p:cNvPr id="5" name="Date Placeholder 4"/>
-          <p:cNvSpPr>
-            <a:spLocks noGrp="1"/>
-          </p:cNvSpPr>
-          <p:nvPr>
-            <p:ph type="dt" sz="half" idx="10"/>
-          </p:nvPr>
-        </p:nvSpPr>
-        <p:spPr/>
-        <p:txBody>
-          <a:bodyPr/>
-          <a:lstStyle/>
-          <a:p>
-            <a:fld id="{A2ED7707-E2E8-493C-B39F-CCDFED8A6AEA}" type="datetimeFigureOut">
-              <a:rPr lang="en-US" smtClean="0"/>
-              <a:t>5/31/2012</a:t>
-            </a:fld>
-            <a:endParaRPr lang="en-US" dirty="0"/>
-          </a:p>
-        </p:txBody>
-      </p:sp>
-      <p:sp>
-        <p:nvSpPr>
-          <p:cNvPr id="6" name="Footer Placeholder 5"/>
-          <p:cNvSpPr>
-            <a:spLocks noGrp="1"/>
-          </p:cNvSpPr>
-          <p:nvPr>
-            <p:ph type="ftr" sz="quarter" idx="11"/>
-          </p:nvPr>
-        </p:nvSpPr>
-        <p:spPr/>
-        <p:txBody>
-          <a:bodyPr/>
-          <a:lstStyle/>
-          <a:p>
-            <a:endParaRPr lang="en-US" dirty="0"/>
-          </a:p>
-        </p:txBody>
-      </p:sp>
-      <p:sp>
-        <p:nvSpPr>
-          <p:cNvPr id="7" name="Slide Number Placeholder 6"/>
-          <p:cNvSpPr>
-            <a:spLocks noGrp="1"/>
-          </p:cNvSpPr>
-          <p:nvPr>
-            <p:ph type="sldNum" sz="quarter" idx="12"/>
-          </p:nvPr>
-        </p:nvSpPr>
-        <p:spPr/>
-        <p:txBody>
-          <a:bodyPr/>
-          <a:lstStyle/>
-          <a:p>
-            <a:fld id="{AC73023D-27D3-4583-BC75-C6907FAC3A9C}" type="slidenum">
-              <a:rPr lang="en-US" smtClean="0"/>
-              <a:t>‹#›</a:t>
-            </a:fld>
-            <a:endParaRPr lang="en-US" dirty="0"/>
-          </a:p>
-        </p:txBody>
-      </p:sp>
-    </p:spTree>
-    <p:extLst>
-      <p:ext uri="{BB962C8B-B14F-4D97-AF65-F5344CB8AC3E}">
-        <p14:creationId xmlns:p14="http://schemas.microsoft.com/office/powerpoint/2010/main" val="1600719356"/>
-      </p:ext>
-    </p:extLst>
-  </p:cSld>
-  <p:clrMapOvr>
-    <a:masterClrMapping/>
-  </p:clrMapOvr>
-</p:sldLayout>
-</file>
-
-<file path=ppt/slideLayouts/slideLayout40.xml><?xml version="1.0" encoding="utf-8"?>
+<file path=ppt/slideLayouts/slideLayout39.xml><?xml version="1.0" encoding="utf-8"?>
 <p:sldLayout xmlns:a="http://schemas.openxmlformats.org/drawingml/2006/main" xmlns:r="http://schemas.openxmlformats.org/officeDocument/2006/relationships" xmlns:p="http://schemas.openxmlformats.org/presentationml/2006/main" preserve="1" userDrawn="1">
   <p:cSld name="1_Title and Content">
     <p:spTree>
@@ -17029,7 +16243,295 @@
 </p:sldLayout>
 </file>
 
-<file path=ppt/slideLayouts/slideLayout41.xml><?xml version="1.0" encoding="utf-8"?>
+<file path=ppt/slideLayouts/slideLayout4.xml><?xml version="1.0" encoding="utf-8"?>
+<p:sldLayout xmlns:a="http://schemas.openxmlformats.org/drawingml/2006/main" xmlns:r="http://schemas.openxmlformats.org/officeDocument/2006/relationships" xmlns:p="http://schemas.openxmlformats.org/presentationml/2006/main" type="twoObj" preserve="1">
+  <p:cSld name="Two Content">
+    <p:spTree>
+      <p:nvGrpSpPr>
+        <p:cNvPr id="1" name=""/>
+        <p:cNvGrpSpPr/>
+        <p:nvPr/>
+      </p:nvGrpSpPr>
+      <p:grpSpPr>
+        <a:xfrm>
+          <a:off x="0" y="0"/>
+          <a:ext cx="0" cy="0"/>
+          <a:chOff x="0" y="0"/>
+          <a:chExt cx="0" cy="0"/>
+        </a:xfrm>
+      </p:grpSpPr>
+      <p:sp>
+        <p:nvSpPr>
+          <p:cNvPr id="2" name="Title 1"/>
+          <p:cNvSpPr>
+            <a:spLocks noGrp="1"/>
+          </p:cNvSpPr>
+          <p:nvPr>
+            <p:ph type="title"/>
+          </p:nvPr>
+        </p:nvSpPr>
+        <p:spPr/>
+        <p:txBody>
+          <a:bodyPr/>
+          <a:lstStyle/>
+          <a:p>
+            <a:r>
+              <a:rPr lang="en-US" smtClean="0"/>
+              <a:t>Click to edit Master title style</a:t>
+            </a:r>
+            <a:endParaRPr lang="en-US"/>
+          </a:p>
+        </p:txBody>
+      </p:sp>
+      <p:sp>
+        <p:nvSpPr>
+          <p:cNvPr id="3" name="Content Placeholder 2"/>
+          <p:cNvSpPr>
+            <a:spLocks noGrp="1"/>
+          </p:cNvSpPr>
+          <p:nvPr>
+            <p:ph sz="half" idx="1"/>
+          </p:nvPr>
+        </p:nvSpPr>
+        <p:spPr>
+          <a:xfrm>
+            <a:off x="457200" y="1600200"/>
+            <a:ext cx="4038600" cy="4525963"/>
+          </a:xfrm>
+        </p:spPr>
+        <p:txBody>
+          <a:bodyPr/>
+          <a:lstStyle>
+            <a:lvl1pPr>
+              <a:defRPr sz="2800"/>
+            </a:lvl1pPr>
+            <a:lvl2pPr>
+              <a:defRPr sz="2400"/>
+            </a:lvl2pPr>
+            <a:lvl3pPr>
+              <a:defRPr sz="2000"/>
+            </a:lvl3pPr>
+            <a:lvl4pPr>
+              <a:defRPr sz="1800"/>
+            </a:lvl4pPr>
+            <a:lvl5pPr>
+              <a:defRPr sz="1800"/>
+            </a:lvl5pPr>
+            <a:lvl6pPr>
+              <a:defRPr sz="1800"/>
+            </a:lvl6pPr>
+            <a:lvl7pPr>
+              <a:defRPr sz="1800"/>
+            </a:lvl7pPr>
+            <a:lvl8pPr>
+              <a:defRPr sz="1800"/>
+            </a:lvl8pPr>
+            <a:lvl9pPr>
+              <a:defRPr sz="1800"/>
+            </a:lvl9pPr>
+          </a:lstStyle>
+          <a:p>
+            <a:pPr lvl="0"/>
+            <a:r>
+              <a:rPr lang="en-US" smtClean="0"/>
+              <a:t>Click to edit Master text styles</a:t>
+            </a:r>
+          </a:p>
+          <a:p>
+            <a:pPr lvl="1"/>
+            <a:r>
+              <a:rPr lang="en-US" smtClean="0"/>
+              <a:t>Second level</a:t>
+            </a:r>
+          </a:p>
+          <a:p>
+            <a:pPr lvl="2"/>
+            <a:r>
+              <a:rPr lang="en-US" smtClean="0"/>
+              <a:t>Third level</a:t>
+            </a:r>
+          </a:p>
+          <a:p>
+            <a:pPr lvl="3"/>
+            <a:r>
+              <a:rPr lang="en-US" smtClean="0"/>
+              <a:t>Fourth level</a:t>
+            </a:r>
+          </a:p>
+          <a:p>
+            <a:pPr lvl="4"/>
+            <a:r>
+              <a:rPr lang="en-US" smtClean="0"/>
+              <a:t>Fifth level</a:t>
+            </a:r>
+            <a:endParaRPr lang="en-US"/>
+          </a:p>
+        </p:txBody>
+      </p:sp>
+      <p:sp>
+        <p:nvSpPr>
+          <p:cNvPr id="4" name="Content Placeholder 3"/>
+          <p:cNvSpPr>
+            <a:spLocks noGrp="1"/>
+          </p:cNvSpPr>
+          <p:nvPr>
+            <p:ph sz="half" idx="2"/>
+          </p:nvPr>
+        </p:nvSpPr>
+        <p:spPr>
+          <a:xfrm>
+            <a:off x="4648200" y="1600200"/>
+            <a:ext cx="4038600" cy="4525963"/>
+          </a:xfrm>
+        </p:spPr>
+        <p:txBody>
+          <a:bodyPr/>
+          <a:lstStyle>
+            <a:lvl1pPr>
+              <a:defRPr sz="2800"/>
+            </a:lvl1pPr>
+            <a:lvl2pPr>
+              <a:defRPr sz="2400"/>
+            </a:lvl2pPr>
+            <a:lvl3pPr>
+              <a:defRPr sz="2000"/>
+            </a:lvl3pPr>
+            <a:lvl4pPr>
+              <a:defRPr sz="1800"/>
+            </a:lvl4pPr>
+            <a:lvl5pPr>
+              <a:defRPr sz="1800"/>
+            </a:lvl5pPr>
+            <a:lvl6pPr>
+              <a:defRPr sz="1800"/>
+            </a:lvl6pPr>
+            <a:lvl7pPr>
+              <a:defRPr sz="1800"/>
+            </a:lvl7pPr>
+            <a:lvl8pPr>
+              <a:defRPr sz="1800"/>
+            </a:lvl8pPr>
+            <a:lvl9pPr>
+              <a:defRPr sz="1800"/>
+            </a:lvl9pPr>
+          </a:lstStyle>
+          <a:p>
+            <a:pPr lvl="0"/>
+            <a:r>
+              <a:rPr lang="en-US" smtClean="0"/>
+              <a:t>Click to edit Master text styles</a:t>
+            </a:r>
+          </a:p>
+          <a:p>
+            <a:pPr lvl="1"/>
+            <a:r>
+              <a:rPr lang="en-US" smtClean="0"/>
+              <a:t>Second level</a:t>
+            </a:r>
+          </a:p>
+          <a:p>
+            <a:pPr lvl="2"/>
+            <a:r>
+              <a:rPr lang="en-US" smtClean="0"/>
+              <a:t>Third level</a:t>
+            </a:r>
+          </a:p>
+          <a:p>
+            <a:pPr lvl="3"/>
+            <a:r>
+              <a:rPr lang="en-US" smtClean="0"/>
+              <a:t>Fourth level</a:t>
+            </a:r>
+          </a:p>
+          <a:p>
+            <a:pPr lvl="4"/>
+            <a:r>
+              <a:rPr lang="en-US" smtClean="0"/>
+              <a:t>Fifth level</a:t>
+            </a:r>
+            <a:endParaRPr lang="en-US"/>
+          </a:p>
+        </p:txBody>
+      </p:sp>
+      <p:sp>
+        <p:nvSpPr>
+          <p:cNvPr id="5" name="Date Placeholder 4"/>
+          <p:cNvSpPr>
+            <a:spLocks noGrp="1"/>
+          </p:cNvSpPr>
+          <p:nvPr>
+            <p:ph type="dt" sz="half" idx="10"/>
+          </p:nvPr>
+        </p:nvSpPr>
+        <p:spPr/>
+        <p:txBody>
+          <a:bodyPr/>
+          <a:lstStyle/>
+          <a:p>
+            <a:fld id="{A2ED7707-E2E8-493C-B39F-CCDFED8A6AEA}" type="datetimeFigureOut">
+              <a:rPr lang="en-US" smtClean="0"/>
+              <a:t>6/2/2012</a:t>
+            </a:fld>
+            <a:endParaRPr lang="en-US" dirty="0"/>
+          </a:p>
+        </p:txBody>
+      </p:sp>
+      <p:sp>
+        <p:nvSpPr>
+          <p:cNvPr id="6" name="Footer Placeholder 5"/>
+          <p:cNvSpPr>
+            <a:spLocks noGrp="1"/>
+          </p:cNvSpPr>
+          <p:nvPr>
+            <p:ph type="ftr" sz="quarter" idx="11"/>
+          </p:nvPr>
+        </p:nvSpPr>
+        <p:spPr/>
+        <p:txBody>
+          <a:bodyPr/>
+          <a:lstStyle/>
+          <a:p>
+            <a:endParaRPr lang="en-US" dirty="0"/>
+          </a:p>
+        </p:txBody>
+      </p:sp>
+      <p:sp>
+        <p:nvSpPr>
+          <p:cNvPr id="7" name="Slide Number Placeholder 6"/>
+          <p:cNvSpPr>
+            <a:spLocks noGrp="1"/>
+          </p:cNvSpPr>
+          <p:nvPr>
+            <p:ph type="sldNum" sz="quarter" idx="12"/>
+          </p:nvPr>
+        </p:nvSpPr>
+        <p:spPr/>
+        <p:txBody>
+          <a:bodyPr/>
+          <a:lstStyle/>
+          <a:p>
+            <a:fld id="{AC73023D-27D3-4583-BC75-C6907FAC3A9C}" type="slidenum">
+              <a:rPr lang="en-US" smtClean="0"/>
+              <a:t>‹#›</a:t>
+            </a:fld>
+            <a:endParaRPr lang="en-US" dirty="0"/>
+          </a:p>
+        </p:txBody>
+      </p:sp>
+    </p:spTree>
+    <p:extLst>
+      <p:ext uri="{BB962C8B-B14F-4D97-AF65-F5344CB8AC3E}">
+        <p14:creationId xmlns:p14="http://schemas.microsoft.com/office/powerpoint/2010/main" val="1600719356"/>
+      </p:ext>
+    </p:extLst>
+  </p:cSld>
+  <p:clrMapOvr>
+    <a:masterClrMapping/>
+  </p:clrMapOvr>
+</p:sldLayout>
+</file>
+
+<file path=ppt/slideLayouts/slideLayout40.xml><?xml version="1.0" encoding="utf-8"?>
 <p:sldLayout xmlns:a="http://schemas.openxmlformats.org/drawingml/2006/main" xmlns:r="http://schemas.openxmlformats.org/officeDocument/2006/relationships" xmlns:p="http://schemas.openxmlformats.org/presentationml/2006/main" preserve="1" userDrawn="1">
   <p:cSld name="Title and Content">
     <p:spTree>
@@ -17309,7 +16811,7 @@
 </p:sldLayout>
 </file>
 
-<file path=ppt/slideLayouts/slideLayout42.xml><?xml version="1.0" encoding="utf-8"?>
+<file path=ppt/slideLayouts/slideLayout41.xml><?xml version="1.0" encoding="utf-8"?>
 <p:sldLayout xmlns:a="http://schemas.openxmlformats.org/drawingml/2006/main" xmlns:r="http://schemas.openxmlformats.org/officeDocument/2006/relationships" xmlns:p="http://schemas.openxmlformats.org/presentationml/2006/main" preserve="1" userDrawn="1">
   <p:cSld name="Two Content">
     <p:spTree>
@@ -17686,7 +17188,7 @@
 </p:sldLayout>
 </file>
 
-<file path=ppt/slideLayouts/slideLayout43.xml><?xml version="1.0" encoding="utf-8"?>
+<file path=ppt/slideLayouts/slideLayout42.xml><?xml version="1.0" encoding="utf-8"?>
 <p:sldLayout xmlns:a="http://schemas.openxmlformats.org/drawingml/2006/main" xmlns:r="http://schemas.openxmlformats.org/officeDocument/2006/relationships" xmlns:p="http://schemas.openxmlformats.org/presentationml/2006/main" preserve="1" userDrawn="1">
   <p:cSld name="Comparison">
     <p:spTree>
@@ -18189,7 +17691,7 @@
 </p:sldLayout>
 </file>
 
-<file path=ppt/slideLayouts/slideLayout44.xml><?xml version="1.0" encoding="utf-8"?>
+<file path=ppt/slideLayouts/slideLayout43.xml><?xml version="1.0" encoding="utf-8"?>
 <p:sldLayout xmlns:a="http://schemas.openxmlformats.org/drawingml/2006/main" xmlns:r="http://schemas.openxmlformats.org/officeDocument/2006/relationships" xmlns:p="http://schemas.openxmlformats.org/presentationml/2006/main" preserve="1" userDrawn="1">
   <p:cSld name="Title Only">
     <p:spTree>
@@ -18356,7 +17858,7 @@
 </p:sldLayout>
 </file>
 
-<file path=ppt/slideLayouts/slideLayout45.xml><?xml version="1.0" encoding="utf-8"?>
+<file path=ppt/slideLayouts/slideLayout44.xml><?xml version="1.0" encoding="utf-8"?>
 <p:sldLayout xmlns:a="http://schemas.openxmlformats.org/drawingml/2006/main" xmlns:r="http://schemas.openxmlformats.org/officeDocument/2006/relationships" xmlns:p="http://schemas.openxmlformats.org/presentationml/2006/main" type="blank" preserve="1">
   <p:cSld name="Blank">
     <p:bg>
@@ -18404,7 +17906,7 @@
 </p:sldLayout>
 </file>
 
-<file path=ppt/slideLayouts/slideLayout46.xml><?xml version="1.0" encoding="utf-8"?>
+<file path=ppt/slideLayouts/slideLayout45.xml><?xml version="1.0" encoding="utf-8"?>
 <p:sldLayout xmlns:a="http://schemas.openxmlformats.org/drawingml/2006/main" xmlns:r="http://schemas.openxmlformats.org/officeDocument/2006/relationships" xmlns:p="http://schemas.openxmlformats.org/presentationml/2006/main" preserve="1">
   <p:cSld name="Black Layout - Title and Content">
     <p:bg bwMode="black">
@@ -18656,7 +18158,7 @@
 </p:sldLayout>
 </file>
 
-<file path=ppt/slideLayouts/slideLayout47.xml><?xml version="1.0" encoding="utf-8"?>
+<file path=ppt/slideLayouts/slideLayout46.xml><?xml version="1.0" encoding="utf-8"?>
 <p:sldLayout xmlns:a="http://schemas.openxmlformats.org/drawingml/2006/main" xmlns:r="http://schemas.openxmlformats.org/officeDocument/2006/relationships" xmlns:p="http://schemas.openxmlformats.org/presentationml/2006/main" preserve="1">
   <p:cSld name="Black Notes slide Layout">
     <p:bg bwMode="black">
@@ -18965,7 +18467,7 @@
 </p:sldLayout>
 </file>
 
-<file path=ppt/slideLayouts/slideLayout48.xml><?xml version="1.0" encoding="utf-8"?>
+<file path=ppt/slideLayouts/slideLayout47.xml><?xml version="1.0" encoding="utf-8"?>
 <p:sldLayout xmlns:a="http://schemas.openxmlformats.org/drawingml/2006/main" xmlns:r="http://schemas.openxmlformats.org/officeDocument/2006/relationships" xmlns:p="http://schemas.openxmlformats.org/presentationml/2006/main" userDrawn="1">
   <p:cSld name="2_Title and Content">
     <p:spTree>
@@ -19207,7 +18709,7 @@
 </p:sldLayout>
 </file>
 
-<file path=ppt/slideLayouts/slideLayout49.xml><?xml version="1.0" encoding="utf-8"?>
+<file path=ppt/slideLayouts/slideLayout48.xml><?xml version="1.0" encoding="utf-8"?>
 <p:sldLayout xmlns:a="http://schemas.openxmlformats.org/drawingml/2006/main" xmlns:r="http://schemas.openxmlformats.org/officeDocument/2006/relationships" xmlns:p="http://schemas.openxmlformats.org/presentationml/2006/main" preserve="1" userDrawn="1">
   <p:cSld name="Title Slide WP7 Annimation ">
     <p:bg>
@@ -20077,429 +19579,7 @@
 </p:sldLayout>
 </file>
 
-<file path=ppt/slideLayouts/slideLayout5.xml><?xml version="1.0" encoding="utf-8"?>
-<p:sldLayout xmlns:a="http://schemas.openxmlformats.org/drawingml/2006/main" xmlns:r="http://schemas.openxmlformats.org/officeDocument/2006/relationships" xmlns:p="http://schemas.openxmlformats.org/presentationml/2006/main" type="twoTxTwoObj" preserve="1">
-  <p:cSld name="Comparison">
-    <p:spTree>
-      <p:nvGrpSpPr>
-        <p:cNvPr id="1" name=""/>
-        <p:cNvGrpSpPr/>
-        <p:nvPr/>
-      </p:nvGrpSpPr>
-      <p:grpSpPr>
-        <a:xfrm>
-          <a:off x="0" y="0"/>
-          <a:ext cx="0" cy="0"/>
-          <a:chOff x="0" y="0"/>
-          <a:chExt cx="0" cy="0"/>
-        </a:xfrm>
-      </p:grpSpPr>
-      <p:sp>
-        <p:nvSpPr>
-          <p:cNvPr id="2" name="Title 1"/>
-          <p:cNvSpPr>
-            <a:spLocks noGrp="1"/>
-          </p:cNvSpPr>
-          <p:nvPr>
-            <p:ph type="title"/>
-          </p:nvPr>
-        </p:nvSpPr>
-        <p:spPr/>
-        <p:txBody>
-          <a:bodyPr/>
-          <a:lstStyle>
-            <a:lvl1pPr>
-              <a:defRPr/>
-            </a:lvl1pPr>
-          </a:lstStyle>
-          <a:p>
-            <a:r>
-              <a:rPr lang="en-US" smtClean="0"/>
-              <a:t>Click to edit Master title style</a:t>
-            </a:r>
-            <a:endParaRPr lang="en-US"/>
-          </a:p>
-        </p:txBody>
-      </p:sp>
-      <p:sp>
-        <p:nvSpPr>
-          <p:cNvPr id="3" name="Text Placeholder 2"/>
-          <p:cNvSpPr>
-            <a:spLocks noGrp="1"/>
-          </p:cNvSpPr>
-          <p:nvPr>
-            <p:ph type="body" idx="1"/>
-          </p:nvPr>
-        </p:nvSpPr>
-        <p:spPr>
-          <a:xfrm>
-            <a:off x="457200" y="1535113"/>
-            <a:ext cx="4040188" cy="639762"/>
-          </a:xfrm>
-        </p:spPr>
-        <p:txBody>
-          <a:bodyPr anchor="b"/>
-          <a:lstStyle>
-            <a:lvl1pPr marL="0" indent="0">
-              <a:buNone/>
-              <a:defRPr sz="2400" b="1"/>
-            </a:lvl1pPr>
-            <a:lvl2pPr marL="457200" indent="0">
-              <a:buNone/>
-              <a:defRPr sz="2000" b="1"/>
-            </a:lvl2pPr>
-            <a:lvl3pPr marL="914400" indent="0">
-              <a:buNone/>
-              <a:defRPr sz="1800" b="1"/>
-            </a:lvl3pPr>
-            <a:lvl4pPr marL="1371600" indent="0">
-              <a:buNone/>
-              <a:defRPr sz="1600" b="1"/>
-            </a:lvl4pPr>
-            <a:lvl5pPr marL="1828800" indent="0">
-              <a:buNone/>
-              <a:defRPr sz="1600" b="1"/>
-            </a:lvl5pPr>
-            <a:lvl6pPr marL="2286000" indent="0">
-              <a:buNone/>
-              <a:defRPr sz="1600" b="1"/>
-            </a:lvl6pPr>
-            <a:lvl7pPr marL="2743200" indent="0">
-              <a:buNone/>
-              <a:defRPr sz="1600" b="1"/>
-            </a:lvl7pPr>
-            <a:lvl8pPr marL="3200400" indent="0">
-              <a:buNone/>
-              <a:defRPr sz="1600" b="1"/>
-            </a:lvl8pPr>
-            <a:lvl9pPr marL="3657600" indent="0">
-              <a:buNone/>
-              <a:defRPr sz="1600" b="1"/>
-            </a:lvl9pPr>
-          </a:lstStyle>
-          <a:p>
-            <a:pPr lvl="0"/>
-            <a:r>
-              <a:rPr lang="en-US" smtClean="0"/>
-              <a:t>Click to edit Master text styles</a:t>
-            </a:r>
-          </a:p>
-        </p:txBody>
-      </p:sp>
-      <p:sp>
-        <p:nvSpPr>
-          <p:cNvPr id="4" name="Content Placeholder 3"/>
-          <p:cNvSpPr>
-            <a:spLocks noGrp="1"/>
-          </p:cNvSpPr>
-          <p:nvPr>
-            <p:ph sz="half" idx="2"/>
-          </p:nvPr>
-        </p:nvSpPr>
-        <p:spPr>
-          <a:xfrm>
-            <a:off x="457200" y="2174875"/>
-            <a:ext cx="4040188" cy="3951288"/>
-          </a:xfrm>
-        </p:spPr>
-        <p:txBody>
-          <a:bodyPr/>
-          <a:lstStyle>
-            <a:lvl1pPr>
-              <a:defRPr sz="2400"/>
-            </a:lvl1pPr>
-            <a:lvl2pPr>
-              <a:defRPr sz="2000"/>
-            </a:lvl2pPr>
-            <a:lvl3pPr>
-              <a:defRPr sz="1800"/>
-            </a:lvl3pPr>
-            <a:lvl4pPr>
-              <a:defRPr sz="1600"/>
-            </a:lvl4pPr>
-            <a:lvl5pPr>
-              <a:defRPr sz="1600"/>
-            </a:lvl5pPr>
-            <a:lvl6pPr>
-              <a:defRPr sz="1600"/>
-            </a:lvl6pPr>
-            <a:lvl7pPr>
-              <a:defRPr sz="1600"/>
-            </a:lvl7pPr>
-            <a:lvl8pPr>
-              <a:defRPr sz="1600"/>
-            </a:lvl8pPr>
-            <a:lvl9pPr>
-              <a:defRPr sz="1600"/>
-            </a:lvl9pPr>
-          </a:lstStyle>
-          <a:p>
-            <a:pPr lvl="0"/>
-            <a:r>
-              <a:rPr lang="en-US" smtClean="0"/>
-              <a:t>Click to edit Master text styles</a:t>
-            </a:r>
-          </a:p>
-          <a:p>
-            <a:pPr lvl="1"/>
-            <a:r>
-              <a:rPr lang="en-US" smtClean="0"/>
-              <a:t>Second level</a:t>
-            </a:r>
-          </a:p>
-          <a:p>
-            <a:pPr lvl="2"/>
-            <a:r>
-              <a:rPr lang="en-US" smtClean="0"/>
-              <a:t>Third level</a:t>
-            </a:r>
-          </a:p>
-          <a:p>
-            <a:pPr lvl="3"/>
-            <a:r>
-              <a:rPr lang="en-US" smtClean="0"/>
-              <a:t>Fourth level</a:t>
-            </a:r>
-          </a:p>
-          <a:p>
-            <a:pPr lvl="4"/>
-            <a:r>
-              <a:rPr lang="en-US" smtClean="0"/>
-              <a:t>Fifth level</a:t>
-            </a:r>
-            <a:endParaRPr lang="en-US"/>
-          </a:p>
-        </p:txBody>
-      </p:sp>
-      <p:sp>
-        <p:nvSpPr>
-          <p:cNvPr id="5" name="Text Placeholder 4"/>
-          <p:cNvSpPr>
-            <a:spLocks noGrp="1"/>
-          </p:cNvSpPr>
-          <p:nvPr>
-            <p:ph type="body" sz="quarter" idx="3"/>
-          </p:nvPr>
-        </p:nvSpPr>
-        <p:spPr>
-          <a:xfrm>
-            <a:off x="4645025" y="1535113"/>
-            <a:ext cx="4041775" cy="639762"/>
-          </a:xfrm>
-        </p:spPr>
-        <p:txBody>
-          <a:bodyPr anchor="b"/>
-          <a:lstStyle>
-            <a:lvl1pPr marL="0" indent="0">
-              <a:buNone/>
-              <a:defRPr sz="2400" b="1"/>
-            </a:lvl1pPr>
-            <a:lvl2pPr marL="457200" indent="0">
-              <a:buNone/>
-              <a:defRPr sz="2000" b="1"/>
-            </a:lvl2pPr>
-            <a:lvl3pPr marL="914400" indent="0">
-              <a:buNone/>
-              <a:defRPr sz="1800" b="1"/>
-            </a:lvl3pPr>
-            <a:lvl4pPr marL="1371600" indent="0">
-              <a:buNone/>
-              <a:defRPr sz="1600" b="1"/>
-            </a:lvl4pPr>
-            <a:lvl5pPr marL="1828800" indent="0">
-              <a:buNone/>
-              <a:defRPr sz="1600" b="1"/>
-            </a:lvl5pPr>
-            <a:lvl6pPr marL="2286000" indent="0">
-              <a:buNone/>
-              <a:defRPr sz="1600" b="1"/>
-            </a:lvl6pPr>
-            <a:lvl7pPr marL="2743200" indent="0">
-              <a:buNone/>
-              <a:defRPr sz="1600" b="1"/>
-            </a:lvl7pPr>
-            <a:lvl8pPr marL="3200400" indent="0">
-              <a:buNone/>
-              <a:defRPr sz="1600" b="1"/>
-            </a:lvl8pPr>
-            <a:lvl9pPr marL="3657600" indent="0">
-              <a:buNone/>
-              <a:defRPr sz="1600" b="1"/>
-            </a:lvl9pPr>
-          </a:lstStyle>
-          <a:p>
-            <a:pPr lvl="0"/>
-            <a:r>
-              <a:rPr lang="en-US" smtClean="0"/>
-              <a:t>Click to edit Master text styles</a:t>
-            </a:r>
-          </a:p>
-        </p:txBody>
-      </p:sp>
-      <p:sp>
-        <p:nvSpPr>
-          <p:cNvPr id="6" name="Content Placeholder 5"/>
-          <p:cNvSpPr>
-            <a:spLocks noGrp="1"/>
-          </p:cNvSpPr>
-          <p:nvPr>
-            <p:ph sz="quarter" idx="4"/>
-          </p:nvPr>
-        </p:nvSpPr>
-        <p:spPr>
-          <a:xfrm>
-            <a:off x="4645025" y="2174875"/>
-            <a:ext cx="4041775" cy="3951288"/>
-          </a:xfrm>
-        </p:spPr>
-        <p:txBody>
-          <a:bodyPr/>
-          <a:lstStyle>
-            <a:lvl1pPr>
-              <a:defRPr sz="2400"/>
-            </a:lvl1pPr>
-            <a:lvl2pPr>
-              <a:defRPr sz="2000"/>
-            </a:lvl2pPr>
-            <a:lvl3pPr>
-              <a:defRPr sz="1800"/>
-            </a:lvl3pPr>
-            <a:lvl4pPr>
-              <a:defRPr sz="1600"/>
-            </a:lvl4pPr>
-            <a:lvl5pPr>
-              <a:defRPr sz="1600"/>
-            </a:lvl5pPr>
-            <a:lvl6pPr>
-              <a:defRPr sz="1600"/>
-            </a:lvl6pPr>
-            <a:lvl7pPr>
-              <a:defRPr sz="1600"/>
-            </a:lvl7pPr>
-            <a:lvl8pPr>
-              <a:defRPr sz="1600"/>
-            </a:lvl8pPr>
-            <a:lvl9pPr>
-              <a:defRPr sz="1600"/>
-            </a:lvl9pPr>
-          </a:lstStyle>
-          <a:p>
-            <a:pPr lvl="0"/>
-            <a:r>
-              <a:rPr lang="en-US" smtClean="0"/>
-              <a:t>Click to edit Master text styles</a:t>
-            </a:r>
-          </a:p>
-          <a:p>
-            <a:pPr lvl="1"/>
-            <a:r>
-              <a:rPr lang="en-US" smtClean="0"/>
-              <a:t>Second level</a:t>
-            </a:r>
-          </a:p>
-          <a:p>
-            <a:pPr lvl="2"/>
-            <a:r>
-              <a:rPr lang="en-US" smtClean="0"/>
-              <a:t>Third level</a:t>
-            </a:r>
-          </a:p>
-          <a:p>
-            <a:pPr lvl="3"/>
-            <a:r>
-              <a:rPr lang="en-US" smtClean="0"/>
-              <a:t>Fourth level</a:t>
-            </a:r>
-          </a:p>
-          <a:p>
-            <a:pPr lvl="4"/>
-            <a:r>
-              <a:rPr lang="en-US" smtClean="0"/>
-              <a:t>Fifth level</a:t>
-            </a:r>
-            <a:endParaRPr lang="en-US"/>
-          </a:p>
-        </p:txBody>
-      </p:sp>
-      <p:sp>
-        <p:nvSpPr>
-          <p:cNvPr id="7" name="Date Placeholder 6"/>
-          <p:cNvSpPr>
-            <a:spLocks noGrp="1"/>
-          </p:cNvSpPr>
-          <p:nvPr>
-            <p:ph type="dt" sz="half" idx="10"/>
-          </p:nvPr>
-        </p:nvSpPr>
-        <p:spPr/>
-        <p:txBody>
-          <a:bodyPr/>
-          <a:lstStyle/>
-          <a:p>
-            <a:fld id="{A2ED7707-E2E8-493C-B39F-CCDFED8A6AEA}" type="datetimeFigureOut">
-              <a:rPr lang="en-US" smtClean="0"/>
-              <a:t>5/31/2012</a:t>
-            </a:fld>
-            <a:endParaRPr lang="en-US" dirty="0"/>
-          </a:p>
-        </p:txBody>
-      </p:sp>
-      <p:sp>
-        <p:nvSpPr>
-          <p:cNvPr id="8" name="Footer Placeholder 7"/>
-          <p:cNvSpPr>
-            <a:spLocks noGrp="1"/>
-          </p:cNvSpPr>
-          <p:nvPr>
-            <p:ph type="ftr" sz="quarter" idx="11"/>
-          </p:nvPr>
-        </p:nvSpPr>
-        <p:spPr/>
-        <p:txBody>
-          <a:bodyPr/>
-          <a:lstStyle/>
-          <a:p>
-            <a:endParaRPr lang="en-US" dirty="0"/>
-          </a:p>
-        </p:txBody>
-      </p:sp>
-      <p:sp>
-        <p:nvSpPr>
-          <p:cNvPr id="9" name="Slide Number Placeholder 8"/>
-          <p:cNvSpPr>
-            <a:spLocks noGrp="1"/>
-          </p:cNvSpPr>
-          <p:nvPr>
-            <p:ph type="sldNum" sz="quarter" idx="12"/>
-          </p:nvPr>
-        </p:nvSpPr>
-        <p:spPr/>
-        <p:txBody>
-          <a:bodyPr/>
-          <a:lstStyle/>
-          <a:p>
-            <a:fld id="{AC73023D-27D3-4583-BC75-C6907FAC3A9C}" type="slidenum">
-              <a:rPr lang="en-US" smtClean="0"/>
-              <a:t>‹#›</a:t>
-            </a:fld>
-            <a:endParaRPr lang="en-US" dirty="0"/>
-          </a:p>
-        </p:txBody>
-      </p:sp>
-    </p:spTree>
-    <p:extLst>
-      <p:ext uri="{BB962C8B-B14F-4D97-AF65-F5344CB8AC3E}">
-        <p14:creationId xmlns:p14="http://schemas.microsoft.com/office/powerpoint/2010/main" val="530603323"/>
-      </p:ext>
-    </p:extLst>
-  </p:cSld>
-  <p:clrMapOvr>
-    <a:masterClrMapping/>
-  </p:clrMapOvr>
-</p:sldLayout>
-</file>
-
-<file path=ppt/slideLayouts/slideLayout50.xml><?xml version="1.0" encoding="utf-8"?>
+<file path=ppt/slideLayouts/slideLayout49.xml><?xml version="1.0" encoding="utf-8"?>
 <p:sldLayout xmlns:a="http://schemas.openxmlformats.org/drawingml/2006/main" xmlns:r="http://schemas.openxmlformats.org/officeDocument/2006/relationships" xmlns:p="http://schemas.openxmlformats.org/presentationml/2006/main" preserve="1" userDrawn="1">
   <p:cSld name="1_Demo, Video etc. &quot;special&quot; slides">
     <p:bg>
@@ -21341,7 +20421,429 @@
 </p:sldLayout>
 </file>
 
-<file path=ppt/slideLayouts/slideLayout51.xml><?xml version="1.0" encoding="utf-8"?>
+<file path=ppt/slideLayouts/slideLayout5.xml><?xml version="1.0" encoding="utf-8"?>
+<p:sldLayout xmlns:a="http://schemas.openxmlformats.org/drawingml/2006/main" xmlns:r="http://schemas.openxmlformats.org/officeDocument/2006/relationships" xmlns:p="http://schemas.openxmlformats.org/presentationml/2006/main" type="twoTxTwoObj" preserve="1">
+  <p:cSld name="Comparison">
+    <p:spTree>
+      <p:nvGrpSpPr>
+        <p:cNvPr id="1" name=""/>
+        <p:cNvGrpSpPr/>
+        <p:nvPr/>
+      </p:nvGrpSpPr>
+      <p:grpSpPr>
+        <a:xfrm>
+          <a:off x="0" y="0"/>
+          <a:ext cx="0" cy="0"/>
+          <a:chOff x="0" y="0"/>
+          <a:chExt cx="0" cy="0"/>
+        </a:xfrm>
+      </p:grpSpPr>
+      <p:sp>
+        <p:nvSpPr>
+          <p:cNvPr id="2" name="Title 1"/>
+          <p:cNvSpPr>
+            <a:spLocks noGrp="1"/>
+          </p:cNvSpPr>
+          <p:nvPr>
+            <p:ph type="title"/>
+          </p:nvPr>
+        </p:nvSpPr>
+        <p:spPr/>
+        <p:txBody>
+          <a:bodyPr/>
+          <a:lstStyle>
+            <a:lvl1pPr>
+              <a:defRPr/>
+            </a:lvl1pPr>
+          </a:lstStyle>
+          <a:p>
+            <a:r>
+              <a:rPr lang="en-US" smtClean="0"/>
+              <a:t>Click to edit Master title style</a:t>
+            </a:r>
+            <a:endParaRPr lang="en-US"/>
+          </a:p>
+        </p:txBody>
+      </p:sp>
+      <p:sp>
+        <p:nvSpPr>
+          <p:cNvPr id="3" name="Text Placeholder 2"/>
+          <p:cNvSpPr>
+            <a:spLocks noGrp="1"/>
+          </p:cNvSpPr>
+          <p:nvPr>
+            <p:ph type="body" idx="1"/>
+          </p:nvPr>
+        </p:nvSpPr>
+        <p:spPr>
+          <a:xfrm>
+            <a:off x="457200" y="1535113"/>
+            <a:ext cx="4040188" cy="639762"/>
+          </a:xfrm>
+        </p:spPr>
+        <p:txBody>
+          <a:bodyPr anchor="b"/>
+          <a:lstStyle>
+            <a:lvl1pPr marL="0" indent="0">
+              <a:buNone/>
+              <a:defRPr sz="2400" b="1"/>
+            </a:lvl1pPr>
+            <a:lvl2pPr marL="457200" indent="0">
+              <a:buNone/>
+              <a:defRPr sz="2000" b="1"/>
+            </a:lvl2pPr>
+            <a:lvl3pPr marL="914400" indent="0">
+              <a:buNone/>
+              <a:defRPr sz="1800" b="1"/>
+            </a:lvl3pPr>
+            <a:lvl4pPr marL="1371600" indent="0">
+              <a:buNone/>
+              <a:defRPr sz="1600" b="1"/>
+            </a:lvl4pPr>
+            <a:lvl5pPr marL="1828800" indent="0">
+              <a:buNone/>
+              <a:defRPr sz="1600" b="1"/>
+            </a:lvl5pPr>
+            <a:lvl6pPr marL="2286000" indent="0">
+              <a:buNone/>
+              <a:defRPr sz="1600" b="1"/>
+            </a:lvl6pPr>
+            <a:lvl7pPr marL="2743200" indent="0">
+              <a:buNone/>
+              <a:defRPr sz="1600" b="1"/>
+            </a:lvl7pPr>
+            <a:lvl8pPr marL="3200400" indent="0">
+              <a:buNone/>
+              <a:defRPr sz="1600" b="1"/>
+            </a:lvl8pPr>
+            <a:lvl9pPr marL="3657600" indent="0">
+              <a:buNone/>
+              <a:defRPr sz="1600" b="1"/>
+            </a:lvl9pPr>
+          </a:lstStyle>
+          <a:p>
+            <a:pPr lvl="0"/>
+            <a:r>
+              <a:rPr lang="en-US" smtClean="0"/>
+              <a:t>Click to edit Master text styles</a:t>
+            </a:r>
+          </a:p>
+        </p:txBody>
+      </p:sp>
+      <p:sp>
+        <p:nvSpPr>
+          <p:cNvPr id="4" name="Content Placeholder 3"/>
+          <p:cNvSpPr>
+            <a:spLocks noGrp="1"/>
+          </p:cNvSpPr>
+          <p:nvPr>
+            <p:ph sz="half" idx="2"/>
+          </p:nvPr>
+        </p:nvSpPr>
+        <p:spPr>
+          <a:xfrm>
+            <a:off x="457200" y="2174875"/>
+            <a:ext cx="4040188" cy="3951288"/>
+          </a:xfrm>
+        </p:spPr>
+        <p:txBody>
+          <a:bodyPr/>
+          <a:lstStyle>
+            <a:lvl1pPr>
+              <a:defRPr sz="2400"/>
+            </a:lvl1pPr>
+            <a:lvl2pPr>
+              <a:defRPr sz="2000"/>
+            </a:lvl2pPr>
+            <a:lvl3pPr>
+              <a:defRPr sz="1800"/>
+            </a:lvl3pPr>
+            <a:lvl4pPr>
+              <a:defRPr sz="1600"/>
+            </a:lvl4pPr>
+            <a:lvl5pPr>
+              <a:defRPr sz="1600"/>
+            </a:lvl5pPr>
+            <a:lvl6pPr>
+              <a:defRPr sz="1600"/>
+            </a:lvl6pPr>
+            <a:lvl7pPr>
+              <a:defRPr sz="1600"/>
+            </a:lvl7pPr>
+            <a:lvl8pPr>
+              <a:defRPr sz="1600"/>
+            </a:lvl8pPr>
+            <a:lvl9pPr>
+              <a:defRPr sz="1600"/>
+            </a:lvl9pPr>
+          </a:lstStyle>
+          <a:p>
+            <a:pPr lvl="0"/>
+            <a:r>
+              <a:rPr lang="en-US" smtClean="0"/>
+              <a:t>Click to edit Master text styles</a:t>
+            </a:r>
+          </a:p>
+          <a:p>
+            <a:pPr lvl="1"/>
+            <a:r>
+              <a:rPr lang="en-US" smtClean="0"/>
+              <a:t>Second level</a:t>
+            </a:r>
+          </a:p>
+          <a:p>
+            <a:pPr lvl="2"/>
+            <a:r>
+              <a:rPr lang="en-US" smtClean="0"/>
+              <a:t>Third level</a:t>
+            </a:r>
+          </a:p>
+          <a:p>
+            <a:pPr lvl="3"/>
+            <a:r>
+              <a:rPr lang="en-US" smtClean="0"/>
+              <a:t>Fourth level</a:t>
+            </a:r>
+          </a:p>
+          <a:p>
+            <a:pPr lvl="4"/>
+            <a:r>
+              <a:rPr lang="en-US" smtClean="0"/>
+              <a:t>Fifth level</a:t>
+            </a:r>
+            <a:endParaRPr lang="en-US"/>
+          </a:p>
+        </p:txBody>
+      </p:sp>
+      <p:sp>
+        <p:nvSpPr>
+          <p:cNvPr id="5" name="Text Placeholder 4"/>
+          <p:cNvSpPr>
+            <a:spLocks noGrp="1"/>
+          </p:cNvSpPr>
+          <p:nvPr>
+            <p:ph type="body" sz="quarter" idx="3"/>
+          </p:nvPr>
+        </p:nvSpPr>
+        <p:spPr>
+          <a:xfrm>
+            <a:off x="4645025" y="1535113"/>
+            <a:ext cx="4041775" cy="639762"/>
+          </a:xfrm>
+        </p:spPr>
+        <p:txBody>
+          <a:bodyPr anchor="b"/>
+          <a:lstStyle>
+            <a:lvl1pPr marL="0" indent="0">
+              <a:buNone/>
+              <a:defRPr sz="2400" b="1"/>
+            </a:lvl1pPr>
+            <a:lvl2pPr marL="457200" indent="0">
+              <a:buNone/>
+              <a:defRPr sz="2000" b="1"/>
+            </a:lvl2pPr>
+            <a:lvl3pPr marL="914400" indent="0">
+              <a:buNone/>
+              <a:defRPr sz="1800" b="1"/>
+            </a:lvl3pPr>
+            <a:lvl4pPr marL="1371600" indent="0">
+              <a:buNone/>
+              <a:defRPr sz="1600" b="1"/>
+            </a:lvl4pPr>
+            <a:lvl5pPr marL="1828800" indent="0">
+              <a:buNone/>
+              <a:defRPr sz="1600" b="1"/>
+            </a:lvl5pPr>
+            <a:lvl6pPr marL="2286000" indent="0">
+              <a:buNone/>
+              <a:defRPr sz="1600" b="1"/>
+            </a:lvl6pPr>
+            <a:lvl7pPr marL="2743200" indent="0">
+              <a:buNone/>
+              <a:defRPr sz="1600" b="1"/>
+            </a:lvl7pPr>
+            <a:lvl8pPr marL="3200400" indent="0">
+              <a:buNone/>
+              <a:defRPr sz="1600" b="1"/>
+            </a:lvl8pPr>
+            <a:lvl9pPr marL="3657600" indent="0">
+              <a:buNone/>
+              <a:defRPr sz="1600" b="1"/>
+            </a:lvl9pPr>
+          </a:lstStyle>
+          <a:p>
+            <a:pPr lvl="0"/>
+            <a:r>
+              <a:rPr lang="en-US" smtClean="0"/>
+              <a:t>Click to edit Master text styles</a:t>
+            </a:r>
+          </a:p>
+        </p:txBody>
+      </p:sp>
+      <p:sp>
+        <p:nvSpPr>
+          <p:cNvPr id="6" name="Content Placeholder 5"/>
+          <p:cNvSpPr>
+            <a:spLocks noGrp="1"/>
+          </p:cNvSpPr>
+          <p:nvPr>
+            <p:ph sz="quarter" idx="4"/>
+          </p:nvPr>
+        </p:nvSpPr>
+        <p:spPr>
+          <a:xfrm>
+            <a:off x="4645025" y="2174875"/>
+            <a:ext cx="4041775" cy="3951288"/>
+          </a:xfrm>
+        </p:spPr>
+        <p:txBody>
+          <a:bodyPr/>
+          <a:lstStyle>
+            <a:lvl1pPr>
+              <a:defRPr sz="2400"/>
+            </a:lvl1pPr>
+            <a:lvl2pPr>
+              <a:defRPr sz="2000"/>
+            </a:lvl2pPr>
+            <a:lvl3pPr>
+              <a:defRPr sz="1800"/>
+            </a:lvl3pPr>
+            <a:lvl4pPr>
+              <a:defRPr sz="1600"/>
+            </a:lvl4pPr>
+            <a:lvl5pPr>
+              <a:defRPr sz="1600"/>
+            </a:lvl5pPr>
+            <a:lvl6pPr>
+              <a:defRPr sz="1600"/>
+            </a:lvl6pPr>
+            <a:lvl7pPr>
+              <a:defRPr sz="1600"/>
+            </a:lvl7pPr>
+            <a:lvl8pPr>
+              <a:defRPr sz="1600"/>
+            </a:lvl8pPr>
+            <a:lvl9pPr>
+              <a:defRPr sz="1600"/>
+            </a:lvl9pPr>
+          </a:lstStyle>
+          <a:p>
+            <a:pPr lvl="0"/>
+            <a:r>
+              <a:rPr lang="en-US" smtClean="0"/>
+              <a:t>Click to edit Master text styles</a:t>
+            </a:r>
+          </a:p>
+          <a:p>
+            <a:pPr lvl="1"/>
+            <a:r>
+              <a:rPr lang="en-US" smtClean="0"/>
+              <a:t>Second level</a:t>
+            </a:r>
+          </a:p>
+          <a:p>
+            <a:pPr lvl="2"/>
+            <a:r>
+              <a:rPr lang="en-US" smtClean="0"/>
+              <a:t>Third level</a:t>
+            </a:r>
+          </a:p>
+          <a:p>
+            <a:pPr lvl="3"/>
+            <a:r>
+              <a:rPr lang="en-US" smtClean="0"/>
+              <a:t>Fourth level</a:t>
+            </a:r>
+          </a:p>
+          <a:p>
+            <a:pPr lvl="4"/>
+            <a:r>
+              <a:rPr lang="en-US" smtClean="0"/>
+              <a:t>Fifth level</a:t>
+            </a:r>
+            <a:endParaRPr lang="en-US"/>
+          </a:p>
+        </p:txBody>
+      </p:sp>
+      <p:sp>
+        <p:nvSpPr>
+          <p:cNvPr id="7" name="Date Placeholder 6"/>
+          <p:cNvSpPr>
+            <a:spLocks noGrp="1"/>
+          </p:cNvSpPr>
+          <p:nvPr>
+            <p:ph type="dt" sz="half" idx="10"/>
+          </p:nvPr>
+        </p:nvSpPr>
+        <p:spPr/>
+        <p:txBody>
+          <a:bodyPr/>
+          <a:lstStyle/>
+          <a:p>
+            <a:fld id="{A2ED7707-E2E8-493C-B39F-CCDFED8A6AEA}" type="datetimeFigureOut">
+              <a:rPr lang="en-US" smtClean="0"/>
+              <a:t>6/2/2012</a:t>
+            </a:fld>
+            <a:endParaRPr lang="en-US" dirty="0"/>
+          </a:p>
+        </p:txBody>
+      </p:sp>
+      <p:sp>
+        <p:nvSpPr>
+          <p:cNvPr id="8" name="Footer Placeholder 7"/>
+          <p:cNvSpPr>
+            <a:spLocks noGrp="1"/>
+          </p:cNvSpPr>
+          <p:nvPr>
+            <p:ph type="ftr" sz="quarter" idx="11"/>
+          </p:nvPr>
+        </p:nvSpPr>
+        <p:spPr/>
+        <p:txBody>
+          <a:bodyPr/>
+          <a:lstStyle/>
+          <a:p>
+            <a:endParaRPr lang="en-US" dirty="0"/>
+          </a:p>
+        </p:txBody>
+      </p:sp>
+      <p:sp>
+        <p:nvSpPr>
+          <p:cNvPr id="9" name="Slide Number Placeholder 8"/>
+          <p:cNvSpPr>
+            <a:spLocks noGrp="1"/>
+          </p:cNvSpPr>
+          <p:nvPr>
+            <p:ph type="sldNum" sz="quarter" idx="12"/>
+          </p:nvPr>
+        </p:nvSpPr>
+        <p:spPr/>
+        <p:txBody>
+          <a:bodyPr/>
+          <a:lstStyle/>
+          <a:p>
+            <a:fld id="{AC73023D-27D3-4583-BC75-C6907FAC3A9C}" type="slidenum">
+              <a:rPr lang="en-US" smtClean="0"/>
+              <a:t>‹#›</a:t>
+            </a:fld>
+            <a:endParaRPr lang="en-US" dirty="0"/>
+          </a:p>
+        </p:txBody>
+      </p:sp>
+    </p:spTree>
+    <p:extLst>
+      <p:ext uri="{BB962C8B-B14F-4D97-AF65-F5344CB8AC3E}">
+        <p14:creationId xmlns:p14="http://schemas.microsoft.com/office/powerpoint/2010/main" val="530603323"/>
+      </p:ext>
+    </p:extLst>
+  </p:cSld>
+  <p:clrMapOvr>
+    <a:masterClrMapping/>
+  </p:clrMapOvr>
+</p:sldLayout>
+</file>
+
+<file path=ppt/slideLayouts/slideLayout50.xml><?xml version="1.0" encoding="utf-8"?>
 <p:sldLayout xmlns:a="http://schemas.openxmlformats.org/drawingml/2006/main" xmlns:r="http://schemas.openxmlformats.org/officeDocument/2006/relationships" xmlns:p="http://schemas.openxmlformats.org/presentationml/2006/main" preserve="1" userDrawn="1">
   <p:cSld name="Section Layout">
     <p:spTree>
@@ -21884,7 +21386,7 @@
 </p:sldLayout>
 </file>
 
-<file path=ppt/slideLayouts/slideLayout52.xml><?xml version="1.0" encoding="utf-8"?>
+<file path=ppt/slideLayouts/slideLayout51.xml><?xml version="1.0" encoding="utf-8"?>
 <p:sldLayout xmlns:a="http://schemas.openxmlformats.org/drawingml/2006/main" xmlns:r="http://schemas.openxmlformats.org/officeDocument/2006/relationships" xmlns:p="http://schemas.openxmlformats.org/presentationml/2006/main" preserve="1" userDrawn="1">
   <p:cSld name="1_Title and Content">
     <p:spTree>
@@ -22126,7 +21628,7 @@
 </p:sldLayout>
 </file>
 
-<file path=ppt/slideLayouts/slideLayout53.xml><?xml version="1.0" encoding="utf-8"?>
+<file path=ppt/slideLayouts/slideLayout52.xml><?xml version="1.0" encoding="utf-8"?>
 <p:sldLayout xmlns:a="http://schemas.openxmlformats.org/drawingml/2006/main" xmlns:r="http://schemas.openxmlformats.org/officeDocument/2006/relationships" xmlns:p="http://schemas.openxmlformats.org/presentationml/2006/main" preserve="1" userDrawn="1">
   <p:cSld name="Title and Content">
     <p:spTree>
@@ -22406,7 +21908,7 @@
 </p:sldLayout>
 </file>
 
-<file path=ppt/slideLayouts/slideLayout54.xml><?xml version="1.0" encoding="utf-8"?>
+<file path=ppt/slideLayouts/slideLayout53.xml><?xml version="1.0" encoding="utf-8"?>
 <p:sldLayout xmlns:a="http://schemas.openxmlformats.org/drawingml/2006/main" xmlns:r="http://schemas.openxmlformats.org/officeDocument/2006/relationships" xmlns:p="http://schemas.openxmlformats.org/presentationml/2006/main" preserve="1" userDrawn="1">
   <p:cSld name="Two Content">
     <p:spTree>
@@ -22783,7 +22285,7 @@
 </p:sldLayout>
 </file>
 
-<file path=ppt/slideLayouts/slideLayout55.xml><?xml version="1.0" encoding="utf-8"?>
+<file path=ppt/slideLayouts/slideLayout54.xml><?xml version="1.0" encoding="utf-8"?>
 <p:sldLayout xmlns:a="http://schemas.openxmlformats.org/drawingml/2006/main" xmlns:r="http://schemas.openxmlformats.org/officeDocument/2006/relationships" xmlns:p="http://schemas.openxmlformats.org/presentationml/2006/main" preserve="1" userDrawn="1">
   <p:cSld name="Comparison">
     <p:spTree>
@@ -23286,7 +22788,7 @@
 </p:sldLayout>
 </file>
 
-<file path=ppt/slideLayouts/slideLayout56.xml><?xml version="1.0" encoding="utf-8"?>
+<file path=ppt/slideLayouts/slideLayout55.xml><?xml version="1.0" encoding="utf-8"?>
 <p:sldLayout xmlns:a="http://schemas.openxmlformats.org/drawingml/2006/main" xmlns:r="http://schemas.openxmlformats.org/officeDocument/2006/relationships" xmlns:p="http://schemas.openxmlformats.org/presentationml/2006/main" preserve="1" userDrawn="1">
   <p:cSld name="Title Only">
     <p:spTree>
@@ -23453,7 +22955,7 @@
 </p:sldLayout>
 </file>
 
-<file path=ppt/slideLayouts/slideLayout57.xml><?xml version="1.0" encoding="utf-8"?>
+<file path=ppt/slideLayouts/slideLayout56.xml><?xml version="1.0" encoding="utf-8"?>
 <p:sldLayout xmlns:a="http://schemas.openxmlformats.org/drawingml/2006/main" xmlns:r="http://schemas.openxmlformats.org/officeDocument/2006/relationships" xmlns:p="http://schemas.openxmlformats.org/presentationml/2006/main" type="blank" preserve="1">
   <p:cSld name="Blank">
     <p:bg>
@@ -23501,7 +23003,7 @@
 </p:sldLayout>
 </file>
 
-<file path=ppt/slideLayouts/slideLayout58.xml><?xml version="1.0" encoding="utf-8"?>
+<file path=ppt/slideLayouts/slideLayout57.xml><?xml version="1.0" encoding="utf-8"?>
 <p:sldLayout xmlns:a="http://schemas.openxmlformats.org/drawingml/2006/main" xmlns:r="http://schemas.openxmlformats.org/officeDocument/2006/relationships" xmlns:p="http://schemas.openxmlformats.org/presentationml/2006/main" preserve="1">
   <p:cSld name="Black Layout - Title and Content">
     <p:bg bwMode="black">
@@ -23753,7 +23255,7 @@
 </p:sldLayout>
 </file>
 
-<file path=ppt/slideLayouts/slideLayout59.xml><?xml version="1.0" encoding="utf-8"?>
+<file path=ppt/slideLayouts/slideLayout58.xml><?xml version="1.0" encoding="utf-8"?>
 <p:sldLayout xmlns:a="http://schemas.openxmlformats.org/drawingml/2006/main" xmlns:r="http://schemas.openxmlformats.org/officeDocument/2006/relationships" xmlns:p="http://schemas.openxmlformats.org/presentationml/2006/main" preserve="1">
   <p:cSld name="Black Notes slide Layout">
     <p:bg bwMode="black">
@@ -24062,125 +23564,7 @@
 </p:sldLayout>
 </file>
 
-<file path=ppt/slideLayouts/slideLayout6.xml><?xml version="1.0" encoding="utf-8"?>
-<p:sldLayout xmlns:a="http://schemas.openxmlformats.org/drawingml/2006/main" xmlns:r="http://schemas.openxmlformats.org/officeDocument/2006/relationships" xmlns:p="http://schemas.openxmlformats.org/presentationml/2006/main" type="titleOnly" preserve="1">
-  <p:cSld name="Title Only">
-    <p:spTree>
-      <p:nvGrpSpPr>
-        <p:cNvPr id="1" name=""/>
-        <p:cNvGrpSpPr/>
-        <p:nvPr/>
-      </p:nvGrpSpPr>
-      <p:grpSpPr>
-        <a:xfrm>
-          <a:off x="0" y="0"/>
-          <a:ext cx="0" cy="0"/>
-          <a:chOff x="0" y="0"/>
-          <a:chExt cx="0" cy="0"/>
-        </a:xfrm>
-      </p:grpSpPr>
-      <p:sp>
-        <p:nvSpPr>
-          <p:cNvPr id="2" name="Title 1"/>
-          <p:cNvSpPr>
-            <a:spLocks noGrp="1"/>
-          </p:cNvSpPr>
-          <p:nvPr>
-            <p:ph type="title"/>
-          </p:nvPr>
-        </p:nvSpPr>
-        <p:spPr/>
-        <p:txBody>
-          <a:bodyPr/>
-          <a:lstStyle/>
-          <a:p>
-            <a:r>
-              <a:rPr lang="en-US" smtClean="0"/>
-              <a:t>Click to edit Master title style</a:t>
-            </a:r>
-            <a:endParaRPr lang="en-US"/>
-          </a:p>
-        </p:txBody>
-      </p:sp>
-      <p:sp>
-        <p:nvSpPr>
-          <p:cNvPr id="3" name="Date Placeholder 2"/>
-          <p:cNvSpPr>
-            <a:spLocks noGrp="1"/>
-          </p:cNvSpPr>
-          <p:nvPr>
-            <p:ph type="dt" sz="half" idx="10"/>
-          </p:nvPr>
-        </p:nvSpPr>
-        <p:spPr/>
-        <p:txBody>
-          <a:bodyPr/>
-          <a:lstStyle/>
-          <a:p>
-            <a:fld id="{A2ED7707-E2E8-493C-B39F-CCDFED8A6AEA}" type="datetimeFigureOut">
-              <a:rPr lang="en-US" smtClean="0"/>
-              <a:t>5/31/2012</a:t>
-            </a:fld>
-            <a:endParaRPr lang="en-US" dirty="0"/>
-          </a:p>
-        </p:txBody>
-      </p:sp>
-      <p:sp>
-        <p:nvSpPr>
-          <p:cNvPr id="4" name="Footer Placeholder 3"/>
-          <p:cNvSpPr>
-            <a:spLocks noGrp="1"/>
-          </p:cNvSpPr>
-          <p:nvPr>
-            <p:ph type="ftr" sz="quarter" idx="11"/>
-          </p:nvPr>
-        </p:nvSpPr>
-        <p:spPr/>
-        <p:txBody>
-          <a:bodyPr/>
-          <a:lstStyle/>
-          <a:p>
-            <a:endParaRPr lang="en-US" dirty="0"/>
-          </a:p>
-        </p:txBody>
-      </p:sp>
-      <p:sp>
-        <p:nvSpPr>
-          <p:cNvPr id="5" name="Slide Number Placeholder 4"/>
-          <p:cNvSpPr>
-            <a:spLocks noGrp="1"/>
-          </p:cNvSpPr>
-          <p:nvPr>
-            <p:ph type="sldNum" sz="quarter" idx="12"/>
-          </p:nvPr>
-        </p:nvSpPr>
-        <p:spPr/>
-        <p:txBody>
-          <a:bodyPr/>
-          <a:lstStyle/>
-          <a:p>
-            <a:fld id="{AC73023D-27D3-4583-BC75-C6907FAC3A9C}" type="slidenum">
-              <a:rPr lang="en-US" smtClean="0"/>
-              <a:t>‹#›</a:t>
-            </a:fld>
-            <a:endParaRPr lang="en-US" dirty="0"/>
-          </a:p>
-        </p:txBody>
-      </p:sp>
-    </p:spTree>
-    <p:extLst>
-      <p:ext uri="{BB962C8B-B14F-4D97-AF65-F5344CB8AC3E}">
-        <p14:creationId xmlns:p14="http://schemas.microsoft.com/office/powerpoint/2010/main" val="823675661"/>
-      </p:ext>
-    </p:extLst>
-  </p:cSld>
-  <p:clrMapOvr>
-    <a:masterClrMapping/>
-  </p:clrMapOvr>
-</p:sldLayout>
-</file>
-
-<file path=ppt/slideLayouts/slideLayout60.xml><?xml version="1.0" encoding="utf-8"?>
+<file path=ppt/slideLayouts/slideLayout59.xml><?xml version="1.0" encoding="utf-8"?>
 <p:sldLayout xmlns:a="http://schemas.openxmlformats.org/drawingml/2006/main" xmlns:r="http://schemas.openxmlformats.org/officeDocument/2006/relationships" xmlns:p="http://schemas.openxmlformats.org/presentationml/2006/main" userDrawn="1">
   <p:cSld name="2_Title and Content">
     <p:spTree>
@@ -24422,7 +23806,125 @@
 </p:sldLayout>
 </file>
 
-<file path=ppt/slideLayouts/slideLayout61.xml><?xml version="1.0" encoding="utf-8"?>
+<file path=ppt/slideLayouts/slideLayout6.xml><?xml version="1.0" encoding="utf-8"?>
+<p:sldLayout xmlns:a="http://schemas.openxmlformats.org/drawingml/2006/main" xmlns:r="http://schemas.openxmlformats.org/officeDocument/2006/relationships" xmlns:p="http://schemas.openxmlformats.org/presentationml/2006/main" type="titleOnly" preserve="1">
+  <p:cSld name="Title Only">
+    <p:spTree>
+      <p:nvGrpSpPr>
+        <p:cNvPr id="1" name=""/>
+        <p:cNvGrpSpPr/>
+        <p:nvPr/>
+      </p:nvGrpSpPr>
+      <p:grpSpPr>
+        <a:xfrm>
+          <a:off x="0" y="0"/>
+          <a:ext cx="0" cy="0"/>
+          <a:chOff x="0" y="0"/>
+          <a:chExt cx="0" cy="0"/>
+        </a:xfrm>
+      </p:grpSpPr>
+      <p:sp>
+        <p:nvSpPr>
+          <p:cNvPr id="2" name="Title 1"/>
+          <p:cNvSpPr>
+            <a:spLocks noGrp="1"/>
+          </p:cNvSpPr>
+          <p:nvPr>
+            <p:ph type="title"/>
+          </p:nvPr>
+        </p:nvSpPr>
+        <p:spPr/>
+        <p:txBody>
+          <a:bodyPr/>
+          <a:lstStyle/>
+          <a:p>
+            <a:r>
+              <a:rPr lang="en-US" smtClean="0"/>
+              <a:t>Click to edit Master title style</a:t>
+            </a:r>
+            <a:endParaRPr lang="en-US"/>
+          </a:p>
+        </p:txBody>
+      </p:sp>
+      <p:sp>
+        <p:nvSpPr>
+          <p:cNvPr id="3" name="Date Placeholder 2"/>
+          <p:cNvSpPr>
+            <a:spLocks noGrp="1"/>
+          </p:cNvSpPr>
+          <p:nvPr>
+            <p:ph type="dt" sz="half" idx="10"/>
+          </p:nvPr>
+        </p:nvSpPr>
+        <p:spPr/>
+        <p:txBody>
+          <a:bodyPr/>
+          <a:lstStyle/>
+          <a:p>
+            <a:fld id="{A2ED7707-E2E8-493C-B39F-CCDFED8A6AEA}" type="datetimeFigureOut">
+              <a:rPr lang="en-US" smtClean="0"/>
+              <a:t>6/2/2012</a:t>
+            </a:fld>
+            <a:endParaRPr lang="en-US" dirty="0"/>
+          </a:p>
+        </p:txBody>
+      </p:sp>
+      <p:sp>
+        <p:nvSpPr>
+          <p:cNvPr id="4" name="Footer Placeholder 3"/>
+          <p:cNvSpPr>
+            <a:spLocks noGrp="1"/>
+          </p:cNvSpPr>
+          <p:nvPr>
+            <p:ph type="ftr" sz="quarter" idx="11"/>
+          </p:nvPr>
+        </p:nvSpPr>
+        <p:spPr/>
+        <p:txBody>
+          <a:bodyPr/>
+          <a:lstStyle/>
+          <a:p>
+            <a:endParaRPr lang="en-US" dirty="0"/>
+          </a:p>
+        </p:txBody>
+      </p:sp>
+      <p:sp>
+        <p:nvSpPr>
+          <p:cNvPr id="5" name="Slide Number Placeholder 4"/>
+          <p:cNvSpPr>
+            <a:spLocks noGrp="1"/>
+          </p:cNvSpPr>
+          <p:nvPr>
+            <p:ph type="sldNum" sz="quarter" idx="12"/>
+          </p:nvPr>
+        </p:nvSpPr>
+        <p:spPr/>
+        <p:txBody>
+          <a:bodyPr/>
+          <a:lstStyle/>
+          <a:p>
+            <a:fld id="{AC73023D-27D3-4583-BC75-C6907FAC3A9C}" type="slidenum">
+              <a:rPr lang="en-US" smtClean="0"/>
+              <a:t>‹#›</a:t>
+            </a:fld>
+            <a:endParaRPr lang="en-US" dirty="0"/>
+          </a:p>
+        </p:txBody>
+      </p:sp>
+    </p:spTree>
+    <p:extLst>
+      <p:ext uri="{BB962C8B-B14F-4D97-AF65-F5344CB8AC3E}">
+        <p14:creationId xmlns:p14="http://schemas.microsoft.com/office/powerpoint/2010/main" val="823675661"/>
+      </p:ext>
+    </p:extLst>
+  </p:cSld>
+  <p:clrMapOvr>
+    <a:masterClrMapping/>
+  </p:clrMapOvr>
+</p:sldLayout>
+</file>
+
+<file path=ppt/slideLayouts/slideLayout60.xml><?xml version="1.0" encoding="utf-8"?>
 <p:sldLayout xmlns:a="http://schemas.openxmlformats.org/drawingml/2006/main" xmlns:r="http://schemas.openxmlformats.org/officeDocument/2006/relationships" xmlns:p="http://schemas.openxmlformats.org/presentationml/2006/main" preserve="1" userDrawn="1">
   <p:cSld name="Title Slide WP7 Annimation ">
     <p:bg>
@@ -25292,7 +24794,7 @@
 </p:sldLayout>
 </file>
 
-<file path=ppt/slideLayouts/slideLayout62.xml><?xml version="1.0" encoding="utf-8"?>
+<file path=ppt/slideLayouts/slideLayout61.xml><?xml version="1.0" encoding="utf-8"?>
 <p:sldLayout xmlns:a="http://schemas.openxmlformats.org/drawingml/2006/main" xmlns:r="http://schemas.openxmlformats.org/officeDocument/2006/relationships" xmlns:p="http://schemas.openxmlformats.org/presentationml/2006/main" preserve="1" userDrawn="1">
   <p:cSld name="1_Demo, Video etc. &quot;special&quot; slides">
     <p:bg>
@@ -26134,7 +25636,7 @@
 </p:sldLayout>
 </file>
 
-<file path=ppt/slideLayouts/slideLayout63.xml><?xml version="1.0" encoding="utf-8"?>
+<file path=ppt/slideLayouts/slideLayout62.xml><?xml version="1.0" encoding="utf-8"?>
 <p:sldLayout xmlns:a="http://schemas.openxmlformats.org/drawingml/2006/main" xmlns:r="http://schemas.openxmlformats.org/officeDocument/2006/relationships" xmlns:p="http://schemas.openxmlformats.org/presentationml/2006/main" preserve="1" userDrawn="1">
   <p:cSld name="Section Layout">
     <p:spTree>
@@ -26677,7 +26179,7 @@
 </p:sldLayout>
 </file>
 
-<file path=ppt/slideLayouts/slideLayout64.xml><?xml version="1.0" encoding="utf-8"?>
+<file path=ppt/slideLayouts/slideLayout63.xml><?xml version="1.0" encoding="utf-8"?>
 <p:sldLayout xmlns:a="http://schemas.openxmlformats.org/drawingml/2006/main" xmlns:r="http://schemas.openxmlformats.org/officeDocument/2006/relationships" xmlns:p="http://schemas.openxmlformats.org/presentationml/2006/main" preserve="1" userDrawn="1">
   <p:cSld name="1_Title and Content">
     <p:spTree>
@@ -26919,7 +26421,7 @@
 </p:sldLayout>
 </file>
 
-<file path=ppt/slideLayouts/slideLayout65.xml><?xml version="1.0" encoding="utf-8"?>
+<file path=ppt/slideLayouts/slideLayout64.xml><?xml version="1.0" encoding="utf-8"?>
 <p:sldLayout xmlns:a="http://schemas.openxmlformats.org/drawingml/2006/main" xmlns:r="http://schemas.openxmlformats.org/officeDocument/2006/relationships" xmlns:p="http://schemas.openxmlformats.org/presentationml/2006/main" preserve="1" userDrawn="1">
   <p:cSld name="Title and Content">
     <p:spTree>
@@ -27199,7 +26701,7 @@
 </p:sldLayout>
 </file>
 
-<file path=ppt/slideLayouts/slideLayout66.xml><?xml version="1.0" encoding="utf-8"?>
+<file path=ppt/slideLayouts/slideLayout65.xml><?xml version="1.0" encoding="utf-8"?>
 <p:sldLayout xmlns:a="http://schemas.openxmlformats.org/drawingml/2006/main" xmlns:r="http://schemas.openxmlformats.org/officeDocument/2006/relationships" xmlns:p="http://schemas.openxmlformats.org/presentationml/2006/main" preserve="1" userDrawn="1">
   <p:cSld name="Two Content">
     <p:spTree>
@@ -27576,7 +27078,7 @@
 </p:sldLayout>
 </file>
 
-<file path=ppt/slideLayouts/slideLayout67.xml><?xml version="1.0" encoding="utf-8"?>
+<file path=ppt/slideLayouts/slideLayout66.xml><?xml version="1.0" encoding="utf-8"?>
 <p:sldLayout xmlns:a="http://schemas.openxmlformats.org/drawingml/2006/main" xmlns:r="http://schemas.openxmlformats.org/officeDocument/2006/relationships" xmlns:p="http://schemas.openxmlformats.org/presentationml/2006/main" preserve="1" userDrawn="1">
   <p:cSld name="Comparison">
     <p:spTree>
@@ -28079,7 +27581,7 @@
 </p:sldLayout>
 </file>
 
-<file path=ppt/slideLayouts/slideLayout68.xml><?xml version="1.0" encoding="utf-8"?>
+<file path=ppt/slideLayouts/slideLayout67.xml><?xml version="1.0" encoding="utf-8"?>
 <p:sldLayout xmlns:a="http://schemas.openxmlformats.org/drawingml/2006/main" xmlns:r="http://schemas.openxmlformats.org/officeDocument/2006/relationships" xmlns:p="http://schemas.openxmlformats.org/presentationml/2006/main" preserve="1" userDrawn="1">
   <p:cSld name="Title Only">
     <p:spTree>
@@ -28246,7 +27748,7 @@
 </p:sldLayout>
 </file>
 
-<file path=ppt/slideLayouts/slideLayout69.xml><?xml version="1.0" encoding="utf-8"?>
+<file path=ppt/slideLayouts/slideLayout68.xml><?xml version="1.0" encoding="utf-8"?>
 <p:sldLayout xmlns:a="http://schemas.openxmlformats.org/drawingml/2006/main" xmlns:r="http://schemas.openxmlformats.org/officeDocument/2006/relationships" xmlns:p="http://schemas.openxmlformats.org/presentationml/2006/main" type="blank" preserve="1">
   <p:cSld name="Blank">
     <p:bg>
@@ -28294,102 +27796,7 @@
 </p:sldLayout>
 </file>
 
-<file path=ppt/slideLayouts/slideLayout7.xml><?xml version="1.0" encoding="utf-8"?>
-<p:sldLayout xmlns:a="http://schemas.openxmlformats.org/drawingml/2006/main" xmlns:r="http://schemas.openxmlformats.org/officeDocument/2006/relationships" xmlns:p="http://schemas.openxmlformats.org/presentationml/2006/main" type="blank" preserve="1">
-  <p:cSld name="Blank">
-    <p:spTree>
-      <p:nvGrpSpPr>
-        <p:cNvPr id="1" name=""/>
-        <p:cNvGrpSpPr/>
-        <p:nvPr/>
-      </p:nvGrpSpPr>
-      <p:grpSpPr>
-        <a:xfrm>
-          <a:off x="0" y="0"/>
-          <a:ext cx="0" cy="0"/>
-          <a:chOff x="0" y="0"/>
-          <a:chExt cx="0" cy="0"/>
-        </a:xfrm>
-      </p:grpSpPr>
-      <p:sp>
-        <p:nvSpPr>
-          <p:cNvPr id="2" name="Date Placeholder 1"/>
-          <p:cNvSpPr>
-            <a:spLocks noGrp="1"/>
-          </p:cNvSpPr>
-          <p:nvPr>
-            <p:ph type="dt" sz="half" idx="10"/>
-          </p:nvPr>
-        </p:nvSpPr>
-        <p:spPr/>
-        <p:txBody>
-          <a:bodyPr/>
-          <a:lstStyle/>
-          <a:p>
-            <a:fld id="{A2ED7707-E2E8-493C-B39F-CCDFED8A6AEA}" type="datetimeFigureOut">
-              <a:rPr lang="en-US" smtClean="0"/>
-              <a:t>5/31/2012</a:t>
-            </a:fld>
-            <a:endParaRPr lang="en-US" dirty="0"/>
-          </a:p>
-        </p:txBody>
-      </p:sp>
-      <p:sp>
-        <p:nvSpPr>
-          <p:cNvPr id="3" name="Footer Placeholder 2"/>
-          <p:cNvSpPr>
-            <a:spLocks noGrp="1"/>
-          </p:cNvSpPr>
-          <p:nvPr>
-            <p:ph type="ftr" sz="quarter" idx="11"/>
-          </p:nvPr>
-        </p:nvSpPr>
-        <p:spPr/>
-        <p:txBody>
-          <a:bodyPr/>
-          <a:lstStyle/>
-          <a:p>
-            <a:endParaRPr lang="en-US" dirty="0"/>
-          </a:p>
-        </p:txBody>
-      </p:sp>
-      <p:sp>
-        <p:nvSpPr>
-          <p:cNvPr id="4" name="Slide Number Placeholder 3"/>
-          <p:cNvSpPr>
-            <a:spLocks noGrp="1"/>
-          </p:cNvSpPr>
-          <p:nvPr>
-            <p:ph type="sldNum" sz="quarter" idx="12"/>
-          </p:nvPr>
-        </p:nvSpPr>
-        <p:spPr/>
-        <p:txBody>
-          <a:bodyPr/>
-          <a:lstStyle/>
-          <a:p>
-            <a:fld id="{AC73023D-27D3-4583-BC75-C6907FAC3A9C}" type="slidenum">
-              <a:rPr lang="en-US" smtClean="0"/>
-              <a:t>‹#›</a:t>
-            </a:fld>
-            <a:endParaRPr lang="en-US" dirty="0"/>
-          </a:p>
-        </p:txBody>
-      </p:sp>
-    </p:spTree>
-    <p:extLst>
-      <p:ext uri="{BB962C8B-B14F-4D97-AF65-F5344CB8AC3E}">
-        <p14:creationId xmlns:p14="http://schemas.microsoft.com/office/powerpoint/2010/main" val="1437460338"/>
-      </p:ext>
-    </p:extLst>
-  </p:cSld>
-  <p:clrMapOvr>
-    <a:masterClrMapping/>
-  </p:clrMapOvr>
-</p:sldLayout>
-</file>
-
-<file path=ppt/slideLayouts/slideLayout70.xml><?xml version="1.0" encoding="utf-8"?>
+<file path=ppt/slideLayouts/slideLayout69.xml><?xml version="1.0" encoding="utf-8"?>
 <p:sldLayout xmlns:a="http://schemas.openxmlformats.org/drawingml/2006/main" xmlns:r="http://schemas.openxmlformats.org/officeDocument/2006/relationships" xmlns:p="http://schemas.openxmlformats.org/presentationml/2006/main" preserve="1">
   <p:cSld name="Black Layout - Title and Content">
     <p:bg bwMode="black">
@@ -28641,7 +28048,102 @@
 </p:sldLayout>
 </file>
 
-<file path=ppt/slideLayouts/slideLayout71.xml><?xml version="1.0" encoding="utf-8"?>
+<file path=ppt/slideLayouts/slideLayout7.xml><?xml version="1.0" encoding="utf-8"?>
+<p:sldLayout xmlns:a="http://schemas.openxmlformats.org/drawingml/2006/main" xmlns:r="http://schemas.openxmlformats.org/officeDocument/2006/relationships" xmlns:p="http://schemas.openxmlformats.org/presentationml/2006/main" type="blank" preserve="1">
+  <p:cSld name="Blank">
+    <p:spTree>
+      <p:nvGrpSpPr>
+        <p:cNvPr id="1" name=""/>
+        <p:cNvGrpSpPr/>
+        <p:nvPr/>
+      </p:nvGrpSpPr>
+      <p:grpSpPr>
+        <a:xfrm>
+          <a:off x="0" y="0"/>
+          <a:ext cx="0" cy="0"/>
+          <a:chOff x="0" y="0"/>
+          <a:chExt cx="0" cy="0"/>
+        </a:xfrm>
+      </p:grpSpPr>
+      <p:sp>
+        <p:nvSpPr>
+          <p:cNvPr id="2" name="Date Placeholder 1"/>
+          <p:cNvSpPr>
+            <a:spLocks noGrp="1"/>
+          </p:cNvSpPr>
+          <p:nvPr>
+            <p:ph type="dt" sz="half" idx="10"/>
+          </p:nvPr>
+        </p:nvSpPr>
+        <p:spPr/>
+        <p:txBody>
+          <a:bodyPr/>
+          <a:lstStyle/>
+          <a:p>
+            <a:fld id="{A2ED7707-E2E8-493C-B39F-CCDFED8A6AEA}" type="datetimeFigureOut">
+              <a:rPr lang="en-US" smtClean="0"/>
+              <a:t>6/2/2012</a:t>
+            </a:fld>
+            <a:endParaRPr lang="en-US" dirty="0"/>
+          </a:p>
+        </p:txBody>
+      </p:sp>
+      <p:sp>
+        <p:nvSpPr>
+          <p:cNvPr id="3" name="Footer Placeholder 2"/>
+          <p:cNvSpPr>
+            <a:spLocks noGrp="1"/>
+          </p:cNvSpPr>
+          <p:nvPr>
+            <p:ph type="ftr" sz="quarter" idx="11"/>
+          </p:nvPr>
+        </p:nvSpPr>
+        <p:spPr/>
+        <p:txBody>
+          <a:bodyPr/>
+          <a:lstStyle/>
+          <a:p>
+            <a:endParaRPr lang="en-US" dirty="0"/>
+          </a:p>
+        </p:txBody>
+      </p:sp>
+      <p:sp>
+        <p:nvSpPr>
+          <p:cNvPr id="4" name="Slide Number Placeholder 3"/>
+          <p:cNvSpPr>
+            <a:spLocks noGrp="1"/>
+          </p:cNvSpPr>
+          <p:nvPr>
+            <p:ph type="sldNum" sz="quarter" idx="12"/>
+          </p:nvPr>
+        </p:nvSpPr>
+        <p:spPr/>
+        <p:txBody>
+          <a:bodyPr/>
+          <a:lstStyle/>
+          <a:p>
+            <a:fld id="{AC73023D-27D3-4583-BC75-C6907FAC3A9C}" type="slidenum">
+              <a:rPr lang="en-US" smtClean="0"/>
+              <a:t>‹#›</a:t>
+            </a:fld>
+            <a:endParaRPr lang="en-US" dirty="0"/>
+          </a:p>
+        </p:txBody>
+      </p:sp>
+    </p:spTree>
+    <p:extLst>
+      <p:ext uri="{BB962C8B-B14F-4D97-AF65-F5344CB8AC3E}">
+        <p14:creationId xmlns:p14="http://schemas.microsoft.com/office/powerpoint/2010/main" val="1437460338"/>
+      </p:ext>
+    </p:extLst>
+  </p:cSld>
+  <p:clrMapOvr>
+    <a:masterClrMapping/>
+  </p:clrMapOvr>
+</p:sldLayout>
+</file>
+
+<file path=ppt/slideLayouts/slideLayout70.xml><?xml version="1.0" encoding="utf-8"?>
 <p:sldLayout xmlns:a="http://schemas.openxmlformats.org/drawingml/2006/main" xmlns:r="http://schemas.openxmlformats.org/officeDocument/2006/relationships" xmlns:p="http://schemas.openxmlformats.org/presentationml/2006/main" preserve="1">
   <p:cSld name="Black Notes slide Layout">
     <p:bg bwMode="black">
@@ -28950,7 +28452,7 @@
 </p:sldLayout>
 </file>
 
-<file path=ppt/slideLayouts/slideLayout72.xml><?xml version="1.0" encoding="utf-8"?>
+<file path=ppt/slideLayouts/slideLayout71.xml><?xml version="1.0" encoding="utf-8"?>
 <p:sldLayout xmlns:a="http://schemas.openxmlformats.org/drawingml/2006/main" xmlns:r="http://schemas.openxmlformats.org/officeDocument/2006/relationships" xmlns:p="http://schemas.openxmlformats.org/presentationml/2006/main" userDrawn="1">
   <p:cSld name="2_Title and Content">
     <p:spTree>
@@ -29192,7 +28694,7 @@
 </p:sldLayout>
 </file>
 
-<file path=ppt/slideLayouts/slideLayout73.xml><?xml version="1.0" encoding="utf-8"?>
+<file path=ppt/slideLayouts/slideLayout72.xml><?xml version="1.0" encoding="utf-8"?>
 <p:sldLayout xmlns:a="http://schemas.openxmlformats.org/drawingml/2006/main" xmlns:r="http://schemas.openxmlformats.org/officeDocument/2006/relationships" xmlns:p="http://schemas.openxmlformats.org/presentationml/2006/main" preserve="1" userDrawn="1">
   <p:cSld name="Title Slide WP7 Annimation ">
     <p:bg>
@@ -30062,7 +29564,7 @@
 </p:sldLayout>
 </file>
 
-<file path=ppt/slideLayouts/slideLayout74.xml><?xml version="1.0" encoding="utf-8"?>
+<file path=ppt/slideLayouts/slideLayout73.xml><?xml version="1.0" encoding="utf-8"?>
 <p:sldLayout xmlns:a="http://schemas.openxmlformats.org/drawingml/2006/main" xmlns:r="http://schemas.openxmlformats.org/officeDocument/2006/relationships" xmlns:p="http://schemas.openxmlformats.org/presentationml/2006/main" preserve="1" userDrawn="1">
   <p:cSld name="1_Demo, Video etc. &quot;special&quot; slides">
     <p:bg>
@@ -30904,7 +30406,7 @@
 </p:sldLayout>
 </file>
 
-<file path=ppt/slideLayouts/slideLayout75.xml><?xml version="1.0" encoding="utf-8"?>
+<file path=ppt/slideLayouts/slideLayout74.xml><?xml version="1.0" encoding="utf-8"?>
 <p:sldLayout xmlns:a="http://schemas.openxmlformats.org/drawingml/2006/main" xmlns:r="http://schemas.openxmlformats.org/officeDocument/2006/relationships" xmlns:p="http://schemas.openxmlformats.org/presentationml/2006/main" preserve="1" userDrawn="1">
   <p:cSld name="Section Layout">
     <p:spTree>
@@ -31447,7 +30949,7 @@
 </p:sldLayout>
 </file>
 
-<file path=ppt/slideLayouts/slideLayout76.xml><?xml version="1.0" encoding="utf-8"?>
+<file path=ppt/slideLayouts/slideLayout75.xml><?xml version="1.0" encoding="utf-8"?>
 <p:sldLayout xmlns:a="http://schemas.openxmlformats.org/drawingml/2006/main" xmlns:r="http://schemas.openxmlformats.org/officeDocument/2006/relationships" xmlns:p="http://schemas.openxmlformats.org/presentationml/2006/main" preserve="1" userDrawn="1">
   <p:cSld name="1_Title and Content">
     <p:spTree>
@@ -31689,7 +31191,7 @@
 </p:sldLayout>
 </file>
 
-<file path=ppt/slideLayouts/slideLayout77.xml><?xml version="1.0" encoding="utf-8"?>
+<file path=ppt/slideLayouts/slideLayout76.xml><?xml version="1.0" encoding="utf-8"?>
 <p:sldLayout xmlns:a="http://schemas.openxmlformats.org/drawingml/2006/main" xmlns:r="http://schemas.openxmlformats.org/officeDocument/2006/relationships" xmlns:p="http://schemas.openxmlformats.org/presentationml/2006/main" preserve="1" userDrawn="1">
   <p:cSld name="Title and Content">
     <p:spTree>
@@ -31969,7 +31471,7 @@
 </p:sldLayout>
 </file>
 
-<file path=ppt/slideLayouts/slideLayout78.xml><?xml version="1.0" encoding="utf-8"?>
+<file path=ppt/slideLayouts/slideLayout77.xml><?xml version="1.0" encoding="utf-8"?>
 <p:sldLayout xmlns:a="http://schemas.openxmlformats.org/drawingml/2006/main" xmlns:r="http://schemas.openxmlformats.org/officeDocument/2006/relationships" xmlns:p="http://schemas.openxmlformats.org/presentationml/2006/main" preserve="1" userDrawn="1">
   <p:cSld name="Two Content">
     <p:spTree>
@@ -32346,7 +31848,7 @@
 </p:sldLayout>
 </file>
 
-<file path=ppt/slideLayouts/slideLayout79.xml><?xml version="1.0" encoding="utf-8"?>
+<file path=ppt/slideLayouts/slideLayout78.xml><?xml version="1.0" encoding="utf-8"?>
 <p:sldLayout xmlns:a="http://schemas.openxmlformats.org/drawingml/2006/main" xmlns:r="http://schemas.openxmlformats.org/officeDocument/2006/relationships" xmlns:p="http://schemas.openxmlformats.org/presentationml/2006/main" preserve="1" userDrawn="1">
   <p:cSld name="Comparison">
     <p:spTree>
@@ -32849,6 +32351,173 @@
 </p:sldLayout>
 </file>
 
+<file path=ppt/slideLayouts/slideLayout79.xml><?xml version="1.0" encoding="utf-8"?>
+<p:sldLayout xmlns:a="http://schemas.openxmlformats.org/drawingml/2006/main" xmlns:r="http://schemas.openxmlformats.org/officeDocument/2006/relationships" xmlns:p="http://schemas.openxmlformats.org/presentationml/2006/main" preserve="1" userDrawn="1">
+  <p:cSld name="Title Only">
+    <p:spTree>
+      <p:nvGrpSpPr>
+        <p:cNvPr id="1" name=""/>
+        <p:cNvGrpSpPr/>
+        <p:nvPr/>
+      </p:nvGrpSpPr>
+      <p:grpSpPr>
+        <a:xfrm>
+          <a:off x="0" y="0"/>
+          <a:ext cx="0" cy="0"/>
+          <a:chOff x="0" y="0"/>
+          <a:chExt cx="0" cy="0"/>
+        </a:xfrm>
+      </p:grpSpPr>
+      <p:sp>
+        <p:nvSpPr>
+          <p:cNvPr id="2" name="Title 1"/>
+          <p:cNvSpPr>
+            <a:spLocks noGrp="1"/>
+          </p:cNvSpPr>
+          <p:nvPr>
+            <p:ph type="title" hasCustomPrompt="1"/>
+          </p:nvPr>
+        </p:nvSpPr>
+        <p:spPr>
+          <a:xfrm>
+            <a:off x="381000" y="776103"/>
+            <a:ext cx="8363938" cy="747897"/>
+          </a:xfrm>
+        </p:spPr>
+        <p:txBody>
+          <a:bodyPr/>
+          <a:lstStyle>
+            <a:lvl1pPr>
+              <a:defRPr sz="5400">
+                <a:latin typeface="Segoe UI Light" pitchFamily="34" charset="0"/>
+              </a:defRPr>
+            </a:lvl1pPr>
+          </a:lstStyle>
+          <a:p>
+            <a:r>
+              <a:rPr lang="en-US" dirty="0" smtClean="0"/>
+              <a:t>Master title style</a:t>
+            </a:r>
+            <a:endParaRPr lang="en-US" dirty="0"/>
+          </a:p>
+        </p:txBody>
+      </p:sp>
+      <p:sp>
+        <p:nvSpPr>
+          <p:cNvPr id="5" name="TextBox 4"/>
+          <p:cNvSpPr txBox="1"/>
+          <p:nvPr userDrawn="1"/>
+        </p:nvSpPr>
+        <p:spPr>
+          <a:xfrm>
+            <a:off x="4773601" y="6505545"/>
+            <a:ext cx="4063796" cy="200055"/>
+          </a:xfrm>
+          <a:prstGeom prst="rect">
+            <a:avLst/>
+          </a:prstGeom>
+          <a:noFill/>
+        </p:spPr>
+        <p:txBody>
+          <a:bodyPr wrap="square" rtlCol="0">
+            <a:spAutoFit/>
+          </a:bodyPr>
+          <a:lstStyle/>
+          <a:p>
+            <a:pPr algn="r" defTabSz="914363"/>
+            <a:fld id="{40B76143-9258-4AEE-9511-E300703853D1}" type="slidenum">
+              <a:rPr lang="en-US" sz="700" smtClean="0">
+                <a:solidFill>
+                  <a:prstClr val="white">
+                    <a:lumMod val="50000"/>
+                  </a:prstClr>
+                </a:solidFill>
+                <a:latin typeface="Segoe UI" pitchFamily="34" charset="0"/>
+                <a:ea typeface="Segoe UI" pitchFamily="34" charset="0"/>
+                <a:cs typeface="Segoe UI" pitchFamily="34" charset="0"/>
+              </a:rPr>
+              <a:pPr algn="r" defTabSz="914363"/>
+              <a:t>‹#›</a:t>
+            </a:fld>
+            <a:r>
+              <a:rPr lang="en-US" sz="700" dirty="0" smtClean="0">
+                <a:solidFill>
+                  <a:prstClr val="white">
+                    <a:lumMod val="50000"/>
+                  </a:prstClr>
+                </a:solidFill>
+                <a:latin typeface="Segoe UI" pitchFamily="34" charset="0"/>
+                <a:ea typeface="Segoe UI" pitchFamily="34" charset="0"/>
+                <a:cs typeface="Segoe UI" pitchFamily="34" charset="0"/>
+              </a:rPr>
+              <a:t>    |   SharePoint Saturday St. Louis 2012</a:t>
+            </a:r>
+            <a:endParaRPr lang="en-US" sz="700" dirty="0">
+              <a:solidFill>
+                <a:prstClr val="white">
+                  <a:lumMod val="50000"/>
+                </a:prstClr>
+              </a:solidFill>
+              <a:latin typeface="Segoe UI" pitchFamily="34" charset="0"/>
+              <a:ea typeface="Segoe UI" pitchFamily="34" charset="0"/>
+              <a:cs typeface="Segoe UI" pitchFamily="34" charset="0"/>
+            </a:endParaRPr>
+          </a:p>
+        </p:txBody>
+      </p:sp>
+      <p:pic>
+        <p:nvPicPr>
+          <p:cNvPr id="6" name="Picture 5"/>
+          <p:cNvPicPr>
+            <a:picLocks noChangeAspect="1"/>
+          </p:cNvPicPr>
+          <p:nvPr userDrawn="1"/>
+        </p:nvPicPr>
+        <p:blipFill>
+          <a:blip r:embed="rId2">
+            <a:extLst>
+              <a:ext uri="{28A0092B-C50C-407E-A947-70E740481C1C}">
+                <a14:useLocalDpi xmlns:a14="http://schemas.microsoft.com/office/drawing/2010/main" val="0"/>
+              </a:ext>
+            </a:extLst>
+          </a:blip>
+          <a:stretch>
+            <a:fillRect/>
+          </a:stretch>
+        </p:blipFill>
+        <p:spPr>
+          <a:xfrm>
+            <a:off x="6360290" y="228600"/>
+            <a:ext cx="2478910" cy="552622"/>
+          </a:xfrm>
+          <a:prstGeom prst="rect">
+            <a:avLst/>
+          </a:prstGeom>
+        </p:spPr>
+      </p:pic>
+    </p:spTree>
+    <p:extLst>
+      <p:ext uri="{BB962C8B-B14F-4D97-AF65-F5344CB8AC3E}">
+        <p14:creationId xmlns:p14="http://schemas.microsoft.com/office/powerpoint/2010/main" val="3351319445"/>
+      </p:ext>
+    </p:extLst>
+  </p:cSld>
+  <p:clrMapOvr>
+    <a:masterClrMapping/>
+  </p:clrMapOvr>
+  <p:transition spd="slow">
+    <p:push/>
+  </p:transition>
+  <p:timing>
+    <p:tnLst>
+      <p:par>
+        <p:cTn id="1" dur="indefinite" restart="never" nodeType="tmRoot"/>
+      </p:par>
+    </p:tnLst>
+  </p:timing>
+</p:sldLayout>
+</file>
+
 <file path=ppt/slideLayouts/slideLayout8.xml><?xml version="1.0" encoding="utf-8"?>
 <p:sldLayout xmlns:a="http://schemas.openxmlformats.org/drawingml/2006/main" xmlns:r="http://schemas.openxmlformats.org/officeDocument/2006/relationships" xmlns:p="http://schemas.openxmlformats.org/presentationml/2006/main" type="objTx" preserve="1">
   <p:cSld name="Content with Caption">
@@ -33065,7 +32734,7 @@
           <a:p>
             <a:fld id="{A2ED7707-E2E8-493C-B39F-CCDFED8A6AEA}" type="datetimeFigureOut">
               <a:rPr lang="en-US" smtClean="0"/>
-              <a:t>5/31/2012</a:t>
+              <a:t>6/2/2012</a:t>
             </a:fld>
             <a:endParaRPr lang="en-US" dirty="0"/>
           </a:p>
@@ -33127,173 +32796,6 @@
 </file>
 
 <file path=ppt/slideLayouts/slideLayout80.xml><?xml version="1.0" encoding="utf-8"?>
-<p:sldLayout xmlns:a="http://schemas.openxmlformats.org/drawingml/2006/main" xmlns:r="http://schemas.openxmlformats.org/officeDocument/2006/relationships" xmlns:p="http://schemas.openxmlformats.org/presentationml/2006/main" preserve="1" userDrawn="1">
-  <p:cSld name="Title Only">
-    <p:spTree>
-      <p:nvGrpSpPr>
-        <p:cNvPr id="1" name=""/>
-        <p:cNvGrpSpPr/>
-        <p:nvPr/>
-      </p:nvGrpSpPr>
-      <p:grpSpPr>
-        <a:xfrm>
-          <a:off x="0" y="0"/>
-          <a:ext cx="0" cy="0"/>
-          <a:chOff x="0" y="0"/>
-          <a:chExt cx="0" cy="0"/>
-        </a:xfrm>
-      </p:grpSpPr>
-      <p:sp>
-        <p:nvSpPr>
-          <p:cNvPr id="2" name="Title 1"/>
-          <p:cNvSpPr>
-            <a:spLocks noGrp="1"/>
-          </p:cNvSpPr>
-          <p:nvPr>
-            <p:ph type="title" hasCustomPrompt="1"/>
-          </p:nvPr>
-        </p:nvSpPr>
-        <p:spPr>
-          <a:xfrm>
-            <a:off x="381000" y="776103"/>
-            <a:ext cx="8363938" cy="747897"/>
-          </a:xfrm>
-        </p:spPr>
-        <p:txBody>
-          <a:bodyPr/>
-          <a:lstStyle>
-            <a:lvl1pPr>
-              <a:defRPr sz="5400">
-                <a:latin typeface="Segoe UI Light" pitchFamily="34" charset="0"/>
-              </a:defRPr>
-            </a:lvl1pPr>
-          </a:lstStyle>
-          <a:p>
-            <a:r>
-              <a:rPr lang="en-US" dirty="0" smtClean="0"/>
-              <a:t>Master title style</a:t>
-            </a:r>
-            <a:endParaRPr lang="en-US" dirty="0"/>
-          </a:p>
-        </p:txBody>
-      </p:sp>
-      <p:sp>
-        <p:nvSpPr>
-          <p:cNvPr id="5" name="TextBox 4"/>
-          <p:cNvSpPr txBox="1"/>
-          <p:nvPr userDrawn="1"/>
-        </p:nvSpPr>
-        <p:spPr>
-          <a:xfrm>
-            <a:off x="4773601" y="6505545"/>
-            <a:ext cx="4063796" cy="200055"/>
-          </a:xfrm>
-          <a:prstGeom prst="rect">
-            <a:avLst/>
-          </a:prstGeom>
-          <a:noFill/>
-        </p:spPr>
-        <p:txBody>
-          <a:bodyPr wrap="square" rtlCol="0">
-            <a:spAutoFit/>
-          </a:bodyPr>
-          <a:lstStyle/>
-          <a:p>
-            <a:pPr algn="r" defTabSz="914363"/>
-            <a:fld id="{40B76143-9258-4AEE-9511-E300703853D1}" type="slidenum">
-              <a:rPr lang="en-US" sz="700" smtClean="0">
-                <a:solidFill>
-                  <a:prstClr val="white">
-                    <a:lumMod val="50000"/>
-                  </a:prstClr>
-                </a:solidFill>
-                <a:latin typeface="Segoe UI" pitchFamily="34" charset="0"/>
-                <a:ea typeface="Segoe UI" pitchFamily="34" charset="0"/>
-                <a:cs typeface="Segoe UI" pitchFamily="34" charset="0"/>
-              </a:rPr>
-              <a:pPr algn="r" defTabSz="914363"/>
-              <a:t>‹#›</a:t>
-            </a:fld>
-            <a:r>
-              <a:rPr lang="en-US" sz="700" dirty="0" smtClean="0">
-                <a:solidFill>
-                  <a:prstClr val="white">
-                    <a:lumMod val="50000"/>
-                  </a:prstClr>
-                </a:solidFill>
-                <a:latin typeface="Segoe UI" pitchFamily="34" charset="0"/>
-                <a:ea typeface="Segoe UI" pitchFamily="34" charset="0"/>
-                <a:cs typeface="Segoe UI" pitchFamily="34" charset="0"/>
-              </a:rPr>
-              <a:t>    |   SharePoint Saturday St. Louis 2012</a:t>
-            </a:r>
-            <a:endParaRPr lang="en-US" sz="700" dirty="0">
-              <a:solidFill>
-                <a:prstClr val="white">
-                  <a:lumMod val="50000"/>
-                </a:prstClr>
-              </a:solidFill>
-              <a:latin typeface="Segoe UI" pitchFamily="34" charset="0"/>
-              <a:ea typeface="Segoe UI" pitchFamily="34" charset="0"/>
-              <a:cs typeface="Segoe UI" pitchFamily="34" charset="0"/>
-            </a:endParaRPr>
-          </a:p>
-        </p:txBody>
-      </p:sp>
-      <p:pic>
-        <p:nvPicPr>
-          <p:cNvPr id="6" name="Picture 5"/>
-          <p:cNvPicPr>
-            <a:picLocks noChangeAspect="1"/>
-          </p:cNvPicPr>
-          <p:nvPr userDrawn="1"/>
-        </p:nvPicPr>
-        <p:blipFill>
-          <a:blip r:embed="rId2">
-            <a:extLst>
-              <a:ext uri="{28A0092B-C50C-407E-A947-70E740481C1C}">
-                <a14:useLocalDpi xmlns:a14="http://schemas.microsoft.com/office/drawing/2010/main" val="0"/>
-              </a:ext>
-            </a:extLst>
-          </a:blip>
-          <a:stretch>
-            <a:fillRect/>
-          </a:stretch>
-        </p:blipFill>
-        <p:spPr>
-          <a:xfrm>
-            <a:off x="6360290" y="228600"/>
-            <a:ext cx="2478910" cy="552622"/>
-          </a:xfrm>
-          <a:prstGeom prst="rect">
-            <a:avLst/>
-          </a:prstGeom>
-        </p:spPr>
-      </p:pic>
-    </p:spTree>
-    <p:extLst>
-      <p:ext uri="{BB962C8B-B14F-4D97-AF65-F5344CB8AC3E}">
-        <p14:creationId xmlns:p14="http://schemas.microsoft.com/office/powerpoint/2010/main" val="3351319445"/>
-      </p:ext>
-    </p:extLst>
-  </p:cSld>
-  <p:clrMapOvr>
-    <a:masterClrMapping/>
-  </p:clrMapOvr>
-  <p:transition spd="slow">
-    <p:push/>
-  </p:transition>
-  <p:timing>
-    <p:tnLst>
-      <p:par>
-        <p:cTn id="1" dur="indefinite" restart="never" nodeType="tmRoot"/>
-      </p:par>
-    </p:tnLst>
-  </p:timing>
-</p:sldLayout>
-</file>
-
-<file path=ppt/slideLayouts/slideLayout81.xml><?xml version="1.0" encoding="utf-8"?>
 <p:sldLayout xmlns:a="http://schemas.openxmlformats.org/drawingml/2006/main" xmlns:r="http://schemas.openxmlformats.org/officeDocument/2006/relationships" xmlns:p="http://schemas.openxmlformats.org/presentationml/2006/main" type="blank" preserve="1">
   <p:cSld name="Blank">
     <p:bg>
@@ -33341,7 +32843,7 @@
 </p:sldLayout>
 </file>
 
-<file path=ppt/slideLayouts/slideLayout82.xml><?xml version="1.0" encoding="utf-8"?>
+<file path=ppt/slideLayouts/slideLayout81.xml><?xml version="1.0" encoding="utf-8"?>
 <p:sldLayout xmlns:a="http://schemas.openxmlformats.org/drawingml/2006/main" xmlns:r="http://schemas.openxmlformats.org/officeDocument/2006/relationships" xmlns:p="http://schemas.openxmlformats.org/presentationml/2006/main" preserve="1">
   <p:cSld name="Black Layout - Title and Content">
     <p:bg bwMode="black">
@@ -33593,7 +33095,7 @@
 </p:sldLayout>
 </file>
 
-<file path=ppt/slideLayouts/slideLayout83.xml><?xml version="1.0" encoding="utf-8"?>
+<file path=ppt/slideLayouts/slideLayout82.xml><?xml version="1.0" encoding="utf-8"?>
 <p:sldLayout xmlns:a="http://schemas.openxmlformats.org/drawingml/2006/main" xmlns:r="http://schemas.openxmlformats.org/officeDocument/2006/relationships" xmlns:p="http://schemas.openxmlformats.org/presentationml/2006/main" preserve="1">
   <p:cSld name="Black Notes slide Layout">
     <p:bg bwMode="black">
@@ -33902,7 +33404,7 @@
 </p:sldLayout>
 </file>
 
-<file path=ppt/slideLayouts/slideLayout84.xml><?xml version="1.0" encoding="utf-8"?>
+<file path=ppt/slideLayouts/slideLayout83.xml><?xml version="1.0" encoding="utf-8"?>
 <p:sldLayout xmlns:a="http://schemas.openxmlformats.org/drawingml/2006/main" xmlns:r="http://schemas.openxmlformats.org/officeDocument/2006/relationships" xmlns:p="http://schemas.openxmlformats.org/presentationml/2006/main" userDrawn="1">
   <p:cSld name="2_Title and Content">
     <p:spTree>
@@ -34144,7 +33646,7 @@
 </p:sldLayout>
 </file>
 
-<file path=ppt/slideLayouts/slideLayout85.xml><?xml version="1.0" encoding="utf-8"?>
+<file path=ppt/slideLayouts/slideLayout84.xml><?xml version="1.0" encoding="utf-8"?>
 <p:sldLayout xmlns:a="http://schemas.openxmlformats.org/drawingml/2006/main" xmlns:r="http://schemas.openxmlformats.org/officeDocument/2006/relationships" xmlns:p="http://schemas.openxmlformats.org/presentationml/2006/main" preserve="1" userDrawn="1">
   <p:cSld name="Title Slide WP7 Annimation ">
     <p:bg>
@@ -35014,7 +34516,7 @@
 </p:sldLayout>
 </file>
 
-<file path=ppt/slideLayouts/slideLayout86.xml><?xml version="1.0" encoding="utf-8"?>
+<file path=ppt/slideLayouts/slideLayout85.xml><?xml version="1.0" encoding="utf-8"?>
 <p:sldLayout xmlns:a="http://schemas.openxmlformats.org/drawingml/2006/main" xmlns:r="http://schemas.openxmlformats.org/officeDocument/2006/relationships" xmlns:p="http://schemas.openxmlformats.org/presentationml/2006/main" preserve="1" userDrawn="1">
   <p:cSld name="1_Demo, Video etc. &quot;special&quot; slides">
     <p:bg>
@@ -35856,7 +35358,7 @@
 </p:sldLayout>
 </file>
 
-<file path=ppt/slideLayouts/slideLayout87.xml><?xml version="1.0" encoding="utf-8"?>
+<file path=ppt/slideLayouts/slideLayout86.xml><?xml version="1.0" encoding="utf-8"?>
 <p:sldLayout xmlns:a="http://schemas.openxmlformats.org/drawingml/2006/main" xmlns:r="http://schemas.openxmlformats.org/officeDocument/2006/relationships" xmlns:p="http://schemas.openxmlformats.org/presentationml/2006/main" preserve="1" userDrawn="1">
   <p:cSld name="Section Layout">
     <p:spTree>
@@ -36399,7 +35901,7 @@
 </p:sldLayout>
 </file>
 
-<file path=ppt/slideLayouts/slideLayout88.xml><?xml version="1.0" encoding="utf-8"?>
+<file path=ppt/slideLayouts/slideLayout87.xml><?xml version="1.0" encoding="utf-8"?>
 <p:sldLayout xmlns:a="http://schemas.openxmlformats.org/drawingml/2006/main" xmlns:r="http://schemas.openxmlformats.org/officeDocument/2006/relationships" xmlns:p="http://schemas.openxmlformats.org/presentationml/2006/main" preserve="1" userDrawn="1">
   <p:cSld name="1_Title and Content">
     <p:spTree>
@@ -36641,7 +36143,7 @@
 </p:sldLayout>
 </file>
 
-<file path=ppt/slideLayouts/slideLayout89.xml><?xml version="1.0" encoding="utf-8"?>
+<file path=ppt/slideLayouts/slideLayout88.xml><?xml version="1.0" encoding="utf-8"?>
 <p:sldLayout xmlns:a="http://schemas.openxmlformats.org/drawingml/2006/main" xmlns:r="http://schemas.openxmlformats.org/officeDocument/2006/relationships" xmlns:p="http://schemas.openxmlformats.org/presentationml/2006/main" preserve="1" userDrawn="1">
   <p:cSld name="Title and Content">
     <p:spTree>
@@ -36921,260 +36423,7 @@
 </p:sldLayout>
 </file>
 
-<file path=ppt/slideLayouts/slideLayout9.xml><?xml version="1.0" encoding="utf-8"?>
-<p:sldLayout xmlns:a="http://schemas.openxmlformats.org/drawingml/2006/main" xmlns:r="http://schemas.openxmlformats.org/officeDocument/2006/relationships" xmlns:p="http://schemas.openxmlformats.org/presentationml/2006/main" type="picTx" preserve="1">
-  <p:cSld name="Picture with Caption">
-    <p:spTree>
-      <p:nvGrpSpPr>
-        <p:cNvPr id="1" name=""/>
-        <p:cNvGrpSpPr/>
-        <p:nvPr/>
-      </p:nvGrpSpPr>
-      <p:grpSpPr>
-        <a:xfrm>
-          <a:off x="0" y="0"/>
-          <a:ext cx="0" cy="0"/>
-          <a:chOff x="0" y="0"/>
-          <a:chExt cx="0" cy="0"/>
-        </a:xfrm>
-      </p:grpSpPr>
-      <p:sp>
-        <p:nvSpPr>
-          <p:cNvPr id="2" name="Title 1"/>
-          <p:cNvSpPr>
-            <a:spLocks noGrp="1"/>
-          </p:cNvSpPr>
-          <p:nvPr>
-            <p:ph type="title"/>
-          </p:nvPr>
-        </p:nvSpPr>
-        <p:spPr>
-          <a:xfrm>
-            <a:off x="1792288" y="4800600"/>
-            <a:ext cx="5486400" cy="566738"/>
-          </a:xfrm>
-        </p:spPr>
-        <p:txBody>
-          <a:bodyPr anchor="b"/>
-          <a:lstStyle>
-            <a:lvl1pPr algn="l">
-              <a:defRPr sz="2000" b="1"/>
-            </a:lvl1pPr>
-          </a:lstStyle>
-          <a:p>
-            <a:r>
-              <a:rPr lang="en-US" smtClean="0"/>
-              <a:t>Click to edit Master title style</a:t>
-            </a:r>
-            <a:endParaRPr lang="en-US"/>
-          </a:p>
-        </p:txBody>
-      </p:sp>
-      <p:sp>
-        <p:nvSpPr>
-          <p:cNvPr id="3" name="Picture Placeholder 2"/>
-          <p:cNvSpPr>
-            <a:spLocks noGrp="1"/>
-          </p:cNvSpPr>
-          <p:nvPr>
-            <p:ph type="pic" idx="1"/>
-          </p:nvPr>
-        </p:nvSpPr>
-        <p:spPr>
-          <a:xfrm>
-            <a:off x="1792288" y="612775"/>
-            <a:ext cx="5486400" cy="4114800"/>
-          </a:xfrm>
-        </p:spPr>
-        <p:txBody>
-          <a:bodyPr/>
-          <a:lstStyle>
-            <a:lvl1pPr marL="0" indent="0">
-              <a:buNone/>
-              <a:defRPr sz="3200"/>
-            </a:lvl1pPr>
-            <a:lvl2pPr marL="457200" indent="0">
-              <a:buNone/>
-              <a:defRPr sz="2800"/>
-            </a:lvl2pPr>
-            <a:lvl3pPr marL="914400" indent="0">
-              <a:buNone/>
-              <a:defRPr sz="2400"/>
-            </a:lvl3pPr>
-            <a:lvl4pPr marL="1371600" indent="0">
-              <a:buNone/>
-              <a:defRPr sz="2000"/>
-            </a:lvl4pPr>
-            <a:lvl5pPr marL="1828800" indent="0">
-              <a:buNone/>
-              <a:defRPr sz="2000"/>
-            </a:lvl5pPr>
-            <a:lvl6pPr marL="2286000" indent="0">
-              <a:buNone/>
-              <a:defRPr sz="2000"/>
-            </a:lvl6pPr>
-            <a:lvl7pPr marL="2743200" indent="0">
-              <a:buNone/>
-              <a:defRPr sz="2000"/>
-            </a:lvl7pPr>
-            <a:lvl8pPr marL="3200400" indent="0">
-              <a:buNone/>
-              <a:defRPr sz="2000"/>
-            </a:lvl8pPr>
-            <a:lvl9pPr marL="3657600" indent="0">
-              <a:buNone/>
-              <a:defRPr sz="2000"/>
-            </a:lvl9pPr>
-          </a:lstStyle>
-          <a:p>
-            <a:endParaRPr lang="en-US" dirty="0"/>
-          </a:p>
-        </p:txBody>
-      </p:sp>
-      <p:sp>
-        <p:nvSpPr>
-          <p:cNvPr id="4" name="Text Placeholder 3"/>
-          <p:cNvSpPr>
-            <a:spLocks noGrp="1"/>
-          </p:cNvSpPr>
-          <p:nvPr>
-            <p:ph type="body" sz="half" idx="2"/>
-          </p:nvPr>
-        </p:nvSpPr>
-        <p:spPr>
-          <a:xfrm>
-            <a:off x="1792288" y="5367338"/>
-            <a:ext cx="5486400" cy="804862"/>
-          </a:xfrm>
-        </p:spPr>
-        <p:txBody>
-          <a:bodyPr/>
-          <a:lstStyle>
-            <a:lvl1pPr marL="0" indent="0">
-              <a:buNone/>
-              <a:defRPr sz="1400"/>
-            </a:lvl1pPr>
-            <a:lvl2pPr marL="457200" indent="0">
-              <a:buNone/>
-              <a:defRPr sz="1200"/>
-            </a:lvl2pPr>
-            <a:lvl3pPr marL="914400" indent="0">
-              <a:buNone/>
-              <a:defRPr sz="1000"/>
-            </a:lvl3pPr>
-            <a:lvl4pPr marL="1371600" indent="0">
-              <a:buNone/>
-              <a:defRPr sz="900"/>
-            </a:lvl4pPr>
-            <a:lvl5pPr marL="1828800" indent="0">
-              <a:buNone/>
-              <a:defRPr sz="900"/>
-            </a:lvl5pPr>
-            <a:lvl6pPr marL="2286000" indent="0">
-              <a:buNone/>
-              <a:defRPr sz="900"/>
-            </a:lvl6pPr>
-            <a:lvl7pPr marL="2743200" indent="0">
-              <a:buNone/>
-              <a:defRPr sz="900"/>
-            </a:lvl7pPr>
-            <a:lvl8pPr marL="3200400" indent="0">
-              <a:buNone/>
-              <a:defRPr sz="900"/>
-            </a:lvl8pPr>
-            <a:lvl9pPr marL="3657600" indent="0">
-              <a:buNone/>
-              <a:defRPr sz="900"/>
-            </a:lvl9pPr>
-          </a:lstStyle>
-          <a:p>
-            <a:pPr lvl="0"/>
-            <a:r>
-              <a:rPr lang="en-US" smtClean="0"/>
-              <a:t>Click to edit Master text styles</a:t>
-            </a:r>
-          </a:p>
-        </p:txBody>
-      </p:sp>
-      <p:sp>
-        <p:nvSpPr>
-          <p:cNvPr id="5" name="Date Placeholder 4"/>
-          <p:cNvSpPr>
-            <a:spLocks noGrp="1"/>
-          </p:cNvSpPr>
-          <p:nvPr>
-            <p:ph type="dt" sz="half" idx="10"/>
-          </p:nvPr>
-        </p:nvSpPr>
-        <p:spPr/>
-        <p:txBody>
-          <a:bodyPr/>
-          <a:lstStyle/>
-          <a:p>
-            <a:fld id="{A2ED7707-E2E8-493C-B39F-CCDFED8A6AEA}" type="datetimeFigureOut">
-              <a:rPr lang="en-US" smtClean="0"/>
-              <a:t>5/31/2012</a:t>
-            </a:fld>
-            <a:endParaRPr lang="en-US" dirty="0"/>
-          </a:p>
-        </p:txBody>
-      </p:sp>
-      <p:sp>
-        <p:nvSpPr>
-          <p:cNvPr id="6" name="Footer Placeholder 5"/>
-          <p:cNvSpPr>
-            <a:spLocks noGrp="1"/>
-          </p:cNvSpPr>
-          <p:nvPr>
-            <p:ph type="ftr" sz="quarter" idx="11"/>
-          </p:nvPr>
-        </p:nvSpPr>
-        <p:spPr/>
-        <p:txBody>
-          <a:bodyPr/>
-          <a:lstStyle/>
-          <a:p>
-            <a:endParaRPr lang="en-US" dirty="0"/>
-          </a:p>
-        </p:txBody>
-      </p:sp>
-      <p:sp>
-        <p:nvSpPr>
-          <p:cNvPr id="7" name="Slide Number Placeholder 6"/>
-          <p:cNvSpPr>
-            <a:spLocks noGrp="1"/>
-          </p:cNvSpPr>
-          <p:nvPr>
-            <p:ph type="sldNum" sz="quarter" idx="12"/>
-          </p:nvPr>
-        </p:nvSpPr>
-        <p:spPr/>
-        <p:txBody>
-          <a:bodyPr/>
-          <a:lstStyle/>
-          <a:p>
-            <a:fld id="{AC73023D-27D3-4583-BC75-C6907FAC3A9C}" type="slidenum">
-              <a:rPr lang="en-US" smtClean="0"/>
-              <a:t>‹#›</a:t>
-            </a:fld>
-            <a:endParaRPr lang="en-US" dirty="0"/>
-          </a:p>
-        </p:txBody>
-      </p:sp>
-    </p:spTree>
-    <p:extLst>
-      <p:ext uri="{BB962C8B-B14F-4D97-AF65-F5344CB8AC3E}">
-        <p14:creationId xmlns:p14="http://schemas.microsoft.com/office/powerpoint/2010/main" val="165336871"/>
-      </p:ext>
-    </p:extLst>
-  </p:cSld>
-  <p:clrMapOvr>
-    <a:masterClrMapping/>
-  </p:clrMapOvr>
-</p:sldLayout>
-</file>
-
-<file path=ppt/slideLayouts/slideLayout90.xml><?xml version="1.0" encoding="utf-8"?>
+<file path=ppt/slideLayouts/slideLayout89.xml><?xml version="1.0" encoding="utf-8"?>
 <p:sldLayout xmlns:a="http://schemas.openxmlformats.org/drawingml/2006/main" xmlns:r="http://schemas.openxmlformats.org/officeDocument/2006/relationships" xmlns:p="http://schemas.openxmlformats.org/presentationml/2006/main" preserve="1" userDrawn="1">
   <p:cSld name="Two Content">
     <p:spTree>
@@ -37551,7 +36800,260 @@
 </p:sldLayout>
 </file>
 
-<file path=ppt/slideLayouts/slideLayout91.xml><?xml version="1.0" encoding="utf-8"?>
+<file path=ppt/slideLayouts/slideLayout9.xml><?xml version="1.0" encoding="utf-8"?>
+<p:sldLayout xmlns:a="http://schemas.openxmlformats.org/drawingml/2006/main" xmlns:r="http://schemas.openxmlformats.org/officeDocument/2006/relationships" xmlns:p="http://schemas.openxmlformats.org/presentationml/2006/main" type="picTx" preserve="1">
+  <p:cSld name="Picture with Caption">
+    <p:spTree>
+      <p:nvGrpSpPr>
+        <p:cNvPr id="1" name=""/>
+        <p:cNvGrpSpPr/>
+        <p:nvPr/>
+      </p:nvGrpSpPr>
+      <p:grpSpPr>
+        <a:xfrm>
+          <a:off x="0" y="0"/>
+          <a:ext cx="0" cy="0"/>
+          <a:chOff x="0" y="0"/>
+          <a:chExt cx="0" cy="0"/>
+        </a:xfrm>
+      </p:grpSpPr>
+      <p:sp>
+        <p:nvSpPr>
+          <p:cNvPr id="2" name="Title 1"/>
+          <p:cNvSpPr>
+            <a:spLocks noGrp="1"/>
+          </p:cNvSpPr>
+          <p:nvPr>
+            <p:ph type="title"/>
+          </p:nvPr>
+        </p:nvSpPr>
+        <p:spPr>
+          <a:xfrm>
+            <a:off x="1792288" y="4800600"/>
+            <a:ext cx="5486400" cy="566738"/>
+          </a:xfrm>
+        </p:spPr>
+        <p:txBody>
+          <a:bodyPr anchor="b"/>
+          <a:lstStyle>
+            <a:lvl1pPr algn="l">
+              <a:defRPr sz="2000" b="1"/>
+            </a:lvl1pPr>
+          </a:lstStyle>
+          <a:p>
+            <a:r>
+              <a:rPr lang="en-US" smtClean="0"/>
+              <a:t>Click to edit Master title style</a:t>
+            </a:r>
+            <a:endParaRPr lang="en-US"/>
+          </a:p>
+        </p:txBody>
+      </p:sp>
+      <p:sp>
+        <p:nvSpPr>
+          <p:cNvPr id="3" name="Picture Placeholder 2"/>
+          <p:cNvSpPr>
+            <a:spLocks noGrp="1"/>
+          </p:cNvSpPr>
+          <p:nvPr>
+            <p:ph type="pic" idx="1"/>
+          </p:nvPr>
+        </p:nvSpPr>
+        <p:spPr>
+          <a:xfrm>
+            <a:off x="1792288" y="612775"/>
+            <a:ext cx="5486400" cy="4114800"/>
+          </a:xfrm>
+        </p:spPr>
+        <p:txBody>
+          <a:bodyPr/>
+          <a:lstStyle>
+            <a:lvl1pPr marL="0" indent="0">
+              <a:buNone/>
+              <a:defRPr sz="3200"/>
+            </a:lvl1pPr>
+            <a:lvl2pPr marL="457200" indent="0">
+              <a:buNone/>
+              <a:defRPr sz="2800"/>
+            </a:lvl2pPr>
+            <a:lvl3pPr marL="914400" indent="0">
+              <a:buNone/>
+              <a:defRPr sz="2400"/>
+            </a:lvl3pPr>
+            <a:lvl4pPr marL="1371600" indent="0">
+              <a:buNone/>
+              <a:defRPr sz="2000"/>
+            </a:lvl4pPr>
+            <a:lvl5pPr marL="1828800" indent="0">
+              <a:buNone/>
+              <a:defRPr sz="2000"/>
+            </a:lvl5pPr>
+            <a:lvl6pPr marL="2286000" indent="0">
+              <a:buNone/>
+              <a:defRPr sz="2000"/>
+            </a:lvl6pPr>
+            <a:lvl7pPr marL="2743200" indent="0">
+              <a:buNone/>
+              <a:defRPr sz="2000"/>
+            </a:lvl7pPr>
+            <a:lvl8pPr marL="3200400" indent="0">
+              <a:buNone/>
+              <a:defRPr sz="2000"/>
+            </a:lvl8pPr>
+            <a:lvl9pPr marL="3657600" indent="0">
+              <a:buNone/>
+              <a:defRPr sz="2000"/>
+            </a:lvl9pPr>
+          </a:lstStyle>
+          <a:p>
+            <a:endParaRPr lang="en-US" dirty="0"/>
+          </a:p>
+        </p:txBody>
+      </p:sp>
+      <p:sp>
+        <p:nvSpPr>
+          <p:cNvPr id="4" name="Text Placeholder 3"/>
+          <p:cNvSpPr>
+            <a:spLocks noGrp="1"/>
+          </p:cNvSpPr>
+          <p:nvPr>
+            <p:ph type="body" sz="half" idx="2"/>
+          </p:nvPr>
+        </p:nvSpPr>
+        <p:spPr>
+          <a:xfrm>
+            <a:off x="1792288" y="5367338"/>
+            <a:ext cx="5486400" cy="804862"/>
+          </a:xfrm>
+        </p:spPr>
+        <p:txBody>
+          <a:bodyPr/>
+          <a:lstStyle>
+            <a:lvl1pPr marL="0" indent="0">
+              <a:buNone/>
+              <a:defRPr sz="1400"/>
+            </a:lvl1pPr>
+            <a:lvl2pPr marL="457200" indent="0">
+              <a:buNone/>
+              <a:defRPr sz="1200"/>
+            </a:lvl2pPr>
+            <a:lvl3pPr marL="914400" indent="0">
+              <a:buNone/>
+              <a:defRPr sz="1000"/>
+            </a:lvl3pPr>
+            <a:lvl4pPr marL="1371600" indent="0">
+              <a:buNone/>
+              <a:defRPr sz="900"/>
+            </a:lvl4pPr>
+            <a:lvl5pPr marL="1828800" indent="0">
+              <a:buNone/>
+              <a:defRPr sz="900"/>
+            </a:lvl5pPr>
+            <a:lvl6pPr marL="2286000" indent="0">
+              <a:buNone/>
+              <a:defRPr sz="900"/>
+            </a:lvl6pPr>
+            <a:lvl7pPr marL="2743200" indent="0">
+              <a:buNone/>
+              <a:defRPr sz="900"/>
+            </a:lvl7pPr>
+            <a:lvl8pPr marL="3200400" indent="0">
+              <a:buNone/>
+              <a:defRPr sz="900"/>
+            </a:lvl8pPr>
+            <a:lvl9pPr marL="3657600" indent="0">
+              <a:buNone/>
+              <a:defRPr sz="900"/>
+            </a:lvl9pPr>
+          </a:lstStyle>
+          <a:p>
+            <a:pPr lvl="0"/>
+            <a:r>
+              <a:rPr lang="en-US" smtClean="0"/>
+              <a:t>Click to edit Master text styles</a:t>
+            </a:r>
+          </a:p>
+        </p:txBody>
+      </p:sp>
+      <p:sp>
+        <p:nvSpPr>
+          <p:cNvPr id="5" name="Date Placeholder 4"/>
+          <p:cNvSpPr>
+            <a:spLocks noGrp="1"/>
+          </p:cNvSpPr>
+          <p:nvPr>
+            <p:ph type="dt" sz="half" idx="10"/>
+          </p:nvPr>
+        </p:nvSpPr>
+        <p:spPr/>
+        <p:txBody>
+          <a:bodyPr/>
+          <a:lstStyle/>
+          <a:p>
+            <a:fld id="{A2ED7707-E2E8-493C-B39F-CCDFED8A6AEA}" type="datetimeFigureOut">
+              <a:rPr lang="en-US" smtClean="0"/>
+              <a:t>6/2/2012</a:t>
+            </a:fld>
+            <a:endParaRPr lang="en-US" dirty="0"/>
+          </a:p>
+        </p:txBody>
+      </p:sp>
+      <p:sp>
+        <p:nvSpPr>
+          <p:cNvPr id="6" name="Footer Placeholder 5"/>
+          <p:cNvSpPr>
+            <a:spLocks noGrp="1"/>
+          </p:cNvSpPr>
+          <p:nvPr>
+            <p:ph type="ftr" sz="quarter" idx="11"/>
+          </p:nvPr>
+        </p:nvSpPr>
+        <p:spPr/>
+        <p:txBody>
+          <a:bodyPr/>
+          <a:lstStyle/>
+          <a:p>
+            <a:endParaRPr lang="en-US" dirty="0"/>
+          </a:p>
+        </p:txBody>
+      </p:sp>
+      <p:sp>
+        <p:nvSpPr>
+          <p:cNvPr id="7" name="Slide Number Placeholder 6"/>
+          <p:cNvSpPr>
+            <a:spLocks noGrp="1"/>
+          </p:cNvSpPr>
+          <p:nvPr>
+            <p:ph type="sldNum" sz="quarter" idx="12"/>
+          </p:nvPr>
+        </p:nvSpPr>
+        <p:spPr/>
+        <p:txBody>
+          <a:bodyPr/>
+          <a:lstStyle/>
+          <a:p>
+            <a:fld id="{AC73023D-27D3-4583-BC75-C6907FAC3A9C}" type="slidenum">
+              <a:rPr lang="en-US" smtClean="0"/>
+              <a:t>‹#›</a:t>
+            </a:fld>
+            <a:endParaRPr lang="en-US" dirty="0"/>
+          </a:p>
+        </p:txBody>
+      </p:sp>
+    </p:spTree>
+    <p:extLst>
+      <p:ext uri="{BB962C8B-B14F-4D97-AF65-F5344CB8AC3E}">
+        <p14:creationId xmlns:p14="http://schemas.microsoft.com/office/powerpoint/2010/main" val="165336871"/>
+      </p:ext>
+    </p:extLst>
+  </p:cSld>
+  <p:clrMapOvr>
+    <a:masterClrMapping/>
+  </p:clrMapOvr>
+</p:sldLayout>
+</file>
+
+<file path=ppt/slideLayouts/slideLayout90.xml><?xml version="1.0" encoding="utf-8"?>
 <p:sldLayout xmlns:a="http://schemas.openxmlformats.org/drawingml/2006/main" xmlns:r="http://schemas.openxmlformats.org/officeDocument/2006/relationships" xmlns:p="http://schemas.openxmlformats.org/presentationml/2006/main" preserve="1" userDrawn="1">
   <p:cSld name="Comparison">
     <p:spTree>
@@ -38054,7 +37556,7 @@
 </p:sldLayout>
 </file>
 
-<file path=ppt/slideLayouts/slideLayout92.xml><?xml version="1.0" encoding="utf-8"?>
+<file path=ppt/slideLayouts/slideLayout91.xml><?xml version="1.0" encoding="utf-8"?>
 <p:sldLayout xmlns:a="http://schemas.openxmlformats.org/drawingml/2006/main" xmlns:r="http://schemas.openxmlformats.org/officeDocument/2006/relationships" xmlns:p="http://schemas.openxmlformats.org/presentationml/2006/main" preserve="1" userDrawn="1">
   <p:cSld name="Title Only">
     <p:spTree>
@@ -38221,7 +37723,7 @@
 </p:sldLayout>
 </file>
 
-<file path=ppt/slideLayouts/slideLayout93.xml><?xml version="1.0" encoding="utf-8"?>
+<file path=ppt/slideLayouts/slideLayout92.xml><?xml version="1.0" encoding="utf-8"?>
 <p:sldLayout xmlns:a="http://schemas.openxmlformats.org/drawingml/2006/main" xmlns:r="http://schemas.openxmlformats.org/officeDocument/2006/relationships" xmlns:p="http://schemas.openxmlformats.org/presentationml/2006/main" type="blank" preserve="1">
   <p:cSld name="Blank">
     <p:bg>
@@ -38269,7 +37771,7 @@
 </p:sldLayout>
 </file>
 
-<file path=ppt/slideLayouts/slideLayout94.xml><?xml version="1.0" encoding="utf-8"?>
+<file path=ppt/slideLayouts/slideLayout93.xml><?xml version="1.0" encoding="utf-8"?>
 <p:sldLayout xmlns:a="http://schemas.openxmlformats.org/drawingml/2006/main" xmlns:r="http://schemas.openxmlformats.org/officeDocument/2006/relationships" xmlns:p="http://schemas.openxmlformats.org/presentationml/2006/main" preserve="1">
   <p:cSld name="Black Layout - Title and Content">
     <p:bg bwMode="black">
@@ -38521,7 +38023,7 @@
 </p:sldLayout>
 </file>
 
-<file path=ppt/slideLayouts/slideLayout95.xml><?xml version="1.0" encoding="utf-8"?>
+<file path=ppt/slideLayouts/slideLayout94.xml><?xml version="1.0" encoding="utf-8"?>
 <p:sldLayout xmlns:a="http://schemas.openxmlformats.org/drawingml/2006/main" xmlns:r="http://schemas.openxmlformats.org/officeDocument/2006/relationships" xmlns:p="http://schemas.openxmlformats.org/presentationml/2006/main" preserve="1">
   <p:cSld name="Black Notes slide Layout">
     <p:bg bwMode="black">
@@ -38830,7 +38332,7 @@
 </p:sldLayout>
 </file>
 
-<file path=ppt/slideLayouts/slideLayout96.xml><?xml version="1.0" encoding="utf-8"?>
+<file path=ppt/slideLayouts/slideLayout95.xml><?xml version="1.0" encoding="utf-8"?>
 <p:sldLayout xmlns:a="http://schemas.openxmlformats.org/drawingml/2006/main" xmlns:r="http://schemas.openxmlformats.org/officeDocument/2006/relationships" xmlns:p="http://schemas.openxmlformats.org/presentationml/2006/main" userDrawn="1">
   <p:cSld name="2_Title and Content">
     <p:spTree>
@@ -39072,7 +38574,7 @@
 </p:sldLayout>
 </file>
 
-<file path=ppt/slideLayouts/slideLayout97.xml><?xml version="1.0" encoding="utf-8"?>
+<file path=ppt/slideLayouts/slideLayout96.xml><?xml version="1.0" encoding="utf-8"?>
 <p:sldLayout xmlns:a="http://schemas.openxmlformats.org/drawingml/2006/main" xmlns:r="http://schemas.openxmlformats.org/officeDocument/2006/relationships" xmlns:p="http://schemas.openxmlformats.org/presentationml/2006/main" preserve="1" userDrawn="1">
   <p:cSld name="Title Slide WP7 Annimation ">
     <p:bg>
@@ -39942,7 +39444,7 @@
 </p:sldLayout>
 </file>
 
-<file path=ppt/slideLayouts/slideLayout98.xml><?xml version="1.0" encoding="utf-8"?>
+<file path=ppt/slideLayouts/slideLayout97.xml><?xml version="1.0" encoding="utf-8"?>
 <p:sldLayout xmlns:a="http://schemas.openxmlformats.org/drawingml/2006/main" xmlns:r="http://schemas.openxmlformats.org/officeDocument/2006/relationships" xmlns:p="http://schemas.openxmlformats.org/presentationml/2006/main" preserve="1" userDrawn="1">
   <p:cSld name="1_Demo, Video etc. &quot;special&quot; slides">
     <p:bg>
@@ -40784,7 +40286,7 @@
 </p:sldLayout>
 </file>
 
-<file path=ppt/slideLayouts/slideLayout99.xml><?xml version="1.0" encoding="utf-8"?>
+<file path=ppt/slideLayouts/slideLayout98.xml><?xml version="1.0" encoding="utf-8"?>
 <p:sldLayout xmlns:a="http://schemas.openxmlformats.org/drawingml/2006/main" xmlns:r="http://schemas.openxmlformats.org/officeDocument/2006/relationships" xmlns:p="http://schemas.openxmlformats.org/presentationml/2006/main" preserve="1" userDrawn="1">
   <p:cSld name="Section Layout">
     <p:spTree>
@@ -41327,6 +40829,248 @@
 </p:sldLayout>
 </file>
 
+<file path=ppt/slideLayouts/slideLayout99.xml><?xml version="1.0" encoding="utf-8"?>
+<p:sldLayout xmlns:a="http://schemas.openxmlformats.org/drawingml/2006/main" xmlns:r="http://schemas.openxmlformats.org/officeDocument/2006/relationships" xmlns:p="http://schemas.openxmlformats.org/presentationml/2006/main" preserve="1" userDrawn="1">
+  <p:cSld name="1_Title and Content">
+    <p:spTree>
+      <p:nvGrpSpPr>
+        <p:cNvPr id="1" name=""/>
+        <p:cNvGrpSpPr/>
+        <p:nvPr/>
+      </p:nvGrpSpPr>
+      <p:grpSpPr>
+        <a:xfrm>
+          <a:off x="0" y="0"/>
+          <a:ext cx="0" cy="0"/>
+          <a:chOff x="0" y="0"/>
+          <a:chExt cx="0" cy="0"/>
+        </a:xfrm>
+      </p:grpSpPr>
+      <p:pic>
+        <p:nvPicPr>
+          <p:cNvPr id="7" name="Picture 6"/>
+          <p:cNvPicPr>
+            <a:picLocks noChangeAspect="1"/>
+          </p:cNvPicPr>
+          <p:nvPr userDrawn="1"/>
+        </p:nvPicPr>
+        <p:blipFill>
+          <a:blip r:embed="rId2">
+            <a:extLst>
+              <a:ext uri="{28A0092B-C50C-407E-A947-70E740481C1C}">
+                <a14:useLocalDpi xmlns:a14="http://schemas.microsoft.com/office/drawing/2010/main" val="0"/>
+              </a:ext>
+            </a:extLst>
+          </a:blip>
+          <a:stretch>
+            <a:fillRect/>
+          </a:stretch>
+        </p:blipFill>
+        <p:spPr>
+          <a:xfrm>
+            <a:off x="6360290" y="228600"/>
+            <a:ext cx="2478910" cy="552622"/>
+          </a:xfrm>
+          <a:prstGeom prst="rect">
+            <a:avLst/>
+          </a:prstGeom>
+        </p:spPr>
+      </p:pic>
+      <p:sp>
+        <p:nvSpPr>
+          <p:cNvPr id="2" name="Title 1"/>
+          <p:cNvSpPr>
+            <a:spLocks noGrp="1"/>
+          </p:cNvSpPr>
+          <p:nvPr>
+            <p:ph type="title" hasCustomPrompt="1"/>
+          </p:nvPr>
+        </p:nvSpPr>
+        <p:spPr>
+          <a:xfrm>
+            <a:off x="381000" y="769203"/>
+            <a:ext cx="8363938" cy="747897"/>
+          </a:xfrm>
+        </p:spPr>
+        <p:txBody>
+          <a:bodyPr/>
+          <a:lstStyle>
+            <a:lvl1pPr>
+              <a:defRPr>
+                <a:latin typeface="Segoe UI Light" pitchFamily="34" charset="0"/>
+              </a:defRPr>
+            </a:lvl1pPr>
+          </a:lstStyle>
+          <a:p>
+            <a:r>
+              <a:rPr lang="en-US" dirty="0" smtClean="0"/>
+              <a:t>Master title style</a:t>
+            </a:r>
+            <a:endParaRPr lang="en-US" dirty="0"/>
+          </a:p>
+        </p:txBody>
+      </p:sp>
+      <p:sp>
+        <p:nvSpPr>
+          <p:cNvPr id="5" name="Text Placeholder 4"/>
+          <p:cNvSpPr>
+            <a:spLocks noGrp="1"/>
+          </p:cNvSpPr>
+          <p:nvPr>
+            <p:ph type="body" sz="quarter" idx="10"/>
+          </p:nvPr>
+        </p:nvSpPr>
+        <p:spPr>
+          <a:xfrm>
+            <a:off x="381000" y="1905000"/>
+            <a:ext cx="8363938" cy="2609945"/>
+          </a:xfrm>
+        </p:spPr>
+        <p:txBody>
+          <a:bodyPr/>
+          <a:lstStyle>
+            <a:lvl1pPr marL="347663" indent="-347663">
+              <a:defRPr sz="3200">
+                <a:latin typeface="Segoe UI Light" pitchFamily="34" charset="0"/>
+              </a:defRPr>
+            </a:lvl1pPr>
+            <a:lvl2pPr marL="744538" indent="-284163">
+              <a:defRPr sz="3200"/>
+            </a:lvl2pPr>
+            <a:lvl3pPr marL="1143000" indent="-287338">
+              <a:defRPr sz="3200"/>
+            </a:lvl3pPr>
+            <a:lvl4pPr marL="1490663" indent="-231775">
+              <a:defRPr sz="3200"/>
+            </a:lvl4pPr>
+            <a:lvl5pPr marL="1828800" indent="-223838">
+              <a:defRPr sz="3200"/>
+            </a:lvl5pPr>
+          </a:lstStyle>
+          <a:p>
+            <a:pPr lvl="0"/>
+            <a:r>
+              <a:rPr lang="en-US" dirty="0" smtClean="0"/>
+              <a:t>Click to edit Master text styles</a:t>
+            </a:r>
+          </a:p>
+          <a:p>
+            <a:pPr lvl="1"/>
+            <a:r>
+              <a:rPr lang="en-US" dirty="0" smtClean="0"/>
+              <a:t>Second level</a:t>
+            </a:r>
+          </a:p>
+          <a:p>
+            <a:pPr lvl="2"/>
+            <a:r>
+              <a:rPr lang="en-US" dirty="0" smtClean="0"/>
+              <a:t>Third level</a:t>
+            </a:r>
+          </a:p>
+          <a:p>
+            <a:pPr lvl="3"/>
+            <a:r>
+              <a:rPr lang="en-US" dirty="0" smtClean="0"/>
+              <a:t>Fourth level</a:t>
+            </a:r>
+          </a:p>
+          <a:p>
+            <a:pPr lvl="4"/>
+            <a:r>
+              <a:rPr lang="en-US" dirty="0" smtClean="0"/>
+              <a:t>Fifth level</a:t>
+            </a:r>
+            <a:endParaRPr lang="en-US" dirty="0"/>
+          </a:p>
+        </p:txBody>
+      </p:sp>
+      <p:sp>
+        <p:nvSpPr>
+          <p:cNvPr id="8" name="TextBox 7"/>
+          <p:cNvSpPr txBox="1"/>
+          <p:nvPr userDrawn="1"/>
+        </p:nvSpPr>
+        <p:spPr>
+          <a:xfrm>
+            <a:off x="4773601" y="6505545"/>
+            <a:ext cx="4063796" cy="200055"/>
+          </a:xfrm>
+          <a:prstGeom prst="rect">
+            <a:avLst/>
+          </a:prstGeom>
+          <a:noFill/>
+        </p:spPr>
+        <p:txBody>
+          <a:bodyPr wrap="square" rtlCol="0" anchor="b">
+            <a:spAutoFit/>
+          </a:bodyPr>
+          <a:lstStyle/>
+          <a:p>
+            <a:pPr algn="r" defTabSz="914363"/>
+            <a:fld id="{40B76143-9258-4AEE-9511-E300703853D1}" type="slidenum">
+              <a:rPr lang="en-US" sz="700" smtClean="0">
+                <a:solidFill>
+                  <a:prstClr val="white">
+                    <a:lumMod val="50000"/>
+                  </a:prstClr>
+                </a:solidFill>
+                <a:latin typeface="Segoe UI" pitchFamily="34" charset="0"/>
+                <a:ea typeface="Segoe UI" pitchFamily="34" charset="0"/>
+                <a:cs typeface="Segoe UI" pitchFamily="34" charset="0"/>
+              </a:rPr>
+              <a:pPr algn="r" defTabSz="914363"/>
+              <a:t>‹#›</a:t>
+            </a:fld>
+            <a:r>
+              <a:rPr lang="en-US" sz="700" dirty="0" smtClean="0">
+                <a:solidFill>
+                  <a:prstClr val="white">
+                    <a:lumMod val="50000"/>
+                  </a:prstClr>
+                </a:solidFill>
+                <a:latin typeface="Segoe UI" pitchFamily="34" charset="0"/>
+                <a:ea typeface="Segoe UI" pitchFamily="34" charset="0"/>
+                <a:cs typeface="Segoe UI" pitchFamily="34" charset="0"/>
+              </a:rPr>
+              <a:t>    |   SharePoint Saturday St. Louis 2012</a:t>
+            </a:r>
+            <a:endParaRPr lang="en-US" sz="700" dirty="0">
+              <a:solidFill>
+                <a:prstClr val="white">
+                  <a:lumMod val="50000"/>
+                </a:prstClr>
+              </a:solidFill>
+              <a:latin typeface="Segoe UI" pitchFamily="34" charset="0"/>
+              <a:ea typeface="Segoe UI" pitchFamily="34" charset="0"/>
+              <a:cs typeface="Segoe UI" pitchFamily="34" charset="0"/>
+            </a:endParaRPr>
+          </a:p>
+        </p:txBody>
+      </p:sp>
+    </p:spTree>
+    <p:extLst>
+      <p:ext uri="{BB962C8B-B14F-4D97-AF65-F5344CB8AC3E}">
+        <p14:creationId xmlns:p14="http://schemas.microsoft.com/office/powerpoint/2010/main" val="3674071476"/>
+      </p:ext>
+    </p:extLst>
+  </p:cSld>
+  <p:clrMapOvr>
+    <a:masterClrMapping/>
+  </p:clrMapOvr>
+  <p:transition spd="slow">
+    <p:push/>
+  </p:transition>
+  <p:timing>
+    <p:tnLst>
+      <p:par>
+        <p:cTn id="1" dur="indefinite" restart="never" nodeType="tmRoot"/>
+      </p:par>
+    </p:tnLst>
+  </p:timing>
+</p:sldLayout>
+</file>
+
 <file path=ppt/slideMasters/slideMaster1.xml><?xml version="1.0" encoding="utf-8"?>
 <p:sldMaster xmlns:a="http://schemas.openxmlformats.org/drawingml/2006/main" xmlns:r="http://schemas.openxmlformats.org/officeDocument/2006/relationships" xmlns:p="http://schemas.openxmlformats.org/presentationml/2006/main">
   <p:cSld>
@@ -41479,7 +41223,7 @@
           <a:p>
             <a:fld id="{A2ED7707-E2E8-493C-B39F-CCDFED8A6AEA}" type="datetimeFigureOut">
               <a:rPr lang="en-US" smtClean="0"/>
-              <a:t>5/31/2012</a:t>
+              <a:t>6/2/2012</a:t>
             </a:fld>
             <a:endParaRPr lang="en-US" dirty="0"/>
           </a:p>
@@ -41584,7 +41328,6 @@
     <p:sldLayoutId id="2147483658" r:id="rId10"/>
     <p:sldLayoutId id="2147483659" r:id="rId11"/>
     <p:sldLayoutId id="2147483660" r:id="rId12"/>
-    <p:sldLayoutId id="2147483674" r:id="rId13"/>
   </p:sldLayoutIdLst>
   <p:txStyles>
     <p:titleStyle>
@@ -46821,11 +46564,7 @@
           <a:p>
             <a:r>
               <a:rPr lang="en-US" dirty="0" smtClean="0"/>
-              <a:t>OData</a:t>
-            </a:r>
-            <a:r>
-              <a:rPr lang="en-US" dirty="0" smtClean="0"/>
-              <a:t> API</a:t>
+              <a:t>OData API</a:t>
             </a:r>
           </a:p>
           <a:p>
@@ -47075,13 +46814,7 @@
               <a:rPr lang="en-US" dirty="0" smtClean="0">
                 <a:hlinkClick r:id="rId6"/>
               </a:rPr>
-              <a:t>bit.ly/</a:t>
-            </a:r>
-            <a:r>
-              <a:rPr lang="en-US" dirty="0" smtClean="0">
-                <a:hlinkClick r:id="rId6"/>
-              </a:rPr>
-              <a:t>JweBZp</a:t>
+              <a:t>bit.ly/JweBZp</a:t>
             </a:r>
             <a:r>
               <a:rPr lang="en-US" dirty="0" smtClean="0"/>
@@ -47094,24 +46827,14 @@
               <a:rPr lang="en-US" dirty="0" smtClean="0">
                 <a:hlinkClick r:id="rId7"/>
               </a:rPr>
-              <a:t>bit.ly/</a:t>
-            </a:r>
-            <a:r>
-              <a:rPr lang="en-US" dirty="0" smtClean="0">
-                <a:hlinkClick r:id="rId7"/>
-              </a:rPr>
-              <a:t>KZuiYz</a:t>
+              <a:t>bit.ly/KZuiYz</a:t>
             </a:r>
             <a:endParaRPr lang="en-US" dirty="0"/>
           </a:p>
           <a:p>
             <a:r>
               <a:rPr lang="en-US" dirty="0" smtClean="0"/>
-              <a:t>SharePoint </a:t>
-            </a:r>
-            <a:r>
-              <a:rPr lang="en-US" dirty="0" smtClean="0"/>
-              <a:t>Online Development </a:t>
+              <a:t>SharePoint Online Development </a:t>
             </a:r>
             <a:r>
               <a:rPr lang="en-US" dirty="0"/>
@@ -47190,7 +46913,7 @@
       </p:grpSpPr>
       <p:sp>
         <p:nvSpPr>
-          <p:cNvPr id="3" name="Title 2"/>
+          <p:cNvPr id="2" name="Title 1"/>
           <p:cNvSpPr>
             <a:spLocks noGrp="1"/>
           </p:cNvSpPr>
@@ -47200,14 +46923,12 @@
         </p:nvSpPr>
         <p:spPr/>
         <p:txBody>
-          <a:bodyPr>
-            <a:normAutofit fontScale="90000"/>
-          </a:bodyPr>
+          <a:bodyPr/>
           <a:lstStyle/>
           <a:p>
             <a:r>
               <a:rPr lang="en-US" dirty="0" smtClean="0"/>
-              <a:t>Housekeeping</a:t>
+              <a:t>Recap</a:t>
             </a:r>
             <a:endParaRPr lang="en-US" dirty="0"/>
           </a:p>
@@ -47215,72 +46936,48 @@
       </p:sp>
       <p:sp>
         <p:nvSpPr>
-          <p:cNvPr id="4" name="Text Placeholder 3"/>
+          <p:cNvPr id="3" name="Content Placeholder 2"/>
           <p:cNvSpPr>
             <a:spLocks noGrp="1"/>
           </p:cNvSpPr>
           <p:nvPr>
-            <p:ph type="body" sz="quarter" idx="10"/>
+            <p:ph idx="1"/>
           </p:nvPr>
         </p:nvSpPr>
-        <p:spPr>
-          <a:xfrm>
-            <a:off x="381000" y="1905000"/>
-            <a:ext cx="8363938" cy="4825937"/>
-          </a:xfrm>
-        </p:spPr>
+        <p:spPr/>
         <p:txBody>
-          <a:bodyPr/>
+          <a:bodyPr>
+            <a:normAutofit/>
+          </a:bodyPr>
           <a:lstStyle/>
           <a:p>
-            <a:r>
-              <a:rPr lang="en-US" dirty="0"/>
-              <a:t>Follow SharePoint Saturday St. Louis on Twitter @</a:t>
-            </a:r>
-            <a:r>
-              <a:rPr lang="en-US" dirty="0" err="1" smtClean="0"/>
-              <a:t>spsstlouis</a:t>
-            </a:r>
-            <a:r>
-              <a:rPr lang="en-US" dirty="0" smtClean="0"/>
-              <a:t> </a:t>
-            </a:r>
-            <a:r>
-              <a:rPr lang="en-US" dirty="0"/>
-              <a:t>and </a:t>
-            </a:r>
-            <a:r>
-              <a:rPr lang="en-US" dirty="0" err="1"/>
-              <a:t>hashtag</a:t>
-            </a:r>
-            <a:r>
-              <a:rPr lang="en-US" dirty="0"/>
-              <a:t> #</a:t>
-            </a:r>
-            <a:r>
-              <a:rPr lang="en-US" dirty="0" err="1" smtClean="0"/>
-              <a:t>spsstl</a:t>
-            </a:r>
-            <a:endParaRPr lang="en-US" dirty="0" smtClean="0"/>
-          </a:p>
-          <a:p>
-            <a:r>
-              <a:rPr lang="en-US" dirty="0" smtClean="0"/>
-              <a:t>Play “Sponsor Bingo” to register for your chance to win one of the many great giveaways at the end of the day</a:t>
-            </a:r>
-          </a:p>
-          <a:p>
-            <a:r>
-              <a:rPr lang="en-US" dirty="0" smtClean="0"/>
-              <a:t>Schedule and evaluate each session you attend via our mobile app that can be used across devices at </a:t>
+            <a:pPr marL="0" indent="0">
+              <a:buNone/>
+            </a:pPr>
+            <a:r>
+              <a:rPr lang="en-US" dirty="0" smtClean="0"/>
+              <a:t>email: </a:t>
             </a:r>
             <a:r>
               <a:rPr lang="en-US" dirty="0" smtClean="0">
-                <a:hlinkClick r:id="rId2"/>
+                <a:ea typeface="Segoe UI" pitchFamily="34" charset="0"/>
+                <a:cs typeface="Segoe UI" pitchFamily="34" charset="0"/>
               </a:rPr>
-              <a:t>http://spsaturday.cloudapp.net</a:t>
-            </a:r>
-            <a:endParaRPr lang="en-US" dirty="0"/>
+              <a:t>jacobladams</a:t>
+            </a:r>
+            <a:r>
+              <a:rPr lang="en-US" dirty="0" smtClean="0"/>
+              <a:t>@gmail.com</a:t>
+            </a:r>
+          </a:p>
+          <a:p>
+            <a:pPr marL="0" indent="0">
+              <a:buNone/>
+            </a:pPr>
+            <a:r>
+              <a:rPr lang="en-US" dirty="0" smtClean="0"/>
+              <a:t>twitter: @jacobladams</a:t>
+            </a:r>
           </a:p>
           <a:p>
             <a:pPr marL="0" indent="0">
@@ -47289,278 +46986,50 @@
             <a:endParaRPr lang="en-US" dirty="0" smtClean="0"/>
           </a:p>
           <a:p>
-            <a:endParaRPr lang="en-US" dirty="0" smtClean="0"/>
+            <a:pPr marL="0" indent="0">
+              <a:buNone/>
+            </a:pPr>
+            <a:r>
+              <a:rPr lang="en-US" dirty="0" smtClean="0"/>
+              <a:t>github.com/</a:t>
+            </a:r>
+            <a:r>
+              <a:rPr lang="en-US" dirty="0" err="1" smtClean="0"/>
+              <a:t>jacobladams</a:t>
+            </a:r>
+            <a:r>
+              <a:rPr lang="en-US" dirty="0" smtClean="0"/>
+              <a:t>/presentations/tree/master/</a:t>
+            </a:r>
+            <a:r>
+              <a:rPr lang="en-US" dirty="0" err="1" smtClean="0"/>
+              <a:t>silverlight</a:t>
+            </a:r>
+            <a:r>
+              <a:rPr lang="en-US" dirty="0" smtClean="0"/>
+              <a:t>-and-</a:t>
+            </a:r>
+            <a:r>
+              <a:rPr lang="en-US" dirty="0" err="1" smtClean="0"/>
+              <a:t>sharepoint</a:t>
+            </a:r>
+            <a:r>
+              <a:rPr lang="en-US" dirty="0" smtClean="0"/>
+              <a:t> </a:t>
+            </a:r>
           </a:p>
         </p:txBody>
       </p:sp>
-      <p:grpSp>
-        <p:nvGrpSpPr>
-          <p:cNvPr id="13" name="Group 12"/>
-          <p:cNvGrpSpPr/>
-          <p:nvPr/>
-        </p:nvGrpSpPr>
-        <p:grpSpPr>
-          <a:xfrm>
-            <a:off x="762000" y="5562600"/>
-            <a:ext cx="4191000" cy="690430"/>
-            <a:chOff x="1066800" y="5262094"/>
-            <a:chExt cx="5386971" cy="887456"/>
-          </a:xfrm>
-        </p:grpSpPr>
-        <p:pic>
-          <p:nvPicPr>
-            <p:cNvPr id="10" name="Picture 9"/>
-            <p:cNvPicPr>
-              <a:picLocks noChangeAspect="1"/>
-            </p:cNvPicPr>
-            <p:nvPr/>
-          </p:nvPicPr>
-          <p:blipFill>
-            <a:blip r:embed="rId3">
-              <a:extLst>
-                <a:ext uri="{28A0092B-C50C-407E-A947-70E740481C1C}">
-                  <a14:useLocalDpi xmlns:a14="http://schemas.microsoft.com/office/drawing/2010/main" val="0"/>
-                </a:ext>
-              </a:extLst>
-            </a:blip>
-            <a:stretch>
-              <a:fillRect/>
-            </a:stretch>
-          </p:blipFill>
-          <p:spPr>
-            <a:xfrm>
-              <a:off x="5767971" y="5381149"/>
-              <a:ext cx="685800" cy="685800"/>
-            </a:xfrm>
-            <a:prstGeom prst="rect">
-              <a:avLst/>
-            </a:prstGeom>
-          </p:spPr>
-        </p:pic>
-        <p:pic>
-          <p:nvPicPr>
-            <p:cNvPr id="9" name="Picture 8"/>
-            <p:cNvPicPr>
-              <a:picLocks noChangeAspect="1"/>
-            </p:cNvPicPr>
-            <p:nvPr/>
-          </p:nvPicPr>
-          <p:blipFill>
-            <a:blip r:embed="rId4" cstate="print">
-              <a:extLst>
-                <a:ext uri="{28A0092B-C50C-407E-A947-70E740481C1C}">
-                  <a14:useLocalDpi xmlns:a14="http://schemas.microsoft.com/office/drawing/2010/main" val="0"/>
-                </a:ext>
-              </a:extLst>
-            </a:blip>
-            <a:stretch>
-              <a:fillRect/>
-            </a:stretch>
-          </p:blipFill>
-          <p:spPr>
-            <a:xfrm>
-              <a:off x="3748205" y="5415183"/>
-              <a:ext cx="688020" cy="688020"/>
-            </a:xfrm>
-            <a:prstGeom prst="rect">
-              <a:avLst/>
-            </a:prstGeom>
-          </p:spPr>
-        </p:pic>
-        <p:pic>
-          <p:nvPicPr>
-            <p:cNvPr id="7" name="Picture 6"/>
-            <p:cNvPicPr>
-              <a:picLocks noChangeAspect="1"/>
-            </p:cNvPicPr>
-            <p:nvPr/>
-          </p:nvPicPr>
-          <p:blipFill>
-            <a:blip r:embed="rId5" cstate="print">
-              <a:extLst>
-                <a:ext uri="{28A0092B-C50C-407E-A947-70E740481C1C}">
-                  <a14:useLocalDpi xmlns:a14="http://schemas.microsoft.com/office/drawing/2010/main" val="0"/>
-                </a:ext>
-              </a:extLst>
-            </a:blip>
-            <a:stretch>
-              <a:fillRect/>
-            </a:stretch>
-          </p:blipFill>
-          <p:spPr>
-            <a:xfrm>
-              <a:off x="5105400" y="5415183"/>
-              <a:ext cx="662571" cy="662571"/>
-            </a:xfrm>
-            <a:prstGeom prst="rect">
-              <a:avLst/>
-            </a:prstGeom>
-          </p:spPr>
-        </p:pic>
-        <p:pic>
-          <p:nvPicPr>
-            <p:cNvPr id="6" name="Picture 5"/>
-            <p:cNvPicPr>
-              <a:picLocks noChangeAspect="1"/>
-            </p:cNvPicPr>
-            <p:nvPr/>
-          </p:nvPicPr>
-          <p:blipFill>
-            <a:blip r:embed="rId6" cstate="print">
-              <a:extLst>
-                <a:ext uri="{28A0092B-C50C-407E-A947-70E740481C1C}">
-                  <a14:useLocalDpi xmlns:a14="http://schemas.microsoft.com/office/drawing/2010/main" val="0"/>
-                </a:ext>
-              </a:extLst>
-            </a:blip>
-            <a:stretch>
-              <a:fillRect/>
-            </a:stretch>
-          </p:blipFill>
-          <p:spPr>
-            <a:xfrm>
-              <a:off x="4436225" y="5410200"/>
-              <a:ext cx="667335" cy="665602"/>
-            </a:xfrm>
-            <a:prstGeom prst="rect">
-              <a:avLst/>
-            </a:prstGeom>
-          </p:spPr>
-        </p:pic>
-        <p:pic>
-          <p:nvPicPr>
-            <p:cNvPr id="5" name="Picture 4"/>
-            <p:cNvPicPr>
-              <a:picLocks noChangeAspect="1"/>
-            </p:cNvPicPr>
-            <p:nvPr/>
-          </p:nvPicPr>
-          <p:blipFill>
-            <a:blip r:embed="rId7">
-              <a:extLst>
-                <a:ext uri="{28A0092B-C50C-407E-A947-70E740481C1C}">
-                  <a14:useLocalDpi xmlns:a14="http://schemas.microsoft.com/office/drawing/2010/main" val="0"/>
-                </a:ext>
-              </a:extLst>
-            </a:blip>
-            <a:stretch>
-              <a:fillRect/>
-            </a:stretch>
-          </p:blipFill>
-          <p:spPr>
-            <a:xfrm>
-              <a:off x="3142285" y="5262094"/>
-              <a:ext cx="605920" cy="815661"/>
-            </a:xfrm>
-            <a:prstGeom prst="rect">
-              <a:avLst/>
-            </a:prstGeom>
-          </p:spPr>
-        </p:pic>
-        <p:pic>
-          <p:nvPicPr>
-            <p:cNvPr id="2" name="Picture 1"/>
-            <p:cNvPicPr>
-              <a:picLocks noChangeAspect="1"/>
-            </p:cNvPicPr>
-            <p:nvPr/>
-          </p:nvPicPr>
-          <p:blipFill>
-            <a:blip r:embed="rId8" cstate="print">
-              <a:extLst>
-                <a:ext uri="{28A0092B-C50C-407E-A947-70E740481C1C}">
-                  <a14:useLocalDpi xmlns:a14="http://schemas.microsoft.com/office/drawing/2010/main" val="0"/>
-                </a:ext>
-              </a:extLst>
-            </a:blip>
-            <a:stretch>
-              <a:fillRect/>
-            </a:stretch>
-          </p:blipFill>
-          <p:spPr>
-            <a:xfrm>
-              <a:off x="2428682" y="5435947"/>
-              <a:ext cx="713603" cy="713603"/>
-            </a:xfrm>
-            <a:prstGeom prst="rect">
-              <a:avLst/>
-            </a:prstGeom>
-          </p:spPr>
-        </p:pic>
-        <p:pic>
-          <p:nvPicPr>
-            <p:cNvPr id="8" name="Picture 7"/>
-            <p:cNvPicPr>
-              <a:picLocks noChangeAspect="1"/>
-            </p:cNvPicPr>
-            <p:nvPr/>
-          </p:nvPicPr>
-          <p:blipFill>
-            <a:blip r:embed="rId9" cstate="print">
-              <a:extLst>
-                <a:ext uri="{28A0092B-C50C-407E-A947-70E740481C1C}">
-                  <a14:useLocalDpi xmlns:a14="http://schemas.microsoft.com/office/drawing/2010/main" val="0"/>
-                </a:ext>
-              </a:extLst>
-            </a:blip>
-            <a:stretch>
-              <a:fillRect/>
-            </a:stretch>
-          </p:blipFill>
-          <p:spPr>
-            <a:xfrm>
-              <a:off x="1706253" y="5521602"/>
-              <a:ext cx="722429" cy="475181"/>
-            </a:xfrm>
-            <a:prstGeom prst="rect">
-              <a:avLst/>
-            </a:prstGeom>
-          </p:spPr>
-        </p:pic>
-        <p:pic>
-          <p:nvPicPr>
-            <p:cNvPr id="12" name="Picture 11"/>
-            <p:cNvPicPr>
-              <a:picLocks noChangeAspect="1"/>
-            </p:cNvPicPr>
-            <p:nvPr/>
-          </p:nvPicPr>
-          <p:blipFill>
-            <a:blip r:embed="rId10" cstate="print">
-              <a:extLst>
-                <a:ext uri="{28A0092B-C50C-407E-A947-70E740481C1C}">
-                  <a14:useLocalDpi xmlns:a14="http://schemas.microsoft.com/office/drawing/2010/main" val="0"/>
-                </a:ext>
-              </a:extLst>
-            </a:blip>
-            <a:stretch>
-              <a:fillRect/>
-            </a:stretch>
-          </p:blipFill>
-          <p:spPr>
-            <a:xfrm>
-              <a:off x="1066800" y="5482801"/>
-              <a:ext cx="552783" cy="552783"/>
-            </a:xfrm>
-            <a:prstGeom prst="rect">
-              <a:avLst/>
-            </a:prstGeom>
-          </p:spPr>
-        </p:pic>
-      </p:grpSp>
     </p:spTree>
     <p:extLst>
       <p:ext uri="{BB962C8B-B14F-4D97-AF65-F5344CB8AC3E}">
-        <p14:creationId xmlns:p14="http://schemas.microsoft.com/office/powerpoint/2010/main" val="3024711915"/>
+        <p14:creationId xmlns:p14="http://schemas.microsoft.com/office/powerpoint/2010/main" val="1760961930"/>
       </p:ext>
     </p:extLst>
   </p:cSld>
   <p:clrMapOvr>
     <a:masterClrMapping/>
   </p:clrMapOvr>
-  <p:transition spd="slow">
-    <p:push/>
-  </p:transition>
   <p:timing>
     <p:tnLst>
       <p:par>
@@ -47970,159 +47439,6 @@
       </p:grpSpPr>
       <p:sp>
         <p:nvSpPr>
-          <p:cNvPr id="2" name="Title 1"/>
-          <p:cNvSpPr>
-            <a:spLocks noGrp="1"/>
-          </p:cNvSpPr>
-          <p:nvPr>
-            <p:ph type="title"/>
-          </p:nvPr>
-        </p:nvSpPr>
-        <p:spPr/>
-        <p:txBody>
-          <a:bodyPr/>
-          <a:lstStyle/>
-          <a:p>
-            <a:r>
-              <a:rPr lang="en-US" dirty="0" smtClean="0"/>
-              <a:t>Recap</a:t>
-            </a:r>
-            <a:endParaRPr lang="en-US" dirty="0"/>
-          </a:p>
-        </p:txBody>
-      </p:sp>
-      <p:sp>
-        <p:nvSpPr>
-          <p:cNvPr id="3" name="Content Placeholder 2"/>
-          <p:cNvSpPr>
-            <a:spLocks noGrp="1"/>
-          </p:cNvSpPr>
-          <p:nvPr>
-            <p:ph idx="1"/>
-          </p:nvPr>
-        </p:nvSpPr>
-        <p:spPr/>
-        <p:txBody>
-          <a:bodyPr>
-            <a:normAutofit/>
-          </a:bodyPr>
-          <a:lstStyle/>
-          <a:p>
-            <a:pPr marL="0" indent="0">
-              <a:buNone/>
-            </a:pPr>
-            <a:r>
-              <a:rPr lang="en-US" dirty="0" smtClean="0"/>
-              <a:t>email: </a:t>
-            </a:r>
-            <a:r>
-              <a:rPr lang="en-US" dirty="0" smtClean="0">
-                <a:ea typeface="Segoe UI" pitchFamily="34" charset="0"/>
-                <a:cs typeface="Segoe UI" pitchFamily="34" charset="0"/>
-              </a:rPr>
-              <a:t>jacobladams</a:t>
-            </a:r>
-            <a:r>
-              <a:rPr lang="en-US" dirty="0" smtClean="0"/>
-              <a:t>@gmail.com</a:t>
-            </a:r>
-          </a:p>
-          <a:p>
-            <a:pPr marL="0" indent="0">
-              <a:buNone/>
-            </a:pPr>
-            <a:r>
-              <a:rPr lang="en-US" dirty="0" smtClean="0"/>
-              <a:t>twitter: @jacobladams</a:t>
-            </a:r>
-          </a:p>
-          <a:p>
-            <a:pPr marL="0" indent="0">
-              <a:buNone/>
-            </a:pPr>
-            <a:endParaRPr lang="en-US" dirty="0" smtClean="0"/>
-          </a:p>
-          <a:p>
-            <a:pPr marL="0" indent="0">
-              <a:buNone/>
-            </a:pPr>
-            <a:r>
-              <a:rPr lang="en-US" dirty="0" smtClean="0"/>
-              <a:t>github.com/jacobladams/presentations/tree/master/</a:t>
-            </a:r>
-            <a:r>
-              <a:rPr lang="en-US" dirty="0" smtClean="0"/>
-              <a:t>silverlight</a:t>
-            </a:r>
-            <a:r>
-              <a:rPr lang="en-US" dirty="0" smtClean="0"/>
-              <a:t>-and-</a:t>
-            </a:r>
-            <a:r>
-              <a:rPr lang="en-US" dirty="0" smtClean="0"/>
-              <a:t>sharepoint</a:t>
-            </a:r>
-            <a:r>
-              <a:rPr lang="en-US" dirty="0" smtClean="0"/>
-              <a:t> </a:t>
-            </a:r>
-          </a:p>
-          <a:p>
-            <a:pPr marL="0" indent="0">
-              <a:buNone/>
-            </a:pPr>
-            <a:endParaRPr lang="en-US" dirty="0" smtClean="0"/>
-          </a:p>
-          <a:p>
-            <a:pPr marL="0" indent="0">
-              <a:buNone/>
-            </a:pPr>
-            <a:r>
-              <a:rPr lang="en-US" dirty="0" smtClean="0"/>
-              <a:t>speakerrate.com/talks/11321-silverlight-and-sharepoint</a:t>
-            </a:r>
-          </a:p>
-        </p:txBody>
-      </p:sp>
-    </p:spTree>
-    <p:extLst>
-      <p:ext uri="{BB962C8B-B14F-4D97-AF65-F5344CB8AC3E}">
-        <p14:creationId xmlns:p14="http://schemas.microsoft.com/office/powerpoint/2010/main" val="1760961930"/>
-      </p:ext>
-    </p:extLst>
-  </p:cSld>
-  <p:clrMapOvr>
-    <a:masterClrMapping/>
-  </p:clrMapOvr>
-  <p:timing>
-    <p:tnLst>
-      <p:par>
-        <p:cTn id="1" dur="indefinite" restart="never" nodeType="tmRoot"/>
-      </p:par>
-    </p:tnLst>
-  </p:timing>
-</p:sld>
-</file>
-
-<file path=ppt/slides/slide21.xml><?xml version="1.0" encoding="utf-8"?>
-<p:sld xmlns:a="http://schemas.openxmlformats.org/drawingml/2006/main" xmlns:r="http://schemas.openxmlformats.org/officeDocument/2006/relationships" xmlns:p="http://schemas.openxmlformats.org/presentationml/2006/main">
-  <p:cSld>
-    <p:spTree>
-      <p:nvGrpSpPr>
-        <p:cNvPr id="1" name=""/>
-        <p:cNvGrpSpPr/>
-        <p:nvPr/>
-      </p:nvGrpSpPr>
-      <p:grpSpPr>
-        <a:xfrm>
-          <a:off x="0" y="0"/>
-          <a:ext cx="0" cy="0"/>
-          <a:chOff x="0" y="0"/>
-          <a:chExt cx="0" cy="0"/>
-        </a:xfrm>
-      </p:grpSpPr>
-      <p:sp>
-        <p:nvSpPr>
           <p:cNvPr id="3" name="Title 2"/>
           <p:cNvSpPr>
             <a:spLocks noGrp="1"/>
@@ -48502,7 +47818,7 @@
 </p:sld>
 </file>
 
-<file path=ppt/slides/slide22.xml><?xml version="1.0" encoding="utf-8"?>
+<file path=ppt/slides/slide21.xml><?xml version="1.0" encoding="utf-8"?>
 <p:sld xmlns:a="http://schemas.openxmlformats.org/drawingml/2006/main" xmlns:r="http://schemas.openxmlformats.org/officeDocument/2006/relationships" xmlns:p="http://schemas.openxmlformats.org/presentationml/2006/main">
   <p:cSld>
     <p:spTree>
@@ -48814,7 +48130,7 @@
 </p:sld>
 </file>
 
-<file path=ppt/slides/slide23.xml><?xml version="1.0" encoding="utf-8"?>
+<file path=ppt/slides/slide22.xml><?xml version="1.0" encoding="utf-8"?>
 <p:sld xmlns:a="http://schemas.openxmlformats.org/drawingml/2006/main" xmlns:r="http://schemas.openxmlformats.org/officeDocument/2006/relationships" xmlns:p="http://schemas.openxmlformats.org/presentationml/2006/main">
   <p:cSld>
     <p:spTree>
@@ -50349,13 +49665,8 @@
             <a:pPr lvl="1"/>
             <a:r>
               <a:rPr lang="en-US" dirty="0" smtClean="0"/>
-              <a:t>Control </a:t>
-            </a:r>
-            <a:r>
-              <a:rPr lang="en-US" dirty="0" smtClean="0"/>
-              <a:t>templating</a:t>
-            </a:r>
-            <a:endParaRPr lang="en-US" dirty="0" smtClean="0"/>
+              <a:t>Control templating</a:t>
+            </a:r>
           </a:p>
           <a:p>
             <a:pPr lvl="1"/>
